--- a/JupyterNotebooks/LLS/Lecture2.pptx
+++ b/JupyterNotebooks/LLS/Lecture2.pptx
@@ -5,7 +5,7 @@
     <p:sldMasterId id="2147483660" r:id="rId1"/>
   </p:sldMasterIdLst>
   <p:notesMasterIdLst>
-    <p:notesMasterId r:id="rId41"/>
+    <p:notesMasterId r:id="rId22"/>
   </p:notesMasterIdLst>
   <p:sldIdLst>
     <p:sldId id="256" r:id="rId2"/>
@@ -28,25 +28,6 @@
     <p:sldId id="302" r:id="rId19"/>
     <p:sldId id="303" r:id="rId20"/>
     <p:sldId id="305" r:id="rId21"/>
-    <p:sldId id="257" r:id="rId22"/>
-    <p:sldId id="258" r:id="rId23"/>
-    <p:sldId id="259" r:id="rId24"/>
-    <p:sldId id="260" r:id="rId25"/>
-    <p:sldId id="261" r:id="rId26"/>
-    <p:sldId id="313" r:id="rId27"/>
-    <p:sldId id="314" r:id="rId28"/>
-    <p:sldId id="315" r:id="rId29"/>
-    <p:sldId id="316" r:id="rId30"/>
-    <p:sldId id="317" r:id="rId31"/>
-    <p:sldId id="318" r:id="rId32"/>
-    <p:sldId id="319" r:id="rId33"/>
-    <p:sldId id="320" r:id="rId34"/>
-    <p:sldId id="321" r:id="rId35"/>
-    <p:sldId id="322" r:id="rId36"/>
-    <p:sldId id="323" r:id="rId37"/>
-    <p:sldId id="324" r:id="rId38"/>
-    <p:sldId id="325" r:id="rId39"/>
-    <p:sldId id="326" r:id="rId40"/>
   </p:sldIdLst>
   <p:sldSz cx="12192000" cy="6858000"/>
   <p:notesSz cx="6858000" cy="9144000"/>
@@ -153,1443 +134,6 @@
 </p:presentation>
 </file>
 
-<file path=ppt/ink/ink1.xml><?xml version="1.0" encoding="utf-8"?>
-<inkml:ink xmlns:inkml="http://www.w3.org/2003/InkML">
-  <inkml:definitions>
-    <inkml:context xml:id="ctx0">
-      <inkml:inkSource xml:id="inkSrc0">
-        <inkml:traceFormat>
-          <inkml:channel name="X" type="integer" min="-2.14748E9" max="2.14748E9" units="cm"/>
-          <inkml:channel name="Y" type="integer" min="-2.14748E9" max="2.14748E9" units="cm"/>
-          <inkml:channel name="F" type="integer" max="32767" units="dev"/>
-        </inkml:traceFormat>
-        <inkml:channelProperties>
-          <inkml:channelProperty channel="X" name="resolution" value="1000" units="1/cm"/>
-          <inkml:channelProperty channel="Y" name="resolution" value="1000" units="1/cm"/>
-          <inkml:channelProperty channel="F" name="resolution" value="0" units="1/dev"/>
-        </inkml:channelProperties>
-      </inkml:inkSource>
-      <inkml:timestamp xml:id="ts0" timeString="2023-10-25T16:21:37.709"/>
-    </inkml:context>
-    <inkml:brush xml:id="br0">
-      <inkml:brushProperty name="width" value="0.035" units="cm"/>
-      <inkml:brushProperty name="height" value="0.035" units="cm"/>
-    </inkml:brush>
-  </inkml:definitions>
-  <inkml:trace contextRef="#ctx0" brushRef="#br0">192 1048 24575,'-13'72'0,"0"1"0,0-1 0,7-20 0,1 1 0,-7 30 0,-3 14 0,3 4 0,6-11 0,1 5 0,2-1 0,-2-7 0,-1-3 0,-1-5 0,0 6 0,0 11 0,0 10 0,0-2 0,-1-12 0,0-18 0,0-8 0,1-3 0,1 16 0,2-2 0,2 4 0,3 0 0,3-1 0,2 0 0,2-4 0,2-3 0,1-4 0,0-3 0,-2-6 0,-2-1 0,-1-5 0,-2 0 0,-1 2 0,-1 1 0,0 2 0,0 1 0,1-4 0,1-1 0,2 3 0,-1-1 0,1-3 0,-2 0 0,1-2 0,-2 0 0,1 4 0,-1 0 0,-1 1 0,1 0 0,0 3 0,0 0 0,-1 0 0,-1 0 0,-2 2 0,0 2 0,-2 9 0,1 2 0,0 11 0,1 3 0,1 3 0,0 2 0,0-3 0,-2-2 0,-2-11 0,-3-2 0,-2-9 0,-1-2 0,-1-4 0,-1-3 0,-9 39 0,7-27 0,7-25 0,4-20 0,3-13 0,0-7 0,0-1 0,0-2 0,1 1 0,0 1 0,7-2 0,10 1 0,36 6 0,-7 0 0,6 3 0,13 4 0,5 1 0,11 3 0,3 1 0,7 3 0,2-1-213,-26-7 0,1 0 0,0 0 213,4-1 0,0-1 0,2 0 0,4 0 0,2 0 0,-1-2 0,-2 0 0,-1-2 0,0 0 0,-5-1 0,0 0 0,-1-1 0,27 4 0,-3-1-53,-8-3 1,-2 0 52,1-2 0,0-2 0,5-1 0,0-1 0,3-1 0,-1 0 0,-2-1 0,-2 1 0,-7-1 0,-3 2 0,-9-1 0,-2 0 0,-3-1 0,-1 0 0,-2-2 0,-1-2 317,-1 1 1,0-2-318,3 1 0,1-1 54,6-1 1,1-1-55,10-2 0,3-1 0,6 0 0,0-1 0,-2 0 0,-1 2 0,-4 2 0,-3 2 0,-9 2 0,-1 1 0,0 1 0,0 0 0,4 0 0,1-1 0,0-1 0,2 0 0,2 0 0,0-2 0,-3 1 0,-2 0 0,-9 1 0,-2 0 0,-6 1 0,-1 0 0,-2 2 0,-1 0 0,0 0 0,0 2 0,1-1 0,-1 1 0,0 1 0,0-1 0,1 1 0,1 1 0,6 1 0,1 0 0,4 3 0,1 2 0,2 2 0,1 2 0,1 3 0,0 1 0,-4-1 0,-2 0 0,-1-3 0,-1-2 0,-8-3 0,-2-2 0,30-2 0,-14-3 0,-11-2 0,-3-4 0,-2-3 0,-9-5 0,-7-1 0,-6 0 0,-4 2 0,-6 1 0,-7 2 0,-8 2 0,-2-2 0,-1-8 0,1-17 0,-1-22 0,-1-25 0,-2-19 0,-1 22 0,1-7 0,0 15 0,-1-4 0,1-4-599,-1-16 0,1-6 0,-2-3 599,0 13 0,0-3 0,-1-1 0,0 1 0,0 3 0,0 0 0,-1 1 0,0 0 0,0 1 0,-1 0 0,1 0 0,0 1 0,1 4 0,0-1 0,0 1 0,1-1 0,0-1 0,2 0 0,-1 0 0,1-2 0,1-2 0,0 0 0,0-1 0,0 0 0,0 2 0,1 0 0,-1 0 0,2 1 0,-1 5 0,2 1 0,-1 1 0,1 1-316,2-16 1,1 2 0,1 0 315,0 1 0,1 2 0,-1-1 0,0 0 0,-2 0 0,-1 0 0,-5 0 0,-2-1 0,-2 2 0,-4 4 0,-2 0 0,-2 4 0,-1 8 0,-2 3 0,1 3 0,-5-14 0,1 6 0,7 19 0,2 3 0,3-42 1705,5-4-1705,1 43 0,-1-2 519,1-7 0,-1-2-519,1-2 0,0 0 0,-1 1 0,0 2 0,-1 6 0,-1 3 0,-4-38 0,0 29 0,-3 29 0,-11 25 0,-38 24 0,10-1 0,-6 1 0,-13 0 0,-4-1 0,-11 0 0,-3-2 0,-1-3 0,0-1 0,0-1 0,0-1 0,2 0 0,-1-2 0,-2 0 0,-1-3 0,23 0 0,-1-2 0,-2-1-278,-6-1 0,-2-2 0,-1-1 278,-7-3 0,-2 0 0,1-1 0,2 0 0,0-1 0,2 1 0,10 1 0,2 1 0,2 2 0,-20-2 0,5 3 0,12 4 0,2 1 0,-1 2 0,0 0 0,-3-1 0,0 0 0,0 0 0,2 0 0,2 0 0,3-1 417,3 2 0,0-2-417,-5 0 0,-3-1 0,-13-3 0,-5-1 0,22 1 0,-2-1 0,-1 1 0,-2-1 0,0 0 0,0 1 0,4 0 0,0 0 0,2 1 0,-24-2 0,3 1 0,9 1 0,1-1 0,-1 0 0,-1 0 0,0 0 0,0 1 0,0 0 0,0 1 0,-1 1 0,-1 0 0,0 1 0,0 1 0,2-1 0,1 1 0,2 0 0,0 0 0,6 1 0,1 0 0,10 0 0,2 1 0,-36 1 0,28 2 0,22 0 0,13 0 0,2 0 0,-10 0 0,-14 0 0,-6 0 0,4-2 0,13-1 0,12 0 0,1 0 0,-4 1 0,-5 1 0,-11-1 0,-9 1 0,0-2 0,11 0 0,18 0 0,15 1 0,1 2 0,-6 0 0,0-1 0,0-1 0,2 1 0,-5 2 0,-9 2 0,-7 2 0,-1-1 0,4-1 0,7-2 0,7-1 0,3-1 0,-3 1 0,1 0 0,2 0 0,4 1 0,2 4 0,-2 5 0,0 3 0,0 4 0,1 1 0,2 2 0,0 5 0,3 4 0,2 3 0,0 2 0,0-1 0,-1 5 0,2 2 0,2-2 0,1-6 0,0-10 0,1-10 0,-1-5 0,0-2 0,0-3 0,0 0 0,1 0 0,0 3 0,0 3 0,0 4 0,0 0 0,0 0 0,0-1 0,0 0 0,1-2 0,-1 0 0,0-2 0,2 4 0,1 5 0,2 1 0,0-2 0,-2 0 0,-1 0 0,0 2 0,1 0 0,-1-4 0,0-2 0,-1 1 0,0 3 0,0 3 0,0-1 0,0-2 0,0-2 0,0-3 0,-1-2 0,0-3 0,-1-2 0,0 2 0,0 5 0,0 5 0,1 3 0,-1-2 0,0-1 0,-1 0 0,0-2 0,0-4 0,0 1 0,-1 1 0,0 1 0,0-2 0,2-7 0,0-3 0,0 0 0,-4 6 0,-2 7 0,1 3 0,7 3 0,0-12 0,5-2 0</inkml:trace>
-</inkml:ink>
-</file>
-
-<file path=ppt/ink/ink10.xml><?xml version="1.0" encoding="utf-8"?>
-<inkml:ink xmlns:inkml="http://www.w3.org/2003/InkML">
-  <inkml:definitions>
-    <inkml:context xml:id="ctx0">
-      <inkml:inkSource xml:id="inkSrc0">
-        <inkml:traceFormat>
-          <inkml:channel name="X" type="integer" min="-2.14748E9" max="2.14748E9" units="cm"/>
-          <inkml:channel name="Y" type="integer" min="-2.14748E9" max="2.14748E9" units="cm"/>
-          <inkml:channel name="F" type="integer" max="32767" units="dev"/>
-        </inkml:traceFormat>
-        <inkml:channelProperties>
-          <inkml:channelProperty channel="X" name="resolution" value="1000" units="1/cm"/>
-          <inkml:channelProperty channel="Y" name="resolution" value="1000" units="1/cm"/>
-          <inkml:channelProperty channel="F" name="resolution" value="0" units="1/dev"/>
-        </inkml:channelProperties>
-      </inkml:inkSource>
-      <inkml:timestamp xml:id="ts0" timeString="2023-10-25T16:21:53.046"/>
-    </inkml:context>
-    <inkml:brush xml:id="br0">
-      <inkml:brushProperty name="width" value="0.035" units="cm"/>
-      <inkml:brushProperty name="height" value="0.035" units="cm"/>
-    </inkml:brush>
-  </inkml:definitions>
-  <inkml:trace contextRef="#ctx0" brushRef="#br0">91 250 24575,'21'5'0,"8"-1"0,15 1 0,6-3 0,-4-2 0,-11 0 0,-14 0 0,-6-3 0,1-3 0,-1-2 0,-1 0 0,-4-2 0,-4-1 0,-1-3 0,-1 2 0,-5 3 0,-15-3 0,-33-15 0,-31-17 0,-6-4 0,16 11 0,32 20 0,22 19 0,2 13 0,-2 9 0,1 7 0,4 3 0,4 1 0,4-1 0,3 0 0,5 1 0,3 3 0,5 5 0,4 2 0,4-4 0,3-5 0,3-9 0,-1-8 0,-4-5 0,-3-5 0,-4-1 0,-5-3 0,-2-1 0,4-4 0,8-3 0,6-1 0,4-4 0,-4-2 0,-5-2 0,-7 3 0,-7 3 0,-3 3 0,-6 4 0,1 0 0</inkml:trace>
-</inkml:ink>
-</file>
-
-<file path=ppt/ink/ink11.xml><?xml version="1.0" encoding="utf-8"?>
-<inkml:ink xmlns:inkml="http://www.w3.org/2003/InkML">
-  <inkml:definitions>
-    <inkml:context xml:id="ctx0">
-      <inkml:inkSource xml:id="inkSrc0">
-        <inkml:traceFormat>
-          <inkml:channel name="X" type="integer" min="-2.14748E9" max="2.14748E9" units="cm"/>
-          <inkml:channel name="Y" type="integer" min="-2.14748E9" max="2.14748E9" units="cm"/>
-          <inkml:channel name="F" type="integer" max="32767" units="dev"/>
-        </inkml:traceFormat>
-        <inkml:channelProperties>
-          <inkml:channelProperty channel="X" name="resolution" value="1000" units="1/cm"/>
-          <inkml:channelProperty channel="Y" name="resolution" value="1000" units="1/cm"/>
-          <inkml:channelProperty channel="F" name="resolution" value="0" units="1/dev"/>
-        </inkml:channelProperties>
-      </inkml:inkSource>
-      <inkml:timestamp xml:id="ts0" timeString="2023-10-25T16:21:55.762"/>
-    </inkml:context>
-    <inkml:brush xml:id="br0">
-      <inkml:brushProperty name="width" value="0.035" units="cm"/>
-      <inkml:brushProperty name="height" value="0.035" units="cm"/>
-    </inkml:brush>
-  </inkml:definitions>
-  <inkml:trace contextRef="#ctx0" brushRef="#br0">121 1 24575,'-13'11'0,"1"1"0,-7 4 0,-1 2 0,2 0 0,0 0 0,7-3 0,5-5 0,4-4 0,0 0 0,4 6 0,3 5 0,11 10 0,19 4 0,9-4 0,-1-4 0,-13-11 0,-16-8 0,-4-6 0,3-7 0,3-7 0,1-5 0,-4 0 0,-5 3 0,-4-1 0,-1-5 0,-4-8 0,-4-4 0,-3 3 0,-2 11 0,1 11 0,1 6 0,1 3 0,-1 1 0,-13 4 0,-12 3 0,-11 1 0,-1-1 0,14-3 0,14-3 0,11-2 0,8 0 0,3 0 0,1 1 0,-2 0 0,0 1 0</inkml:trace>
-</inkml:ink>
-</file>
-
-<file path=ppt/ink/ink12.xml><?xml version="1.0" encoding="utf-8"?>
-<inkml:ink xmlns:inkml="http://www.w3.org/2003/InkML">
-  <inkml:definitions>
-    <inkml:context xml:id="ctx0">
-      <inkml:inkSource xml:id="inkSrc0">
-        <inkml:traceFormat>
-          <inkml:channel name="X" type="integer" min="-2.14748E9" max="2.14748E9" units="cm"/>
-          <inkml:channel name="Y" type="integer" min="-2.14748E9" max="2.14748E9" units="cm"/>
-          <inkml:channel name="F" type="integer" max="32767" units="dev"/>
-        </inkml:traceFormat>
-        <inkml:channelProperties>
-          <inkml:channelProperty channel="X" name="resolution" value="1000" units="1/cm"/>
-          <inkml:channelProperty channel="Y" name="resolution" value="1000" units="1/cm"/>
-          <inkml:channelProperty channel="F" name="resolution" value="0" units="1/dev"/>
-        </inkml:channelProperties>
-      </inkml:inkSource>
-      <inkml:timestamp xml:id="ts0" timeString="2023-10-25T16:21:57.280"/>
-    </inkml:context>
-    <inkml:brush xml:id="br0">
-      <inkml:brushProperty name="width" value="0.035" units="cm"/>
-      <inkml:brushProperty name="height" value="0.035" units="cm"/>
-    </inkml:brush>
-  </inkml:definitions>
-  <inkml:trace contextRef="#ctx0" brushRef="#br0">11 161 24575,'-3'7'0,"-1"2"0,2 6 0,0 14 0,3 13 0,1 5 0,0-8 0,1-18 0,-1-17 0,1-19 0,1-16 0,0-16 0,-2-9 0,-2 3 0,-1 8 0,2 7 0,3 6 0,1 6 0,1 7 0,-2 10 0,-2 7 0,0 1 0,9 1 0,10 3 0,8 4 0,6 5 0,-7 3 0,-9-4 0,-7-6 0,-12-5 0,-8 2 0,3-2 0,-4 4 0</inkml:trace>
-</inkml:ink>
-</file>
-
-<file path=ppt/ink/ink13.xml><?xml version="1.0" encoding="utf-8"?>
-<inkml:ink xmlns:inkml="http://www.w3.org/2003/InkML">
-  <inkml:definitions>
-    <inkml:context xml:id="ctx0">
-      <inkml:inkSource xml:id="inkSrc0">
-        <inkml:traceFormat>
-          <inkml:channel name="X" type="integer" min="-2.14748E9" max="2.14748E9" units="cm"/>
-          <inkml:channel name="Y" type="integer" min="-2.14748E9" max="2.14748E9" units="cm"/>
-          <inkml:channel name="F" type="integer" max="32767" units="dev"/>
-        </inkml:traceFormat>
-        <inkml:channelProperties>
-          <inkml:channelProperty channel="X" name="resolution" value="1000" units="1/cm"/>
-          <inkml:channelProperty channel="Y" name="resolution" value="1000" units="1/cm"/>
-          <inkml:channelProperty channel="F" name="resolution" value="0" units="1/dev"/>
-        </inkml:channelProperties>
-      </inkml:inkSource>
-      <inkml:timestamp xml:id="ts0" timeString="2023-10-25T16:21:59.214"/>
-    </inkml:context>
-    <inkml:brush xml:id="br0">
-      <inkml:brushProperty name="width" value="0.035" units="cm"/>
-      <inkml:brushProperty name="height" value="0.035" units="cm"/>
-    </inkml:brush>
-  </inkml:definitions>
-  <inkml:trace contextRef="#ctx0" brushRef="#br0">19 0 24575,'-3'13'0,"-1"13"0,0 14 0,1 13 0,0 12 0,2 15 0,1 13 0,2 5 0,1-7 0,0-18 0,1-18 0,-1-14 0,0-13 0,0-3 0,1-3 0,1-4 0,-3-6 0,-1-3 0,-1 8 0,2 14 0,4 7 0,2-4 0,0-16 0,-1-18 0,-3-7 0,0 0 0,-1 1 0,-1 2 0,2-4 0,3-7 0,1-6 0,1-7 0,-4 12 0,0 2 0</inkml:trace>
-</inkml:ink>
-</file>
-
-<file path=ppt/ink/ink14.xml><?xml version="1.0" encoding="utf-8"?>
-<inkml:ink xmlns:inkml="http://www.w3.org/2003/InkML">
-  <inkml:definitions>
-    <inkml:context xml:id="ctx0">
-      <inkml:inkSource xml:id="inkSrc0">
-        <inkml:traceFormat>
-          <inkml:channel name="X" type="integer" min="-2.14748E9" max="2.14748E9" units="cm"/>
-          <inkml:channel name="Y" type="integer" min="-2.14748E9" max="2.14748E9" units="cm"/>
-          <inkml:channel name="F" type="integer" max="32767" units="dev"/>
-        </inkml:traceFormat>
-        <inkml:channelProperties>
-          <inkml:channelProperty channel="X" name="resolution" value="1000" units="1/cm"/>
-          <inkml:channelProperty channel="Y" name="resolution" value="1000" units="1/cm"/>
-          <inkml:channelProperty channel="F" name="resolution" value="0" units="1/dev"/>
-        </inkml:channelProperties>
-      </inkml:inkSource>
-      <inkml:timestamp xml:id="ts0" timeString="2023-10-25T16:22:01.681"/>
-    </inkml:context>
-    <inkml:brush xml:id="br0">
-      <inkml:brushProperty name="width" value="0.035" units="cm"/>
-      <inkml:brushProperty name="height" value="0.035" units="cm"/>
-    </inkml:brush>
-  </inkml:definitions>
-  <inkml:trace contextRef="#ctx0" brushRef="#br0">1 286 24575,'0'-10'0,"2"-5"0,0-11 0,0-10 0,0-9 0,2-3 0,-1 6 0,1 11 0,-1 14 0,-1 8 0,2 5 0,1 2 0,4 2 0,7 3 0,15 5 0,22 7 0,13 7 0,-1 1 0,-17-5 0,-24-6 0,-20 4 0,-7 9 0,-3 10 0,0 3 0,0-8 0,-2-9 0,-9-3 0,-14 2 0,-11 3 0,-2 2 0,6-3 0,13-8 0,5-4 0,3-4 0,4-1 0,5-2 0,12-1 0,8-4 0,10 1 0,30 5 0,28 10 0,-27-3 0,2 2 0,3 3 0,-2 0 0,29 14 0,-35-10 0,-30-7 0,-16 1 0,-4 12 0,2 14 0,-2 10 0,0 4 0,-3-4 0,-1-11 0,-4-11 0,-6-8 0,-4-4 0,-2-3 0,0-2 0,-10 0 0,-13 4 0,-8 1 0,0-3 0,11-8 0,9-7 0,3-4 0,0-2 0,2-2 0,2-1 0,6 3 0,7 3 0,6 2 0,4 1 0,2-1 0,2 0 0,0 1 0,2-1 0,6 0 0,17-2 0,-12 2 0,7-1 0</inkml:trace>
-</inkml:ink>
-</file>
-
-<file path=ppt/ink/ink15.xml><?xml version="1.0" encoding="utf-8"?>
-<inkml:ink xmlns:inkml="http://www.w3.org/2003/InkML">
-  <inkml:definitions>
-    <inkml:context xml:id="ctx0">
-      <inkml:inkSource xml:id="inkSrc0">
-        <inkml:traceFormat>
-          <inkml:channel name="X" type="integer" min="-2.14748E9" max="2.14748E9" units="cm"/>
-          <inkml:channel name="Y" type="integer" min="-2.14748E9" max="2.14748E9" units="cm"/>
-          <inkml:channel name="F" type="integer" max="32767" units="dev"/>
-        </inkml:traceFormat>
-        <inkml:channelProperties>
-          <inkml:channelProperty channel="X" name="resolution" value="1000" units="1/cm"/>
-          <inkml:channelProperty channel="Y" name="resolution" value="1000" units="1/cm"/>
-          <inkml:channelProperty channel="F" name="resolution" value="0" units="1/dev"/>
-        </inkml:channelProperties>
-      </inkml:inkSource>
-      <inkml:timestamp xml:id="ts0" timeString="2023-10-25T16:22:03.281"/>
-    </inkml:context>
-    <inkml:brush xml:id="br0">
-      <inkml:brushProperty name="width" value="0.035" units="cm"/>
-      <inkml:brushProperty name="height" value="0.035" units="cm"/>
-    </inkml:brush>
-  </inkml:definitions>
-  <inkml:trace contextRef="#ctx0" brushRef="#br0">6 23 24575,'-4'13'0,"3"8"0,2 12 0,5 9 0,1 4 0,-1-6 0,-2-8 0,-2-8 0,-1-1 0,-3 5 0,0 5 0,0 0 0,2-11 0,2-16 0,4-11 0,0-8 0,-1-3 0,-2-2 0,0-9 0,1-15 0,2-13 0,0-13 0,-2 1 0,-2 16 0,0 19 0,5 17 0,6 10 0,8 2 0,13 1 0,12 2 0,5 0 0,-6 0 0,-20 0 0,-15 1 0,-10-1 0</inkml:trace>
-</inkml:ink>
-</file>
-
-<file path=ppt/ink/ink16.xml><?xml version="1.0" encoding="utf-8"?>
-<inkml:ink xmlns:inkml="http://www.w3.org/2003/InkML">
-  <inkml:definitions>
-    <inkml:context xml:id="ctx0">
-      <inkml:inkSource xml:id="inkSrc0">
-        <inkml:traceFormat>
-          <inkml:channel name="X" type="integer" min="-2.14748E9" max="2.14748E9" units="cm"/>
-          <inkml:channel name="Y" type="integer" min="-2.14748E9" max="2.14748E9" units="cm"/>
-          <inkml:channel name="F" type="integer" max="32767" units="dev"/>
-        </inkml:traceFormat>
-        <inkml:channelProperties>
-          <inkml:channelProperty channel="X" name="resolution" value="1000" units="1/cm"/>
-          <inkml:channelProperty channel="Y" name="resolution" value="1000" units="1/cm"/>
-          <inkml:channelProperty channel="F" name="resolution" value="0" units="1/dev"/>
-        </inkml:channelProperties>
-      </inkml:inkSource>
-      <inkml:timestamp xml:id="ts0" timeString="2023-10-25T16:22:05.482"/>
-    </inkml:context>
-    <inkml:brush xml:id="br0">
-      <inkml:brushProperty name="width" value="0.035" units="cm"/>
-      <inkml:brushProperty name="height" value="0.035" units="cm"/>
-    </inkml:brush>
-  </inkml:definitions>
-  <inkml:trace contextRef="#ctx0" brushRef="#br0">138 1 24575,'-22'0'0,"-8"1"0,-2 0 0,6-1 0,14 5 0,7 11 0,2 13 0,0 10 0,0 6 0,2-5 0,1-11 0,0-11 0,0-7 0,2-1 0,4 2 0,1-1 0,0-5 0,6-8 0,7-9 0,7-7 0,2-7 0,-8-3 0,-9 2 0,-7 5 0,-4 7 0,-1 2 0,0-2 0,1-2 0,-1 1 0,-1 8 0,-1 9 0,-2 12 0,0 13 0,5 11 0,8 8 0,6-2 0,2-11 0,-4-12 0,-5-10 0,1-9 0,4-5 0,7-3 0,2-1 0,-5 1 0,-6 2 0,-6 0 0,-2 1 0,-2 1 0,1 0 0</inkml:trace>
-</inkml:ink>
-</file>
-
-<file path=ppt/ink/ink17.xml><?xml version="1.0" encoding="utf-8"?>
-<inkml:ink xmlns:inkml="http://www.w3.org/2003/InkML">
-  <inkml:definitions>
-    <inkml:context xml:id="ctx0">
-      <inkml:inkSource xml:id="inkSrc0">
-        <inkml:traceFormat>
-          <inkml:channel name="X" type="integer" min="-2.14748E9" max="2.14748E9" units="cm"/>
-          <inkml:channel name="Y" type="integer" min="-2.14748E9" max="2.14748E9" units="cm"/>
-          <inkml:channel name="F" type="integer" max="32767" units="dev"/>
-        </inkml:traceFormat>
-        <inkml:channelProperties>
-          <inkml:channelProperty channel="X" name="resolution" value="1000" units="1/cm"/>
-          <inkml:channelProperty channel="Y" name="resolution" value="1000" units="1/cm"/>
-          <inkml:channelProperty channel="F" name="resolution" value="0" units="1/dev"/>
-        </inkml:channelProperties>
-      </inkml:inkSource>
-      <inkml:timestamp xml:id="ts0" timeString="2023-10-25T16:22:06.532"/>
-    </inkml:context>
-    <inkml:brush xml:id="br0">
-      <inkml:brushProperty name="width" value="0.035" units="cm"/>
-      <inkml:brushProperty name="height" value="0.035" units="cm"/>
-    </inkml:brush>
-  </inkml:definitions>
-  <inkml:trace contextRef="#ctx0" brushRef="#br0">30 0 24575,'-3'6'0,"0"4"0,-1 6 0,2 7 0,0 2 0,0 6 0,0 7 0,-1 4 0,1 6 0,0-2 0,0-9 0,0-10 0,1-13 0,3-13 0,3-5 0,2-8 0,0-9 0,-3 10 0,-1-4 0</inkml:trace>
-</inkml:ink>
-</file>
-
-<file path=ppt/ink/ink18.xml><?xml version="1.0" encoding="utf-8"?>
-<inkml:ink xmlns:inkml="http://www.w3.org/2003/InkML">
-  <inkml:definitions>
-    <inkml:context xml:id="ctx0">
-      <inkml:inkSource xml:id="inkSrc0">
-        <inkml:traceFormat>
-          <inkml:channel name="X" type="integer" min="-2.14748E9" max="2.14748E9" units="cm"/>
-          <inkml:channel name="Y" type="integer" min="-2.14748E9" max="2.14748E9" units="cm"/>
-          <inkml:channel name="F" type="integer" max="32767" units="dev"/>
-        </inkml:traceFormat>
-        <inkml:channelProperties>
-          <inkml:channelProperty channel="X" name="resolution" value="1000" units="1/cm"/>
-          <inkml:channelProperty channel="Y" name="resolution" value="1000" units="1/cm"/>
-          <inkml:channelProperty channel="F" name="resolution" value="0" units="1/dev"/>
-        </inkml:channelProperties>
-      </inkml:inkSource>
-      <inkml:timestamp xml:id="ts0" timeString="2023-10-25T16:22:08.033"/>
-    </inkml:context>
-    <inkml:brush xml:id="br0">
-      <inkml:brushProperty name="width" value="0.035" units="cm"/>
-      <inkml:brushProperty name="height" value="0.035" units="cm"/>
-    </inkml:brush>
-  </inkml:definitions>
-  <inkml:trace contextRef="#ctx0" brushRef="#br0">107 18 24575,'-10'2'0,"-4"1"0,-3 2 0,2 0 0,3 1 0,2-2 0,1 0 0,1 0 0,2 1 0,2 4 0,3 5 0,3 3 0,1 2 0,4-4 0,-1-5 0,-1-4 0,1-4 0,-1-3 0,6-2 0,4-2 0,-1 0 0,-3 2 0,-5 1 0,1-4 0,1-4 0,0-1 0,-2-1 0,-4-1 0,-1-2 0,-1-2 0,-2 2 0,-3 5 0,-4 2 0,0 2 0,3 2 0,2 3 0</inkml:trace>
-</inkml:ink>
-</file>
-
-<file path=ppt/ink/ink19.xml><?xml version="1.0" encoding="utf-8"?>
-<inkml:ink xmlns:inkml="http://www.w3.org/2003/InkML">
-  <inkml:definitions>
-    <inkml:context xml:id="ctx0">
-      <inkml:inkSource xml:id="inkSrc0">
-        <inkml:traceFormat>
-          <inkml:channel name="X" type="integer" min="-2.14748E9" max="2.14748E9" units="cm"/>
-          <inkml:channel name="Y" type="integer" min="-2.14748E9" max="2.14748E9" units="cm"/>
-          <inkml:channel name="F" type="integer" max="32767" units="dev"/>
-        </inkml:traceFormat>
-        <inkml:channelProperties>
-          <inkml:channelProperty channel="X" name="resolution" value="1000" units="1/cm"/>
-          <inkml:channelProperty channel="Y" name="resolution" value="1000" units="1/cm"/>
-          <inkml:channelProperty channel="F" name="resolution" value="0" units="1/dev"/>
-        </inkml:channelProperties>
-      </inkml:inkSource>
-      <inkml:timestamp xml:id="ts0" timeString="2023-10-25T16:22:09.866"/>
-    </inkml:context>
-    <inkml:brush xml:id="br0">
-      <inkml:brushProperty name="width" value="0.035" units="cm"/>
-      <inkml:brushProperty name="height" value="0.035" units="cm"/>
-    </inkml:brush>
-  </inkml:definitions>
-  <inkml:trace contextRef="#ctx0" brushRef="#br0">3 0 24575,'-3'30'0,"4"15"0,4 15 0,2 8 0,1-3 0,-2-5 0,-2-8 0,-1-15 0,-1-18 0,1-13 0,0-14 0,2-15 0,-1-11 0,-1-5 0,-1 4 0,-1 6 0,7-5 0,8-6 0,7-1 0,5 6 0,-2 14 0,1 8 0,-4 7 0,-5 3 0,-7 2 0,-6 2 0,-4 1 0,0 11 0,0 8 0,0 10 0,0 9 0,-4 0 0,-1-2 0,0-9 0,0-14 0,3-9 0,1-5 0</inkml:trace>
-</inkml:ink>
-</file>
-
-<file path=ppt/ink/ink2.xml><?xml version="1.0" encoding="utf-8"?>
-<inkml:ink xmlns:inkml="http://www.w3.org/2003/InkML">
-  <inkml:definitions>
-    <inkml:context xml:id="ctx0">
-      <inkml:inkSource xml:id="inkSrc0">
-        <inkml:traceFormat>
-          <inkml:channel name="X" type="integer" min="-2.14748E9" max="2.14748E9" units="cm"/>
-          <inkml:channel name="Y" type="integer" min="-2.14748E9" max="2.14748E9" units="cm"/>
-          <inkml:channel name="F" type="integer" max="32767" units="dev"/>
-        </inkml:traceFormat>
-        <inkml:channelProperties>
-          <inkml:channelProperty channel="X" name="resolution" value="1000" units="1/cm"/>
-          <inkml:channelProperty channel="Y" name="resolution" value="1000" units="1/cm"/>
-          <inkml:channelProperty channel="F" name="resolution" value="0" units="1/dev"/>
-        </inkml:channelProperties>
-      </inkml:inkSource>
-      <inkml:timestamp xml:id="ts0" timeString="2023-10-25T16:21:41.076"/>
-    </inkml:context>
-    <inkml:brush xml:id="br0">
-      <inkml:brushProperty name="width" value="0.035" units="cm"/>
-      <inkml:brushProperty name="height" value="0.035" units="cm"/>
-    </inkml:brush>
-  </inkml:definitions>
-  <inkml:trace contextRef="#ctx0" brushRef="#br0">115 1 24575,'-9'18'0,"-1"5"0,-1 8 0,0 5 0,2 2 0,-1 4 0,0 6 0,1 2 0,0-2 0,1-1 0,2-4 0,0 3 0,2 3 0,2-6 0,1-11 0,1-13 0,0-12 0,0-4 0,0 0 0,1 4 0,6 8 0,8 6 0,11 2 0,9-3 0,3-7 0,1-7 0,-3-6 0,-2-8 0,-5-4 0,-6 0 0,-7 2 0,-7 6 0,-2 0 0,1 0 0,2-2 0,0 1 0,-3 2 0,-4 0 0,-3 2 0,0-1 0</inkml:trace>
-</inkml:ink>
-</file>
-
-<file path=ppt/ink/ink20.xml><?xml version="1.0" encoding="utf-8"?>
-<inkml:ink xmlns:inkml="http://www.w3.org/2003/InkML">
-  <inkml:definitions>
-    <inkml:context xml:id="ctx0">
-      <inkml:inkSource xml:id="inkSrc0">
-        <inkml:traceFormat>
-          <inkml:channel name="X" type="integer" min="-2.14748E9" max="2.14748E9" units="cm"/>
-          <inkml:channel name="Y" type="integer" min="-2.14748E9" max="2.14748E9" units="cm"/>
-          <inkml:channel name="F" type="integer" max="32767" units="dev"/>
-        </inkml:traceFormat>
-        <inkml:channelProperties>
-          <inkml:channelProperty channel="X" name="resolution" value="1000" units="1/cm"/>
-          <inkml:channelProperty channel="Y" name="resolution" value="1000" units="1/cm"/>
-          <inkml:channelProperty channel="F" name="resolution" value="0" units="1/dev"/>
-        </inkml:channelProperties>
-      </inkml:inkSource>
-      <inkml:timestamp xml:id="ts0" timeString="2023-10-25T16:22:18.386"/>
-    </inkml:context>
-    <inkml:brush xml:id="br0">
-      <inkml:brushProperty name="width" value="0.035" units="cm"/>
-      <inkml:brushProperty name="height" value="0.035" units="cm"/>
-      <inkml:brushProperty name="color" value="#E71224"/>
-    </inkml:brush>
-  </inkml:definitions>
-  <inkml:trace contextRef="#ctx0" brushRef="#br0">2723 55 22553,'-24'-1'0,"-20"-1"985,-26-5-985,-28-3 169,41 5 1,-3 1-170,-9 1 0,-2 2 86,-4 3 0,-2 1-86,-4 3 0,0 0 263,3 2 0,0 1-263,9 0 0,1 2 0,5 1 0,1 1 0,-1 1 0,1 0 0,-2 2 0,0 0 0,2-1 0,0 0 0,4 0 0,2 0 0,7-1 0,1 1 0,-37 16 0,6 7 0,-2 14 0,37-19 0,1 3 0,-1 3 0,2 2 0,2 0 0,2 0 0,-23 35 0,15-11 0,9-2 0,4 2 0,2 8 0,2 7 0,1 1 0,1 9 0,14-40 0,1 1 0,-2 8 0,0 1 0,0 5 0,0 0 0,3-8 0,1-1 0,-4 35 0,9-26 0,5-12 0,3 3 0,3 17 0,5 18 0,-4-42 0,2 1 0,2 4 0,3 1 0,4 3 0,3 1 0,5 4 0,3 2 0,6 7 0,3 1 0,5 5 0,3-1 0,3-1 0,3-1 0,1-4 0,1-2 0,1-5 0,2-1 0,6 0 0,3 0 0,4 2 0,3 2-227,-18-19 1,1 1 0,2 0 226,1-1 0,2 1 0,0-3 0,-4-2 0,1-3 0,0-1 0,27 15 0,0-5 0,-7-7 0,-1-4 0,-7-5 0,0-2 0,-4-4 0,0-2 0,-3-4 0,-1-1 0,-3-5 0,0-1 0,-4-4 0,0-2 339,-5-3 1,0-1-340,41-1 0,-4-2 0,5 2 0,-39-3 0,2-1 0,6 0 0,2-2 0,5 0 0,0-2 0,-1-1 0,0-2 0,-6-1 0,-2-2 0,-6-1 0,-3-1 0,39-11 0,-20 5 0,-15 3 0,-3-1 0,2-3 0,5-2 0,1-1 0,-3 2 0,0-3 0,0-4 0,0-3 0,-1-4 0,0-3 0,1-2 0,6-6 0,5-3 0,-2 1 0,-5-2 0,-5-4 0,-4-1 0,-4 2 0,-3 7 0,11-14 0,-14 11 0,13-23 0,-27 24 0,-2-1 0,16-31 0,-17 28 0,-1 0 0,5-16 0,-8 2 0,-3-4 0,2-6 0,3-4 0,0-1 0,-2 3 0,-5 2 0,-5 5 0,-3 0 0,-4-5 0,-1-9 0,-3-9 0,0 1 0,-3 5 0,-2 9 0,-5 8 0,-3 2 0,-2 5 0,0 3 0,0 4 0,-1 3 0,-2 2 0,1 6 0,1 3 0,0 1 0,-1-1 0,-6-3 0,-5-1 0,-5-1 0,-3 2 0,-1 2 0,4 5 0,3 4 0,2 4 0,-5 1 0,-4 0 0,-4-1 0,-2-1 0,-3-3 0,-9-4 0,-11-5 0,-6-3 0,-1 2 0,2 1 0,0 3 0,1 2 0,0 4 0,6 5 0,7 5 0,-16-4 0,16 7 0,-10-3 0,-14-1 0,28 9 0,-21-6 0,35 11 0,2 1 0,-2-1 0,-1 0 0,2-1 0,2 1 0,3 0 0,-5 0 0,-4-2 0,0 2 0,0-1 0,6 3 0,2 1 0,3 0 0,7 3 0,7 1 0,7 2 0,3 1 0,-12-3 0,-25-7 0,-21-7 0,-16-5 0,-1-1 0,17 6 0,21 6 0,23 7 0,18 4 0</inkml:trace>
-</inkml:ink>
-</file>
-
-<file path=ppt/ink/ink21.xml><?xml version="1.0" encoding="utf-8"?>
-<inkml:ink xmlns:inkml="http://www.w3.org/2003/InkML">
-  <inkml:definitions>
-    <inkml:context xml:id="ctx0">
-      <inkml:inkSource xml:id="inkSrc0">
-        <inkml:traceFormat>
-          <inkml:channel name="X" type="integer" min="-2.14748E9" max="2.14748E9" units="cm"/>
-          <inkml:channel name="Y" type="integer" min="-2.14748E9" max="2.14748E9" units="cm"/>
-          <inkml:channel name="F" type="integer" max="32767" units="dev"/>
-        </inkml:traceFormat>
-        <inkml:channelProperties>
-          <inkml:channelProperty channel="X" name="resolution" value="1000" units="1/cm"/>
-          <inkml:channelProperty channel="Y" name="resolution" value="1000" units="1/cm"/>
-          <inkml:channelProperty channel="F" name="resolution" value="0" units="1/dev"/>
-        </inkml:channelProperties>
-      </inkml:inkSource>
-      <inkml:timestamp xml:id="ts0" timeString="2023-10-25T16:22:19.703"/>
-    </inkml:context>
-    <inkml:brush xml:id="br0">
-      <inkml:brushProperty name="width" value="0.035" units="cm"/>
-      <inkml:brushProperty name="height" value="0.035" units="cm"/>
-      <inkml:brushProperty name="color" value="#E71224"/>
-    </inkml:brush>
-  </inkml:definitions>
-  <inkml:trace contextRef="#ctx0" brushRef="#br0">33 0 24575,'-6'15'0,"-2"11"0,0 22 0,2 18 0,3 10 0,3-7 0,1-16 0,-1-14 0,-1-6 0,0-2 0,1-1 0,0-6 0,1-13 0,2-13 0,-1-8 0,1 2 0,-3 1 0</inkml:trace>
-</inkml:ink>
-</file>
-
-<file path=ppt/ink/ink22.xml><?xml version="1.0" encoding="utf-8"?>
-<inkml:ink xmlns:inkml="http://www.w3.org/2003/InkML">
-  <inkml:definitions>
-    <inkml:context xml:id="ctx0">
-      <inkml:inkSource xml:id="inkSrc0">
-        <inkml:traceFormat>
-          <inkml:channel name="X" type="integer" min="-2.14748E9" max="2.14748E9" units="cm"/>
-          <inkml:channel name="Y" type="integer" min="-2.14748E9" max="2.14748E9" units="cm"/>
-          <inkml:channel name="F" type="integer" max="32767" units="dev"/>
-        </inkml:traceFormat>
-        <inkml:channelProperties>
-          <inkml:channelProperty channel="X" name="resolution" value="1000" units="1/cm"/>
-          <inkml:channelProperty channel="Y" name="resolution" value="1000" units="1/cm"/>
-          <inkml:channelProperty channel="F" name="resolution" value="0" units="1/dev"/>
-        </inkml:channelProperties>
-      </inkml:inkSource>
-      <inkml:timestamp xml:id="ts0" timeString="2023-10-25T16:22:20.586"/>
-    </inkml:context>
-    <inkml:brush xml:id="br0">
-      <inkml:brushProperty name="width" value="0.035" units="cm"/>
-      <inkml:brushProperty name="height" value="0.035" units="cm"/>
-      <inkml:brushProperty name="color" value="#E71224"/>
-    </inkml:brush>
-  </inkml:definitions>
-  <inkml:trace contextRef="#ctx0" brushRef="#br0">1 1 24575,'15'5'0,"7"0"0,12 1 0,6-2 0,4-1 0,6-1 0,2-1 0,-5-1 0,-10 0 0,-13-2 0,-7 0 0,-6-1 0,-4 2 0,-4-3 0,-2-2 0,0 2 0,0 0 0</inkml:trace>
-</inkml:ink>
-</file>
-
-<file path=ppt/ink/ink23.xml><?xml version="1.0" encoding="utf-8"?>
-<inkml:ink xmlns:inkml="http://www.w3.org/2003/InkML">
-  <inkml:definitions>
-    <inkml:context xml:id="ctx0">
-      <inkml:inkSource xml:id="inkSrc0">
-        <inkml:traceFormat>
-          <inkml:channel name="X" type="integer" min="-2.14748E9" max="2.14748E9" units="cm"/>
-          <inkml:channel name="Y" type="integer" min="-2.14748E9" max="2.14748E9" units="cm"/>
-          <inkml:channel name="F" type="integer" max="32767" units="dev"/>
-        </inkml:traceFormat>
-        <inkml:channelProperties>
-          <inkml:channelProperty channel="X" name="resolution" value="1000" units="1/cm"/>
-          <inkml:channelProperty channel="Y" name="resolution" value="1000" units="1/cm"/>
-          <inkml:channelProperty channel="F" name="resolution" value="0" units="1/dev"/>
-        </inkml:channelProperties>
-      </inkml:inkSource>
-      <inkml:timestamp xml:id="ts0" timeString="2023-10-25T16:22:21.536"/>
-    </inkml:context>
-    <inkml:brush xml:id="br0">
-      <inkml:brushProperty name="width" value="0.035" units="cm"/>
-      <inkml:brushProperty name="height" value="0.035" units="cm"/>
-      <inkml:brushProperty name="color" value="#E71224"/>
-    </inkml:brush>
-  </inkml:definitions>
-  <inkml:trace contextRef="#ctx0" brushRef="#br0">1 20 24575,'7'0'0,"8"0"0,13-1 0,15-1 0,5-3 0,0 0 0,-6 1 0,-4 2 0,1 2 0,1 1 0,-4 0 0,-9 1 0,-11-2 0,-11 1 0,-3 1 0,2 3 0,-2-3 0,1 3 0</inkml:trace>
-</inkml:ink>
-</file>
-
-<file path=ppt/ink/ink24.xml><?xml version="1.0" encoding="utf-8"?>
-<inkml:ink xmlns:inkml="http://www.w3.org/2003/InkML">
-  <inkml:definitions>
-    <inkml:context xml:id="ctx0">
-      <inkml:inkSource xml:id="inkSrc0">
-        <inkml:traceFormat>
-          <inkml:channel name="X" type="integer" min="-2.14748E9" max="2.14748E9" units="cm"/>
-          <inkml:channel name="Y" type="integer" min="-2.14748E9" max="2.14748E9" units="cm"/>
-          <inkml:channel name="F" type="integer" max="32767" units="dev"/>
-        </inkml:traceFormat>
-        <inkml:channelProperties>
-          <inkml:channelProperty channel="X" name="resolution" value="1000" units="1/cm"/>
-          <inkml:channelProperty channel="Y" name="resolution" value="1000" units="1/cm"/>
-          <inkml:channelProperty channel="F" name="resolution" value="0" units="1/dev"/>
-        </inkml:channelProperties>
-      </inkml:inkSource>
-      <inkml:timestamp xml:id="ts0" timeString="2023-10-25T16:22:23.454"/>
-    </inkml:context>
-    <inkml:brush xml:id="br0">
-      <inkml:brushProperty name="width" value="0.035" units="cm"/>
-      <inkml:brushProperty name="height" value="0.035" units="cm"/>
-      <inkml:brushProperty name="color" value="#E71224"/>
-    </inkml:brush>
-  </inkml:definitions>
-  <inkml:trace contextRef="#ctx0" brushRef="#br0">1 23 24575,'-1'29'0,"4"6"0,2 7 0,2-2 0,-2-7 0,-4-12 0,1-13 0,2-12 0,1-11 0,2-7 0,1-5 0,2-5 0,1-3 0,2 2 0,-1 8 0,-2 7 0,-4 8 0,-2 5 0,1 2 0,2 2 0,4 1 0,2 1 0,-2 1 0,-2 1 0,-5 3 0,-3 8 0,0 13 0,0 15 0,0 7 0,-1-5 0,1-11 0,-1-16 0,0-10 0,-2 1 0,-1 2 0,2 0 0,6-6 0,5-9 0,-1-2 0,-4 1 0</inkml:trace>
-</inkml:ink>
-</file>
-
-<file path=ppt/ink/ink25.xml><?xml version="1.0" encoding="utf-8"?>
-<inkml:ink xmlns:inkml="http://www.w3.org/2003/InkML">
-  <inkml:definitions>
-    <inkml:context xml:id="ctx0">
-      <inkml:inkSource xml:id="inkSrc0">
-        <inkml:traceFormat>
-          <inkml:channel name="X" type="integer" min="-2.14748E9" max="2.14748E9" units="cm"/>
-          <inkml:channel name="Y" type="integer" min="-2.14748E9" max="2.14748E9" units="cm"/>
-          <inkml:channel name="F" type="integer" max="32767" units="dev"/>
-        </inkml:traceFormat>
-        <inkml:channelProperties>
-          <inkml:channelProperty channel="X" name="resolution" value="1000" units="1/cm"/>
-          <inkml:channelProperty channel="Y" name="resolution" value="1000" units="1/cm"/>
-          <inkml:channelProperty channel="F" name="resolution" value="0" units="1/dev"/>
-        </inkml:channelProperties>
-      </inkml:inkSource>
-      <inkml:timestamp xml:id="ts0" timeString="2023-10-25T16:22:25.271"/>
-    </inkml:context>
-    <inkml:brush xml:id="br0">
-      <inkml:brushProperty name="width" value="0.035" units="cm"/>
-      <inkml:brushProperty name="height" value="0.035" units="cm"/>
-      <inkml:brushProperty name="color" value="#E71224"/>
-    </inkml:brush>
-  </inkml:definitions>
-  <inkml:trace contextRef="#ctx0" brushRef="#br0">3 6 24575,'-1'31'0,"0"14"0,1 28 0,1 22 0,1-45 0,-1 1 0,0 2 0,0 0 0,1 45 0,-2-16 0,-1-15 0,0-20 0,0-13 0,1-8 0,-1-8 0,2-8 0,0-9 0,4-13 0,3-9 0,0-13 0,3-19 0,1-23 0,-5 25 0,-1-4 0,0-3 0,-2 0 0,-1 5 0,-1 4 0,-2-25 0,-3 34 0,2 15 0,1 4 0,0 5 0,3 1 0,1 0 0,3-2 0,-1 2 0,1 1 0,2 2 0,7-2 0,8-2 0,2 1 0,-4 6 0,-9 8 0,-1 15 0,3 13 0,4 12 0,-3 6 0,-7-6 0,-6-11 0,-3-11 0,-4-10 0,-9-3 0,-11 0 0,-6 1 0,1-1 0,9-1 0,10-2 0,2-1 0,-1-5 0,-6-6 0,-3-4 0,1 1 0,7 3 0,7 6 0,3 2 0,1 1 0,-1 1 0</inkml:trace>
-</inkml:ink>
-</file>
-
-<file path=ppt/ink/ink26.xml><?xml version="1.0" encoding="utf-8"?>
-<inkml:ink xmlns:inkml="http://www.w3.org/2003/InkML">
-  <inkml:definitions>
-    <inkml:context xml:id="ctx0">
-      <inkml:inkSource xml:id="inkSrc0">
-        <inkml:traceFormat>
-          <inkml:channel name="X" type="integer" min="-2.14748E9" max="2.14748E9" units="cm"/>
-          <inkml:channel name="Y" type="integer" min="-2.14748E9" max="2.14748E9" units="cm"/>
-          <inkml:channel name="F" type="integer" max="32767" units="dev"/>
-        </inkml:traceFormat>
-        <inkml:channelProperties>
-          <inkml:channelProperty channel="X" name="resolution" value="1000" units="1/cm"/>
-          <inkml:channelProperty channel="Y" name="resolution" value="1000" units="1/cm"/>
-          <inkml:channelProperty channel="F" name="resolution" value="0" units="1/dev"/>
-        </inkml:channelProperties>
-      </inkml:inkSource>
-      <inkml:timestamp xml:id="ts0" timeString="2023-10-25T16:22:26.737"/>
-    </inkml:context>
-    <inkml:brush xml:id="br0">
-      <inkml:brushProperty name="width" value="0.035" units="cm"/>
-      <inkml:brushProperty name="height" value="0.035" units="cm"/>
-      <inkml:brushProperty name="color" value="#E71224"/>
-    </inkml:brush>
-  </inkml:definitions>
-  <inkml:trace contextRef="#ctx0" brushRef="#br0">7 0 24575,'-1'10'0,"-1"3"0,0 7 0,1 9 0,2 3 0,1 0 0,2-11 0,-1-10 0,-2-7 0,1-2 0,4 0 0,10 3 0,9 1 0,3 1 0,-3-2 0,-10-2 0,-7-2 0,8-8 0,9-4 0,1-2 0,-3 2 0,-13 3 0,-4-2 0,-1-2 0,0-3 0,-2 1 0,0-1 0,-2 0 0,-1 3 0,0 4 0,1 1 0,-1 0 0,1-3 0,-1 3 0,0 3 0</inkml:trace>
-</inkml:ink>
-</file>
-
-<file path=ppt/ink/ink27.xml><?xml version="1.0" encoding="utf-8"?>
-<inkml:ink xmlns:inkml="http://www.w3.org/2003/InkML">
-  <inkml:definitions>
-    <inkml:context xml:id="ctx0">
-      <inkml:inkSource xml:id="inkSrc0">
-        <inkml:traceFormat>
-          <inkml:channel name="X" type="integer" min="-2.14748E9" max="2.14748E9" units="cm"/>
-          <inkml:channel name="Y" type="integer" min="-2.14748E9" max="2.14748E9" units="cm"/>
-          <inkml:channel name="F" type="integer" max="32767" units="dev"/>
-        </inkml:traceFormat>
-        <inkml:channelProperties>
-          <inkml:channelProperty channel="X" name="resolution" value="1000" units="1/cm"/>
-          <inkml:channelProperty channel="Y" name="resolution" value="1000" units="1/cm"/>
-          <inkml:channelProperty channel="F" name="resolution" value="0" units="1/dev"/>
-        </inkml:channelProperties>
-      </inkml:inkSource>
-      <inkml:timestamp xml:id="ts0" timeString="2023-10-25T16:22:27.572"/>
-    </inkml:context>
-    <inkml:brush xml:id="br0">
-      <inkml:brushProperty name="width" value="0.035" units="cm"/>
-      <inkml:brushProperty name="height" value="0.035" units="cm"/>
-      <inkml:brushProperty name="color" value="#E71224"/>
-    </inkml:brush>
-  </inkml:definitions>
-  <inkml:trace contextRef="#ctx0" brushRef="#br0">13 1 24575,'-4'12'0,"1"11"0,-1 17 0,3 11 0,0 9 0,2 1 0,-1 1 0,0 4 0,0 4 0,-1 6 0,1-6 0,0-11 0,0-14 0,0-16 0,0-10 0,1-9 0,-1-7 0,1-2 0,0-1 0,0-1 0,-1-2 0,0 1 0,1 0 0</inkml:trace>
-</inkml:ink>
-</file>
-
-<file path=ppt/ink/ink28.xml><?xml version="1.0" encoding="utf-8"?>
-<inkml:ink xmlns:inkml="http://www.w3.org/2003/InkML">
-  <inkml:definitions>
-    <inkml:context xml:id="ctx0">
-      <inkml:inkSource xml:id="inkSrc0">
-        <inkml:traceFormat>
-          <inkml:channel name="X" type="integer" min="-2.14748E9" max="2.14748E9" units="cm"/>
-          <inkml:channel name="Y" type="integer" min="-2.14748E9" max="2.14748E9" units="cm"/>
-          <inkml:channel name="F" type="integer" max="32767" units="dev"/>
-        </inkml:traceFormat>
-        <inkml:channelProperties>
-          <inkml:channelProperty channel="X" name="resolution" value="1000" units="1/cm"/>
-          <inkml:channelProperty channel="Y" name="resolution" value="1000" units="1/cm"/>
-          <inkml:channelProperty channel="F" name="resolution" value="0" units="1/dev"/>
-        </inkml:channelProperties>
-      </inkml:inkSource>
-      <inkml:timestamp xml:id="ts0" timeString="2023-10-25T16:22:28.439"/>
-    </inkml:context>
-    <inkml:brush xml:id="br0">
-      <inkml:brushProperty name="width" value="0.035" units="cm"/>
-      <inkml:brushProperty name="height" value="0.035" units="cm"/>
-      <inkml:brushProperty name="color" value="#E71224"/>
-    </inkml:brush>
-  </inkml:definitions>
-  <inkml:trace contextRef="#ctx0" brushRef="#br0">0 21 24575,'7'-3'0,"3"1"0,10 0 0,12 1 0,13 1 0,2 0 0,-9-1 0,-10 0 0,-12-1 0,-2 1 0,5-1 0,2 1 0,0-1 0,-3 0 0,-7 2 0,-4 3 0,-10 7 0,3-5 0,-6 3 0</inkml:trace>
-</inkml:ink>
-</file>
-
-<file path=ppt/ink/ink29.xml><?xml version="1.0" encoding="utf-8"?>
-<inkml:ink xmlns:inkml="http://www.w3.org/2003/InkML">
-  <inkml:definitions>
-    <inkml:context xml:id="ctx0">
-      <inkml:inkSource xml:id="inkSrc0">
-        <inkml:traceFormat>
-          <inkml:channel name="X" type="integer" min="-2.14748E9" max="2.14748E9" units="cm"/>
-          <inkml:channel name="Y" type="integer" min="-2.14748E9" max="2.14748E9" units="cm"/>
-          <inkml:channel name="F" type="integer" max="32767" units="dev"/>
-        </inkml:traceFormat>
-        <inkml:channelProperties>
-          <inkml:channelProperty channel="X" name="resolution" value="1000" units="1/cm"/>
-          <inkml:channelProperty channel="Y" name="resolution" value="1000" units="1/cm"/>
-          <inkml:channelProperty channel="F" name="resolution" value="0" units="1/dev"/>
-        </inkml:channelProperties>
-      </inkml:inkSource>
-      <inkml:timestamp xml:id="ts0" timeString="2023-10-25T16:22:29.522"/>
-    </inkml:context>
-    <inkml:brush xml:id="br0">
-      <inkml:brushProperty name="width" value="0.035" units="cm"/>
-      <inkml:brushProperty name="height" value="0.035" units="cm"/>
-      <inkml:brushProperty name="color" value="#E71224"/>
-    </inkml:brush>
-  </inkml:definitions>
-  <inkml:trace contextRef="#ctx0" brushRef="#br0">13 0 24575,'-1'18'0,"1"10"0,2 17 0,2 22 0,-1 20 0,-1-36 0,0 0 0,1 48 0,0-25 0,0-26 0,-4-22 0,-5-4 0,-2 6 0,-1 1 0,2-8 0,5-12 0,1-9 0,6-9 0,3-13 0,5-26 0,-4 21 0,-2-8 0</inkml:trace>
-</inkml:ink>
-</file>
-
-<file path=ppt/ink/ink3.xml><?xml version="1.0" encoding="utf-8"?>
-<inkml:ink xmlns:inkml="http://www.w3.org/2003/InkML">
-  <inkml:definitions>
-    <inkml:context xml:id="ctx0">
-      <inkml:inkSource xml:id="inkSrc0">
-        <inkml:traceFormat>
-          <inkml:channel name="X" type="integer" min="-2.14748E9" max="2.14748E9" units="cm"/>
-          <inkml:channel name="Y" type="integer" min="-2.14748E9" max="2.14748E9" units="cm"/>
-          <inkml:channel name="F" type="integer" max="32767" units="dev"/>
-        </inkml:traceFormat>
-        <inkml:channelProperties>
-          <inkml:channelProperty channel="X" name="resolution" value="1000" units="1/cm"/>
-          <inkml:channelProperty channel="Y" name="resolution" value="1000" units="1/cm"/>
-          <inkml:channelProperty channel="F" name="resolution" value="0" units="1/dev"/>
-        </inkml:channelProperties>
-      </inkml:inkSource>
-      <inkml:timestamp xml:id="ts0" timeString="2023-10-25T16:21:42.026"/>
-    </inkml:context>
-    <inkml:brush xml:id="br0">
-      <inkml:brushProperty name="width" value="0.035" units="cm"/>
-      <inkml:brushProperty name="height" value="0.035" units="cm"/>
-    </inkml:brush>
-  </inkml:definitions>
-  <inkml:trace contextRef="#ctx0" brushRef="#br0">0 18 24575,'22'1'0,"11"0"0,13-1 0,-1 0 0,-11 0 0,-16 0 0,-12 0 0,-4-1 0,1-3 0,1-2 0,-1 2 0,0 0 0</inkml:trace>
-</inkml:ink>
-</file>
-
-<file path=ppt/ink/ink30.xml><?xml version="1.0" encoding="utf-8"?>
-<inkml:ink xmlns:inkml="http://www.w3.org/2003/InkML">
-  <inkml:definitions>
-    <inkml:context xml:id="ctx0">
-      <inkml:inkSource xml:id="inkSrc0">
-        <inkml:traceFormat>
-          <inkml:channel name="X" type="integer" min="-2.14748E9" max="2.14748E9" units="cm"/>
-          <inkml:channel name="Y" type="integer" min="-2.14748E9" max="2.14748E9" units="cm"/>
-          <inkml:channel name="F" type="integer" max="32767" units="dev"/>
-        </inkml:traceFormat>
-        <inkml:channelProperties>
-          <inkml:channelProperty channel="X" name="resolution" value="1000" units="1/cm"/>
-          <inkml:channelProperty channel="Y" name="resolution" value="1000" units="1/cm"/>
-          <inkml:channelProperty channel="F" name="resolution" value="0" units="1/dev"/>
-        </inkml:channelProperties>
-      </inkml:inkSource>
-      <inkml:timestamp xml:id="ts0" timeString="2023-10-25T16:22:30.672"/>
-    </inkml:context>
-    <inkml:brush xml:id="br0">
-      <inkml:brushProperty name="width" value="0.035" units="cm"/>
-      <inkml:brushProperty name="height" value="0.035" units="cm"/>
-      <inkml:brushProperty name="color" value="#E71224"/>
-    </inkml:brush>
-  </inkml:definitions>
-  <inkml:trace contextRef="#ctx0" brushRef="#br0">123 38 24575,'7'-6'0,"7"-1"0,10 0 0,8-1 0,0 2 0,-3 3 0,-6 2 0,-3 4 0,-2 5 0,-3 6 0,-4 8 0,-5 8 0,-2 5 0,-2 0 0,0-1 0,-5 1 0,-7 1 0,-5 0 0,-4-4 0,0-8 0,3-7 0,-1-5 0,-2-1 0,-1-3 0,-5-2 0,-11-4 0,-9-6 0,-2-1 0,9 0 0,17 2 0,12 2 0,7 0 0,2 0 0,0-1 0,1 0 0,1-3 0,-1 3 0,0-1 0</inkml:trace>
-</inkml:ink>
-</file>
-
-<file path=ppt/ink/ink31.xml><?xml version="1.0" encoding="utf-8"?>
-<inkml:ink xmlns:inkml="http://www.w3.org/2003/InkML">
-  <inkml:definitions>
-    <inkml:context xml:id="ctx0">
-      <inkml:inkSource xml:id="inkSrc0">
-        <inkml:traceFormat>
-          <inkml:channel name="X" type="integer" min="-2.14748E9" max="2.14748E9" units="cm"/>
-          <inkml:channel name="Y" type="integer" min="-2.14748E9" max="2.14748E9" units="cm"/>
-          <inkml:channel name="F" type="integer" max="32767" units="dev"/>
-        </inkml:traceFormat>
-        <inkml:channelProperties>
-          <inkml:channelProperty channel="X" name="resolution" value="1000" units="1/cm"/>
-          <inkml:channelProperty channel="Y" name="resolution" value="1000" units="1/cm"/>
-          <inkml:channelProperty channel="F" name="resolution" value="0" units="1/dev"/>
-        </inkml:channelProperties>
-      </inkml:inkSource>
-      <inkml:timestamp xml:id="ts0" timeString="2023-10-25T16:22:32.473"/>
-    </inkml:context>
-    <inkml:brush xml:id="br0">
-      <inkml:brushProperty name="width" value="0.035" units="cm"/>
-      <inkml:brushProperty name="height" value="0.035" units="cm"/>
-      <inkml:brushProperty name="color" value="#E71224"/>
-    </inkml:brush>
-  </inkml:definitions>
-  <inkml:trace contextRef="#ctx0" brushRef="#br0">152 35 24575,'-10'2'0,"-2"0"0,-8 3 0,-1 0 0,2-2 0,6-1 0,7 1 0,0 2 0,-2 3 0,-2 5 0,1 4 0,2 3 0,2-1 0,2-5 0,2-7 0,0-4 0,1-2 0,1 0 0,9-2 0,4-1 0,2 0 0,-2-1 0,-4-1 0,5-8 0,4-6 0,1-4 0,-5 3 0,-7 6 0,-2-1 0,-2-1 0,-1-1 0,-1 4 0,-2 6 0,0 3 0,0 1 0,0 1 0,-3 6 0,-2 8 0,-3 7 0,-1 6 0,4 0 0,1-4 0,3-2 0,0-3 0,1-4 0,0-5 0,0-6 0,2-5 0,-1-3 0,1-3 0,-1 3 0,-1 1 0</inkml:trace>
-</inkml:ink>
-</file>
-
-<file path=ppt/ink/ink32.xml><?xml version="1.0" encoding="utf-8"?>
-<inkml:ink xmlns:inkml="http://www.w3.org/2003/InkML">
-  <inkml:definitions>
-    <inkml:context xml:id="ctx0">
-      <inkml:inkSource xml:id="inkSrc0">
-        <inkml:traceFormat>
-          <inkml:channel name="X" type="integer" min="-2.14748E9" max="2.14748E9" units="cm"/>
-          <inkml:channel name="Y" type="integer" min="-2.14748E9" max="2.14748E9" units="cm"/>
-          <inkml:channel name="F" type="integer" max="32767" units="dev"/>
-        </inkml:traceFormat>
-        <inkml:channelProperties>
-          <inkml:channelProperty channel="X" name="resolution" value="1000" units="1/cm"/>
-          <inkml:channelProperty channel="Y" name="resolution" value="1000" units="1/cm"/>
-          <inkml:channelProperty channel="F" name="resolution" value="0" units="1/dev"/>
-        </inkml:channelProperties>
-      </inkml:inkSource>
-      <inkml:timestamp xml:id="ts0" timeString="2023-10-25T16:22:33.373"/>
-    </inkml:context>
-    <inkml:brush xml:id="br0">
-      <inkml:brushProperty name="width" value="0.035" units="cm"/>
-      <inkml:brushProperty name="height" value="0.035" units="cm"/>
-      <inkml:brushProperty name="color" value="#E71224"/>
-    </inkml:brush>
-  </inkml:definitions>
-  <inkml:trace contextRef="#ctx0" brushRef="#br0">17 1 24575,'-8'40'0,"2"13"0,6 25 0,4 9 0,2-7 0,-2-21 0,-4-22 0,-1-14 0,0-4 0,-1-4 0,1-5 0,-1-1 0,-1 7 0,1 6 0,0 11 0,0 8 0,2 5 0,0-5 0,0-14 0,1-15 0,1-12 0,1-6 0,2-2 0,-1-4 0,0 4 0,-3 3 0</inkml:trace>
-</inkml:ink>
-</file>
-
-<file path=ppt/ink/ink33.xml><?xml version="1.0" encoding="utf-8"?>
-<inkml:ink xmlns:inkml="http://www.w3.org/2003/InkML">
-  <inkml:definitions>
-    <inkml:context xml:id="ctx0">
-      <inkml:inkSource xml:id="inkSrc0">
-        <inkml:traceFormat>
-          <inkml:channel name="X" type="integer" min="-2.14748E9" max="2.14748E9" units="cm"/>
-          <inkml:channel name="Y" type="integer" min="-2.14748E9" max="2.14748E9" units="cm"/>
-          <inkml:channel name="F" type="integer" max="32767" units="dev"/>
-        </inkml:traceFormat>
-        <inkml:channelProperties>
-          <inkml:channelProperty channel="X" name="resolution" value="1000" units="1/cm"/>
-          <inkml:channelProperty channel="Y" name="resolution" value="1000" units="1/cm"/>
-          <inkml:channelProperty channel="F" name="resolution" value="0" units="1/dev"/>
-        </inkml:channelProperties>
-      </inkml:inkSource>
-      <inkml:timestamp xml:id="ts0" timeString="2023-10-25T16:22:34.407"/>
-    </inkml:context>
-    <inkml:brush xml:id="br0">
-      <inkml:brushProperty name="width" value="0.035" units="cm"/>
-      <inkml:brushProperty name="height" value="0.035" units="cm"/>
-      <inkml:brushProperty name="color" value="#E71224"/>
-    </inkml:brush>
-  </inkml:definitions>
-  <inkml:trace contextRef="#ctx0" brushRef="#br0">1 11 24575,'9'-2'0,"8"1"0,8 0 0,5 1 0,4-1 0,6 0 0,1 0 0,-3-1 0,-11 0 0,-11 2 0,1 0 0,-3 0 0,-2 0 0,-4 0 0</inkml:trace>
-</inkml:ink>
-</file>
-
-<file path=ppt/ink/ink34.xml><?xml version="1.0" encoding="utf-8"?>
-<inkml:ink xmlns:inkml="http://www.w3.org/2003/InkML">
-  <inkml:definitions>
-    <inkml:context xml:id="ctx0">
-      <inkml:inkSource xml:id="inkSrc0">
-        <inkml:traceFormat>
-          <inkml:channel name="X" type="integer" min="-2.14748E9" max="2.14748E9" units="cm"/>
-          <inkml:channel name="Y" type="integer" min="-2.14748E9" max="2.14748E9" units="cm"/>
-          <inkml:channel name="F" type="integer" max="32767" units="dev"/>
-        </inkml:traceFormat>
-        <inkml:channelProperties>
-          <inkml:channelProperty channel="X" name="resolution" value="1000" units="1/cm"/>
-          <inkml:channelProperty channel="Y" name="resolution" value="1000" units="1/cm"/>
-          <inkml:channelProperty channel="F" name="resolution" value="0" units="1/dev"/>
-        </inkml:channelProperties>
-      </inkml:inkSource>
-      <inkml:timestamp xml:id="ts0" timeString="2023-10-25T16:22:36.324"/>
-    </inkml:context>
-    <inkml:brush xml:id="br0">
-      <inkml:brushProperty name="width" value="0.035" units="cm"/>
-      <inkml:brushProperty name="height" value="0.035" units="cm"/>
-      <inkml:brushProperty name="color" value="#E71224"/>
-    </inkml:brush>
-  </inkml:definitions>
-  <inkml:trace contextRef="#ctx0" brushRef="#br0">232 40 24575,'-23'-4'0,"-11"-4"0,-11-3 0,1 1 0,14 3 0,12 7 0,6 8 0,3 7 0,1 4 0,2 2 0,4-1 0,2 0 0,4 0 0,4 0 0,3-3 0,-1-4 0,-3-5 0,0-3 0,2 0 0,4 0 0,6-3 0,2-5 0,0-1 0,-5 0 0,-7 1 0,-3-2 0,1-6 0,4-11 0,0-6 0,-3 2 0,-5 5 0,-2 8 0,0 6 0,0 0 0,0 0 0,-1 2 0,-1 5 0,-2 10 0,1 14 0,4 15 0,7 7 0,8-1 0,16-4 0,1-12 0,-5-10 0,-5-9 0,-13-10 0,1-2 0,1 0 0,-2 0 0,-4 1 0,-3-1 0,-5-3 0,-10 0 0,7 0 0,-7 2 0</inkml:trace>
-</inkml:ink>
-</file>
-
-<file path=ppt/ink/ink35.xml><?xml version="1.0" encoding="utf-8"?>
-<inkml:ink xmlns:inkml="http://www.w3.org/2003/InkML">
-  <inkml:definitions>
-    <inkml:context xml:id="ctx0">
-      <inkml:inkSource xml:id="inkSrc0">
-        <inkml:traceFormat>
-          <inkml:channel name="X" type="integer" min="-2.14748E9" max="2.14748E9" units="cm"/>
-          <inkml:channel name="Y" type="integer" min="-2.14748E9" max="2.14748E9" units="cm"/>
-          <inkml:channel name="F" type="integer" max="32767" units="dev"/>
-        </inkml:traceFormat>
-        <inkml:channelProperties>
-          <inkml:channelProperty channel="X" name="resolution" value="1000" units="1/cm"/>
-          <inkml:channelProperty channel="Y" name="resolution" value="1000" units="1/cm"/>
-          <inkml:channelProperty channel="F" name="resolution" value="0" units="1/dev"/>
-        </inkml:channelProperties>
-      </inkml:inkSource>
-      <inkml:timestamp xml:id="ts0" timeString="2023-10-25T16:22:38.458"/>
-    </inkml:context>
-    <inkml:brush xml:id="br0">
-      <inkml:brushProperty name="width" value="0.035" units="cm"/>
-      <inkml:brushProperty name="height" value="0.035" units="cm"/>
-      <inkml:brushProperty name="color" value="#E71224"/>
-    </inkml:brush>
-  </inkml:definitions>
-  <inkml:trace contextRef="#ctx0" brushRef="#br0">0 14 24575,'13'3'0,"8"1"0,19-1 0,16 0 0,4-2 0,-1-2 0,0 0 0,7-1 0,9 0 0,1 1 0,-12 1 0,-4 1 0,-2 1 0,-7 1 0,-13-1 0,-15-3 0,-6-2 0,5-2 0,1 0 0,-8 2 0,-6 1 0,-7-2 0,-1 2 0,-1-1 0</inkml:trace>
-</inkml:ink>
-</file>
-
-<file path=ppt/ink/ink36.xml><?xml version="1.0" encoding="utf-8"?>
-<inkml:ink xmlns:inkml="http://www.w3.org/2003/InkML">
-  <inkml:definitions>
-    <inkml:context xml:id="ctx0">
-      <inkml:inkSource xml:id="inkSrc0">
-        <inkml:traceFormat>
-          <inkml:channel name="X" type="integer" min="-2.14748E9" max="2.14748E9" units="cm"/>
-          <inkml:channel name="Y" type="integer" min="-2.14748E9" max="2.14748E9" units="cm"/>
-          <inkml:channel name="F" type="integer" max="32767" units="dev"/>
-        </inkml:traceFormat>
-        <inkml:channelProperties>
-          <inkml:channelProperty channel="X" name="resolution" value="1000" units="1/cm"/>
-          <inkml:channelProperty channel="Y" name="resolution" value="1000" units="1/cm"/>
-          <inkml:channelProperty channel="F" name="resolution" value="0" units="1/dev"/>
-        </inkml:channelProperties>
-      </inkml:inkSource>
-      <inkml:timestamp xml:id="ts0" timeString="2023-10-25T16:22:40.525"/>
-    </inkml:context>
-    <inkml:brush xml:id="br0">
-      <inkml:brushProperty name="width" value="0.035" units="cm"/>
-      <inkml:brushProperty name="height" value="0.035" units="cm"/>
-      <inkml:brushProperty name="color" value="#E71224"/>
-    </inkml:brush>
-  </inkml:definitions>
-  <inkml:trace contextRef="#ctx0" brushRef="#br0">1 0 24575,'7'6'0,"7"0"0,7 0 0,7-1 0,2-2 0,2-1 0,4-1 0,11-1 0,12 0 0,4 1 0,-2 0 0,-10 2 0,-8 0 0,-8 0 0,-12-2 0,-12 0 0,-4-1 0,6-2 0,8 1 0,4-1 0,-1 1 0,-9 1 0,-4-1 0,0-1 0,0 0 0,15-4 0,16 1 0,9 0 0,-4 1 0,-19 3 0,-20 1 0,-9 0 0,0 0 0</inkml:trace>
-</inkml:ink>
-</file>
-
-<file path=ppt/ink/ink37.xml><?xml version="1.0" encoding="utf-8"?>
-<inkml:ink xmlns:inkml="http://www.w3.org/2003/InkML">
-  <inkml:definitions>
-    <inkml:context xml:id="ctx0">
-      <inkml:inkSource xml:id="inkSrc0">
-        <inkml:traceFormat>
-          <inkml:channel name="X" type="integer" min="-2.14748E9" max="2.14748E9" units="cm"/>
-          <inkml:channel name="Y" type="integer" min="-2.14748E9" max="2.14748E9" units="cm"/>
-          <inkml:channel name="F" type="integer" max="32767" units="dev"/>
-        </inkml:traceFormat>
-        <inkml:channelProperties>
-          <inkml:channelProperty channel="X" name="resolution" value="1000" units="1/cm"/>
-          <inkml:channelProperty channel="Y" name="resolution" value="1000" units="1/cm"/>
-          <inkml:channelProperty channel="F" name="resolution" value="0" units="1/dev"/>
-        </inkml:channelProperties>
-      </inkml:inkSource>
-      <inkml:timestamp xml:id="ts0" timeString="2023-10-25T16:22:43.642"/>
-    </inkml:context>
-    <inkml:brush xml:id="br0">
-      <inkml:brushProperty name="width" value="0.035" units="cm"/>
-      <inkml:brushProperty name="height" value="0.035" units="cm"/>
-      <inkml:brushProperty name="color" value="#E71224"/>
-    </inkml:brush>
-  </inkml:definitions>
-  <inkml:trace contextRef="#ctx0" brushRef="#br0">40 415 24575,'1'-23'0,"1"-8"0,-1-13 0,-2-5 0,-1 4 0,-1 2 0,-1 6 0,0 6 0,1 8 0,2 4 0,1 4 0,-1 0 0,0 0 0,0 2 0,-1 4 0,1 6 0,1 6 0,5 6 0,21 19 0,30 25 0,-15-16 0,3 2 0,9 8 0,2 0 0,3 2 0,0-1 0,-2-3 0,-1-2 0,-5-5 0,-2-3 0,24 16 0,-27-21 0,-20-14 0,-14-8 0,-3 2 0,2 3 0,0 1 0,-2-2 0,-2-2 0,-2-2 0,-1-1 0,1-1 0,-2-2 0,-4 2 0,-3 4 0,-8 8 0,-10 9 0,-13 9 0,-9 7 0,-6 5 0,0 2 0,4-5 0,3 1 0,2-1 0,5-3 0,6-3 0,10-10 0,7-10 0,3-6 0,1-1 0,-6 4 0,-6 5 0,-5 5 0,0-2 0,6-5 0,3-4 0,-1-1 0,-3 5 0,-2-1 0,4-2 0,1-3 0,1-1 0,1 0 0,1-1 0,6-5 0,5-3 0,3-6 0,2-10 0,3-12 0,0-6 0,-1 1 0,-1 9 0,-1 9 0,0 2 0,0-1 0,-1-4 0,1-5 0,-1 2 0,0 5 0,0 5 0,1 2 0,-1-3 0,-1-6 0,-1-5 0,-1 1 0,1 4 0,1 7 0,1 2 0,1-2 0,-2-5 0,-2-4 0,-3 2 0,2 4 0,2 6 0,2 4 0,-5 1 0,4 0 0,-3 2 0</inkml:trace>
-</inkml:ink>
-</file>
-
-<file path=ppt/ink/ink38.xml><?xml version="1.0" encoding="utf-8"?>
-<inkml:ink xmlns:inkml="http://www.w3.org/2003/InkML">
-  <inkml:definitions>
-    <inkml:context xml:id="ctx0">
-      <inkml:inkSource xml:id="inkSrc0">
-        <inkml:traceFormat>
-          <inkml:channel name="X" type="integer" min="-2.14748E9" max="2.14748E9" units="cm"/>
-          <inkml:channel name="Y" type="integer" min="-2.14748E9" max="2.14748E9" units="cm"/>
-          <inkml:channel name="F" type="integer" max="32767" units="dev"/>
-        </inkml:traceFormat>
-        <inkml:channelProperties>
-          <inkml:channelProperty channel="X" name="resolution" value="1000" units="1/cm"/>
-          <inkml:channelProperty channel="Y" name="resolution" value="1000" units="1/cm"/>
-          <inkml:channelProperty channel="F" name="resolution" value="0" units="1/dev"/>
-        </inkml:channelProperties>
-      </inkml:inkSource>
-      <inkml:timestamp xml:id="ts0" timeString="2023-10-25T16:22:45.394"/>
-    </inkml:context>
-    <inkml:brush xml:id="br0">
-      <inkml:brushProperty name="width" value="0.035" units="cm"/>
-      <inkml:brushProperty name="height" value="0.035" units="cm"/>
-      <inkml:brushProperty name="color" value="#E71224"/>
-    </inkml:brush>
-  </inkml:definitions>
-  <inkml:trace contextRef="#ctx0" brushRef="#br0">29 0 24575,'-2'23'0,"1"7"0,0 13 0,2 3 0,-1 0 0,0-5 0,-2-4 0,-1-1 0,0-2 0,1-4 0,0-6 0,1-4 0,0-3 0,1-3 0,-1-1 0,1-4 0,0-2 0,0 1 0,0 4 0,0 5 0,0 2 0,1-3 0,0-7 0,1-8 0,0-7 0,-9 1 0,6 0 0,-8 4 0</inkml:trace>
-</inkml:ink>
-</file>
-
-<file path=ppt/ink/ink39.xml><?xml version="1.0" encoding="utf-8"?>
-<inkml:ink xmlns:inkml="http://www.w3.org/2003/InkML">
-  <inkml:definitions>
-    <inkml:context xml:id="ctx0">
-      <inkml:inkSource xml:id="inkSrc0">
-        <inkml:traceFormat>
-          <inkml:channel name="X" type="integer" min="-2.14748E9" max="2.14748E9" units="cm"/>
-          <inkml:channel name="Y" type="integer" min="-2.14748E9" max="2.14748E9" units="cm"/>
-          <inkml:channel name="F" type="integer" max="32767" units="dev"/>
-        </inkml:traceFormat>
-        <inkml:channelProperties>
-          <inkml:channelProperty channel="X" name="resolution" value="1000" units="1/cm"/>
-          <inkml:channelProperty channel="Y" name="resolution" value="1000" units="1/cm"/>
-          <inkml:channelProperty channel="F" name="resolution" value="0" units="1/dev"/>
-        </inkml:channelProperties>
-      </inkml:inkSource>
-      <inkml:timestamp xml:id="ts0" timeString="2023-10-25T16:22:48.595"/>
-    </inkml:context>
-    <inkml:brush xml:id="br0">
-      <inkml:brushProperty name="width" value="0.035" units="cm"/>
-      <inkml:brushProperty name="height" value="0.035" units="cm"/>
-      <inkml:brushProperty name="color" value="#E71224"/>
-    </inkml:brush>
-  </inkml:definitions>
-  <inkml:trace contextRef="#ctx0" brushRef="#br0">0 0 24575,'0'7'0,"2"-2"0,2 0 0,3-2 0,2-2 0,5 1 0,8-1 0,8 0 0,12-1 0,11-1 0,15 0 0,9 0 0,0 2 0,-14 1 0,-21-1 0,-17 0 0,2-2 0,8-1 0,7 1 0,-8-1 0,-15 0 0,-10 6 0,-7-4 0,2 3 0</inkml:trace>
-</inkml:ink>
-</file>
-
-<file path=ppt/ink/ink4.xml><?xml version="1.0" encoding="utf-8"?>
-<inkml:ink xmlns:inkml="http://www.w3.org/2003/InkML">
-  <inkml:definitions>
-    <inkml:context xml:id="ctx0">
-      <inkml:inkSource xml:id="inkSrc0">
-        <inkml:traceFormat>
-          <inkml:channel name="X" type="integer" min="-2.14748E9" max="2.14748E9" units="cm"/>
-          <inkml:channel name="Y" type="integer" min="-2.14748E9" max="2.14748E9" units="cm"/>
-          <inkml:channel name="F" type="integer" max="32767" units="dev"/>
-        </inkml:traceFormat>
-        <inkml:channelProperties>
-          <inkml:channelProperty channel="X" name="resolution" value="1000" units="1/cm"/>
-          <inkml:channelProperty channel="Y" name="resolution" value="1000" units="1/cm"/>
-          <inkml:channelProperty channel="F" name="resolution" value="0" units="1/dev"/>
-        </inkml:channelProperties>
-      </inkml:inkSource>
-      <inkml:timestamp xml:id="ts0" timeString="2023-10-25T16:21:43.009"/>
-    </inkml:context>
-    <inkml:brush xml:id="br0">
-      <inkml:brushProperty name="width" value="0.035" units="cm"/>
-      <inkml:brushProperty name="height" value="0.035" units="cm"/>
-    </inkml:brush>
-  </inkml:definitions>
-  <inkml:trace contextRef="#ctx0" brushRef="#br0">1 36 24575,'19'-1'0,"10"-1"0,13 0 0,4-1 0,-5-1 0,-11 0 0,-13 2 0,-5-1 0,5-2 0,3 0 0,1 2 0,-8 1 0,-7 3 0</inkml:trace>
-</inkml:ink>
-</file>
-
-<file path=ppt/ink/ink40.xml><?xml version="1.0" encoding="utf-8"?>
-<inkml:ink xmlns:inkml="http://www.w3.org/2003/InkML">
-  <inkml:definitions>
-    <inkml:context xml:id="ctx0">
-      <inkml:inkSource xml:id="inkSrc0">
-        <inkml:traceFormat>
-          <inkml:channel name="X" type="integer" min="-2.14748E9" max="2.14748E9" units="cm"/>
-          <inkml:channel name="Y" type="integer" min="-2.14748E9" max="2.14748E9" units="cm"/>
-          <inkml:channel name="F" type="integer" max="32767" units="dev"/>
-        </inkml:traceFormat>
-        <inkml:channelProperties>
-          <inkml:channelProperty channel="X" name="resolution" value="1000" units="1/cm"/>
-          <inkml:channelProperty channel="Y" name="resolution" value="1000" units="1/cm"/>
-          <inkml:channelProperty channel="F" name="resolution" value="0" units="1/dev"/>
-        </inkml:channelProperties>
-      </inkml:inkSource>
-      <inkml:timestamp xml:id="ts0" timeString="2023-10-25T16:22:50.061"/>
-    </inkml:context>
-    <inkml:brush xml:id="br0">
-      <inkml:brushProperty name="width" value="0.035" units="cm"/>
-      <inkml:brushProperty name="height" value="0.035" units="cm"/>
-      <inkml:brushProperty name="color" value="#E71224"/>
-    </inkml:brush>
-  </inkml:definitions>
-  <inkml:trace contextRef="#ctx0" brushRef="#br0">0 52 24575,'8'0'0,"13"0"0,19 2 0,11 1 0,1-1 0,-12 0 0,-14-2 0,-9 0 0,-1-1 0,5 1 0,9-1 0,8 0 0,1-1 0,-4-1 0,-6 0 0,-8 1 0,-9 1 0,-1-1 0,11-2 0,10-2 0,3 0 0,-2 1 0,-9 3 0,-5 1 0,-4 0 0,-2 0 0,-1-1 0,5 0 0,3-1 0,-1 1 0,-2 0 0,-6 0 0,-6-1 0,-5 2 0,0-1 0</inkml:trace>
-</inkml:ink>
-</file>
-
-<file path=ppt/ink/ink41.xml><?xml version="1.0" encoding="utf-8"?>
-<inkml:ink xmlns:inkml="http://www.w3.org/2003/InkML">
-  <inkml:definitions>
-    <inkml:context xml:id="ctx0">
-      <inkml:inkSource xml:id="inkSrc0">
-        <inkml:traceFormat>
-          <inkml:channel name="X" type="integer" min="-2.14748E9" max="2.14748E9" units="cm"/>
-          <inkml:channel name="Y" type="integer" min="-2.14748E9" max="2.14748E9" units="cm"/>
-          <inkml:channel name="F" type="integer" max="32767" units="dev"/>
-        </inkml:traceFormat>
-        <inkml:channelProperties>
-          <inkml:channelProperty channel="X" name="resolution" value="1000" units="1/cm"/>
-          <inkml:channelProperty channel="Y" name="resolution" value="1000" units="1/cm"/>
-          <inkml:channelProperty channel="F" name="resolution" value="0" units="1/dev"/>
-        </inkml:channelProperties>
-      </inkml:inkSource>
-      <inkml:timestamp xml:id="ts0" timeString="2023-10-25T16:22:52.012"/>
-    </inkml:context>
-    <inkml:brush xml:id="br0">
-      <inkml:brushProperty name="width" value="0.035" units="cm"/>
-      <inkml:brushProperty name="height" value="0.035" units="cm"/>
-      <inkml:brushProperty name="color" value="#E71224"/>
-    </inkml:brush>
-  </inkml:definitions>
-  <inkml:trace contextRef="#ctx0" brushRef="#br0">4 0 24575,'-1'13'0,"0"13"0,-1 15 0,2 13 0,1 1 0,-1-7 0,1-7 0,-1-2 0,0 3 0,1 0 0,1-3 0,0-9 0,-1-11 0,0-3 0,0-2 0,-1-1 0,0-1 0,0 5 0,-1 6 0,2 4 0,0-5 0,0-13 0,1-10 0,0-3 0,2-8 0,3-8 0,-3 7 0,0-2 0</inkml:trace>
-</inkml:ink>
-</file>
-
-<file path=ppt/ink/ink42.xml><?xml version="1.0" encoding="utf-8"?>
-<inkml:ink xmlns:inkml="http://www.w3.org/2003/InkML">
-  <inkml:definitions>
-    <inkml:context xml:id="ctx0">
-      <inkml:inkSource xml:id="inkSrc0">
-        <inkml:traceFormat>
-          <inkml:channel name="X" type="integer" min="-2.14748E9" max="2.14748E9" units="cm"/>
-          <inkml:channel name="Y" type="integer" min="-2.14748E9" max="2.14748E9" units="cm"/>
-          <inkml:channel name="F" type="integer" max="32767" units="dev"/>
-        </inkml:traceFormat>
-        <inkml:channelProperties>
-          <inkml:channelProperty channel="X" name="resolution" value="1000" units="1/cm"/>
-          <inkml:channelProperty channel="Y" name="resolution" value="1000" units="1/cm"/>
-          <inkml:channelProperty channel="F" name="resolution" value="0" units="1/dev"/>
-        </inkml:channelProperties>
-      </inkml:inkSource>
-      <inkml:timestamp xml:id="ts0" timeString="2023-10-25T16:22:54.697"/>
-    </inkml:context>
-    <inkml:brush xml:id="br0">
-      <inkml:brushProperty name="width" value="0.035" units="cm"/>
-      <inkml:brushProperty name="height" value="0.035" units="cm"/>
-      <inkml:brushProperty name="color" value="#E71224"/>
-    </inkml:brush>
-  </inkml:definitions>
-  <inkml:trace contextRef="#ctx0" brushRef="#br0">72 472 24575,'0'-22'0,"-2"-24"0,-5-22 0,-7-16 0,-4 4 0,2 12 0,5 14 0,8 19 0,5 20 0,18 26 0,31 30 0,-6-6 0,7 4 0,18 11 0,4 2 0,-20-14 0,2 1 0,0-1 0,24 17 0,-3-1 0,-13-10 0,-6-2 0,18 15 0,-38-24 0,-22-15 0,-6-6 0,0-1 0,6 4 0,4 3 0,1 3 0,-4-4 0,-6-3 0,-1 5 0,0 4 0,1 1 0,-3-7 0,-6-10 0,-2-2 0,-6 5 0,-7 9 0,-9 6 0,-5 1 0,3-4 0,-1-4 0,-21 4 0,-31 11 0,27-11 0,-1 0 0,-3 2 0,0 0 0,7-1 0,3-1 0,-31 17 0,9 0 0,7 0 0,11-4 0,15-5 0,13-10 0,7-4 0,3-3 0,0 1 0,0 2 0,1-1 0,0-1 0,4-3 0,1-2 0,1-1 0,-1-1 0,0-1 0,3-3 0,0-4 0,3-4 0,0-8 0,3-11 0,1-12 0,0-4 0,-3 1 0,-1 8 0,-2 9 0,1 1 0,0 6 0,-1 3 0,-2 8 0,1 4 0,-2 6 0</inkml:trace>
-</inkml:ink>
-</file>
-
-<file path=ppt/ink/ink43.xml><?xml version="1.0" encoding="utf-8"?>
-<inkml:ink xmlns:inkml="http://www.w3.org/2003/InkML">
-  <inkml:definitions>
-    <inkml:context xml:id="ctx0">
-      <inkml:inkSource xml:id="inkSrc0">
-        <inkml:traceFormat>
-          <inkml:channel name="X" type="integer" min="-2.14748E9" max="2.14748E9" units="cm"/>
-          <inkml:channel name="Y" type="integer" min="-2.14748E9" max="2.14748E9" units="cm"/>
-        </inkml:traceFormat>
-        <inkml:channelProperties>
-          <inkml:channelProperty channel="X" name="resolution" value="1000" units="1/cm"/>
-          <inkml:channelProperty channel="Y" name="resolution" value="1000" units="1/cm"/>
-        </inkml:channelProperties>
-      </inkml:inkSource>
-      <inkml:timestamp xml:id="ts0" timeString="2023-10-25T16:23:03.981"/>
-    </inkml:context>
-    <inkml:brush xml:id="br0">
-      <inkml:brushProperty name="width" value="0.3" units="cm"/>
-      <inkml:brushProperty name="height" value="0.6" units="cm"/>
-      <inkml:brushProperty name="color" value="#FFFC00"/>
-      <inkml:brushProperty name="tip" value="rectangle"/>
-      <inkml:brushProperty name="rasterOp" value="maskPen"/>
-    </inkml:brush>
-  </inkml:definitions>
-  <inkml:trace contextRef="#ctx0" brushRef="#br0">1735 18,'-63'-4,"0"0,2 1,-8 0,3 0,8 3,9 6,3 5,-5 5,-3 5,1-1,0 2,-3 2,-3 0,-5 2,2-3,6-6,9-2,6 3,-2 7,-1 7,-4 8,-1 3,2-1,1 2,2 2,3 4,6 0,5-4,5-4,3 0,0 8,0 9,-2 11,0 7,-1 2,2 3,4-3,4 1,5 0,5-2,6-2,8-2,5-1,7 5,4 6,9 8,-12-40,3 0,3 2,3 0,3 2,4-1,2 2,2 0,5 2,2 0,5 3,3-1,3 1,3 0,6 2,4-1,-21-21,1-1,1-1,1 0,1-2,0-1,29 15,1-4,-6-6,0-3,-6-6,-2-3,-8-5,-2-2,-8-4,-2-3,38 6,-12-9,-6-5,-1-4,5-2,6 0,8-2,-40 0,1-1,2-1,1-1,3-2,-1-1,0-1,-3-1,41-12,-10-2,-10 1,-6-1,4-5,6-7,5-7,-1-1,-6-2,-3-5,-2-9,-2-5,-8-2,-8 5,-3-2,-2-2,-4 0,-4 1,-5 4,0-4,1-7,3-8,-3 0,-8 9,-5 5,-4 1,-3-5,-3-7,-4 2,-4-4,-3-2,-1 2,-2 3,-3 10,-1 1,-4-5,-4-3,-2-2,-2 4,-2 5,-1 1,-4 2,-3-1,-16-21,8 20,-11-12,-12 1,9 19,-20-12,12 27,-6 7,-5 5,-7 2,-7-1,-1 0,-2 1,-4 1,40 12,-1 0,-2 0,-2 0,1 0,1 1,-38-6,24 7,16 6,10 3,4 1,2 1,3 0,2 0,-7 0,-15-1,-24-3,-16-4,-4-3,12-1,23 4,20 3,13 4,0 1,-3 0,-4 0,-4 0,-6 0,-10 0,-21-2,19 1,-1-1,36 2,3 1,-1 1,-2 2,0 0,7-2,7-1</inkml:trace>
-</inkml:ink>
-</file>
-
-<file path=ppt/ink/ink44.xml><?xml version="1.0" encoding="utf-8"?>
-<inkml:ink xmlns:inkml="http://www.w3.org/2003/InkML">
-  <inkml:definitions>
-    <inkml:context xml:id="ctx0">
-      <inkml:inkSource xml:id="inkSrc0">
-        <inkml:traceFormat>
-          <inkml:channel name="X" type="integer" min="-2.14748E9" max="2.14748E9" units="cm"/>
-          <inkml:channel name="Y" type="integer" min="-2.14748E9" max="2.14748E9" units="cm"/>
-          <inkml:channel name="F" type="integer" max="32767" units="dev"/>
-        </inkml:traceFormat>
-        <inkml:channelProperties>
-          <inkml:channelProperty channel="X" name="resolution" value="1000" units="1/cm"/>
-          <inkml:channelProperty channel="Y" name="resolution" value="1000" units="1/cm"/>
-          <inkml:channelProperty channel="F" name="resolution" value="0" units="1/dev"/>
-        </inkml:channelProperties>
-      </inkml:inkSource>
-      <inkml:timestamp xml:id="ts0" timeString="2023-10-25T16:23:07.933"/>
-    </inkml:context>
-    <inkml:brush xml:id="br0">
-      <inkml:brushProperty name="width" value="0.035" units="cm"/>
-      <inkml:brushProperty name="height" value="0.035" units="cm"/>
-      <inkml:brushProperty name="color" value="#E71224"/>
-    </inkml:brush>
-  </inkml:definitions>
-  <inkml:trace contextRef="#ctx0" brushRef="#br0">2 1 24575,'0'9'0,"1"6"0,1 7 0,0 9 0,0 6 0,1 6 0,0 5 0,-1 2 0,0-2 0,-3-6 0,-2-10 0,0-10 0,1-8 0,1-4 0,0 3 0,-1 7 0,0 6 0,1 1 0,0 2 0,0 5 0,1 7 0,1 1 0,1-9 0,1-16 0,-1-16 0,1-11 0,2-14 0,0-9 0,-1 10 0,-1 2 0</inkml:trace>
-</inkml:ink>
-</file>
-
-<file path=ppt/ink/ink45.xml><?xml version="1.0" encoding="utf-8"?>
-<inkml:ink xmlns:inkml="http://www.w3.org/2003/InkML">
-  <inkml:definitions>
-    <inkml:context xml:id="ctx0">
-      <inkml:inkSource xml:id="inkSrc0">
-        <inkml:traceFormat>
-          <inkml:channel name="X" type="integer" min="-2.14748E9" max="2.14748E9" units="cm"/>
-          <inkml:channel name="Y" type="integer" min="-2.14748E9" max="2.14748E9" units="cm"/>
-          <inkml:channel name="F" type="integer" max="32767" units="dev"/>
-        </inkml:traceFormat>
-        <inkml:channelProperties>
-          <inkml:channelProperty channel="X" name="resolution" value="1000" units="1/cm"/>
-          <inkml:channelProperty channel="Y" name="resolution" value="1000" units="1/cm"/>
-          <inkml:channelProperty channel="F" name="resolution" value="0" units="1/dev"/>
-        </inkml:channelProperties>
-      </inkml:inkSource>
-      <inkml:timestamp xml:id="ts0" timeString="2023-10-25T16:23:09.967"/>
-    </inkml:context>
-    <inkml:brush xml:id="br0">
-      <inkml:brushProperty name="width" value="0.035" units="cm"/>
-      <inkml:brushProperty name="height" value="0.035" units="cm"/>
-      <inkml:brushProperty name="color" value="#E71224"/>
-    </inkml:brush>
-  </inkml:definitions>
-  <inkml:trace contextRef="#ctx0" brushRef="#br0">1 238 24575,'0'-4'0,"2"-6"0,1-6 0,1-9 0,1-6 0,0 1 0,-1 4 0,4 3 0,2 3 0,4 1 0,0 3 0,-1 5 0,0 6 0,3 4 0,4 1 0,1 0 0,-4 1 0,-7 2 0,-2 4 0,5 8 0,5 5 0,3 0 0,-6-4 0,-6-7 0,-7-5 0,-2-1 0,1 2 0,-1 4 0,-2 5 0,-2 7 0,-4 8 0,-1 4 0,0-3 0,0-7 0,-3-8 0,-10 0 0,-12 1 0,-3 1 0,4-2 0,14-6 0,9-4 0,2-3 0,-1 0 0,0 0 0,2 2 0,6 6 0,8 9 0,13 11 0,16 9 0,13 6 0,5 2 0,-5-5 0,-15-12 0,-13-12 0,-12-10 0,-6-4 0,-1 1 0,0 3 0,1 5 0,1 4 0,0 3 0,1 1 0,-1-3 0,1-6 0,-2-4 0,-1-2 0,0 1 0,0 0 0,0-3 0,0-3 0,0-5 0,0-1 0,0-2 0,0-4 0,-1 6 0,0-4 0</inkml:trace>
-</inkml:ink>
-</file>
-
-<file path=ppt/ink/ink46.xml><?xml version="1.0" encoding="utf-8"?>
-<inkml:ink xmlns:inkml="http://www.w3.org/2003/InkML">
-  <inkml:definitions>
-    <inkml:context xml:id="ctx0">
-      <inkml:inkSource xml:id="inkSrc0">
-        <inkml:traceFormat>
-          <inkml:channel name="X" type="integer" min="-2.14748E9" max="2.14748E9" units="cm"/>
-          <inkml:channel name="Y" type="integer" min="-2.14748E9" max="2.14748E9" units="cm"/>
-          <inkml:channel name="F" type="integer" max="32767" units="dev"/>
-        </inkml:traceFormat>
-        <inkml:channelProperties>
-          <inkml:channelProperty channel="X" name="resolution" value="1000" units="1/cm"/>
-          <inkml:channelProperty channel="Y" name="resolution" value="1000" units="1/cm"/>
-          <inkml:channelProperty channel="F" name="resolution" value="0" units="1/dev"/>
-        </inkml:channelProperties>
-      </inkml:inkSource>
-      <inkml:timestamp xml:id="ts0" timeString="2023-10-25T16:23:12.352"/>
-    </inkml:context>
-    <inkml:brush xml:id="br0">
-      <inkml:brushProperty name="width" value="0.035" units="cm"/>
-      <inkml:brushProperty name="height" value="0.035" units="cm"/>
-      <inkml:brushProperty name="color" value="#E71224"/>
-    </inkml:brush>
-  </inkml:definitions>
-  <inkml:trace contextRef="#ctx0" brushRef="#br0">25 163 24575,'0'2'0,"1"0"0,2-1 0,4-2 0,5-2 0,3-3 0,1-1 0,-1-1 0,-2 1 0,-2 1 0,-3 2 0,-2 0 0,2-2 0,0-3 0,1-3 0,-1 2 0,-5 3 0,-2 0 0,-1-5 0,0-4 0,0-2 0,0 5 0,-1 6 0,0 5 0,-3 1 0,-1 0 0,-1 1 0,1-1 0,-3 3 0,-4 1 0,-4 3 0,-3 1 0,2 1 0,1 2 0,0 3 0,1 2 0,3 0 0,5 1 0,3 0 0,2 1 0,1 3 0,0 2 0,1 1 0,1 10 0,1-8 0,3 8 0,2-12 0,3-2 0,-4-8 0,3-3 0,1-5 0,8 1 0,8 0 0,3 0 0,-2-2 0,-5 0 0,-6-1 0,1-5 0,2-3 0,-1-1 0,-3 2 0,-8 2 0,-5 2 0,-1 0 0,0-2 0,0 3 0,0-2 0</inkml:trace>
-</inkml:ink>
-</file>
-
-<file path=ppt/ink/ink47.xml><?xml version="1.0" encoding="utf-8"?>
-<inkml:ink xmlns:inkml="http://www.w3.org/2003/InkML">
-  <inkml:definitions>
-    <inkml:context xml:id="ctx0">
-      <inkml:inkSource xml:id="inkSrc0">
-        <inkml:traceFormat>
-          <inkml:channel name="X" type="integer" min="-2.14748E9" max="2.14748E9" units="cm"/>
-          <inkml:channel name="Y" type="integer" min="-2.14748E9" max="2.14748E9" units="cm"/>
-          <inkml:channel name="F" type="integer" max="32767" units="dev"/>
-        </inkml:traceFormat>
-        <inkml:channelProperties>
-          <inkml:channelProperty channel="X" name="resolution" value="1000" units="1/cm"/>
-          <inkml:channelProperty channel="Y" name="resolution" value="1000" units="1/cm"/>
-          <inkml:channelProperty channel="F" name="resolution" value="0" units="1/dev"/>
-        </inkml:channelProperties>
-      </inkml:inkSource>
-      <inkml:timestamp xml:id="ts0" timeString="2023-10-25T16:23:14.218"/>
-    </inkml:context>
-    <inkml:brush xml:id="br0">
-      <inkml:brushProperty name="width" value="0.035" units="cm"/>
-      <inkml:brushProperty name="height" value="0.035" units="cm"/>
-      <inkml:brushProperty name="color" value="#E71224"/>
-    </inkml:brush>
-  </inkml:definitions>
-  <inkml:trace contextRef="#ctx0" brushRef="#br0">259 82 24575,'-5'-8'0,"-4"-4"0,-3-3 0,-3 2 0,1 2 0,0 2 0,2 2 0,3 2 0,3 4 0,-2 1 0,-3 2 0,-2 2 0,0 2 0,2 4 0,0 6 0,1 2 0,2 2 0,4 1 0,1-1 0,3 1 0,3-1 0,6 1 0,10 1 0,10 1 0,4-4 0,-5-6 0,-6-5 0,-5-5 0,-2-2 0,-2 0 0,-4-1 0,-5 1 0,-3 4 0,-4 8 0,-1 10 0,-3 7 0,2-1 0,1-10 0,1-7 0,-4-5 0,-7 1 0,-7 2 0,-6-2 0,-1-4 0,2-8 0,-6-8 0,-3-6 0,5 2 0,9 2 0,16 0 0,11-3 0,4-4 0,-2 1 0,-5 7 0,-4 7 0,0 5 0,-1 0 0</inkml:trace>
-</inkml:ink>
-</file>
-
-<file path=ppt/ink/ink48.xml><?xml version="1.0" encoding="utf-8"?>
-<inkml:ink xmlns:inkml="http://www.w3.org/2003/InkML">
-  <inkml:definitions>
-    <inkml:context xml:id="ctx0">
-      <inkml:inkSource xml:id="inkSrc0">
-        <inkml:traceFormat>
-          <inkml:channel name="X" type="integer" min="-2.14748E9" max="2.14748E9" units="cm"/>
-          <inkml:channel name="Y" type="integer" min="-2.14748E9" max="2.14748E9" units="cm"/>
-          <inkml:channel name="F" type="integer" max="32767" units="dev"/>
-        </inkml:traceFormat>
-        <inkml:channelProperties>
-          <inkml:channelProperty channel="X" name="resolution" value="1000" units="1/cm"/>
-          <inkml:channelProperty channel="Y" name="resolution" value="1000" units="1/cm"/>
-          <inkml:channelProperty channel="F" name="resolution" value="0" units="1/dev"/>
-        </inkml:channelProperties>
-      </inkml:inkSource>
-      <inkml:timestamp xml:id="ts0" timeString="2023-10-25T16:23:15.752"/>
-    </inkml:context>
-    <inkml:brush xml:id="br0">
-      <inkml:brushProperty name="width" value="0.035" units="cm"/>
-      <inkml:brushProperty name="height" value="0.035" units="cm"/>
-      <inkml:brushProperty name="color" value="#E71224"/>
-    </inkml:brush>
-  </inkml:definitions>
-  <inkml:trace contextRef="#ctx0" brushRef="#br0">8 1 24575,'-3'14'0,"0"5"0,1 3 0,4 12 0,2 7 0,3 6 0,3 5 0,0-11 0,0-11 0,-2-11 0,-1-7 0,0-2 0,0-1 0,1 0 0,0-3 0,1-2 0,1-1 0,2-1 0,3-4 0,4-9 0,-1-3 0,-2-1 0,-7 6 0,-5 3 0,1-1 0,2-6 0,2-7 0,-1-4 0,-2 1 0,-3 5 0,-2 7 0,0 4 0,1 1 0,-1-5 0,1-4 0,0-5 0,-1-1 0,0 3 0,0 5 0,-1 5 0,0 4 0,0 3 0,0 0 0</inkml:trace>
-</inkml:ink>
-</file>
-
-<file path=ppt/ink/ink49.xml><?xml version="1.0" encoding="utf-8"?>
-<inkml:ink xmlns:inkml="http://www.w3.org/2003/InkML">
-  <inkml:definitions>
-    <inkml:context xml:id="ctx0">
-      <inkml:inkSource xml:id="inkSrc0">
-        <inkml:traceFormat>
-          <inkml:channel name="X" type="integer" min="-2.14748E9" max="2.14748E9" units="cm"/>
-          <inkml:channel name="Y" type="integer" min="-2.14748E9" max="2.14748E9" units="cm"/>
-          <inkml:channel name="F" type="integer" max="32767" units="dev"/>
-        </inkml:traceFormat>
-        <inkml:channelProperties>
-          <inkml:channelProperty channel="X" name="resolution" value="1000" units="1/cm"/>
-          <inkml:channelProperty channel="Y" name="resolution" value="1000" units="1/cm"/>
-          <inkml:channelProperty channel="F" name="resolution" value="0" units="1/dev"/>
-        </inkml:channelProperties>
-      </inkml:inkSource>
-      <inkml:timestamp xml:id="ts0" timeString="2023-10-25T16:23:17.202"/>
-    </inkml:context>
-    <inkml:brush xml:id="br0">
-      <inkml:brushProperty name="width" value="0.035" units="cm"/>
-      <inkml:brushProperty name="height" value="0.035" units="cm"/>
-      <inkml:brushProperty name="color" value="#E71224"/>
-    </inkml:brush>
-  </inkml:definitions>
-  <inkml:trace contextRef="#ctx0" brushRef="#br0">32 0 24575,'-5'30'0,"1"8"0,0 16 0,0 10 0,2 1 0,-1-1 0,1-4 0,0-6 0,1-2 0,-1-3 0,2-3 0,-1 4 0,0 8 0,1 1 0,0-9 0,0-16 0,1-15 0,-1-5 0,0-2 0,0-2 0,0-6 0,1-7 0,0-2 0,2-5 0,-3 5 0,2-2 0</inkml:trace>
-</inkml:ink>
-</file>
-
-<file path=ppt/ink/ink5.xml><?xml version="1.0" encoding="utf-8"?>
-<inkml:ink xmlns:inkml="http://www.w3.org/2003/InkML">
-  <inkml:definitions>
-    <inkml:context xml:id="ctx0">
-      <inkml:inkSource xml:id="inkSrc0">
-        <inkml:traceFormat>
-          <inkml:channel name="X" type="integer" min="-2.14748E9" max="2.14748E9" units="cm"/>
-          <inkml:channel name="Y" type="integer" min="-2.14748E9" max="2.14748E9" units="cm"/>
-          <inkml:channel name="F" type="integer" max="32767" units="dev"/>
-        </inkml:traceFormat>
-        <inkml:channelProperties>
-          <inkml:channelProperty channel="X" name="resolution" value="1000" units="1/cm"/>
-          <inkml:channelProperty channel="Y" name="resolution" value="1000" units="1/cm"/>
-          <inkml:channelProperty channel="F" name="resolution" value="0" units="1/dev"/>
-        </inkml:channelProperties>
-      </inkml:inkSource>
-      <inkml:timestamp xml:id="ts0" timeString="2023-10-25T16:21:44.876"/>
-    </inkml:context>
-    <inkml:brush xml:id="br0">
-      <inkml:brushProperty name="width" value="0.035" units="cm"/>
-      <inkml:brushProperty name="height" value="0.035" units="cm"/>
-    </inkml:brush>
-  </inkml:definitions>
-  <inkml:trace contextRef="#ctx0" brushRef="#br0">32 0 24575,'-7'23'0,"2"6"0,1 9 0,1 4 0,1-3 0,-1-5 0,1-9 0,-1-11 0,2-6 0,0-3 0,0-3 0,4-6 0,5-10 0,3-7 0,2-4 0,0-1 0,-1 1 0,0 1 0,-2 5 0,-4 5 0,-3 5 0,-1 3 0,1 2 0,3-1 0,0 1 0,4 0 0,1 2 0,-2 3 0,2 2 0,1 5 0,3 4 0,1 1 0,-3 4 0,-4 2 0,-4 5 0,-1 1 0,1-1 0,-3-2 0,-1-3 0,-1-3 0,0-3 0,0-3 0,-2 1 0,0-1 0,1 0 0,0 0 0,-1 3 0,1-2 0,0-3 0,3-8 0,9-12 0,6-9 0,-4 6 0,0 0 0</inkml:trace>
-</inkml:ink>
-</file>
-
-<file path=ppt/ink/ink50.xml><?xml version="1.0" encoding="utf-8"?>
-<inkml:ink xmlns:inkml="http://www.w3.org/2003/InkML">
-  <inkml:definitions>
-    <inkml:context xml:id="ctx0">
-      <inkml:inkSource xml:id="inkSrc0">
-        <inkml:traceFormat>
-          <inkml:channel name="X" type="integer" min="-2.14748E9" max="2.14748E9" units="cm"/>
-          <inkml:channel name="Y" type="integer" min="-2.14748E9" max="2.14748E9" units="cm"/>
-          <inkml:channel name="F" type="integer" max="32767" units="dev"/>
-        </inkml:traceFormat>
-        <inkml:channelProperties>
-          <inkml:channelProperty channel="X" name="resolution" value="1000" units="1/cm"/>
-          <inkml:channelProperty channel="Y" name="resolution" value="1000" units="1/cm"/>
-          <inkml:channelProperty channel="F" name="resolution" value="0" units="1/dev"/>
-        </inkml:channelProperties>
-      </inkml:inkSource>
-      <inkml:timestamp xml:id="ts0" timeString="2023-10-25T16:23:18.585"/>
-    </inkml:context>
-    <inkml:brush xml:id="br0">
-      <inkml:brushProperty name="width" value="0.035" units="cm"/>
-      <inkml:brushProperty name="height" value="0.035" units="cm"/>
-      <inkml:brushProperty name="color" value="#E71224"/>
-    </inkml:brush>
-  </inkml:definitions>
-  <inkml:trace contextRef="#ctx0" brushRef="#br0">39 0 24575,'-6'17'0,"0"10"0,0 16 0,2 15 0,2 9 0,-1 4 0,1-1 0,-1-6 0,0-2 0,1 1 0,1 0 0,0-2 0,1-2 0,0-10 0,0-9 0,0-8 0,1-8 0,-1-5 0,1-5 0,-1-4 0,0-5 0,0-4 0,2-8 0,-1 5 0,0-3 0</inkml:trace>
-</inkml:ink>
-</file>
-
-<file path=ppt/ink/ink51.xml><?xml version="1.0" encoding="utf-8"?>
-<inkml:ink xmlns:inkml="http://www.w3.org/2003/InkML">
-  <inkml:definitions>
-    <inkml:context xml:id="ctx0">
-      <inkml:inkSource xml:id="inkSrc0">
-        <inkml:traceFormat>
-          <inkml:channel name="X" type="integer" min="-2.14748E9" max="2.14748E9" units="cm"/>
-          <inkml:channel name="Y" type="integer" min="-2.14748E9" max="2.14748E9" units="cm"/>
-          <inkml:channel name="F" type="integer" max="32767" units="dev"/>
-        </inkml:traceFormat>
-        <inkml:channelProperties>
-          <inkml:channelProperty channel="X" name="resolution" value="1000" units="1/cm"/>
-          <inkml:channelProperty channel="Y" name="resolution" value="1000" units="1/cm"/>
-          <inkml:channelProperty channel="F" name="resolution" value="0" units="1/dev"/>
-        </inkml:channelProperties>
-      </inkml:inkSource>
-      <inkml:timestamp xml:id="ts0" timeString="2023-10-25T16:23:19.685"/>
-    </inkml:context>
-    <inkml:brush xml:id="br0">
-      <inkml:brushProperty name="width" value="0.035" units="cm"/>
-      <inkml:brushProperty name="height" value="0.035" units="cm"/>
-      <inkml:brushProperty name="color" value="#E71224"/>
-    </inkml:brush>
-  </inkml:definitions>
-  <inkml:trace contextRef="#ctx0" brushRef="#br0">1 30 24575,'7'0'0,"3"0"0,6 0 0,7-1 0,6-2 0,6 0 0,2-1 0,-3 0 0,-3 2 0,-7 0 0,-5 0 0,-4 0 0,-3 0 0,-1 1 0,1-1 0,-2 1 0,-5 1 0,-2-1 0</inkml:trace>
-</inkml:ink>
-</file>
-
-<file path=ppt/ink/ink52.xml><?xml version="1.0" encoding="utf-8"?>
-<inkml:ink xmlns:inkml="http://www.w3.org/2003/InkML">
-  <inkml:definitions>
-    <inkml:context xml:id="ctx0">
-      <inkml:inkSource xml:id="inkSrc0">
-        <inkml:traceFormat>
-          <inkml:channel name="X" type="integer" min="-2.14748E9" max="2.14748E9" units="cm"/>
-          <inkml:channel name="Y" type="integer" min="-2.14748E9" max="2.14748E9" units="cm"/>
-          <inkml:channel name="F" type="integer" max="32767" units="dev"/>
-        </inkml:traceFormat>
-        <inkml:channelProperties>
-          <inkml:channelProperty channel="X" name="resolution" value="1000" units="1/cm"/>
-          <inkml:channelProperty channel="Y" name="resolution" value="1000" units="1/cm"/>
-          <inkml:channelProperty channel="F" name="resolution" value="0" units="1/dev"/>
-        </inkml:channelProperties>
-      </inkml:inkSource>
-      <inkml:timestamp xml:id="ts0" timeString="2023-10-25T16:23:43.425"/>
-    </inkml:context>
-    <inkml:brush xml:id="br0">
-      <inkml:brushProperty name="width" value="0.035" units="cm"/>
-      <inkml:brushProperty name="height" value="0.035" units="cm"/>
-      <inkml:brushProperty name="color" value="#E71224"/>
-    </inkml:brush>
-  </inkml:definitions>
-  <inkml:trace contextRef="#ctx0" brushRef="#br0">0 1 24575,'0'0'0</inkml:trace>
-</inkml:ink>
-</file>
-
-<file path=ppt/ink/ink6.xml><?xml version="1.0" encoding="utf-8"?>
-<inkml:ink xmlns:inkml="http://www.w3.org/2003/InkML">
-  <inkml:definitions>
-    <inkml:context xml:id="ctx0">
-      <inkml:inkSource xml:id="inkSrc0">
-        <inkml:traceFormat>
-          <inkml:channel name="X" type="integer" min="-2.14748E9" max="2.14748E9" units="cm"/>
-          <inkml:channel name="Y" type="integer" min="-2.14748E9" max="2.14748E9" units="cm"/>
-          <inkml:channel name="F" type="integer" max="32767" units="dev"/>
-        </inkml:traceFormat>
-        <inkml:channelProperties>
-          <inkml:channelProperty channel="X" name="resolution" value="1000" units="1/cm"/>
-          <inkml:channelProperty channel="Y" name="resolution" value="1000" units="1/cm"/>
-          <inkml:channelProperty channel="F" name="resolution" value="0" units="1/dev"/>
-        </inkml:channelProperties>
-      </inkml:inkSource>
-      <inkml:timestamp xml:id="ts0" timeString="2023-10-25T16:21:46.610"/>
-    </inkml:context>
-    <inkml:brush xml:id="br0">
-      <inkml:brushProperty name="width" value="0.035" units="cm"/>
-      <inkml:brushProperty name="height" value="0.035" units="cm"/>
-    </inkml:brush>
-  </inkml:definitions>
-  <inkml:trace contextRef="#ctx0" brushRef="#br0">309 1 24575,'-10'0'0,"-4"0"0,-6 0 0,-3 0 0,4 0 0,5 2 0,4 9 0,2 9 0,2 8 0,2 4 0,11 14 0,13 8 0,10 5 0,6-6 0,-9-20 0,-8-19 0,-4-19 0,2-13 0,4-5 0,-3 2 0,-6 6 0,-3 3 0,-1-5 0,3-9 0,-2-1 0,-3 6 0,-6 15 0,-6 22 0,-2 19 0,0 24 0,1 25 0,3 12 0,0 3 0,0-12 0,-2-24 0,-3-20 0,-2-20 0,-8-12 0,-12-9 0,-17-7 0,-18-10 0,-5-10 0,6-5 0,20 6 0,21 9 0,15 7 0,8 4 0,4-2 0,2-2 0,2-2 0,1-3 0,1 0 0,-5 5 0,0 2 0</inkml:trace>
-</inkml:ink>
-</file>
-
-<file path=ppt/ink/ink7.xml><?xml version="1.0" encoding="utf-8"?>
-<inkml:ink xmlns:inkml="http://www.w3.org/2003/InkML">
-  <inkml:definitions>
-    <inkml:context xml:id="ctx0">
-      <inkml:inkSource xml:id="inkSrc0">
-        <inkml:traceFormat>
-          <inkml:channel name="X" type="integer" min="-2.14748E9" max="2.14748E9" units="cm"/>
-          <inkml:channel name="Y" type="integer" min="-2.14748E9" max="2.14748E9" units="cm"/>
-          <inkml:channel name="F" type="integer" max="32767" units="dev"/>
-        </inkml:traceFormat>
-        <inkml:channelProperties>
-          <inkml:channelProperty channel="X" name="resolution" value="1000" units="1/cm"/>
-          <inkml:channelProperty channel="Y" name="resolution" value="1000" units="1/cm"/>
-          <inkml:channelProperty channel="F" name="resolution" value="0" units="1/dev"/>
-        </inkml:channelProperties>
-      </inkml:inkSource>
-      <inkml:timestamp xml:id="ts0" timeString="2023-10-25T16:21:47.644"/>
-    </inkml:context>
-    <inkml:brush xml:id="br0">
-      <inkml:brushProperty name="width" value="0.035" units="cm"/>
-      <inkml:brushProperty name="height" value="0.035" units="cm"/>
-    </inkml:brush>
-  </inkml:definitions>
-  <inkml:trace contextRef="#ctx0" brushRef="#br0">19 0 24575,'-3'9'0,"0"5"0,-1 7 0,2 9 0,0 5 0,0 4 0,2 0 0,0-4 0,0-8 0,0-11 0,-1-8 0,0-5 0,1-1 0,2-5 0,3-8 0,3-16 0,-3 13 0,0-6 0</inkml:trace>
-</inkml:ink>
-</file>
-
-<file path=ppt/ink/ink8.xml><?xml version="1.0" encoding="utf-8"?>
-<inkml:ink xmlns:inkml="http://www.w3.org/2003/InkML">
-  <inkml:definitions>
-    <inkml:context xml:id="ctx0">
-      <inkml:inkSource xml:id="inkSrc0">
-        <inkml:traceFormat>
-          <inkml:channel name="X" type="integer" min="-2.14748E9" max="2.14748E9" units="cm"/>
-          <inkml:channel name="Y" type="integer" min="-2.14748E9" max="2.14748E9" units="cm"/>
-          <inkml:channel name="F" type="integer" max="32767" units="dev"/>
-        </inkml:traceFormat>
-        <inkml:channelProperties>
-          <inkml:channelProperty channel="X" name="resolution" value="1000" units="1/cm"/>
-          <inkml:channelProperty channel="Y" name="resolution" value="1000" units="1/cm"/>
-          <inkml:channelProperty channel="F" name="resolution" value="0" units="1/dev"/>
-        </inkml:channelProperties>
-      </inkml:inkSource>
-      <inkml:timestamp xml:id="ts0" timeString="2023-10-25T16:21:48.394"/>
-    </inkml:context>
-    <inkml:brush xml:id="br0">
-      <inkml:brushProperty name="width" value="0.035" units="cm"/>
-      <inkml:brushProperty name="height" value="0.035" units="cm"/>
-    </inkml:brush>
-  </inkml:definitions>
-  <inkml:trace contextRef="#ctx0" brushRef="#br0">0 4 24575,'0'-2'0,"0"1"0</inkml:trace>
-</inkml:ink>
-</file>
-
-<file path=ppt/ink/ink9.xml><?xml version="1.0" encoding="utf-8"?>
-<inkml:ink xmlns:inkml="http://www.w3.org/2003/InkML">
-  <inkml:definitions>
-    <inkml:context xml:id="ctx0">
-      <inkml:inkSource xml:id="inkSrc0">
-        <inkml:traceFormat>
-          <inkml:channel name="X" type="integer" min="-2.14748E9" max="2.14748E9" units="cm"/>
-          <inkml:channel name="Y" type="integer" min="-2.14748E9" max="2.14748E9" units="cm"/>
-          <inkml:channel name="F" type="integer" max="32767" units="dev"/>
-        </inkml:traceFormat>
-        <inkml:channelProperties>
-          <inkml:channelProperty channel="X" name="resolution" value="1000" units="1/cm"/>
-          <inkml:channelProperty channel="Y" name="resolution" value="1000" units="1/cm"/>
-          <inkml:channelProperty channel="F" name="resolution" value="0" units="1/dev"/>
-        </inkml:channelProperties>
-      </inkml:inkSource>
-      <inkml:timestamp xml:id="ts0" timeString="2023-10-25T16:21:50.811"/>
-    </inkml:context>
-    <inkml:brush xml:id="br0">
-      <inkml:brushProperty name="width" value="0.035" units="cm"/>
-      <inkml:brushProperty name="height" value="0.035" units="cm"/>
-    </inkml:brush>
-  </inkml:definitions>
-  <inkml:trace contextRef="#ctx0" brushRef="#br0">2 0 24575,'-1'9'0,"1"11"0,3 15 0,2 17 0,1 7 0,-2-7 0,-1-13 0,-3-16 0,-1-12 0,-1-1 0,0 3 0,-1 3 0,1-1 0,-1-1 0,-1-3 0,2-3 0,1-4 0,2-5 0,2-7 0,3-11 0,3-16 0,2-17 0,0-4 0,-3 10 0,-2 16 0,-3 15 0,8-1 0,3-2 0,3 0 0,-2 3 0,-6 10 0,0 3 0,2 1 0,4 2 0,6 3 0,-1 2 0,-4 4 0,-7 11 0,-1 12 0,-1 8 0,2-1 0,-3-10 0,-6-11 0,-3-3 0,-2 5 0,-1 8 0,0 0 0,2-7 0,1-8 0,-3 1 0,-1 5 0,1 0 0,1-6 0,7-15 0,1-12 0,-3-9 0,-10-1 0,4 9 0,-4 5 0</inkml:trace>
-</inkml:ink>
-</file>
-
 <file path=ppt/notesMasters/notesMaster1.xml><?xml version="1.0" encoding="utf-8"?>
 <p:notesMaster xmlns:a="http://schemas.openxmlformats.org/drawingml/2006/main" xmlns:r="http://schemas.openxmlformats.org/officeDocument/2006/relationships" xmlns:p="http://schemas.openxmlformats.org/presentationml/2006/main">
   <p:cSld>
@@ -1672,7 +216,7 @@
           <a:p>
             <a:fld id="{4E9467BC-F030-794F-8F81-C00FF4D1EED8}" type="datetimeFigureOut">
               <a:rPr lang="en-US" smtClean="0"/>
-              <a:t>10/25/23</a:t>
+              <a:t>11/6/23</a:t>
             </a:fld>
             <a:endParaRPr lang="en-US"/>
           </a:p>
@@ -2660,7 +1204,7 @@
           <a:p>
             <a:fld id="{EA0C0817-A112-4847-8014-A94B7D2A4EA3}" type="datetime1">
               <a:rPr lang="en-US" smtClean="0"/>
-              <a:t>10/25/23</a:t>
+              <a:t>11/6/23</a:t>
             </a:fld>
             <a:endParaRPr lang="en-US" dirty="0"/>
           </a:p>
@@ -2862,7 +1406,7 @@
           <a:p>
             <a:fld id="{134F40B7-36AB-4376-BE14-EF7004D79BB9}" type="datetime1">
               <a:rPr lang="en-US" smtClean="0"/>
-              <a:t>10/25/23</a:t>
+              <a:t>11/6/23</a:t>
             </a:fld>
             <a:endParaRPr lang="en-US"/>
           </a:p>
@@ -3042,7 +1586,7 @@
           <a:p>
             <a:fld id="{FF87CAB8-DCAE-46A5-AADA-B3FAD11A54E0}" type="datetime1">
               <a:rPr lang="en-US" smtClean="0"/>
-              <a:t>10/25/23</a:t>
+              <a:t>11/6/23</a:t>
             </a:fld>
             <a:endParaRPr lang="en-US"/>
           </a:p>
@@ -3212,7 +1756,7 @@
           <a:p>
             <a:fld id="{7332B432-ACDA-4023-A761-2BAB76577B62}" type="datetime1">
               <a:rPr lang="en-US" smtClean="0"/>
-              <a:t>10/25/23</a:t>
+              <a:t>11/6/23</a:t>
             </a:fld>
             <a:endParaRPr lang="en-US"/>
           </a:p>
@@ -3811,7 +2355,7 @@
           <a:p>
             <a:fld id="{D9C646AA-F36E-4540-911D-FFFC0A0EF24A}" type="datetime1">
               <a:rPr lang="en-US" smtClean="0"/>
-              <a:t>10/25/23</a:t>
+              <a:t>11/6/23</a:t>
             </a:fld>
             <a:endParaRPr lang="en-US" dirty="0"/>
           </a:p>
@@ -4131,7 +2675,7 @@
           <a:p>
             <a:fld id="{69186D26-FA5F-4637-B602-B7C2DC34CFD4}" type="datetime1">
               <a:rPr lang="en-US" smtClean="0"/>
-              <a:t>10/25/23</a:t>
+              <a:t>11/6/23</a:t>
             </a:fld>
             <a:endParaRPr lang="en-US"/>
           </a:p>
@@ -4566,7 +3110,7 @@
           <a:p>
             <a:fld id="{8A7F15D8-96D1-4781-BC50-CA8A088B2FE4}" type="datetime1">
               <a:rPr lang="en-US" smtClean="0"/>
-              <a:t>10/25/23</a:t>
+              <a:t>11/6/23</a:t>
             </a:fld>
             <a:endParaRPr lang="en-US"/>
           </a:p>
@@ -4684,7 +3228,7 @@
           <a:p>
             <a:fld id="{F9A96C99-B8F8-4528-BD05-0E16E943DC09}" type="datetime1">
               <a:rPr lang="en-US" smtClean="0"/>
-              <a:t>10/25/23</a:t>
+              <a:t>11/6/23</a:t>
             </a:fld>
             <a:endParaRPr lang="en-US"/>
           </a:p>
@@ -4779,7 +3323,7 @@
           <a:p>
             <a:fld id="{03636942-C211-4B28-8DBD-C953E00AF71B}" type="datetime1">
               <a:rPr lang="en-US" smtClean="0"/>
-              <a:t>10/25/23</a:t>
+              <a:t>11/6/23</a:t>
             </a:fld>
             <a:endParaRPr lang="en-US"/>
           </a:p>
@@ -5196,7 +3740,7 @@
           <a:p>
             <a:fld id="{7E8D12A6-918A-48BD-8CB9-CA713993B0EA}" type="datetime1">
               <a:rPr lang="en-US" smtClean="0"/>
-              <a:t>10/25/23</a:t>
+              <a:t>11/6/23</a:t>
             </a:fld>
             <a:endParaRPr lang="en-US"/>
           </a:p>
@@ -5458,7 +4002,7 @@
             <a:fld id="{E778CE86-875F-4587-BCF6-FA054AFC0D53}" type="datetime1">
               <a:rPr lang="en-US" smtClean="0"/>
               <a:pPr/>
-              <a:t>10/25/23</a:t>
+              <a:t>11/6/23</a:t>
             </a:fld>
             <a:endParaRPr lang="en-US" dirty="0"/>
           </a:p>
@@ -5974,7 +4518,7 @@
           <a:p>
             <a:fld id="{F6FA2B21-3FCD-4721-B95C-427943F61125}" type="datetime1">
               <a:rPr lang="en-US" smtClean="0"/>
-              <a:t>10/25/23</a:t>
+              <a:t>11/6/23</a:t>
             </a:fld>
             <a:endParaRPr lang="en-US"/>
           </a:p>
@@ -10352,2923 +8896,6 @@
 </p:sld>
 </file>
 
-<file path=ppt/slides/slide21.xml><?xml version="1.0" encoding="utf-8"?>
-<p:sld xmlns:a="http://schemas.openxmlformats.org/drawingml/2006/main" xmlns:r="http://schemas.openxmlformats.org/officeDocument/2006/relationships" xmlns:p="http://schemas.openxmlformats.org/presentationml/2006/main">
-  <p:cSld>
-    <p:spTree>
-      <p:nvGrpSpPr>
-        <p:cNvPr id="1" name=""/>
-        <p:cNvGrpSpPr/>
-        <p:nvPr/>
-      </p:nvGrpSpPr>
-      <p:grpSpPr>
-        <a:xfrm>
-          <a:off x="0" y="0"/>
-          <a:ext cx="0" cy="0"/>
-          <a:chOff x="0" y="0"/>
-          <a:chExt cx="0" cy="0"/>
-        </a:xfrm>
-      </p:grpSpPr>
-      <p:sp>
-        <p:nvSpPr>
-          <p:cNvPr id="2" name="Title 1">
-            <a:extLst>
-              <a:ext uri="{FF2B5EF4-FFF2-40B4-BE49-F238E27FC236}">
-                <a16:creationId xmlns:a16="http://schemas.microsoft.com/office/drawing/2014/main" id="{D2A01703-5135-05A6-B46F-845CAA5E0F09}"/>
-              </a:ext>
-            </a:extLst>
-          </p:cNvPr>
-          <p:cNvSpPr>
-            <a:spLocks noGrp="1"/>
-          </p:cNvSpPr>
-          <p:nvPr>
-            <p:ph type="title"/>
-          </p:nvPr>
-        </p:nvSpPr>
-        <p:spPr/>
-        <p:txBody>
-          <a:bodyPr/>
-          <a:lstStyle/>
-          <a:p>
-            <a:r>
-              <a:rPr lang="en-US" dirty="0"/>
-              <a:t>A More Detailed History of AI</a:t>
-            </a:r>
-          </a:p>
-        </p:txBody>
-      </p:sp>
-      <p:sp>
-        <p:nvSpPr>
-          <p:cNvPr id="3" name="Content Placeholder 2">
-            <a:extLst>
-              <a:ext uri="{FF2B5EF4-FFF2-40B4-BE49-F238E27FC236}">
-                <a16:creationId xmlns:a16="http://schemas.microsoft.com/office/drawing/2014/main" id="{263A633D-D649-4399-3C8E-68D643DE650E}"/>
-              </a:ext>
-            </a:extLst>
-          </p:cNvPr>
-          <p:cNvSpPr>
-            <a:spLocks noGrp="1"/>
-          </p:cNvSpPr>
-          <p:nvPr>
-            <p:ph idx="1"/>
-          </p:nvPr>
-        </p:nvSpPr>
-        <p:spPr/>
-        <p:txBody>
-          <a:bodyPr>
-            <a:normAutofit fontScale="85000" lnSpcReduction="10000"/>
-          </a:bodyPr>
-          <a:lstStyle/>
-          <a:p>
-            <a:pPr marL="0" marR="0">
-              <a:spcBef>
-                <a:spcPts val="0"/>
-              </a:spcBef>
-              <a:spcAft>
-                <a:spcPts val="1500"/>
-              </a:spcAft>
-            </a:pPr>
-            <a:r>
-              <a:rPr lang="en-US" sz="1800" dirty="0">
-                <a:effectLst/>
-                <a:latin typeface="Segoe UI" panose="020B0502040204020203" pitchFamily="34" charset="0"/>
-                <a:ea typeface="Times New Roman" panose="02020603050405020304" pitchFamily="18" charset="0"/>
-              </a:rPr>
-              <a:t>The conceptualization of artificial intelligent entities has been </a:t>
-            </a:r>
-            <a:r>
-              <a:rPr lang="en-US" sz="1800" dirty="0">
-                <a:solidFill>
-                  <a:srgbClr val="FF0000"/>
-                </a:solidFill>
-                <a:effectLst/>
-                <a:latin typeface="Segoe UI" panose="020B0502040204020203" pitchFamily="34" charset="0"/>
-                <a:ea typeface="Times New Roman" panose="02020603050405020304" pitchFamily="18" charset="0"/>
-              </a:rPr>
-              <a:t>embedded in human thought and culture</a:t>
-            </a:r>
-            <a:r>
-              <a:rPr lang="en-US" sz="1800" dirty="0">
-                <a:effectLst/>
-                <a:latin typeface="Segoe UI" panose="020B0502040204020203" pitchFamily="34" charset="0"/>
-                <a:ea typeface="Times New Roman" panose="02020603050405020304" pitchFamily="18" charset="0"/>
-              </a:rPr>
-              <a:t> for millennia. </a:t>
-            </a:r>
-          </a:p>
-          <a:p>
-            <a:pPr marL="0" marR="0">
-              <a:spcBef>
-                <a:spcPts val="0"/>
-              </a:spcBef>
-              <a:spcAft>
-                <a:spcPts val="1500"/>
-              </a:spcAft>
-            </a:pPr>
-            <a:r>
-              <a:rPr lang="en-US" sz="1800" dirty="0">
-                <a:effectLst/>
-                <a:latin typeface="Segoe UI" panose="020B0502040204020203" pitchFamily="34" charset="0"/>
-                <a:ea typeface="Times New Roman" panose="02020603050405020304" pitchFamily="18" charset="0"/>
-              </a:rPr>
-              <a:t>Ancient myths, legends, and stories from various civilizations have contemplated the creation of </a:t>
-            </a:r>
-            <a:r>
-              <a:rPr lang="en-US" sz="1800" dirty="0">
-                <a:solidFill>
-                  <a:srgbClr val="FF0000"/>
-                </a:solidFill>
-                <a:effectLst/>
-                <a:latin typeface="Segoe UI" panose="020B0502040204020203" pitchFamily="34" charset="0"/>
-                <a:ea typeface="Times New Roman" panose="02020603050405020304" pitchFamily="18" charset="0"/>
-              </a:rPr>
-              <a:t>non-biological entities that exhibit forms of intelligence or life-like attributes.</a:t>
-            </a:r>
-          </a:p>
-          <a:p>
-            <a:pPr marL="0" marR="0">
-              <a:spcBef>
-                <a:spcPts val="0"/>
-              </a:spcBef>
-              <a:spcAft>
-                <a:spcPts val="1500"/>
-              </a:spcAft>
-            </a:pPr>
-            <a:r>
-              <a:rPr lang="en-US" sz="1800" dirty="0">
-                <a:solidFill>
-                  <a:srgbClr val="00B050"/>
-                </a:solidFill>
-                <a:effectLst/>
-                <a:latin typeface="Segoe UI" panose="020B0502040204020203" pitchFamily="34" charset="0"/>
-                <a:ea typeface="Times New Roman" panose="02020603050405020304" pitchFamily="18" charset="0"/>
-              </a:rPr>
-              <a:t>Much like the idea that “exploration” drives humans to go beyond their natural habitat (NASA Space </a:t>
-            </a:r>
-            <a:r>
-              <a:rPr lang="en-US" sz="1800" dirty="0" err="1">
-                <a:solidFill>
-                  <a:srgbClr val="00B050"/>
-                </a:solidFill>
-                <a:effectLst/>
-                <a:latin typeface="Segoe UI" panose="020B0502040204020203" pitchFamily="34" charset="0"/>
-                <a:ea typeface="Times New Roman" panose="02020603050405020304" pitchFamily="18" charset="0"/>
-              </a:rPr>
-              <a:t>Progam</a:t>
-            </a:r>
-            <a:r>
-              <a:rPr lang="en-US" sz="1800" dirty="0">
-                <a:solidFill>
-                  <a:srgbClr val="00B050"/>
-                </a:solidFill>
-                <a:effectLst/>
-                <a:latin typeface="Segoe UI" panose="020B0502040204020203" pitchFamily="34" charset="0"/>
-                <a:ea typeface="Times New Roman" panose="02020603050405020304" pitchFamily="18" charset="0"/>
-              </a:rPr>
-              <a:t>!), it seems that the concept of developing forms of artificial intelligence is ingrained </a:t>
-            </a:r>
-            <a:r>
-              <a:rPr lang="en-US" dirty="0">
-                <a:solidFill>
-                  <a:srgbClr val="00B050"/>
-                </a:solidFill>
-                <a:latin typeface="Segoe UI" panose="020B0502040204020203" pitchFamily="34" charset="0"/>
-                <a:ea typeface="Times New Roman" panose="02020603050405020304" pitchFamily="18" charset="0"/>
-              </a:rPr>
-              <a:t>into the human experience.</a:t>
-            </a:r>
-            <a:endParaRPr lang="en-US" sz="1800" dirty="0">
-              <a:solidFill>
-                <a:srgbClr val="00B050"/>
-              </a:solidFill>
-              <a:effectLst/>
-              <a:latin typeface="Segoe UI" panose="020B0502040204020203" pitchFamily="34" charset="0"/>
-              <a:ea typeface="Times New Roman" panose="02020603050405020304" pitchFamily="18" charset="0"/>
-            </a:endParaRPr>
-          </a:p>
-          <a:p>
-            <a:pPr marL="0" marR="0">
-              <a:spcBef>
-                <a:spcPts val="0"/>
-              </a:spcBef>
-              <a:spcAft>
-                <a:spcPts val="1500"/>
-              </a:spcAft>
-            </a:pPr>
-            <a:r>
-              <a:rPr lang="en-US" sz="1800" b="0" i="1" dirty="0">
-                <a:solidFill>
-                  <a:srgbClr val="2F5496"/>
-                </a:solidFill>
-                <a:effectLst/>
-                <a:latin typeface="Segoe UI" panose="020B0502040204020203" pitchFamily="34" charset="0"/>
-                <a:ea typeface="Times New Roman" panose="02020603050405020304" pitchFamily="18" charset="0"/>
-                <a:cs typeface="Times New Roman" panose="02020603050405020304" pitchFamily="18" charset="0"/>
-              </a:rPr>
-              <a:t>Greek Mythology: Talos and Automata</a:t>
-            </a:r>
-            <a:endParaRPr lang="en-US" sz="1800" b="1" i="1" dirty="0">
-              <a:solidFill>
-                <a:srgbClr val="2F5496"/>
-              </a:solidFill>
-              <a:effectLst/>
-              <a:latin typeface="Calibri Light" panose="020F0302020204030204" pitchFamily="34" charset="0"/>
-              <a:ea typeface="Times New Roman" panose="02020603050405020304" pitchFamily="18" charset="0"/>
-              <a:cs typeface="Times New Roman" panose="02020603050405020304" pitchFamily="18" charset="0"/>
-            </a:endParaRPr>
-          </a:p>
-          <a:p>
-            <a:pPr marL="342900" marR="0" lvl="0" indent="-342900">
-              <a:spcBef>
-                <a:spcPts val="0"/>
-              </a:spcBef>
-              <a:spcAft>
-                <a:spcPts val="0"/>
-              </a:spcAft>
-              <a:buSzPts val="1000"/>
-              <a:buFont typeface="Symbol" pitchFamily="2" charset="2"/>
-              <a:buChar char=""/>
-              <a:tabLst>
-                <a:tab pos="457200" algn="l"/>
-              </a:tabLst>
-            </a:pPr>
-            <a:r>
-              <a:rPr lang="en-US" sz="1800" b="1" dirty="0">
-                <a:effectLst/>
-                <a:latin typeface="Segoe UI" panose="020B0502040204020203" pitchFamily="34" charset="0"/>
-                <a:ea typeface="Times New Roman" panose="02020603050405020304" pitchFamily="18" charset="0"/>
-              </a:rPr>
-              <a:t>Talos:</a:t>
-            </a:r>
-            <a:r>
-              <a:rPr lang="en-US" sz="1800" dirty="0">
-                <a:effectLst/>
-                <a:latin typeface="Segoe UI" panose="020B0502040204020203" pitchFamily="34" charset="0"/>
-                <a:ea typeface="Times New Roman" panose="02020603050405020304" pitchFamily="18" charset="0"/>
-              </a:rPr>
-              <a:t> In Greek mythology, Talos was a </a:t>
-            </a:r>
-            <a:r>
-              <a:rPr lang="en-US" sz="1800" dirty="0">
-                <a:solidFill>
-                  <a:srgbClr val="FF0000"/>
-                </a:solidFill>
-                <a:effectLst/>
-                <a:latin typeface="Segoe UI" panose="020B0502040204020203" pitchFamily="34" charset="0"/>
-                <a:ea typeface="Times New Roman" panose="02020603050405020304" pitchFamily="18" charset="0"/>
-              </a:rPr>
-              <a:t>giant bronze automaton </a:t>
-            </a:r>
-            <a:r>
-              <a:rPr lang="en-US" sz="1800" dirty="0">
-                <a:effectLst/>
-                <a:latin typeface="Segoe UI" panose="020B0502040204020203" pitchFamily="34" charset="0"/>
-                <a:ea typeface="Times New Roman" panose="02020603050405020304" pitchFamily="18" charset="0"/>
-              </a:rPr>
-              <a:t>created by Hephaestus, the god of blacksmiths and invention, to protect the island of Crete. Talos would patrol the island, throwing rocks at intruding ships and heating himself red-hot to burn invaders.</a:t>
-            </a:r>
-          </a:p>
-          <a:p>
-            <a:pPr marL="342900" marR="0" lvl="0" indent="-342900">
-              <a:spcBef>
-                <a:spcPts val="0"/>
-              </a:spcBef>
-              <a:spcAft>
-                <a:spcPts val="0"/>
-              </a:spcAft>
-              <a:buSzPts val="1000"/>
-              <a:buFont typeface="Symbol" pitchFamily="2" charset="2"/>
-              <a:buChar char=""/>
-              <a:tabLst>
-                <a:tab pos="457200" algn="l"/>
-              </a:tabLst>
-            </a:pPr>
-            <a:endParaRPr lang="en-US" sz="1800" dirty="0">
-              <a:effectLst/>
-              <a:latin typeface="Times New Roman" panose="02020603050405020304" pitchFamily="18" charset="0"/>
-              <a:ea typeface="Times New Roman" panose="02020603050405020304" pitchFamily="18" charset="0"/>
-            </a:endParaRPr>
-          </a:p>
-          <a:p>
-            <a:pPr marL="342900" marR="0" lvl="0" indent="-342900">
-              <a:spcBef>
-                <a:spcPts val="0"/>
-              </a:spcBef>
-              <a:spcAft>
-                <a:spcPts val="0"/>
-              </a:spcAft>
-              <a:buSzPts val="1000"/>
-              <a:buFont typeface="Symbol" pitchFamily="2" charset="2"/>
-              <a:buChar char=""/>
-              <a:tabLst>
-                <a:tab pos="457200" algn="l"/>
-              </a:tabLst>
-            </a:pPr>
-            <a:r>
-              <a:rPr lang="en-US" sz="1800" b="1" dirty="0">
-                <a:effectLst/>
-                <a:latin typeface="Segoe UI" panose="020B0502040204020203" pitchFamily="34" charset="0"/>
-                <a:ea typeface="Times New Roman" panose="02020603050405020304" pitchFamily="18" charset="0"/>
-              </a:rPr>
-              <a:t>Automata:</a:t>
-            </a:r>
-            <a:r>
-              <a:rPr lang="en-US" sz="1800" dirty="0">
-                <a:effectLst/>
-                <a:latin typeface="Segoe UI" panose="020B0502040204020203" pitchFamily="34" charset="0"/>
-                <a:ea typeface="Times New Roman" panose="02020603050405020304" pitchFamily="18" charset="0"/>
-              </a:rPr>
-              <a:t> Ancient Greeks also imagined elaborate automata. Notably, Hephaestus was said to have created </a:t>
-            </a:r>
-            <a:r>
-              <a:rPr lang="en-US" sz="1800" dirty="0">
-                <a:solidFill>
-                  <a:srgbClr val="FF0000"/>
-                </a:solidFill>
-                <a:effectLst/>
-                <a:latin typeface="Segoe UI" panose="020B0502040204020203" pitchFamily="34" charset="0"/>
-                <a:ea typeface="Times New Roman" panose="02020603050405020304" pitchFamily="18" charset="0"/>
-              </a:rPr>
-              <a:t>mechanical servants </a:t>
-            </a:r>
-            <a:r>
-              <a:rPr lang="en-US" sz="1800" dirty="0">
-                <a:effectLst/>
-                <a:latin typeface="Segoe UI" panose="020B0502040204020203" pitchFamily="34" charset="0"/>
-                <a:ea typeface="Times New Roman" panose="02020603050405020304" pitchFamily="18" charset="0"/>
-              </a:rPr>
-              <a:t>that assisted in his forge, demonstrating an ancient fascination with automating labor and crafting mechanical life.</a:t>
-            </a:r>
-            <a:endParaRPr lang="en-US" sz="1800" dirty="0">
-              <a:effectLst/>
-              <a:latin typeface="Times New Roman" panose="02020603050405020304" pitchFamily="18" charset="0"/>
-              <a:ea typeface="Times New Roman" panose="02020603050405020304" pitchFamily="18" charset="0"/>
-            </a:endParaRPr>
-          </a:p>
-          <a:p>
-            <a:endParaRPr lang="en-US" dirty="0"/>
-          </a:p>
-        </p:txBody>
-      </p:sp>
-    </p:spTree>
-    <p:extLst>
-      <p:ext uri="{BB962C8B-B14F-4D97-AF65-F5344CB8AC3E}">
-        <p14:creationId xmlns:p14="http://schemas.microsoft.com/office/powerpoint/2010/main" val="3263715794"/>
-      </p:ext>
-    </p:extLst>
-  </p:cSld>
-  <p:clrMapOvr>
-    <a:masterClrMapping/>
-  </p:clrMapOvr>
-</p:sld>
-</file>
-
-<file path=ppt/slides/slide22.xml><?xml version="1.0" encoding="utf-8"?>
-<p:sld xmlns:a="http://schemas.openxmlformats.org/drawingml/2006/main" xmlns:r="http://schemas.openxmlformats.org/officeDocument/2006/relationships" xmlns:p="http://schemas.openxmlformats.org/presentationml/2006/main">
-  <p:cSld>
-    <p:spTree>
-      <p:nvGrpSpPr>
-        <p:cNvPr id="1" name=""/>
-        <p:cNvGrpSpPr/>
-        <p:nvPr/>
-      </p:nvGrpSpPr>
-      <p:grpSpPr>
-        <a:xfrm>
-          <a:off x="0" y="0"/>
-          <a:ext cx="0" cy="0"/>
-          <a:chOff x="0" y="0"/>
-          <a:chExt cx="0" cy="0"/>
-        </a:xfrm>
-      </p:grpSpPr>
-      <p:sp>
-        <p:nvSpPr>
-          <p:cNvPr id="2" name="Title 1">
-            <a:extLst>
-              <a:ext uri="{FF2B5EF4-FFF2-40B4-BE49-F238E27FC236}">
-                <a16:creationId xmlns:a16="http://schemas.microsoft.com/office/drawing/2014/main" id="{73C3EC5A-7A5A-DFF8-0EC6-C6C4EDFE60C6}"/>
-              </a:ext>
-            </a:extLst>
-          </p:cNvPr>
-          <p:cNvSpPr>
-            <a:spLocks noGrp="1"/>
-          </p:cNvSpPr>
-          <p:nvPr>
-            <p:ph type="title"/>
-          </p:nvPr>
-        </p:nvSpPr>
-        <p:spPr/>
-        <p:txBody>
-          <a:bodyPr/>
-          <a:lstStyle/>
-          <a:p>
-            <a:r>
-              <a:rPr lang="en-US"/>
-              <a:t>A More Detailed History of AI</a:t>
-            </a:r>
-            <a:endParaRPr lang="en-US" dirty="0"/>
-          </a:p>
-        </p:txBody>
-      </p:sp>
-      <p:sp>
-        <p:nvSpPr>
-          <p:cNvPr id="3" name="Content Placeholder 2">
-            <a:extLst>
-              <a:ext uri="{FF2B5EF4-FFF2-40B4-BE49-F238E27FC236}">
-                <a16:creationId xmlns:a16="http://schemas.microsoft.com/office/drawing/2014/main" id="{32BCC61E-DE04-6F37-22C9-40FB7BC354EF}"/>
-              </a:ext>
-            </a:extLst>
-          </p:cNvPr>
-          <p:cNvSpPr>
-            <a:spLocks noGrp="1"/>
-          </p:cNvSpPr>
-          <p:nvPr>
-            <p:ph idx="1"/>
-          </p:nvPr>
-        </p:nvSpPr>
-        <p:spPr>
-          <a:xfrm>
-            <a:off x="1066800" y="2103120"/>
-            <a:ext cx="6153807" cy="3849624"/>
-          </a:xfrm>
-        </p:spPr>
-        <p:txBody>
-          <a:bodyPr>
-            <a:normAutofit fontScale="85000" lnSpcReduction="20000"/>
-          </a:bodyPr>
-          <a:lstStyle/>
-          <a:p>
-            <a:pPr marL="0" marR="0">
-              <a:spcBef>
-                <a:spcPts val="200"/>
-              </a:spcBef>
-              <a:spcAft>
-                <a:spcPts val="0"/>
-              </a:spcAft>
-            </a:pPr>
-            <a:r>
-              <a:rPr lang="en-US" sz="2000" b="0" i="1">
-                <a:solidFill>
-                  <a:srgbClr val="2F5496"/>
-                </a:solidFill>
-                <a:effectLst/>
-                <a:latin typeface="Segoe UI" panose="020B0502040204020203" pitchFamily="34" charset="0"/>
-                <a:ea typeface="Times New Roman" panose="02020603050405020304" pitchFamily="18" charset="0"/>
-                <a:cs typeface="Times New Roman" panose="02020603050405020304" pitchFamily="18" charset="0"/>
-              </a:rPr>
-              <a:t>Jewish Mythology: The Golem</a:t>
-            </a:r>
-            <a:endParaRPr lang="en-US" sz="2000" b="1" i="1">
-              <a:solidFill>
-                <a:srgbClr val="2F5496"/>
-              </a:solidFill>
-              <a:effectLst/>
-              <a:latin typeface="Calibri Light" panose="020F0302020204030204" pitchFamily="34" charset="0"/>
-              <a:ea typeface="Times New Roman" panose="02020603050405020304" pitchFamily="18" charset="0"/>
-              <a:cs typeface="Times New Roman" panose="02020603050405020304" pitchFamily="18" charset="0"/>
-            </a:endParaRPr>
-          </a:p>
-          <a:p>
-            <a:pPr marL="274320" lvl="1">
-              <a:spcBef>
-                <a:spcPts val="0"/>
-              </a:spcBef>
-              <a:spcAft>
-                <a:spcPts val="1500"/>
-              </a:spcAft>
-            </a:pPr>
-            <a:r>
-              <a:rPr lang="en-US" sz="2000">
-                <a:effectLst/>
-                <a:latin typeface="Segoe UI" panose="020B0502040204020203" pitchFamily="34" charset="0"/>
-                <a:ea typeface="Times New Roman" panose="02020603050405020304" pitchFamily="18" charset="0"/>
-              </a:rPr>
-              <a:t>The Golem is a creature from Jewish folklore, </a:t>
-            </a:r>
-            <a:r>
-              <a:rPr lang="en-US" sz="2000">
-                <a:solidFill>
-                  <a:srgbClr val="FF0000"/>
-                </a:solidFill>
-                <a:effectLst/>
-                <a:latin typeface="Segoe UI" panose="020B0502040204020203" pitchFamily="34" charset="0"/>
-                <a:ea typeface="Times New Roman" panose="02020603050405020304" pitchFamily="18" charset="0"/>
-              </a:rPr>
-              <a:t>formed from clay or mud and animated through mystical means</a:t>
-            </a:r>
-            <a:r>
-              <a:rPr lang="en-US" sz="2000">
-                <a:effectLst/>
-                <a:latin typeface="Segoe UI" panose="020B0502040204020203" pitchFamily="34" charset="0"/>
-                <a:ea typeface="Times New Roman" panose="02020603050405020304" pitchFamily="18" charset="0"/>
-              </a:rPr>
-              <a:t>. The most famous tale is of the Golem of Prague, created by Rabbi Judah Loew ben Bezalel to protect the Jewish community from persecution. The golem was brought to life through kabbalistic rituals and could follow basic commands, reflecting an early conceptual exploration of </a:t>
-            </a:r>
-            <a:r>
-              <a:rPr lang="en-US" sz="2000">
-                <a:solidFill>
-                  <a:srgbClr val="FF0000"/>
-                </a:solidFill>
-                <a:effectLst/>
-                <a:latin typeface="Segoe UI" panose="020B0502040204020203" pitchFamily="34" charset="0"/>
-                <a:ea typeface="Times New Roman" panose="02020603050405020304" pitchFamily="18" charset="0"/>
-              </a:rPr>
-              <a:t>creating and controlling artificial beings.</a:t>
-            </a:r>
-            <a:endParaRPr lang="en-US" sz="2000">
-              <a:solidFill>
-                <a:srgbClr val="FF0000"/>
-              </a:solidFill>
-              <a:effectLst/>
-              <a:latin typeface="Times New Roman" panose="02020603050405020304" pitchFamily="18" charset="0"/>
-              <a:ea typeface="Times New Roman" panose="02020603050405020304" pitchFamily="18" charset="0"/>
-            </a:endParaRPr>
-          </a:p>
-          <a:p>
-            <a:pPr marL="0" marR="0">
-              <a:spcBef>
-                <a:spcPts val="200"/>
-              </a:spcBef>
-              <a:spcAft>
-                <a:spcPts val="0"/>
-              </a:spcAft>
-            </a:pPr>
-            <a:r>
-              <a:rPr lang="en-US" sz="2000" b="0" i="1">
-                <a:solidFill>
-                  <a:srgbClr val="2F5496"/>
-                </a:solidFill>
-                <a:effectLst/>
-                <a:latin typeface="Segoe UI" panose="020B0502040204020203" pitchFamily="34" charset="0"/>
-                <a:ea typeface="Times New Roman" panose="02020603050405020304" pitchFamily="18" charset="0"/>
-                <a:cs typeface="Times New Roman" panose="02020603050405020304" pitchFamily="18" charset="0"/>
-              </a:rPr>
-              <a:t>Chinese Legends: The Automata of King Mu</a:t>
-            </a:r>
-            <a:endParaRPr lang="en-US" sz="2000" b="1" i="1">
-              <a:solidFill>
-                <a:srgbClr val="2F5496"/>
-              </a:solidFill>
-              <a:effectLst/>
-              <a:latin typeface="Calibri Light" panose="020F0302020204030204" pitchFamily="34" charset="0"/>
-              <a:ea typeface="Times New Roman" panose="02020603050405020304" pitchFamily="18" charset="0"/>
-              <a:cs typeface="Times New Roman" panose="02020603050405020304" pitchFamily="18" charset="0"/>
-            </a:endParaRPr>
-          </a:p>
-          <a:p>
-            <a:pPr marL="274320" lvl="1">
-              <a:spcBef>
-                <a:spcPts val="0"/>
-              </a:spcBef>
-              <a:spcAft>
-                <a:spcPts val="1500"/>
-              </a:spcAft>
-            </a:pPr>
-            <a:r>
-              <a:rPr lang="en-US" sz="2000">
-                <a:effectLst/>
-                <a:latin typeface="Segoe UI" panose="020B0502040204020203" pitchFamily="34" charset="0"/>
-                <a:ea typeface="Times New Roman" panose="02020603050405020304" pitchFamily="18" charset="0"/>
-              </a:rPr>
-              <a:t>King Mu of Zhou, who reigned in China during the 10th century BC, is said to have encountered an artificer, Yan Shi, who presented him with a life-sized automaton. </a:t>
-            </a:r>
-            <a:r>
-              <a:rPr lang="en-US" sz="2000">
-                <a:solidFill>
-                  <a:srgbClr val="FF0000"/>
-                </a:solidFill>
-                <a:effectLst/>
-                <a:latin typeface="Segoe UI" panose="020B0502040204020203" pitchFamily="34" charset="0"/>
-                <a:ea typeface="Times New Roman" panose="02020603050405020304" pitchFamily="18" charset="0"/>
-              </a:rPr>
-              <a:t>The automaton could sing, act, and perform various actions. </a:t>
-            </a:r>
-            <a:r>
-              <a:rPr lang="en-US" sz="2000">
-                <a:effectLst/>
-                <a:latin typeface="Segoe UI" panose="020B0502040204020203" pitchFamily="34" charset="0"/>
-                <a:ea typeface="Times New Roman" panose="02020603050405020304" pitchFamily="18" charset="0"/>
-              </a:rPr>
-              <a:t>Though apocryphal, this tale symbolizes ancient imaginations of crafting beings that mimic human abilities.</a:t>
-            </a:r>
-            <a:endParaRPr lang="en-US" sz="2000">
-              <a:effectLst/>
-              <a:latin typeface="Times New Roman" panose="02020603050405020304" pitchFamily="18" charset="0"/>
-              <a:ea typeface="Times New Roman" panose="02020603050405020304" pitchFamily="18" charset="0"/>
-            </a:endParaRPr>
-          </a:p>
-          <a:p>
-            <a:endParaRPr lang="en-US" dirty="0"/>
-          </a:p>
-        </p:txBody>
-      </p:sp>
-      <p:pic>
-        <p:nvPicPr>
-          <p:cNvPr id="5" name="Picture 4" descr="A movie cover with a person standing in front of a fire&#10;&#10;Description automatically generated">
-            <a:extLst>
-              <a:ext uri="{FF2B5EF4-FFF2-40B4-BE49-F238E27FC236}">
-                <a16:creationId xmlns:a16="http://schemas.microsoft.com/office/drawing/2014/main" id="{953C746C-5CA7-03C7-35A1-88E20FD147F2}"/>
-              </a:ext>
-            </a:extLst>
-          </p:cNvPr>
-          <p:cNvPicPr>
-            <a:picLocks noChangeAspect="1"/>
-          </p:cNvPicPr>
-          <p:nvPr/>
-        </p:nvPicPr>
-        <p:blipFill>
-          <a:blip r:embed="rId2"/>
-          <a:stretch>
-            <a:fillRect/>
-          </a:stretch>
-        </p:blipFill>
-        <p:spPr>
-          <a:xfrm>
-            <a:off x="7376923" y="1885540"/>
-            <a:ext cx="1801801" cy="2667783"/>
-          </a:xfrm>
-          <a:prstGeom prst="rect">
-            <a:avLst/>
-          </a:prstGeom>
-        </p:spPr>
-      </p:pic>
-      <p:pic>
-        <p:nvPicPr>
-          <p:cNvPr id="7" name="Picture 6" descr="A movie poster of a movie&#10;&#10;Description automatically generated">
-            <a:extLst>
-              <a:ext uri="{FF2B5EF4-FFF2-40B4-BE49-F238E27FC236}">
-                <a16:creationId xmlns:a16="http://schemas.microsoft.com/office/drawing/2014/main" id="{9737ACCF-6B3A-1AA1-0E55-DA491AA7F4A9}"/>
-              </a:ext>
-            </a:extLst>
-          </p:cNvPr>
-          <p:cNvPicPr>
-            <a:picLocks noChangeAspect="1"/>
-          </p:cNvPicPr>
-          <p:nvPr/>
-        </p:nvPicPr>
-        <p:blipFill>
-          <a:blip r:embed="rId3"/>
-          <a:stretch>
-            <a:fillRect/>
-          </a:stretch>
-        </p:blipFill>
-        <p:spPr>
-          <a:xfrm>
-            <a:off x="9489713" y="3013069"/>
-            <a:ext cx="2061821" cy="3080507"/>
-          </a:xfrm>
-          <a:prstGeom prst="rect">
-            <a:avLst/>
-          </a:prstGeom>
-        </p:spPr>
-      </p:pic>
-    </p:spTree>
-    <p:extLst>
-      <p:ext uri="{BB962C8B-B14F-4D97-AF65-F5344CB8AC3E}">
-        <p14:creationId xmlns:p14="http://schemas.microsoft.com/office/powerpoint/2010/main" val="2173239810"/>
-      </p:ext>
-    </p:extLst>
-  </p:cSld>
-  <p:clrMapOvr>
-    <a:masterClrMapping/>
-  </p:clrMapOvr>
-</p:sld>
-</file>
-
-<file path=ppt/slides/slide23.xml><?xml version="1.0" encoding="utf-8"?>
-<p:sld xmlns:a="http://schemas.openxmlformats.org/drawingml/2006/main" xmlns:r="http://schemas.openxmlformats.org/officeDocument/2006/relationships" xmlns:p="http://schemas.openxmlformats.org/presentationml/2006/main">
-  <p:cSld>
-    <p:spTree>
-      <p:nvGrpSpPr>
-        <p:cNvPr id="1" name=""/>
-        <p:cNvGrpSpPr/>
-        <p:nvPr/>
-      </p:nvGrpSpPr>
-      <p:grpSpPr>
-        <a:xfrm>
-          <a:off x="0" y="0"/>
-          <a:ext cx="0" cy="0"/>
-          <a:chOff x="0" y="0"/>
-          <a:chExt cx="0" cy="0"/>
-        </a:xfrm>
-      </p:grpSpPr>
-      <p:sp>
-        <p:nvSpPr>
-          <p:cNvPr id="2" name="Title 1">
-            <a:extLst>
-              <a:ext uri="{FF2B5EF4-FFF2-40B4-BE49-F238E27FC236}">
-                <a16:creationId xmlns:a16="http://schemas.microsoft.com/office/drawing/2014/main" id="{73C3EC5A-7A5A-DFF8-0EC6-C6C4EDFE60C6}"/>
-              </a:ext>
-            </a:extLst>
-          </p:cNvPr>
-          <p:cNvSpPr>
-            <a:spLocks noGrp="1"/>
-          </p:cNvSpPr>
-          <p:nvPr>
-            <p:ph type="title"/>
-          </p:nvPr>
-        </p:nvSpPr>
-        <p:spPr/>
-        <p:txBody>
-          <a:bodyPr/>
-          <a:lstStyle/>
-          <a:p>
-            <a:r>
-              <a:rPr lang="en-US"/>
-              <a:t>A More Detailed History of AI</a:t>
-            </a:r>
-            <a:endParaRPr lang="en-US" dirty="0"/>
-          </a:p>
-        </p:txBody>
-      </p:sp>
-      <p:sp>
-        <p:nvSpPr>
-          <p:cNvPr id="3" name="Content Placeholder 2">
-            <a:extLst>
-              <a:ext uri="{FF2B5EF4-FFF2-40B4-BE49-F238E27FC236}">
-                <a16:creationId xmlns:a16="http://schemas.microsoft.com/office/drawing/2014/main" id="{32BCC61E-DE04-6F37-22C9-40FB7BC354EF}"/>
-              </a:ext>
-            </a:extLst>
-          </p:cNvPr>
-          <p:cNvSpPr>
-            <a:spLocks noGrp="1"/>
-          </p:cNvSpPr>
-          <p:nvPr>
-            <p:ph idx="1"/>
-          </p:nvPr>
-        </p:nvSpPr>
-        <p:spPr>
-          <a:xfrm>
-            <a:off x="1066800" y="2103120"/>
-            <a:ext cx="10158248" cy="3849624"/>
-          </a:xfrm>
-        </p:spPr>
-        <p:txBody>
-          <a:bodyPr>
-            <a:normAutofit lnSpcReduction="10000"/>
-          </a:bodyPr>
-          <a:lstStyle/>
-          <a:p>
-            <a:pPr marL="0" marR="0">
-              <a:spcBef>
-                <a:spcPts val="200"/>
-              </a:spcBef>
-              <a:spcAft>
-                <a:spcPts val="0"/>
-              </a:spcAft>
-            </a:pPr>
-            <a:r>
-              <a:rPr lang="en-US" sz="1800" b="0" i="1" dirty="0">
-                <a:solidFill>
-                  <a:srgbClr val="2F5496"/>
-                </a:solidFill>
-                <a:effectLst/>
-                <a:latin typeface="Segoe UI" panose="020B0502040204020203" pitchFamily="34" charset="0"/>
-                <a:ea typeface="Times New Roman" panose="02020603050405020304" pitchFamily="18" charset="0"/>
-                <a:cs typeface="Times New Roman" panose="02020603050405020304" pitchFamily="18" charset="0"/>
-              </a:rPr>
-              <a:t>Indian Epics: The Legend of </a:t>
-            </a:r>
-            <a:r>
-              <a:rPr lang="en-US" sz="1800" b="0" i="1" dirty="0" err="1">
-                <a:solidFill>
-                  <a:srgbClr val="2F5496"/>
-                </a:solidFill>
-                <a:effectLst/>
-                <a:latin typeface="Segoe UI" panose="020B0502040204020203" pitchFamily="34" charset="0"/>
-                <a:ea typeface="Times New Roman" panose="02020603050405020304" pitchFamily="18" charset="0"/>
-                <a:cs typeface="Times New Roman" panose="02020603050405020304" pitchFamily="18" charset="0"/>
-              </a:rPr>
-              <a:t>Ghatotkacha</a:t>
-            </a:r>
-            <a:endParaRPr lang="en-US" sz="1800" b="1" i="1" dirty="0">
-              <a:solidFill>
-                <a:srgbClr val="2F5496"/>
-              </a:solidFill>
-              <a:effectLst/>
-              <a:latin typeface="Calibri Light" panose="020F0302020204030204" pitchFamily="34" charset="0"/>
-              <a:ea typeface="Times New Roman" panose="02020603050405020304" pitchFamily="18" charset="0"/>
-              <a:cs typeface="Times New Roman" panose="02020603050405020304" pitchFamily="18" charset="0"/>
-            </a:endParaRPr>
-          </a:p>
-          <a:p>
-            <a:pPr marL="0" marR="0">
-              <a:spcBef>
-                <a:spcPts val="200"/>
-              </a:spcBef>
-              <a:spcAft>
-                <a:spcPts val="0"/>
-              </a:spcAft>
-            </a:pPr>
-            <a:r>
-              <a:rPr lang="en-US" sz="1800" b="0" i="1" dirty="0">
-                <a:solidFill>
-                  <a:srgbClr val="2F5496"/>
-                </a:solidFill>
-                <a:effectLst/>
-                <a:latin typeface="Segoe UI" panose="020B0502040204020203" pitchFamily="34" charset="0"/>
-                <a:ea typeface="Times New Roman" panose="02020603050405020304" pitchFamily="18" charset="0"/>
-                <a:cs typeface="Times New Roman" panose="02020603050405020304" pitchFamily="18" charset="0"/>
-              </a:rPr>
-              <a:t>Arabic Tales: The Mechanical Organisms of Al-</a:t>
-            </a:r>
-            <a:r>
-              <a:rPr lang="en-US" sz="1800" b="0" i="1" dirty="0" err="1">
-                <a:solidFill>
-                  <a:srgbClr val="2F5496"/>
-                </a:solidFill>
-                <a:effectLst/>
-                <a:latin typeface="Segoe UI" panose="020B0502040204020203" pitchFamily="34" charset="0"/>
-                <a:ea typeface="Times New Roman" panose="02020603050405020304" pitchFamily="18" charset="0"/>
-                <a:cs typeface="Times New Roman" panose="02020603050405020304" pitchFamily="18" charset="0"/>
-              </a:rPr>
-              <a:t>Jazari</a:t>
-            </a:r>
-            <a:endParaRPr lang="en-US" sz="1800" b="1" i="1" dirty="0">
-              <a:solidFill>
-                <a:srgbClr val="2F5496"/>
-              </a:solidFill>
-              <a:effectLst/>
-              <a:latin typeface="Calibri Light" panose="020F0302020204030204" pitchFamily="34" charset="0"/>
-              <a:ea typeface="Times New Roman" panose="02020603050405020304" pitchFamily="18" charset="0"/>
-              <a:cs typeface="Times New Roman" panose="02020603050405020304" pitchFamily="18" charset="0"/>
-            </a:endParaRPr>
-          </a:p>
-          <a:p>
-            <a:pPr marL="0" marR="0">
-              <a:spcBef>
-                <a:spcPts val="200"/>
-              </a:spcBef>
-              <a:spcAft>
-                <a:spcPts val="0"/>
-              </a:spcAft>
-            </a:pPr>
-            <a:r>
-              <a:rPr lang="en-US" sz="1800" b="0" i="1" dirty="0">
-                <a:solidFill>
-                  <a:srgbClr val="2F5496"/>
-                </a:solidFill>
-                <a:effectLst/>
-                <a:latin typeface="Segoe UI" panose="020B0502040204020203" pitchFamily="34" charset="0"/>
-                <a:ea typeface="Times New Roman" panose="02020603050405020304" pitchFamily="18" charset="0"/>
-                <a:cs typeface="Times New Roman" panose="02020603050405020304" pitchFamily="18" charset="0"/>
-              </a:rPr>
-              <a:t>Egyptian Mythology: The Statue of Hephaestus</a:t>
-            </a:r>
-            <a:endParaRPr lang="en-US" sz="1800" dirty="0">
-              <a:effectLst/>
-              <a:latin typeface="Segoe UI" panose="020B0502040204020203" pitchFamily="34" charset="0"/>
-              <a:ea typeface="Times New Roman" panose="02020603050405020304" pitchFamily="18" charset="0"/>
-            </a:endParaRPr>
-          </a:p>
-          <a:p>
-            <a:pPr marL="0" marR="0">
-              <a:spcBef>
-                <a:spcPts val="0"/>
-              </a:spcBef>
-              <a:spcAft>
-                <a:spcPts val="0"/>
-              </a:spcAft>
-            </a:pPr>
-            <a:endParaRPr lang="en-US" dirty="0">
-              <a:latin typeface="Segoe UI" panose="020B0502040204020203" pitchFamily="34" charset="0"/>
-              <a:ea typeface="Times New Roman" panose="02020603050405020304" pitchFamily="18" charset="0"/>
-            </a:endParaRPr>
-          </a:p>
-          <a:p>
-            <a:pPr marL="0" marR="0">
-              <a:spcBef>
-                <a:spcPts val="0"/>
-              </a:spcBef>
-              <a:spcAft>
-                <a:spcPts val="0"/>
-              </a:spcAft>
-            </a:pPr>
-            <a:r>
-              <a:rPr lang="en-US" sz="1800" dirty="0">
-                <a:effectLst/>
-                <a:latin typeface="Segoe UI" panose="020B0502040204020203" pitchFamily="34" charset="0"/>
-                <a:ea typeface="Times New Roman" panose="02020603050405020304" pitchFamily="18" charset="0"/>
-              </a:rPr>
-              <a:t>These tales, spanning various cultures and epochs, showcase humanity’s </a:t>
-            </a:r>
-            <a:r>
-              <a:rPr lang="en-US" sz="1800" dirty="0">
-                <a:solidFill>
-                  <a:srgbClr val="FF0000"/>
-                </a:solidFill>
-                <a:effectLst/>
-                <a:latin typeface="Segoe UI" panose="020B0502040204020203" pitchFamily="34" charset="0"/>
-                <a:ea typeface="Times New Roman" panose="02020603050405020304" pitchFamily="18" charset="0"/>
-              </a:rPr>
-              <a:t>long-standing fascination with creating life</a:t>
-            </a:r>
-            <a:r>
-              <a:rPr lang="en-US" sz="1800" dirty="0">
-                <a:effectLst/>
-                <a:latin typeface="Segoe UI" panose="020B0502040204020203" pitchFamily="34" charset="0"/>
-                <a:ea typeface="Times New Roman" panose="02020603050405020304" pitchFamily="18" charset="0"/>
-              </a:rPr>
-              <a:t> or life-like attributes through artificial means. </a:t>
-            </a:r>
-          </a:p>
-          <a:p>
-            <a:pPr marL="0" marR="0">
-              <a:spcBef>
-                <a:spcPts val="0"/>
-              </a:spcBef>
-              <a:spcAft>
-                <a:spcPts val="0"/>
-              </a:spcAft>
-            </a:pPr>
-            <a:endParaRPr lang="en-US" sz="1800" dirty="0">
-              <a:effectLst/>
-              <a:latin typeface="Segoe UI" panose="020B0502040204020203" pitchFamily="34" charset="0"/>
-              <a:ea typeface="Times New Roman" panose="02020603050405020304" pitchFamily="18" charset="0"/>
-            </a:endParaRPr>
-          </a:p>
-          <a:p>
-            <a:pPr marL="0" marR="0">
-              <a:spcBef>
-                <a:spcPts val="0"/>
-              </a:spcBef>
-              <a:spcAft>
-                <a:spcPts val="0"/>
-              </a:spcAft>
-            </a:pPr>
-            <a:r>
-              <a:rPr lang="en-US" sz="1800" dirty="0">
-                <a:effectLst/>
-                <a:latin typeface="Segoe UI" panose="020B0502040204020203" pitchFamily="34" charset="0"/>
-                <a:ea typeface="Times New Roman" panose="02020603050405020304" pitchFamily="18" charset="0"/>
-              </a:rPr>
-              <a:t>Though technologically unattainable in their respective eras, these myths and legends planted seeds of curiosity and aspiration that have, in some form, manifested in the pursuit of artificial intelligence and </a:t>
-            </a:r>
-            <a:r>
-              <a:rPr lang="en-US" sz="1800" dirty="0">
-                <a:solidFill>
-                  <a:srgbClr val="FF0000"/>
-                </a:solidFill>
-                <a:effectLst/>
-                <a:latin typeface="Segoe UI" panose="020B0502040204020203" pitchFamily="34" charset="0"/>
-                <a:ea typeface="Times New Roman" panose="02020603050405020304" pitchFamily="18" charset="0"/>
-              </a:rPr>
-              <a:t>robotics in the modern era</a:t>
-            </a:r>
-            <a:r>
-              <a:rPr lang="en-US" sz="1800" dirty="0">
-                <a:effectLst/>
-                <a:latin typeface="Segoe UI" panose="020B0502040204020203" pitchFamily="34" charset="0"/>
-                <a:ea typeface="Times New Roman" panose="02020603050405020304" pitchFamily="18" charset="0"/>
-              </a:rPr>
-              <a:t>. </a:t>
-            </a:r>
-          </a:p>
-          <a:p>
-            <a:pPr marL="0" marR="0">
-              <a:spcBef>
-                <a:spcPts val="0"/>
-              </a:spcBef>
-              <a:spcAft>
-                <a:spcPts val="0"/>
-              </a:spcAft>
-            </a:pPr>
-            <a:endParaRPr lang="en-US" dirty="0">
-              <a:latin typeface="Segoe UI" panose="020B0502040204020203" pitchFamily="34" charset="0"/>
-              <a:ea typeface="Times New Roman" panose="02020603050405020304" pitchFamily="18" charset="0"/>
-            </a:endParaRPr>
-          </a:p>
-          <a:p>
-            <a:pPr marL="0" marR="0">
-              <a:spcBef>
-                <a:spcPts val="0"/>
-              </a:spcBef>
-              <a:spcAft>
-                <a:spcPts val="0"/>
-              </a:spcAft>
-            </a:pPr>
-            <a:r>
-              <a:rPr lang="en-US" sz="1800" dirty="0">
-                <a:effectLst/>
-                <a:latin typeface="Segoe UI" panose="020B0502040204020203" pitchFamily="34" charset="0"/>
-                <a:ea typeface="Times New Roman" panose="02020603050405020304" pitchFamily="18" charset="0"/>
-              </a:rPr>
-              <a:t>They symbolize early dialogues about </a:t>
-            </a:r>
-            <a:r>
-              <a:rPr lang="en-US" sz="1800" dirty="0">
-                <a:solidFill>
-                  <a:srgbClr val="FF0000"/>
-                </a:solidFill>
-                <a:effectLst/>
-                <a:latin typeface="Segoe UI" panose="020B0502040204020203" pitchFamily="34" charset="0"/>
-                <a:ea typeface="Times New Roman" panose="02020603050405020304" pitchFamily="18" charset="0"/>
-              </a:rPr>
-              <a:t>creation, control, morality, and the blurry boundaries between the animate and inanimate</a:t>
-            </a:r>
-            <a:r>
-              <a:rPr lang="en-US" sz="1800" dirty="0">
-                <a:effectLst/>
-                <a:latin typeface="Segoe UI" panose="020B0502040204020203" pitchFamily="34" charset="0"/>
-                <a:ea typeface="Times New Roman" panose="02020603050405020304" pitchFamily="18" charset="0"/>
-              </a:rPr>
-              <a:t>, themes that continue to pervade discussions on artificial intelligence and synthetic biology today.</a:t>
-            </a:r>
-            <a:endParaRPr lang="en-US" sz="1800" dirty="0">
-              <a:effectLst/>
-              <a:latin typeface="Times New Roman" panose="02020603050405020304" pitchFamily="18" charset="0"/>
-              <a:ea typeface="Times New Roman" panose="02020603050405020304" pitchFamily="18" charset="0"/>
-            </a:endParaRPr>
-          </a:p>
-          <a:p>
-            <a:pPr marL="0" marR="0" indent="0">
-              <a:spcBef>
-                <a:spcPts val="200"/>
-              </a:spcBef>
-              <a:spcAft>
-                <a:spcPts val="0"/>
-              </a:spcAft>
-              <a:buNone/>
-            </a:pPr>
-            <a:endParaRPr lang="en-US" sz="2000" i="1" dirty="0">
-              <a:solidFill>
-                <a:srgbClr val="2F5496"/>
-              </a:solidFill>
-              <a:latin typeface="Segoe UI" panose="020B0502040204020203" pitchFamily="34" charset="0"/>
-              <a:cs typeface="Times New Roman" panose="02020603050405020304" pitchFamily="18" charset="0"/>
-            </a:endParaRPr>
-          </a:p>
-        </p:txBody>
-      </p:sp>
-    </p:spTree>
-    <p:extLst>
-      <p:ext uri="{BB962C8B-B14F-4D97-AF65-F5344CB8AC3E}">
-        <p14:creationId xmlns:p14="http://schemas.microsoft.com/office/powerpoint/2010/main" val="3620666713"/>
-      </p:ext>
-    </p:extLst>
-  </p:cSld>
-  <p:clrMapOvr>
-    <a:masterClrMapping/>
-  </p:clrMapOvr>
-</p:sld>
-</file>
-
-<file path=ppt/slides/slide24.xml><?xml version="1.0" encoding="utf-8"?>
-<p:sld xmlns:a="http://schemas.openxmlformats.org/drawingml/2006/main" xmlns:r="http://schemas.openxmlformats.org/officeDocument/2006/relationships" xmlns:p="http://schemas.openxmlformats.org/presentationml/2006/main">
-  <p:cSld>
-    <p:spTree>
-      <p:nvGrpSpPr>
-        <p:cNvPr id="1" name=""/>
-        <p:cNvGrpSpPr/>
-        <p:nvPr/>
-      </p:nvGrpSpPr>
-      <p:grpSpPr>
-        <a:xfrm>
-          <a:off x="0" y="0"/>
-          <a:ext cx="0" cy="0"/>
-          <a:chOff x="0" y="0"/>
-          <a:chExt cx="0" cy="0"/>
-        </a:xfrm>
-      </p:grpSpPr>
-      <p:sp>
-        <p:nvSpPr>
-          <p:cNvPr id="2" name="Title 1">
-            <a:extLst>
-              <a:ext uri="{FF2B5EF4-FFF2-40B4-BE49-F238E27FC236}">
-                <a16:creationId xmlns:a16="http://schemas.microsoft.com/office/drawing/2014/main" id="{3934521A-1352-5592-F4DA-ED0608EC4252}"/>
-              </a:ext>
-            </a:extLst>
-          </p:cNvPr>
-          <p:cNvSpPr>
-            <a:spLocks noGrp="1"/>
-          </p:cNvSpPr>
-          <p:nvPr>
-            <p:ph type="title"/>
-          </p:nvPr>
-        </p:nvSpPr>
-        <p:spPr/>
-        <p:txBody>
-          <a:bodyPr/>
-          <a:lstStyle/>
-          <a:p>
-            <a:r>
-              <a:rPr lang="en-US" dirty="0"/>
-              <a:t>Philosophical Underpinnings of AI</a:t>
-            </a:r>
-          </a:p>
-        </p:txBody>
-      </p:sp>
-      <p:sp>
-        <p:nvSpPr>
-          <p:cNvPr id="3" name="Content Placeholder 2">
-            <a:extLst>
-              <a:ext uri="{FF2B5EF4-FFF2-40B4-BE49-F238E27FC236}">
-                <a16:creationId xmlns:a16="http://schemas.microsoft.com/office/drawing/2014/main" id="{8E87810A-2E82-B977-0062-5E5D99870072}"/>
-              </a:ext>
-            </a:extLst>
-          </p:cNvPr>
-          <p:cNvSpPr>
-            <a:spLocks noGrp="1"/>
-          </p:cNvSpPr>
-          <p:nvPr>
-            <p:ph idx="1"/>
-          </p:nvPr>
-        </p:nvSpPr>
-        <p:spPr/>
-        <p:txBody>
-          <a:bodyPr>
-            <a:normAutofit/>
-          </a:bodyPr>
-          <a:lstStyle/>
-          <a:p>
-            <a:pPr marL="0" marR="0">
-              <a:spcBef>
-                <a:spcPts val="0"/>
-              </a:spcBef>
-              <a:spcAft>
-                <a:spcPts val="0"/>
-              </a:spcAft>
-            </a:pPr>
-            <a:r>
-              <a:rPr lang="en-US" sz="2000" b="1" dirty="0">
-                <a:effectLst/>
-                <a:ea typeface="Times New Roman" panose="02020603050405020304" pitchFamily="18" charset="0"/>
-              </a:rPr>
-              <a:t>René Descartes: Mind-Body Dualism and Mechanistic Biology</a:t>
-            </a:r>
-            <a:endParaRPr lang="en-US" sz="2000" dirty="0">
-              <a:effectLst/>
-              <a:ea typeface="Times New Roman" panose="02020603050405020304" pitchFamily="18" charset="0"/>
-            </a:endParaRPr>
-          </a:p>
-          <a:p>
-            <a:pPr lvl="1"/>
-            <a:r>
-              <a:rPr lang="en-US" sz="2000" kern="0" dirty="0">
-                <a:effectLst/>
-                <a:ea typeface="Times New Roman" panose="02020603050405020304" pitchFamily="18" charset="0"/>
-              </a:rPr>
-              <a:t>Descartes, a 17th-century philosopher, introduced a pivotal concept known as </a:t>
-            </a:r>
-            <a:r>
-              <a:rPr lang="en-US" sz="2000" kern="0" dirty="0">
-                <a:solidFill>
-                  <a:srgbClr val="FF0000"/>
-                </a:solidFill>
-                <a:effectLst/>
-                <a:ea typeface="Times New Roman" panose="02020603050405020304" pitchFamily="18" charset="0"/>
-              </a:rPr>
-              <a:t>Cartesian Dualism, </a:t>
-            </a:r>
-            <a:r>
-              <a:rPr lang="en-US" sz="2000" kern="0" dirty="0">
-                <a:effectLst/>
-                <a:ea typeface="Times New Roman" panose="02020603050405020304" pitchFamily="18" charset="0"/>
-              </a:rPr>
-              <a:t>which distinguishes between the mind (res cogitans) and the body (res extensa). </a:t>
-            </a:r>
-          </a:p>
-          <a:p>
-            <a:pPr marL="274320" lvl="1" indent="0">
-              <a:buNone/>
-            </a:pPr>
-            <a:endParaRPr lang="en-US" sz="2000" kern="0" dirty="0">
-              <a:effectLst/>
-              <a:ea typeface="Times New Roman" panose="02020603050405020304" pitchFamily="18" charset="0"/>
-            </a:endParaRPr>
-          </a:p>
-          <a:p>
-            <a:pPr lvl="1"/>
-            <a:r>
-              <a:rPr lang="en-US" sz="2000" kern="0" dirty="0">
-                <a:effectLst/>
-                <a:ea typeface="Times New Roman" panose="02020603050405020304" pitchFamily="18" charset="0"/>
-              </a:rPr>
-              <a:t>The body, including the brain, was considered a machine by Descartes, subject to physical laws and mechanistic explanations. </a:t>
-            </a:r>
-            <a:r>
-              <a:rPr lang="en-US" sz="2000" kern="0" dirty="0">
-                <a:solidFill>
-                  <a:srgbClr val="FF0000"/>
-                </a:solidFill>
-                <a:effectLst/>
-                <a:ea typeface="Times New Roman" panose="02020603050405020304" pitchFamily="18" charset="0"/>
-              </a:rPr>
-              <a:t>However, the mind, embodying thought and consciousness, was considered non-material and inherently separate from the body.</a:t>
-            </a:r>
-            <a:r>
-              <a:rPr lang="en-US" sz="2000" dirty="0">
-                <a:solidFill>
-                  <a:srgbClr val="FF0000"/>
-                </a:solidFill>
-                <a:effectLst/>
-              </a:rPr>
-              <a:t> </a:t>
-            </a:r>
-          </a:p>
-          <a:p>
-            <a:pPr lvl="1"/>
-            <a:endParaRPr lang="en-US" sz="2000" dirty="0">
-              <a:solidFill>
-                <a:srgbClr val="FF0000"/>
-              </a:solidFill>
-              <a:effectLst/>
-            </a:endParaRPr>
-          </a:p>
-          <a:p>
-            <a:pPr lvl="1"/>
-            <a:r>
-              <a:rPr lang="en-US" sz="2000" dirty="0"/>
-              <a:t>The nature of thought and consciousness (whether it is a physical or spiritual entity) is STILL a massive topic in modern philosophy (</a:t>
-            </a:r>
-            <a:r>
-              <a:rPr lang="en-US" sz="2000" dirty="0">
-                <a:solidFill>
-                  <a:srgbClr val="FF0000"/>
-                </a:solidFill>
-              </a:rPr>
-              <a:t>Sam Harris, Christopher Hitchens, Jordan Petersen, Stephen Fry, and many more on YouTube)</a:t>
-            </a:r>
-          </a:p>
-        </p:txBody>
-      </p:sp>
-    </p:spTree>
-    <p:extLst>
-      <p:ext uri="{BB962C8B-B14F-4D97-AF65-F5344CB8AC3E}">
-        <p14:creationId xmlns:p14="http://schemas.microsoft.com/office/powerpoint/2010/main" val="725059411"/>
-      </p:ext>
-    </p:extLst>
-  </p:cSld>
-  <p:clrMapOvr>
-    <a:masterClrMapping/>
-  </p:clrMapOvr>
-</p:sld>
-</file>
-
-<file path=ppt/slides/slide25.xml><?xml version="1.0" encoding="utf-8"?>
-<p:sld xmlns:a="http://schemas.openxmlformats.org/drawingml/2006/main" xmlns:r="http://schemas.openxmlformats.org/officeDocument/2006/relationships" xmlns:p="http://schemas.openxmlformats.org/presentationml/2006/main">
-  <p:cSld>
-    <p:spTree>
-      <p:nvGrpSpPr>
-        <p:cNvPr id="1" name=""/>
-        <p:cNvGrpSpPr/>
-        <p:nvPr/>
-      </p:nvGrpSpPr>
-      <p:grpSpPr>
-        <a:xfrm>
-          <a:off x="0" y="0"/>
-          <a:ext cx="0" cy="0"/>
-          <a:chOff x="0" y="0"/>
-          <a:chExt cx="0" cy="0"/>
-        </a:xfrm>
-      </p:grpSpPr>
-      <p:sp>
-        <p:nvSpPr>
-          <p:cNvPr id="2" name="Title 1">
-            <a:extLst>
-              <a:ext uri="{FF2B5EF4-FFF2-40B4-BE49-F238E27FC236}">
-                <a16:creationId xmlns:a16="http://schemas.microsoft.com/office/drawing/2014/main" id="{3934521A-1352-5592-F4DA-ED0608EC4252}"/>
-              </a:ext>
-            </a:extLst>
-          </p:cNvPr>
-          <p:cNvSpPr>
-            <a:spLocks noGrp="1"/>
-          </p:cNvSpPr>
-          <p:nvPr>
-            <p:ph type="title"/>
-          </p:nvPr>
-        </p:nvSpPr>
-        <p:spPr/>
-        <p:txBody>
-          <a:bodyPr/>
-          <a:lstStyle/>
-          <a:p>
-            <a:r>
-              <a:rPr lang="en-US" dirty="0"/>
-              <a:t>Philosophical Underpinnings of AI</a:t>
-            </a:r>
-          </a:p>
-        </p:txBody>
-      </p:sp>
-      <p:sp>
-        <p:nvSpPr>
-          <p:cNvPr id="3" name="Content Placeholder 2">
-            <a:extLst>
-              <a:ext uri="{FF2B5EF4-FFF2-40B4-BE49-F238E27FC236}">
-                <a16:creationId xmlns:a16="http://schemas.microsoft.com/office/drawing/2014/main" id="{8E87810A-2E82-B977-0062-5E5D99870072}"/>
-              </a:ext>
-            </a:extLst>
-          </p:cNvPr>
-          <p:cNvSpPr>
-            <a:spLocks noGrp="1"/>
-          </p:cNvSpPr>
-          <p:nvPr>
-            <p:ph idx="1"/>
-          </p:nvPr>
-        </p:nvSpPr>
-        <p:spPr/>
-        <p:txBody>
-          <a:bodyPr>
-            <a:normAutofit fontScale="85000" lnSpcReduction="20000"/>
-          </a:bodyPr>
-          <a:lstStyle/>
-          <a:p>
-            <a:pPr marL="0" marR="0">
-              <a:spcBef>
-                <a:spcPts val="1500"/>
-              </a:spcBef>
-              <a:spcAft>
-                <a:spcPts val="1500"/>
-              </a:spcAft>
-            </a:pPr>
-            <a:r>
-              <a:rPr lang="en-US" sz="2000" dirty="0">
-                <a:effectLst/>
-                <a:latin typeface="Segoe UI" panose="020B0502040204020203" pitchFamily="34" charset="0"/>
-                <a:ea typeface="Times New Roman" panose="02020603050405020304" pitchFamily="18" charset="0"/>
-              </a:rPr>
-              <a:t>Key Considerations from Descartes' Perspective:</a:t>
-            </a:r>
-            <a:endParaRPr lang="en-US" sz="2000" dirty="0">
-              <a:effectLst/>
-              <a:latin typeface="Times New Roman" panose="02020603050405020304" pitchFamily="18" charset="0"/>
-              <a:ea typeface="Times New Roman" panose="02020603050405020304" pitchFamily="18" charset="0"/>
-            </a:endParaRPr>
-          </a:p>
-          <a:p>
-            <a:pPr marL="342900" marR="0" lvl="0" indent="-342900">
-              <a:spcBef>
-                <a:spcPts val="0"/>
-              </a:spcBef>
-              <a:spcAft>
-                <a:spcPts val="0"/>
-              </a:spcAft>
-              <a:buSzPts val="1000"/>
-              <a:buFont typeface="Symbol" pitchFamily="2" charset="2"/>
-              <a:buChar char=""/>
-              <a:tabLst>
-                <a:tab pos="457200" algn="l"/>
-              </a:tabLst>
-            </a:pPr>
-            <a:r>
-              <a:rPr lang="en-US" sz="2000" b="1" dirty="0">
-                <a:effectLst/>
-                <a:latin typeface="Segoe UI" panose="020B0502040204020203" pitchFamily="34" charset="0"/>
-                <a:ea typeface="Times New Roman" panose="02020603050405020304" pitchFamily="18" charset="0"/>
-              </a:rPr>
-              <a:t>Animacy and Automation:</a:t>
-            </a:r>
-            <a:r>
-              <a:rPr lang="en-US" sz="2000" dirty="0">
-                <a:effectLst/>
-                <a:latin typeface="Segoe UI" panose="020B0502040204020203" pitchFamily="34" charset="0"/>
-                <a:ea typeface="Times New Roman" panose="02020603050405020304" pitchFamily="18" charset="0"/>
-              </a:rPr>
-              <a:t> Descartes conceded that machines might be able to </a:t>
-            </a:r>
-            <a:r>
-              <a:rPr lang="en-US" sz="2000" dirty="0">
-                <a:solidFill>
-                  <a:srgbClr val="FF0000"/>
-                </a:solidFill>
-                <a:effectLst/>
-                <a:latin typeface="Segoe UI" panose="020B0502040204020203" pitchFamily="34" charset="0"/>
-                <a:ea typeface="Times New Roman" panose="02020603050405020304" pitchFamily="18" charset="0"/>
-              </a:rPr>
-              <a:t>emulate certain human behaviors </a:t>
-            </a:r>
-            <a:r>
-              <a:rPr lang="en-US" sz="2000" dirty="0">
-                <a:effectLst/>
-                <a:latin typeface="Segoe UI" panose="020B0502040204020203" pitchFamily="34" charset="0"/>
-                <a:ea typeface="Times New Roman" panose="02020603050405020304" pitchFamily="18" charset="0"/>
-              </a:rPr>
-              <a:t>but fundamentally denied the possibility of machines possessing minds or consciousness.</a:t>
-            </a:r>
-          </a:p>
-          <a:p>
-            <a:pPr marL="0" marR="0" lvl="0" indent="0">
-              <a:spcBef>
-                <a:spcPts val="0"/>
-              </a:spcBef>
-              <a:spcAft>
-                <a:spcPts val="0"/>
-              </a:spcAft>
-              <a:buSzPts val="1000"/>
-              <a:buNone/>
-              <a:tabLst>
-                <a:tab pos="457200" algn="l"/>
-              </a:tabLst>
-            </a:pPr>
-            <a:endParaRPr lang="en-US" sz="2000" dirty="0">
-              <a:effectLst/>
-              <a:latin typeface="Times New Roman" panose="02020603050405020304" pitchFamily="18" charset="0"/>
-              <a:ea typeface="Times New Roman" panose="02020603050405020304" pitchFamily="18" charset="0"/>
-            </a:endParaRPr>
-          </a:p>
-          <a:p>
-            <a:pPr marL="342900" marR="0" lvl="0" indent="-342900">
-              <a:spcBef>
-                <a:spcPts val="0"/>
-              </a:spcBef>
-              <a:spcAft>
-                <a:spcPts val="0"/>
-              </a:spcAft>
-              <a:buSzPts val="1000"/>
-              <a:buFont typeface="Symbol" pitchFamily="2" charset="2"/>
-              <a:buChar char=""/>
-              <a:tabLst>
-                <a:tab pos="457200" algn="l"/>
-              </a:tabLst>
-            </a:pPr>
-            <a:r>
-              <a:rPr lang="en-US" sz="2000" b="1" dirty="0">
-                <a:effectLst/>
-                <a:latin typeface="Segoe UI" panose="020B0502040204020203" pitchFamily="34" charset="0"/>
-                <a:ea typeface="Times New Roman" panose="02020603050405020304" pitchFamily="18" charset="0"/>
-              </a:rPr>
-              <a:t>Innate Ideas and True Understanding:</a:t>
-            </a:r>
-            <a:r>
-              <a:rPr lang="en-US" sz="2000" dirty="0">
-                <a:effectLst/>
-                <a:latin typeface="Segoe UI" panose="020B0502040204020203" pitchFamily="34" charset="0"/>
-                <a:ea typeface="Times New Roman" panose="02020603050405020304" pitchFamily="18" charset="0"/>
-              </a:rPr>
-              <a:t> Descartes posited that certain ideas and capacities are innate to the human mind and cannot be replicated by or instilled into machines, as </a:t>
-            </a:r>
-            <a:r>
-              <a:rPr lang="en-US" sz="2000" dirty="0">
-                <a:solidFill>
-                  <a:srgbClr val="FF0000"/>
-                </a:solidFill>
-                <a:effectLst/>
-                <a:latin typeface="Segoe UI" panose="020B0502040204020203" pitchFamily="34" charset="0"/>
-                <a:ea typeface="Times New Roman" panose="02020603050405020304" pitchFamily="18" charset="0"/>
-              </a:rPr>
-              <a:t>genuine understanding and consciousness are non-mechanistic phenomena.</a:t>
-            </a:r>
-          </a:p>
-          <a:p>
-            <a:pPr marL="342900" marR="0" lvl="0" indent="-342900">
-              <a:spcBef>
-                <a:spcPts val="0"/>
-              </a:spcBef>
-              <a:spcAft>
-                <a:spcPts val="0"/>
-              </a:spcAft>
-              <a:buSzPts val="1000"/>
-              <a:buFont typeface="Symbol" pitchFamily="2" charset="2"/>
-              <a:buChar char=""/>
-              <a:tabLst>
-                <a:tab pos="457200" algn="l"/>
-              </a:tabLst>
-            </a:pPr>
-            <a:endParaRPr lang="en-US" sz="2000" dirty="0">
-              <a:solidFill>
-                <a:srgbClr val="FF0000"/>
-              </a:solidFill>
-              <a:effectLst/>
-              <a:latin typeface="Times New Roman" panose="02020603050405020304" pitchFamily="18" charset="0"/>
-              <a:ea typeface="Times New Roman" panose="02020603050405020304" pitchFamily="18" charset="0"/>
-            </a:endParaRPr>
-          </a:p>
-          <a:p>
-            <a:pPr marL="0" marR="0" lvl="0" indent="0">
-              <a:spcBef>
-                <a:spcPts val="0"/>
-              </a:spcBef>
-              <a:spcAft>
-                <a:spcPts val="0"/>
-              </a:spcAft>
-              <a:buSzPts val="1000"/>
-              <a:buNone/>
-              <a:tabLst>
-                <a:tab pos="457200" algn="l"/>
-              </a:tabLst>
-            </a:pPr>
-            <a:endParaRPr lang="en-US" sz="2000" dirty="0">
-              <a:solidFill>
-                <a:srgbClr val="FF0000"/>
-              </a:solidFill>
-              <a:effectLst/>
-              <a:latin typeface="Times New Roman" panose="02020603050405020304" pitchFamily="18" charset="0"/>
-              <a:ea typeface="Times New Roman" panose="02020603050405020304" pitchFamily="18" charset="0"/>
-            </a:endParaRPr>
-          </a:p>
-          <a:p>
-            <a:pPr marL="0" marR="0">
-              <a:spcBef>
-                <a:spcPts val="0"/>
-              </a:spcBef>
-              <a:spcAft>
-                <a:spcPts val="0"/>
-              </a:spcAft>
-            </a:pPr>
-            <a:r>
-              <a:rPr lang="en-US" sz="2000" dirty="0">
-                <a:solidFill>
-                  <a:srgbClr val="00B050"/>
-                </a:solidFill>
-              </a:rPr>
-              <a:t>In terms of the ETHICS of artificial intelligence, this is an extremely important idea – if an artificially intelligent being carries out an act that society considers to be immoral or unethical, it would then follow that this ”behavior” is either random or comes somehow from the human that created/programmed her.  I mean programmed IT.</a:t>
-            </a:r>
-          </a:p>
-          <a:p>
-            <a:pPr marL="0" marR="0">
-              <a:spcBef>
-                <a:spcPts val="0"/>
-              </a:spcBef>
-              <a:spcAft>
-                <a:spcPts val="0"/>
-              </a:spcAft>
-            </a:pPr>
-            <a:endParaRPr lang="en-US" sz="2000" dirty="0">
-              <a:solidFill>
-                <a:srgbClr val="00B050"/>
-              </a:solidFill>
-            </a:endParaRPr>
-          </a:p>
-          <a:p>
-            <a:pPr marL="0" marR="0">
-              <a:spcBef>
-                <a:spcPts val="0"/>
-              </a:spcBef>
-              <a:spcAft>
-                <a:spcPts val="0"/>
-              </a:spcAft>
-            </a:pPr>
-            <a:r>
-              <a:rPr lang="en-US" sz="2000" dirty="0">
-                <a:solidFill>
-                  <a:srgbClr val="00B050"/>
-                </a:solidFill>
-              </a:rPr>
-              <a:t>So, how could we tell if an artificially intelligent machine was truly intelligent (as opposed to just mimicking its creator???</a:t>
-            </a:r>
-          </a:p>
-        </p:txBody>
-      </p:sp>
-    </p:spTree>
-    <p:extLst>
-      <p:ext uri="{BB962C8B-B14F-4D97-AF65-F5344CB8AC3E}">
-        <p14:creationId xmlns:p14="http://schemas.microsoft.com/office/powerpoint/2010/main" val="1844436343"/>
-      </p:ext>
-    </p:extLst>
-  </p:cSld>
-  <p:clrMapOvr>
-    <a:masterClrMapping/>
-  </p:clrMapOvr>
-</p:sld>
-</file>
-
-<file path=ppt/slides/slide26.xml><?xml version="1.0" encoding="utf-8"?>
-<p:sld xmlns:a="http://schemas.openxmlformats.org/drawingml/2006/main" xmlns:r="http://schemas.openxmlformats.org/officeDocument/2006/relationships" xmlns:p="http://schemas.openxmlformats.org/presentationml/2006/main">
-  <p:cSld>
-    <p:bg>
-      <p:bgPr>
-        <a:solidFill>
-          <a:schemeClr val="bg1"/>
-        </a:solidFill>
-        <a:effectLst/>
-      </p:bgPr>
-    </p:bg>
-    <p:spTree>
-      <p:nvGrpSpPr>
-        <p:cNvPr id="1" name=""/>
-        <p:cNvGrpSpPr/>
-        <p:nvPr/>
-      </p:nvGrpSpPr>
-      <p:grpSpPr>
-        <a:xfrm>
-          <a:off x="0" y="0"/>
-          <a:ext cx="0" cy="0"/>
-          <a:chOff x="0" y="0"/>
-          <a:chExt cx="0" cy="0"/>
-        </a:xfrm>
-      </p:grpSpPr>
-      <p:sp>
-        <p:nvSpPr>
-          <p:cNvPr id="10" name="Rectangle 9">
-            <a:extLst>
-              <a:ext uri="{FF2B5EF4-FFF2-40B4-BE49-F238E27FC236}">
-                <a16:creationId xmlns:a16="http://schemas.microsoft.com/office/drawing/2014/main" id="{62E3493C-9EE5-40C5-9902-4A0416374CD5}"/>
-              </a:ext>
-              <a:ext uri="{C183D7F6-B498-43B3-948B-1728B52AA6E4}">
-                <adec:decorative xmlns:adec="http://schemas.microsoft.com/office/drawing/2017/decorative" val="1"/>
-              </a:ext>
-            </a:extLst>
-          </p:cNvPr>
-          <p:cNvSpPr>
-            <a:spLocks noGrp="1" noRot="1" noChangeAspect="1" noMove="1" noResize="1" noEditPoints="1" noAdjustHandles="1" noChangeArrowheads="1" noChangeShapeType="1" noTextEdit="1"/>
-          </p:cNvSpPr>
-          <p:nvPr>
-            <p:extLst>
-              <p:ext uri="{386F3935-93C4-4BCD-93E2-E3B085C9AB24}">
-                <p16:designElem xmlns:p16="http://schemas.microsoft.com/office/powerpoint/2015/main" val="1"/>
-              </p:ext>
-            </p:extLst>
-          </p:nvPr>
-        </p:nvSpPr>
-        <p:spPr>
-          <a:xfrm>
-            <a:off x="0" y="0"/>
-            <a:ext cx="12192000" cy="6858000"/>
-          </a:xfrm>
-          <a:prstGeom prst="rect">
-            <a:avLst/>
-          </a:prstGeom>
-          <a:solidFill>
-            <a:srgbClr val="FFFFFF"/>
-          </a:solidFill>
-          <a:ln>
-            <a:noFill/>
-          </a:ln>
-        </p:spPr>
-        <p:style>
-          <a:lnRef idx="2">
-            <a:schemeClr val="accent1">
-              <a:shade val="50000"/>
-            </a:schemeClr>
-          </a:lnRef>
-          <a:fillRef idx="1">
-            <a:schemeClr val="accent1"/>
-          </a:fillRef>
-          <a:effectRef idx="0">
-            <a:schemeClr val="accent1"/>
-          </a:effectRef>
-          <a:fontRef idx="minor">
-            <a:schemeClr val="lt1"/>
-          </a:fontRef>
-        </p:style>
-        <p:txBody>
-          <a:bodyPr rtlCol="0" anchor="ctr"/>
-          <a:lstStyle/>
-          <a:p>
-            <a:pPr algn="ctr"/>
-            <a:endParaRPr lang="en-US"/>
-          </a:p>
-        </p:txBody>
-      </p:sp>
-      <p:sp>
-        <p:nvSpPr>
-          <p:cNvPr id="12" name="Rectangle 11">
-            <a:extLst>
-              <a:ext uri="{FF2B5EF4-FFF2-40B4-BE49-F238E27FC236}">
-                <a16:creationId xmlns:a16="http://schemas.microsoft.com/office/drawing/2014/main" id="{C93C2DD8-0EC6-4B41-91E6-4A8E336AF89A}"/>
-              </a:ext>
-              <a:ext uri="{C183D7F6-B498-43B3-948B-1728B52AA6E4}">
-                <adec:decorative xmlns:adec="http://schemas.microsoft.com/office/drawing/2017/decorative" val="1"/>
-              </a:ext>
-            </a:extLst>
-          </p:cNvPr>
-          <p:cNvSpPr>
-            <a:spLocks noGrp="1" noRot="1" noChangeAspect="1" noMove="1" noResize="1" noEditPoints="1" noAdjustHandles="1" noChangeArrowheads="1" noChangeShapeType="1" noTextEdit="1"/>
-          </p:cNvSpPr>
-          <p:nvPr>
-            <p:extLst>
-              <p:ext uri="{386F3935-93C4-4BCD-93E2-E3B085C9AB24}">
-                <p16:designElem xmlns:p16="http://schemas.microsoft.com/office/powerpoint/2015/main" val="1"/>
-              </p:ext>
-            </p:extLst>
-          </p:nvPr>
-        </p:nvSpPr>
-        <p:spPr>
-          <a:xfrm>
-            <a:off x="234696" y="237744"/>
-            <a:ext cx="11722608" cy="6382512"/>
-          </a:xfrm>
-          <a:prstGeom prst="rect">
-            <a:avLst/>
-          </a:prstGeom>
-          <a:solidFill>
-            <a:schemeClr val="bg1">
-              <a:lumMod val="85000"/>
-              <a:alpha val="60000"/>
-            </a:schemeClr>
-          </a:solidFill>
-          <a:ln>
-            <a:noFill/>
-          </a:ln>
-        </p:spPr>
-        <p:style>
-          <a:lnRef idx="2">
-            <a:schemeClr val="accent1">
-              <a:shade val="50000"/>
-            </a:schemeClr>
-          </a:lnRef>
-          <a:fillRef idx="1">
-            <a:schemeClr val="accent1"/>
-          </a:fillRef>
-          <a:effectRef idx="0">
-            <a:schemeClr val="accent1"/>
-          </a:effectRef>
-          <a:fontRef idx="minor">
-            <a:schemeClr val="lt1"/>
-          </a:fontRef>
-        </p:style>
-        <p:txBody>
-          <a:bodyPr/>
-          <a:lstStyle/>
-          <a:p>
-            <a:endParaRPr lang="en-US"/>
-          </a:p>
-        </p:txBody>
-      </p:sp>
-      <p:pic>
-        <p:nvPicPr>
-          <p:cNvPr id="5" name="Picture 4" descr="A person in a suit&#10;&#10;Description automatically generated">
-            <a:extLst>
-              <a:ext uri="{FF2B5EF4-FFF2-40B4-BE49-F238E27FC236}">
-                <a16:creationId xmlns:a16="http://schemas.microsoft.com/office/drawing/2014/main" id="{0E797F89-248B-5AB6-0194-B6650AD5FCCF}"/>
-              </a:ext>
-            </a:extLst>
-          </p:cNvPr>
-          <p:cNvPicPr>
-            <a:picLocks noChangeAspect="1"/>
-          </p:cNvPicPr>
-          <p:nvPr/>
-        </p:nvPicPr>
-        <p:blipFill rotWithShape="1">
-          <a:blip r:embed="rId2"/>
-          <a:srcRect l="765" r="767" b="2"/>
-          <a:stretch/>
-        </p:blipFill>
-        <p:spPr>
-          <a:xfrm>
-            <a:off x="234696" y="237744"/>
-            <a:ext cx="3996183" cy="6382512"/>
-          </a:xfrm>
-          <a:prstGeom prst="rect">
-            <a:avLst/>
-          </a:prstGeom>
-        </p:spPr>
-      </p:pic>
-      <p:sp>
-        <p:nvSpPr>
-          <p:cNvPr id="14" name="Rectangle 13">
-            <a:extLst>
-              <a:ext uri="{FF2B5EF4-FFF2-40B4-BE49-F238E27FC236}">
-                <a16:creationId xmlns:a16="http://schemas.microsoft.com/office/drawing/2014/main" id="{D5E3F933-FC69-4374-A35F-CF40365370FB}"/>
-              </a:ext>
-              <a:ext uri="{C183D7F6-B498-43B3-948B-1728B52AA6E4}">
-                <adec:decorative xmlns:adec="http://schemas.microsoft.com/office/drawing/2017/decorative" val="1"/>
-              </a:ext>
-            </a:extLst>
-          </p:cNvPr>
-          <p:cNvSpPr>
-            <a:spLocks noGrp="1" noRot="1" noChangeAspect="1" noMove="1" noResize="1" noEditPoints="1" noAdjustHandles="1" noChangeArrowheads="1" noChangeShapeType="1" noTextEdit="1"/>
-          </p:cNvSpPr>
-          <p:nvPr>
-            <p:extLst>
-              <p:ext uri="{386F3935-93C4-4BCD-93E2-E3B085C9AB24}">
-                <p16:designElem xmlns:p16="http://schemas.microsoft.com/office/powerpoint/2015/main" val="1"/>
-              </p:ext>
-            </p:extLst>
-          </p:nvPr>
-        </p:nvSpPr>
-        <p:spPr>
-          <a:xfrm>
-            <a:off x="4379494" y="374904"/>
-            <a:ext cx="7440649" cy="6108192"/>
-          </a:xfrm>
-          <a:prstGeom prst="rect">
-            <a:avLst/>
-          </a:prstGeom>
-          <a:noFill/>
-          <a:ln w="6350" cap="sq" cmpd="sng" algn="ctr">
-            <a:solidFill>
-              <a:schemeClr val="tx1">
-                <a:lumMod val="75000"/>
-                <a:lumOff val="25000"/>
-              </a:schemeClr>
-            </a:solidFill>
-            <a:prstDash val="solid"/>
-            <a:miter lim="800000"/>
-          </a:ln>
-          <a:effectLst/>
-        </p:spPr>
-        <p:txBody>
-          <a:bodyPr/>
-          <a:lstStyle/>
-          <a:p>
-            <a:endParaRPr lang="en-US"/>
-          </a:p>
-        </p:txBody>
-      </p:sp>
-      <p:sp>
-        <p:nvSpPr>
-          <p:cNvPr id="2" name="Title 1">
-            <a:extLst>
-              <a:ext uri="{FF2B5EF4-FFF2-40B4-BE49-F238E27FC236}">
-                <a16:creationId xmlns:a16="http://schemas.microsoft.com/office/drawing/2014/main" id="{D89FE519-1FAC-A750-32CA-9EEB1CE3F601}"/>
-              </a:ext>
-            </a:extLst>
-          </p:cNvPr>
-          <p:cNvSpPr>
-            <a:spLocks noGrp="1"/>
-          </p:cNvSpPr>
-          <p:nvPr>
-            <p:ph type="title"/>
-          </p:nvPr>
-        </p:nvSpPr>
-        <p:spPr>
-          <a:xfrm>
-            <a:off x="4965192" y="642593"/>
-            <a:ext cx="6280826" cy="792668"/>
-          </a:xfrm>
-        </p:spPr>
-        <p:txBody>
-          <a:bodyPr>
-            <a:normAutofit/>
-          </a:bodyPr>
-          <a:lstStyle/>
-          <a:p>
-            <a:r>
-              <a:rPr lang="en-US" dirty="0"/>
-              <a:t>The Imitation Game</a:t>
-            </a:r>
-          </a:p>
-        </p:txBody>
-      </p:sp>
-      <p:sp>
-        <p:nvSpPr>
-          <p:cNvPr id="3" name="Content Placeholder 2">
-            <a:extLst>
-              <a:ext uri="{FF2B5EF4-FFF2-40B4-BE49-F238E27FC236}">
-                <a16:creationId xmlns:a16="http://schemas.microsoft.com/office/drawing/2014/main" id="{45A002BA-16A7-8690-B436-90EC447AB967}"/>
-              </a:ext>
-            </a:extLst>
-          </p:cNvPr>
-          <p:cNvSpPr>
-            <a:spLocks noGrp="1"/>
-          </p:cNvSpPr>
-          <p:nvPr>
-            <p:ph idx="1"/>
-          </p:nvPr>
-        </p:nvSpPr>
-        <p:spPr>
-          <a:xfrm>
-            <a:off x="4965192" y="1562582"/>
-            <a:ext cx="6280826" cy="4920514"/>
-          </a:xfrm>
-        </p:spPr>
-        <p:txBody>
-          <a:bodyPr>
-            <a:normAutofit lnSpcReduction="10000"/>
-          </a:bodyPr>
-          <a:lstStyle/>
-          <a:p>
-            <a:pPr marL="0" marR="0">
-              <a:lnSpc>
-                <a:spcPct val="90000"/>
-              </a:lnSpc>
-              <a:spcBef>
-                <a:spcPts val="0"/>
-              </a:spcBef>
-              <a:spcAft>
-                <a:spcPts val="1500"/>
-              </a:spcAft>
-            </a:pPr>
-            <a:r>
-              <a:rPr lang="en-US" dirty="0">
-                <a:solidFill>
-                  <a:srgbClr val="FF0000"/>
-                </a:solidFill>
-                <a:effectLst/>
-                <a:latin typeface="Segoe UI" panose="020B0502040204020203" pitchFamily="34" charset="0"/>
-                <a:ea typeface="Times New Roman" panose="02020603050405020304" pitchFamily="18" charset="0"/>
-              </a:rPr>
-              <a:t>Alan Turing</a:t>
-            </a:r>
-            <a:r>
-              <a:rPr lang="en-US" dirty="0">
-                <a:solidFill>
-                  <a:srgbClr val="FF0000"/>
-                </a:solidFill>
-                <a:latin typeface="Segoe UI" panose="020B0502040204020203" pitchFamily="34" charset="0"/>
-                <a:ea typeface="Times New Roman" panose="02020603050405020304" pitchFamily="18" charset="0"/>
-              </a:rPr>
-              <a:t> </a:t>
-            </a:r>
-            <a:r>
-              <a:rPr lang="en-US" dirty="0">
-                <a:effectLst/>
-                <a:latin typeface="Segoe UI" panose="020B0502040204020203" pitchFamily="34" charset="0"/>
-                <a:ea typeface="Times New Roman" panose="02020603050405020304" pitchFamily="18" charset="0"/>
-              </a:rPr>
-              <a:t>provided a contrasting perspective, suggesting that machines might emulate, if not genuinely possess, forms of intelligence. Turing introduced the </a:t>
-            </a:r>
-            <a:r>
-              <a:rPr lang="en-US" dirty="0">
-                <a:solidFill>
-                  <a:srgbClr val="FF0000"/>
-                </a:solidFill>
-                <a:effectLst/>
-                <a:latin typeface="Segoe UI" panose="020B0502040204020203" pitchFamily="34" charset="0"/>
-                <a:ea typeface="Times New Roman" panose="02020603050405020304" pitchFamily="18" charset="0"/>
-              </a:rPr>
-              <a:t>Imitation Game </a:t>
-            </a:r>
-            <a:r>
-              <a:rPr lang="en-US" dirty="0">
-                <a:effectLst/>
-                <a:latin typeface="Segoe UI" panose="020B0502040204020203" pitchFamily="34" charset="0"/>
-                <a:ea typeface="Times New Roman" panose="02020603050405020304" pitchFamily="18" charset="0"/>
-              </a:rPr>
-              <a:t>(now known as the Turing Test) as a criterion to assess machine intelligence.</a:t>
-            </a:r>
-            <a:endParaRPr lang="en-US" dirty="0">
-              <a:effectLst/>
-              <a:latin typeface="Times New Roman" panose="02020603050405020304" pitchFamily="18" charset="0"/>
-              <a:ea typeface="Times New Roman" panose="02020603050405020304" pitchFamily="18" charset="0"/>
-            </a:endParaRPr>
-          </a:p>
-          <a:p>
-            <a:pPr marL="0" marR="0">
-              <a:lnSpc>
-                <a:spcPct val="90000"/>
-              </a:lnSpc>
-              <a:spcBef>
-                <a:spcPts val="1500"/>
-              </a:spcBef>
-              <a:spcAft>
-                <a:spcPts val="1500"/>
-              </a:spcAft>
-            </a:pPr>
-            <a:r>
-              <a:rPr lang="en-US" dirty="0">
-                <a:effectLst/>
-                <a:latin typeface="Segoe UI" panose="020B0502040204020203" pitchFamily="34" charset="0"/>
-                <a:ea typeface="Times New Roman" panose="02020603050405020304" pitchFamily="18" charset="0"/>
-              </a:rPr>
-              <a:t>Key Considerations from Turing's Perspective:</a:t>
-            </a:r>
-            <a:endParaRPr lang="en-US" dirty="0">
-              <a:effectLst/>
-              <a:latin typeface="Times New Roman" panose="02020603050405020304" pitchFamily="18" charset="0"/>
-              <a:ea typeface="Times New Roman" panose="02020603050405020304" pitchFamily="18" charset="0"/>
-            </a:endParaRPr>
-          </a:p>
-          <a:p>
-            <a:pPr marL="342900" marR="0" lvl="0" indent="-342900">
-              <a:lnSpc>
-                <a:spcPct val="90000"/>
-              </a:lnSpc>
-              <a:spcBef>
-                <a:spcPts val="0"/>
-              </a:spcBef>
-              <a:spcAft>
-                <a:spcPts val="0"/>
-              </a:spcAft>
-              <a:buSzPts val="1000"/>
-              <a:buFont typeface="Symbol" pitchFamily="2" charset="2"/>
-              <a:buChar char=""/>
-              <a:tabLst>
-                <a:tab pos="457200" algn="l"/>
-              </a:tabLst>
-            </a:pPr>
-            <a:r>
-              <a:rPr lang="en-US" b="1" dirty="0" err="1">
-                <a:effectLst/>
-                <a:latin typeface="Segoe UI" panose="020B0502040204020203" pitchFamily="34" charset="0"/>
-                <a:ea typeface="Times New Roman" panose="02020603050405020304" pitchFamily="18" charset="0"/>
-              </a:rPr>
-              <a:t>Behavioural</a:t>
-            </a:r>
-            <a:r>
-              <a:rPr lang="en-US" b="1" dirty="0">
-                <a:effectLst/>
-                <a:latin typeface="Segoe UI" panose="020B0502040204020203" pitchFamily="34" charset="0"/>
-                <a:ea typeface="Times New Roman" panose="02020603050405020304" pitchFamily="18" charset="0"/>
-              </a:rPr>
-              <a:t> Indicators of Intelligence:</a:t>
-            </a:r>
-            <a:r>
-              <a:rPr lang="en-US" dirty="0">
-                <a:effectLst/>
-                <a:latin typeface="Segoe UI" panose="020B0502040204020203" pitchFamily="34" charset="0"/>
-                <a:ea typeface="Times New Roman" panose="02020603050405020304" pitchFamily="18" charset="0"/>
-              </a:rPr>
-              <a:t> Turing proposed that </a:t>
-            </a:r>
-            <a:r>
-              <a:rPr lang="en-US" dirty="0">
-                <a:solidFill>
-                  <a:srgbClr val="FF0000"/>
-                </a:solidFill>
-                <a:effectLst/>
-                <a:latin typeface="Segoe UI" panose="020B0502040204020203" pitchFamily="34" charset="0"/>
-                <a:ea typeface="Times New Roman" panose="02020603050405020304" pitchFamily="18" charset="0"/>
-              </a:rPr>
-              <a:t>if a machine could interact in a manner indistinguishable from a human (in a text-based communication), it could be considered intelligent</a:t>
-            </a:r>
-            <a:r>
-              <a:rPr lang="en-US" dirty="0">
-                <a:effectLst/>
-                <a:latin typeface="Segoe UI" panose="020B0502040204020203" pitchFamily="34" charset="0"/>
-                <a:ea typeface="Times New Roman" panose="02020603050405020304" pitchFamily="18" charset="0"/>
-              </a:rPr>
-              <a:t>, focusing on </a:t>
-            </a:r>
-            <a:r>
-              <a:rPr lang="en-US" dirty="0">
-                <a:solidFill>
-                  <a:srgbClr val="00B050"/>
-                </a:solidFill>
-                <a:effectLst/>
-                <a:latin typeface="Segoe UI" panose="020B0502040204020203" pitchFamily="34" charset="0"/>
-                <a:ea typeface="Times New Roman" panose="02020603050405020304" pitchFamily="18" charset="0"/>
-              </a:rPr>
-              <a:t>observable behavior </a:t>
-            </a:r>
-            <a:r>
-              <a:rPr lang="en-US" dirty="0">
-                <a:effectLst/>
-                <a:latin typeface="Segoe UI" panose="020B0502040204020203" pitchFamily="34" charset="0"/>
-                <a:ea typeface="Times New Roman" panose="02020603050405020304" pitchFamily="18" charset="0"/>
-              </a:rPr>
-              <a:t>as an indicator of intelligence rather than underlying consciousness or understanding.</a:t>
-            </a:r>
-          </a:p>
-          <a:p>
-            <a:pPr marL="0" marR="0" lvl="0" indent="0">
-              <a:lnSpc>
-                <a:spcPct val="90000"/>
-              </a:lnSpc>
-              <a:spcBef>
-                <a:spcPts val="0"/>
-              </a:spcBef>
-              <a:spcAft>
-                <a:spcPts val="0"/>
-              </a:spcAft>
-              <a:buSzPts val="1000"/>
-              <a:buNone/>
-              <a:tabLst>
-                <a:tab pos="457200" algn="l"/>
-              </a:tabLst>
-            </a:pPr>
-            <a:endParaRPr lang="en-US" dirty="0">
-              <a:effectLst/>
-              <a:latin typeface="Times New Roman" panose="02020603050405020304" pitchFamily="18" charset="0"/>
-              <a:ea typeface="Times New Roman" panose="02020603050405020304" pitchFamily="18" charset="0"/>
-            </a:endParaRPr>
-          </a:p>
-          <a:p>
-            <a:pPr marL="342900" marR="0" lvl="0" indent="-342900">
-              <a:lnSpc>
-                <a:spcPct val="90000"/>
-              </a:lnSpc>
-              <a:spcBef>
-                <a:spcPts val="0"/>
-              </a:spcBef>
-              <a:spcAft>
-                <a:spcPts val="0"/>
-              </a:spcAft>
-              <a:buSzPts val="1000"/>
-              <a:buFont typeface="Symbol" pitchFamily="2" charset="2"/>
-              <a:buChar char=""/>
-              <a:tabLst>
-                <a:tab pos="457200" algn="l"/>
-              </a:tabLst>
-            </a:pPr>
-            <a:r>
-              <a:rPr lang="en-US" b="1" dirty="0">
-                <a:effectLst/>
-                <a:latin typeface="Segoe UI" panose="020B0502040204020203" pitchFamily="34" charset="0"/>
-                <a:ea typeface="Times New Roman" panose="02020603050405020304" pitchFamily="18" charset="0"/>
-              </a:rPr>
-              <a:t>Learning Machines:</a:t>
-            </a:r>
-            <a:r>
-              <a:rPr lang="en-US" dirty="0">
-                <a:effectLst/>
-                <a:latin typeface="Segoe UI" panose="020B0502040204020203" pitchFamily="34" charset="0"/>
-                <a:ea typeface="Times New Roman" panose="02020603050405020304" pitchFamily="18" charset="0"/>
-              </a:rPr>
-              <a:t> Turing speculated on the possibility of </a:t>
-            </a:r>
-            <a:r>
-              <a:rPr lang="en-US" dirty="0">
-                <a:solidFill>
-                  <a:srgbClr val="FF0000"/>
-                </a:solidFill>
-                <a:effectLst/>
-                <a:latin typeface="Segoe UI" panose="020B0502040204020203" pitchFamily="34" charset="0"/>
-                <a:ea typeface="Times New Roman" panose="02020603050405020304" pitchFamily="18" charset="0"/>
-              </a:rPr>
-              <a:t>machines learning and adapting</a:t>
-            </a:r>
-            <a:r>
-              <a:rPr lang="en-US" dirty="0">
-                <a:effectLst/>
-                <a:latin typeface="Segoe UI" panose="020B0502040204020203" pitchFamily="34" charset="0"/>
-                <a:ea typeface="Times New Roman" panose="02020603050405020304" pitchFamily="18" charset="0"/>
-              </a:rPr>
-              <a:t>, evolving their capacities, and thereby enhancing their ability to exhibit intelligent behavior.</a:t>
-            </a:r>
-            <a:endParaRPr lang="en-US" dirty="0">
-              <a:effectLst/>
-              <a:latin typeface="Times New Roman" panose="02020603050405020304" pitchFamily="18" charset="0"/>
-              <a:ea typeface="Times New Roman" panose="02020603050405020304" pitchFamily="18" charset="0"/>
-            </a:endParaRPr>
-          </a:p>
-          <a:p>
-            <a:pPr>
-              <a:lnSpc>
-                <a:spcPct val="90000"/>
-              </a:lnSpc>
-            </a:pPr>
-            <a:endParaRPr lang="en-US" sz="1500" dirty="0"/>
-          </a:p>
-        </p:txBody>
-      </p:sp>
-    </p:spTree>
-    <p:extLst>
-      <p:ext uri="{BB962C8B-B14F-4D97-AF65-F5344CB8AC3E}">
-        <p14:creationId xmlns:p14="http://schemas.microsoft.com/office/powerpoint/2010/main" val="3275901169"/>
-      </p:ext>
-    </p:extLst>
-  </p:cSld>
-  <p:clrMapOvr>
-    <a:masterClrMapping/>
-  </p:clrMapOvr>
-</p:sld>
-</file>
-
-<file path=ppt/slides/slide27.xml><?xml version="1.0" encoding="utf-8"?>
-<p:sld xmlns:a="http://schemas.openxmlformats.org/drawingml/2006/main" xmlns:r="http://schemas.openxmlformats.org/officeDocument/2006/relationships" xmlns:p="http://schemas.openxmlformats.org/presentationml/2006/main">
-  <p:cSld>
-    <p:spTree>
-      <p:nvGrpSpPr>
-        <p:cNvPr id="1" name=""/>
-        <p:cNvGrpSpPr/>
-        <p:nvPr/>
-      </p:nvGrpSpPr>
-      <p:grpSpPr>
-        <a:xfrm>
-          <a:off x="0" y="0"/>
-          <a:ext cx="0" cy="0"/>
-          <a:chOff x="0" y="0"/>
-          <a:chExt cx="0" cy="0"/>
-        </a:xfrm>
-      </p:grpSpPr>
-      <p:sp>
-        <p:nvSpPr>
-          <p:cNvPr id="2" name="Title 1">
-            <a:extLst>
-              <a:ext uri="{FF2B5EF4-FFF2-40B4-BE49-F238E27FC236}">
-                <a16:creationId xmlns:a16="http://schemas.microsoft.com/office/drawing/2014/main" id="{DC814CA6-5524-3DBC-125A-65EBB57F7C27}"/>
-              </a:ext>
-            </a:extLst>
-          </p:cNvPr>
-          <p:cNvSpPr>
-            <a:spLocks noGrp="1"/>
-          </p:cNvSpPr>
-          <p:nvPr>
-            <p:ph type="title"/>
-          </p:nvPr>
-        </p:nvSpPr>
-        <p:spPr/>
-        <p:txBody>
-          <a:bodyPr/>
-          <a:lstStyle/>
-          <a:p>
-            <a:r>
-              <a:rPr lang="en-US" dirty="0"/>
-              <a:t>Big Questions</a:t>
-            </a:r>
-          </a:p>
-        </p:txBody>
-      </p:sp>
-      <p:sp>
-        <p:nvSpPr>
-          <p:cNvPr id="3" name="Content Placeholder 2">
-            <a:extLst>
-              <a:ext uri="{FF2B5EF4-FFF2-40B4-BE49-F238E27FC236}">
-                <a16:creationId xmlns:a16="http://schemas.microsoft.com/office/drawing/2014/main" id="{54C4904E-B1FB-2B91-48FE-C7BBB3929DE9}"/>
-              </a:ext>
-            </a:extLst>
-          </p:cNvPr>
-          <p:cNvSpPr>
-            <a:spLocks noGrp="1"/>
-          </p:cNvSpPr>
-          <p:nvPr>
-            <p:ph idx="1"/>
-          </p:nvPr>
-        </p:nvSpPr>
-        <p:spPr/>
-        <p:txBody>
-          <a:bodyPr>
-            <a:normAutofit/>
-          </a:bodyPr>
-          <a:lstStyle/>
-          <a:p>
-            <a:r>
-              <a:rPr lang="en-US" sz="2000" dirty="0"/>
-              <a:t>Does mimicking intelligence equate to genuine intelligence?</a:t>
-            </a:r>
-          </a:p>
-          <a:p>
-            <a:endParaRPr lang="en-US" sz="2000" dirty="0"/>
-          </a:p>
-          <a:p>
-            <a:r>
-              <a:rPr lang="en-US" sz="2000" dirty="0"/>
-              <a:t>Is the conscious experience a necessary component of intelligence?</a:t>
-            </a:r>
-          </a:p>
-          <a:p>
-            <a:pPr marL="0" indent="0">
-              <a:buNone/>
-            </a:pPr>
-            <a:endParaRPr lang="en-US" sz="2000" dirty="0"/>
-          </a:p>
-          <a:p>
-            <a:r>
-              <a:rPr lang="en-US" sz="2000" dirty="0"/>
-              <a:t>Can a machine that behaves intelligently be considered a mind, even in the absence of conscious experience or understanding?</a:t>
-            </a:r>
-          </a:p>
-          <a:p>
-            <a:endParaRPr lang="en-US" sz="2000" dirty="0"/>
-          </a:p>
-          <a:p>
-            <a:r>
-              <a:rPr lang="en-US" sz="2000" dirty="0">
-                <a:solidFill>
-                  <a:srgbClr val="FF0000"/>
-                </a:solidFill>
-              </a:rPr>
-              <a:t>In this sense, the philosophical viewpoints of Descartes and Turing are divergent from one another!</a:t>
-            </a:r>
-          </a:p>
-        </p:txBody>
-      </p:sp>
-    </p:spTree>
-    <p:extLst>
-      <p:ext uri="{BB962C8B-B14F-4D97-AF65-F5344CB8AC3E}">
-        <p14:creationId xmlns:p14="http://schemas.microsoft.com/office/powerpoint/2010/main" val="2849032844"/>
-      </p:ext>
-    </p:extLst>
-  </p:cSld>
-  <p:clrMapOvr>
-    <a:masterClrMapping/>
-  </p:clrMapOvr>
-</p:sld>
-</file>
-
-<file path=ppt/slides/slide28.xml><?xml version="1.0" encoding="utf-8"?>
-<p:sld xmlns:a="http://schemas.openxmlformats.org/drawingml/2006/main" xmlns:r="http://schemas.openxmlformats.org/officeDocument/2006/relationships" xmlns:p="http://schemas.openxmlformats.org/presentationml/2006/main">
-  <p:cSld>
-    <p:spTree>
-      <p:nvGrpSpPr>
-        <p:cNvPr id="1" name=""/>
-        <p:cNvGrpSpPr/>
-        <p:nvPr/>
-      </p:nvGrpSpPr>
-      <p:grpSpPr>
-        <a:xfrm>
-          <a:off x="0" y="0"/>
-          <a:ext cx="0" cy="0"/>
-          <a:chOff x="0" y="0"/>
-          <a:chExt cx="0" cy="0"/>
-        </a:xfrm>
-      </p:grpSpPr>
-      <p:sp>
-        <p:nvSpPr>
-          <p:cNvPr id="2" name="Title 1">
-            <a:extLst>
-              <a:ext uri="{FF2B5EF4-FFF2-40B4-BE49-F238E27FC236}">
-                <a16:creationId xmlns:a16="http://schemas.microsoft.com/office/drawing/2014/main" id="{960D579C-BD2B-CEDF-6951-501C5C4BA8C4}"/>
-              </a:ext>
-            </a:extLst>
-          </p:cNvPr>
-          <p:cNvSpPr>
-            <a:spLocks noGrp="1"/>
-          </p:cNvSpPr>
-          <p:nvPr>
-            <p:ph type="title"/>
-          </p:nvPr>
-        </p:nvSpPr>
-        <p:spPr/>
-        <p:txBody>
-          <a:bodyPr>
-            <a:normAutofit fontScale="90000"/>
-          </a:bodyPr>
-          <a:lstStyle/>
-          <a:p>
-            <a:r>
-              <a:rPr lang="en-US" dirty="0"/>
-              <a:t>Synergy and Disparity: Integrating and Diverging Views	</a:t>
-            </a:r>
-          </a:p>
-        </p:txBody>
-      </p:sp>
-      <p:sp>
-        <p:nvSpPr>
-          <p:cNvPr id="3" name="Content Placeholder 2">
-            <a:extLst>
-              <a:ext uri="{FF2B5EF4-FFF2-40B4-BE49-F238E27FC236}">
-                <a16:creationId xmlns:a16="http://schemas.microsoft.com/office/drawing/2014/main" id="{0CD36D83-811C-DAC5-6AE3-829B684D160F}"/>
-              </a:ext>
-            </a:extLst>
-          </p:cNvPr>
-          <p:cNvSpPr>
-            <a:spLocks noGrp="1"/>
-          </p:cNvSpPr>
-          <p:nvPr>
-            <p:ph idx="1"/>
-          </p:nvPr>
-        </p:nvSpPr>
-        <p:spPr/>
-        <p:txBody>
-          <a:bodyPr>
-            <a:normAutofit/>
-          </a:bodyPr>
-          <a:lstStyle/>
-          <a:p>
-            <a:pPr marL="0" marR="0">
-              <a:spcBef>
-                <a:spcPts val="0"/>
-              </a:spcBef>
-              <a:spcAft>
-                <a:spcPts val="1500"/>
-              </a:spcAft>
-            </a:pPr>
-            <a:r>
-              <a:rPr lang="en-US" sz="1800" dirty="0">
-                <a:effectLst/>
-                <a:latin typeface="Segoe UI" panose="020B0502040204020203" pitchFamily="34" charset="0"/>
-                <a:ea typeface="Times New Roman" panose="02020603050405020304" pitchFamily="18" charset="0"/>
-              </a:rPr>
-              <a:t>While Descartes and Turing come from vastly different epochs and intellectual landscapes, their views engage in an implicit dialogue that continues to permeate contemporary debates in artificial intelligence:</a:t>
-            </a:r>
-            <a:endParaRPr lang="en-US" sz="1800" dirty="0">
-              <a:effectLst/>
-              <a:latin typeface="Times New Roman" panose="02020603050405020304" pitchFamily="18" charset="0"/>
-              <a:ea typeface="Times New Roman" panose="02020603050405020304" pitchFamily="18" charset="0"/>
-            </a:endParaRPr>
-          </a:p>
-          <a:p>
-            <a:pPr marL="342900" marR="0" lvl="0" indent="-342900">
-              <a:spcBef>
-                <a:spcPts val="0"/>
-              </a:spcBef>
-              <a:spcAft>
-                <a:spcPts val="0"/>
-              </a:spcAft>
-              <a:buSzPts val="1000"/>
-              <a:buFont typeface="Symbol" pitchFamily="2" charset="2"/>
-              <a:buChar char=""/>
-              <a:tabLst>
-                <a:tab pos="457200" algn="l"/>
-              </a:tabLst>
-            </a:pPr>
-            <a:r>
-              <a:rPr lang="en-US" sz="1800" b="1" dirty="0">
-                <a:effectLst/>
-                <a:latin typeface="Segoe UI" panose="020B0502040204020203" pitchFamily="34" charset="0"/>
-                <a:ea typeface="Times New Roman" panose="02020603050405020304" pitchFamily="18" charset="0"/>
-              </a:rPr>
-              <a:t>Consciousness and Machine:</a:t>
-            </a:r>
-            <a:r>
-              <a:rPr lang="en-US" sz="1800" dirty="0">
-                <a:effectLst/>
-                <a:latin typeface="Segoe UI" panose="020B0502040204020203" pitchFamily="34" charset="0"/>
-                <a:ea typeface="Times New Roman" panose="02020603050405020304" pitchFamily="18" charset="0"/>
-              </a:rPr>
-              <a:t> </a:t>
-            </a:r>
-            <a:r>
-              <a:rPr lang="en-US" sz="1800" dirty="0">
-                <a:solidFill>
-                  <a:srgbClr val="FF0000"/>
-                </a:solidFill>
-                <a:effectLst/>
-                <a:latin typeface="Segoe UI" panose="020B0502040204020203" pitchFamily="34" charset="0"/>
-                <a:ea typeface="Times New Roman" panose="02020603050405020304" pitchFamily="18" charset="0"/>
-              </a:rPr>
-              <a:t>Is consciousness necessary for intelligence</a:t>
-            </a:r>
-            <a:r>
-              <a:rPr lang="en-US" sz="1800" dirty="0">
-                <a:effectLst/>
-                <a:latin typeface="Segoe UI" panose="020B0502040204020203" pitchFamily="34" charset="0"/>
-                <a:ea typeface="Times New Roman" panose="02020603050405020304" pitchFamily="18" charset="0"/>
-              </a:rPr>
-              <a:t>, and can machines possess or emulate consciousness?</a:t>
-            </a:r>
-            <a:endParaRPr lang="en-US" sz="1800" dirty="0">
-              <a:effectLst/>
-              <a:latin typeface="Times New Roman" panose="02020603050405020304" pitchFamily="18" charset="0"/>
-              <a:ea typeface="Times New Roman" panose="02020603050405020304" pitchFamily="18" charset="0"/>
-            </a:endParaRPr>
-          </a:p>
-          <a:p>
-            <a:pPr marL="342900" marR="0" lvl="0" indent="-342900">
-              <a:spcBef>
-                <a:spcPts val="0"/>
-              </a:spcBef>
-              <a:spcAft>
-                <a:spcPts val="0"/>
-              </a:spcAft>
-              <a:buSzPts val="1000"/>
-              <a:buFont typeface="Symbol" pitchFamily="2" charset="2"/>
-              <a:buChar char=""/>
-              <a:tabLst>
-                <a:tab pos="457200" algn="l"/>
-              </a:tabLst>
-            </a:pPr>
-            <a:r>
-              <a:rPr lang="en-US" sz="1800" b="1" dirty="0">
-                <a:effectLst/>
-                <a:latin typeface="Segoe UI" panose="020B0502040204020203" pitchFamily="34" charset="0"/>
-                <a:ea typeface="Times New Roman" panose="02020603050405020304" pitchFamily="18" charset="0"/>
-              </a:rPr>
-              <a:t>Ethics of Creation:</a:t>
-            </a:r>
-            <a:r>
-              <a:rPr lang="en-US" sz="1800" dirty="0">
-                <a:effectLst/>
-                <a:latin typeface="Segoe UI" panose="020B0502040204020203" pitchFamily="34" charset="0"/>
-                <a:ea typeface="Times New Roman" panose="02020603050405020304" pitchFamily="18" charset="0"/>
-              </a:rPr>
-              <a:t> If machines can think or feel, </a:t>
-            </a:r>
-            <a:r>
-              <a:rPr lang="en-US" sz="1800" dirty="0">
-                <a:solidFill>
-                  <a:srgbClr val="FF0000"/>
-                </a:solidFill>
-                <a:effectLst/>
-                <a:latin typeface="Segoe UI" panose="020B0502040204020203" pitchFamily="34" charset="0"/>
-                <a:ea typeface="Times New Roman" panose="02020603050405020304" pitchFamily="18" charset="0"/>
-              </a:rPr>
-              <a:t>what ethical considerations emerge in their creation and treatment?</a:t>
-            </a:r>
-            <a:endParaRPr lang="en-US" sz="1800" dirty="0">
-              <a:solidFill>
-                <a:srgbClr val="FF0000"/>
-              </a:solidFill>
-              <a:effectLst/>
-              <a:latin typeface="Times New Roman" panose="02020603050405020304" pitchFamily="18" charset="0"/>
-              <a:ea typeface="Times New Roman" panose="02020603050405020304" pitchFamily="18" charset="0"/>
-            </a:endParaRPr>
-          </a:p>
-          <a:p>
-            <a:pPr marL="342900" marR="0" lvl="0" indent="-342900">
-              <a:spcBef>
-                <a:spcPts val="0"/>
-              </a:spcBef>
-              <a:spcAft>
-                <a:spcPts val="0"/>
-              </a:spcAft>
-              <a:buSzPts val="1000"/>
-              <a:buFont typeface="Symbol" pitchFamily="2" charset="2"/>
-              <a:buChar char=""/>
-              <a:tabLst>
-                <a:tab pos="457200" algn="l"/>
-              </a:tabLst>
-            </a:pPr>
-            <a:r>
-              <a:rPr lang="en-US" sz="1800" b="1" dirty="0">
-                <a:effectLst/>
-                <a:latin typeface="Segoe UI" panose="020B0502040204020203" pitchFamily="34" charset="0"/>
-                <a:ea typeface="Times New Roman" panose="02020603050405020304" pitchFamily="18" charset="0"/>
-              </a:rPr>
-              <a:t>Identity and Agency:</a:t>
-            </a:r>
-            <a:r>
-              <a:rPr lang="en-US" sz="1800" dirty="0">
-                <a:effectLst/>
-                <a:latin typeface="Segoe UI" panose="020B0502040204020203" pitchFamily="34" charset="0"/>
-                <a:ea typeface="Times New Roman" panose="02020603050405020304" pitchFamily="18" charset="0"/>
-              </a:rPr>
-              <a:t> </a:t>
-            </a:r>
-            <a:r>
-              <a:rPr lang="en-US" sz="1800" dirty="0">
-                <a:solidFill>
-                  <a:srgbClr val="FF0000"/>
-                </a:solidFill>
-                <a:effectLst/>
-                <a:latin typeface="Segoe UI" panose="020B0502040204020203" pitchFamily="34" charset="0"/>
-                <a:ea typeface="Times New Roman" panose="02020603050405020304" pitchFamily="18" charset="0"/>
-              </a:rPr>
-              <a:t>Can a machine have a sense of self</a:t>
-            </a:r>
-            <a:r>
-              <a:rPr lang="en-US" sz="1800" dirty="0">
-                <a:effectLst/>
-                <a:latin typeface="Segoe UI" panose="020B0502040204020203" pitchFamily="34" charset="0"/>
-                <a:ea typeface="Times New Roman" panose="02020603050405020304" pitchFamily="18" charset="0"/>
-              </a:rPr>
-              <a:t>, and what constitutes genuine understanding and agency?</a:t>
-            </a:r>
-            <a:endParaRPr lang="en-US" sz="1800" dirty="0">
-              <a:effectLst/>
-              <a:latin typeface="Times New Roman" panose="02020603050405020304" pitchFamily="18" charset="0"/>
-              <a:ea typeface="Times New Roman" panose="02020603050405020304" pitchFamily="18" charset="0"/>
-            </a:endParaRPr>
-          </a:p>
-          <a:p>
-            <a:pPr marL="0" marR="0">
-              <a:spcBef>
-                <a:spcPts val="1500"/>
-              </a:spcBef>
-              <a:spcAft>
-                <a:spcPts val="0"/>
-              </a:spcAft>
-            </a:pPr>
-            <a:r>
-              <a:rPr lang="en-US" sz="1800" dirty="0">
-                <a:effectLst/>
-                <a:latin typeface="Segoe UI" panose="020B0502040204020203" pitchFamily="34" charset="0"/>
-                <a:ea typeface="Times New Roman" panose="02020603050405020304" pitchFamily="18" charset="0"/>
-              </a:rPr>
-              <a:t>The discussions deriving from the perspectives of Descartes and Turing continue to influence philosophical, ethical, and practical considerations in the realms of artificial intelligence, cognitive science, and robotics. </a:t>
-            </a:r>
-            <a:endParaRPr lang="en-US" dirty="0"/>
-          </a:p>
-        </p:txBody>
-      </p:sp>
-    </p:spTree>
-    <p:extLst>
-      <p:ext uri="{BB962C8B-B14F-4D97-AF65-F5344CB8AC3E}">
-        <p14:creationId xmlns:p14="http://schemas.microsoft.com/office/powerpoint/2010/main" val="717741370"/>
-      </p:ext>
-    </p:extLst>
-  </p:cSld>
-  <p:clrMapOvr>
-    <a:masterClrMapping/>
-  </p:clrMapOvr>
-</p:sld>
-</file>
-
-<file path=ppt/slides/slide29.xml><?xml version="1.0" encoding="utf-8"?>
-<p:sld xmlns:a="http://schemas.openxmlformats.org/drawingml/2006/main" xmlns:r="http://schemas.openxmlformats.org/officeDocument/2006/relationships" xmlns:p="http://schemas.openxmlformats.org/presentationml/2006/main">
-  <p:cSld>
-    <p:spTree>
-      <p:nvGrpSpPr>
-        <p:cNvPr id="1" name=""/>
-        <p:cNvGrpSpPr/>
-        <p:nvPr/>
-      </p:nvGrpSpPr>
-      <p:grpSpPr>
-        <a:xfrm>
-          <a:off x="0" y="0"/>
-          <a:ext cx="0" cy="0"/>
-          <a:chOff x="0" y="0"/>
-          <a:chExt cx="0" cy="0"/>
-        </a:xfrm>
-      </p:grpSpPr>
-      <p:sp>
-        <p:nvSpPr>
-          <p:cNvPr id="2" name="Title 1">
-            <a:extLst>
-              <a:ext uri="{FF2B5EF4-FFF2-40B4-BE49-F238E27FC236}">
-                <a16:creationId xmlns:a16="http://schemas.microsoft.com/office/drawing/2014/main" id="{3A17DBB8-AC3F-30AB-2258-321DD5B17BE7}"/>
-              </a:ext>
-            </a:extLst>
-          </p:cNvPr>
-          <p:cNvSpPr>
-            <a:spLocks noGrp="1"/>
-          </p:cNvSpPr>
-          <p:nvPr>
-            <p:ph type="title"/>
-          </p:nvPr>
-        </p:nvSpPr>
-        <p:spPr/>
-        <p:txBody>
-          <a:bodyPr/>
-          <a:lstStyle/>
-          <a:p>
-            <a:r>
-              <a:rPr lang="en-US" dirty="0"/>
-              <a:t>The Turing Test (1950)</a:t>
-            </a:r>
-          </a:p>
-        </p:txBody>
-      </p:sp>
-      <p:sp>
-        <p:nvSpPr>
-          <p:cNvPr id="3" name="Content Placeholder 2">
-            <a:extLst>
-              <a:ext uri="{FF2B5EF4-FFF2-40B4-BE49-F238E27FC236}">
-                <a16:creationId xmlns:a16="http://schemas.microsoft.com/office/drawing/2014/main" id="{0202D527-128E-FBCA-5F72-2168974BEC07}"/>
-              </a:ext>
-            </a:extLst>
-          </p:cNvPr>
-          <p:cNvSpPr>
-            <a:spLocks noGrp="1"/>
-          </p:cNvSpPr>
-          <p:nvPr>
-            <p:ph idx="1"/>
-          </p:nvPr>
-        </p:nvSpPr>
-        <p:spPr>
-          <a:xfrm>
-            <a:off x="1066800" y="2103120"/>
-            <a:ext cx="10058400" cy="4360742"/>
-          </a:xfrm>
-        </p:spPr>
-        <p:txBody>
-          <a:bodyPr>
-            <a:normAutofit fontScale="92500" lnSpcReduction="20000"/>
-          </a:bodyPr>
-          <a:lstStyle/>
-          <a:p>
-            <a:pPr marL="0" marR="0" indent="0">
-              <a:spcBef>
-                <a:spcPts val="200"/>
-              </a:spcBef>
-              <a:spcAft>
-                <a:spcPts val="0"/>
-              </a:spcAft>
-              <a:buNone/>
-            </a:pPr>
-            <a:r>
-              <a:rPr lang="en-US" sz="1800" b="0" i="1" dirty="0">
-                <a:solidFill>
-                  <a:srgbClr val="2F5496"/>
-                </a:solidFill>
-                <a:effectLst/>
-                <a:latin typeface="Segoe UI" panose="020B0502040204020203" pitchFamily="34" charset="0"/>
-                <a:ea typeface="Times New Roman" panose="02020603050405020304" pitchFamily="18" charset="0"/>
-                <a:cs typeface="Times New Roman" panose="02020603050405020304" pitchFamily="18" charset="0"/>
-              </a:rPr>
-              <a:t>Concept and Mechanism</a:t>
-            </a:r>
-          </a:p>
-          <a:p>
-            <a:pPr marL="0" marR="0" indent="0">
-              <a:spcBef>
-                <a:spcPts val="200"/>
-              </a:spcBef>
-              <a:spcAft>
-                <a:spcPts val="0"/>
-              </a:spcAft>
-              <a:buNone/>
-            </a:pPr>
-            <a:endParaRPr lang="en-US" sz="1800" b="1" i="1" dirty="0">
-              <a:solidFill>
-                <a:srgbClr val="2F5496"/>
-              </a:solidFill>
-              <a:effectLst/>
-              <a:latin typeface="Calibri Light" panose="020F0302020204030204" pitchFamily="34" charset="0"/>
-              <a:ea typeface="Times New Roman" panose="02020603050405020304" pitchFamily="18" charset="0"/>
-              <a:cs typeface="Times New Roman" panose="02020603050405020304" pitchFamily="18" charset="0"/>
-            </a:endParaRPr>
-          </a:p>
-          <a:p>
-            <a:pPr marL="0" marR="0">
-              <a:spcBef>
-                <a:spcPts val="0"/>
-              </a:spcBef>
-              <a:spcAft>
-                <a:spcPts val="1500"/>
-              </a:spcAft>
-            </a:pPr>
-            <a:r>
-              <a:rPr lang="en-US" sz="1800" dirty="0">
-                <a:effectLst/>
-                <a:latin typeface="Segoe UI" panose="020B0502040204020203" pitchFamily="34" charset="0"/>
-                <a:ea typeface="Times New Roman" panose="02020603050405020304" pitchFamily="18" charset="0"/>
-              </a:rPr>
-              <a:t>The Turing Test, initially called the Imitation Game by Turing, involves a human interrogator </a:t>
-            </a:r>
-            <a:r>
-              <a:rPr lang="en-US" sz="1800" dirty="0">
-                <a:solidFill>
-                  <a:srgbClr val="FF0000"/>
-                </a:solidFill>
-                <a:effectLst/>
-                <a:latin typeface="Segoe UI" panose="020B0502040204020203" pitchFamily="34" charset="0"/>
-                <a:ea typeface="Times New Roman" panose="02020603050405020304" pitchFamily="18" charset="0"/>
-              </a:rPr>
-              <a:t>engaging in a natural language conversation with an unseen interlocutor</a:t>
-            </a:r>
-            <a:r>
-              <a:rPr lang="en-US" sz="1800" dirty="0">
-                <a:effectLst/>
-                <a:latin typeface="Segoe UI" panose="020B0502040204020203" pitchFamily="34" charset="0"/>
-                <a:ea typeface="Times New Roman" panose="02020603050405020304" pitchFamily="18" charset="0"/>
-              </a:rPr>
-              <a:t>, which could be either a human or a machine. The interrogator's task is to determine which is which, based solely on their responses to questions. If the interrogator is unable to reliably tell the machine from the human, the machine is said to have passed the test.</a:t>
-            </a:r>
-          </a:p>
-          <a:p>
-            <a:pPr marL="0" marR="0" indent="0">
-              <a:spcBef>
-                <a:spcPts val="200"/>
-              </a:spcBef>
-              <a:spcAft>
-                <a:spcPts val="0"/>
-              </a:spcAft>
-              <a:buNone/>
-            </a:pPr>
-            <a:r>
-              <a:rPr lang="en-US" sz="1800" b="0" i="1" dirty="0">
-                <a:solidFill>
-                  <a:srgbClr val="2F5496"/>
-                </a:solidFill>
-                <a:effectLst/>
-                <a:latin typeface="Segoe UI" panose="020B0502040204020203" pitchFamily="34" charset="0"/>
-                <a:ea typeface="Times New Roman" panose="02020603050405020304" pitchFamily="18" charset="0"/>
-                <a:cs typeface="Times New Roman" panose="02020603050405020304" pitchFamily="18" charset="0"/>
-              </a:rPr>
-              <a:t>Philosophical and Practical Implications</a:t>
-            </a:r>
-          </a:p>
-          <a:p>
-            <a:pPr marL="0" marR="0" indent="0">
-              <a:spcBef>
-                <a:spcPts val="200"/>
-              </a:spcBef>
-              <a:spcAft>
-                <a:spcPts val="0"/>
-              </a:spcAft>
-              <a:buNone/>
-            </a:pPr>
-            <a:endParaRPr lang="en-US" sz="1800" b="1" i="1" dirty="0">
-              <a:solidFill>
-                <a:srgbClr val="2F5496"/>
-              </a:solidFill>
-              <a:effectLst/>
-              <a:latin typeface="Calibri Light" panose="020F0302020204030204" pitchFamily="34" charset="0"/>
-              <a:ea typeface="Times New Roman" panose="02020603050405020304" pitchFamily="18" charset="0"/>
-              <a:cs typeface="Times New Roman" panose="02020603050405020304" pitchFamily="18" charset="0"/>
-            </a:endParaRPr>
-          </a:p>
-          <a:p>
-            <a:pPr marL="0" marR="0">
-              <a:spcBef>
-                <a:spcPts val="0"/>
-              </a:spcBef>
-              <a:spcAft>
-                <a:spcPts val="1500"/>
-              </a:spcAft>
-            </a:pPr>
-            <a:r>
-              <a:rPr lang="en-US" sz="1800" dirty="0">
-                <a:effectLst/>
-                <a:latin typeface="Segoe UI" panose="020B0502040204020203" pitchFamily="34" charset="0"/>
-                <a:ea typeface="Times New Roman" panose="02020603050405020304" pitchFamily="18" charset="0"/>
-              </a:rPr>
-              <a:t>Turing’s Imitation Game is profound not merely as a proposed test for machine intelligence but also in the philosophical questions it raises about the nature of cognition, consciousness, and communication:</a:t>
-            </a:r>
-            <a:endParaRPr lang="en-US" sz="1800" dirty="0">
-              <a:effectLst/>
-              <a:latin typeface="Times New Roman" panose="02020603050405020304" pitchFamily="18" charset="0"/>
-              <a:ea typeface="Times New Roman" panose="02020603050405020304" pitchFamily="18" charset="0"/>
-            </a:endParaRPr>
-          </a:p>
-          <a:p>
-            <a:pPr marL="342900" marR="0" lvl="0" indent="-342900">
-              <a:spcBef>
-                <a:spcPts val="0"/>
-              </a:spcBef>
-              <a:spcAft>
-                <a:spcPts val="0"/>
-              </a:spcAft>
-              <a:buSzPts val="1000"/>
-              <a:buFont typeface="Symbol" pitchFamily="2" charset="2"/>
-              <a:buChar char=""/>
-              <a:tabLst>
-                <a:tab pos="457200" algn="l"/>
-              </a:tabLst>
-            </a:pPr>
-            <a:r>
-              <a:rPr lang="en-US" sz="1800" b="1" dirty="0">
-                <a:effectLst/>
-                <a:latin typeface="Segoe UI" panose="020B0502040204020203" pitchFamily="34" charset="0"/>
-                <a:ea typeface="Times New Roman" panose="02020603050405020304" pitchFamily="18" charset="0"/>
-              </a:rPr>
-              <a:t>Behaviorism in Intelligence:</a:t>
-            </a:r>
-            <a:r>
-              <a:rPr lang="en-US" sz="1800" dirty="0">
-                <a:effectLst/>
-                <a:latin typeface="Segoe UI" panose="020B0502040204020203" pitchFamily="34" charset="0"/>
-                <a:ea typeface="Times New Roman" panose="02020603050405020304" pitchFamily="18" charset="0"/>
-              </a:rPr>
-              <a:t> The test leans into a behaviorist perspective, implying that </a:t>
-            </a:r>
-            <a:r>
-              <a:rPr lang="en-US" sz="1800" dirty="0">
-                <a:solidFill>
-                  <a:srgbClr val="FF0000"/>
-                </a:solidFill>
-                <a:effectLst/>
-                <a:latin typeface="Segoe UI" panose="020B0502040204020203" pitchFamily="34" charset="0"/>
-                <a:ea typeface="Times New Roman" panose="02020603050405020304" pitchFamily="18" charset="0"/>
-              </a:rPr>
-              <a:t>intelligence can be deduced and defined by external, observable behavior </a:t>
-            </a:r>
-            <a:r>
-              <a:rPr lang="en-US" sz="1800" dirty="0">
-                <a:effectLst/>
-                <a:latin typeface="Segoe UI" panose="020B0502040204020203" pitchFamily="34" charset="0"/>
-                <a:ea typeface="Times New Roman" panose="02020603050405020304" pitchFamily="18" charset="0"/>
-              </a:rPr>
-              <a:t>rather than internal consciousness or cognitive processes.</a:t>
-            </a:r>
-            <a:endParaRPr lang="en-US" sz="1800" dirty="0">
-              <a:effectLst/>
-              <a:latin typeface="Times New Roman" panose="02020603050405020304" pitchFamily="18" charset="0"/>
-              <a:ea typeface="Times New Roman" panose="02020603050405020304" pitchFamily="18" charset="0"/>
-            </a:endParaRPr>
-          </a:p>
-          <a:p>
-            <a:pPr marL="342900" marR="0" lvl="0" indent="-342900">
-              <a:spcBef>
-                <a:spcPts val="0"/>
-              </a:spcBef>
-              <a:spcAft>
-                <a:spcPts val="0"/>
-              </a:spcAft>
-              <a:buSzPts val="1000"/>
-              <a:buFont typeface="Symbol" pitchFamily="2" charset="2"/>
-              <a:buChar char=""/>
-              <a:tabLst>
-                <a:tab pos="457200" algn="l"/>
-              </a:tabLst>
-            </a:pPr>
-            <a:r>
-              <a:rPr lang="en-US" sz="1800" b="1" dirty="0">
-                <a:effectLst/>
-                <a:latin typeface="Segoe UI" panose="020B0502040204020203" pitchFamily="34" charset="0"/>
-                <a:ea typeface="Times New Roman" panose="02020603050405020304" pitchFamily="18" charset="0"/>
-              </a:rPr>
-              <a:t>Functionalism:</a:t>
-            </a:r>
-            <a:r>
-              <a:rPr lang="en-US" sz="1800" dirty="0">
-                <a:effectLst/>
-                <a:latin typeface="Segoe UI" panose="020B0502040204020203" pitchFamily="34" charset="0"/>
-                <a:ea typeface="Times New Roman" panose="02020603050405020304" pitchFamily="18" charset="0"/>
-              </a:rPr>
-              <a:t> It suggests a functionalist approach to understanding the mind, positing </a:t>
-            </a:r>
-            <a:r>
-              <a:rPr lang="en-US" sz="1800" dirty="0">
-                <a:solidFill>
-                  <a:srgbClr val="FF0000"/>
-                </a:solidFill>
-                <a:effectLst/>
-                <a:latin typeface="Segoe UI" panose="020B0502040204020203" pitchFamily="34" charset="0"/>
-                <a:ea typeface="Times New Roman" panose="02020603050405020304" pitchFamily="18" charset="0"/>
-              </a:rPr>
-              <a:t>that if something acts intelligently, it can be considered intelligent </a:t>
-            </a:r>
-            <a:r>
-              <a:rPr lang="en-US" sz="1800" dirty="0">
-                <a:effectLst/>
-                <a:latin typeface="Segoe UI" panose="020B0502040204020203" pitchFamily="34" charset="0"/>
-                <a:ea typeface="Times New Roman" panose="02020603050405020304" pitchFamily="18" charset="0"/>
-              </a:rPr>
-              <a:t>without considering underlying structures or processes.</a:t>
-            </a:r>
-            <a:endParaRPr lang="en-US" sz="1800" dirty="0">
-              <a:effectLst/>
-              <a:latin typeface="Times New Roman" panose="02020603050405020304" pitchFamily="18" charset="0"/>
-              <a:ea typeface="Times New Roman" panose="02020603050405020304" pitchFamily="18" charset="0"/>
-            </a:endParaRPr>
-          </a:p>
-          <a:p>
-            <a:pPr marL="0" marR="0">
-              <a:spcBef>
-                <a:spcPts val="0"/>
-              </a:spcBef>
-              <a:spcAft>
-                <a:spcPts val="1500"/>
-              </a:spcAft>
-            </a:pPr>
-            <a:endParaRPr lang="en-US" sz="1800" dirty="0">
-              <a:effectLst/>
-              <a:latin typeface="Times New Roman" panose="02020603050405020304" pitchFamily="18" charset="0"/>
-              <a:ea typeface="Times New Roman" panose="02020603050405020304" pitchFamily="18" charset="0"/>
-            </a:endParaRPr>
-          </a:p>
-          <a:p>
-            <a:endParaRPr lang="en-US" dirty="0"/>
-          </a:p>
-        </p:txBody>
-      </p:sp>
-    </p:spTree>
-    <p:extLst>
-      <p:ext uri="{BB962C8B-B14F-4D97-AF65-F5344CB8AC3E}">
-        <p14:creationId xmlns:p14="http://schemas.microsoft.com/office/powerpoint/2010/main" val="4231206834"/>
-      </p:ext>
-    </p:extLst>
-  </p:cSld>
-  <p:clrMapOvr>
-    <a:masterClrMapping/>
-  </p:clrMapOvr>
-</p:sld>
-</file>
-
 <file path=ppt/slides/slide3.xml><?xml version="1.0" encoding="utf-8"?>
 <p:sld xmlns:a="http://schemas.openxmlformats.org/drawingml/2006/main" xmlns:r="http://schemas.openxmlformats.org/officeDocument/2006/relationships" xmlns:p="http://schemas.openxmlformats.org/presentationml/2006/main">
   <p:cSld>
@@ -13323,5213 +8950,6 @@
     <p:extLst>
       <p:ext uri="{BB962C8B-B14F-4D97-AF65-F5344CB8AC3E}">
         <p14:creationId xmlns:p14="http://schemas.microsoft.com/office/powerpoint/2010/main" val="2675832923"/>
-      </p:ext>
-    </p:extLst>
-  </p:cSld>
-  <p:clrMapOvr>
-    <a:masterClrMapping/>
-  </p:clrMapOvr>
-</p:sld>
-</file>
-
-<file path=ppt/slides/slide30.xml><?xml version="1.0" encoding="utf-8"?>
-<p:sld xmlns:a="http://schemas.openxmlformats.org/drawingml/2006/main" xmlns:r="http://schemas.openxmlformats.org/officeDocument/2006/relationships" xmlns:p="http://schemas.openxmlformats.org/presentationml/2006/main">
-  <p:cSld>
-    <p:spTree>
-      <p:nvGrpSpPr>
-        <p:cNvPr id="1" name=""/>
-        <p:cNvGrpSpPr/>
-        <p:nvPr/>
-      </p:nvGrpSpPr>
-      <p:grpSpPr>
-        <a:xfrm>
-          <a:off x="0" y="0"/>
-          <a:ext cx="0" cy="0"/>
-          <a:chOff x="0" y="0"/>
-          <a:chExt cx="0" cy="0"/>
-        </a:xfrm>
-      </p:grpSpPr>
-      <p:sp>
-        <p:nvSpPr>
-          <p:cNvPr id="2" name="Title 1">
-            <a:extLst>
-              <a:ext uri="{FF2B5EF4-FFF2-40B4-BE49-F238E27FC236}">
-                <a16:creationId xmlns:a16="http://schemas.microsoft.com/office/drawing/2014/main" id="{5512C003-AB3B-B9F2-3138-974BFC4662F6}"/>
-              </a:ext>
-            </a:extLst>
-          </p:cNvPr>
-          <p:cNvSpPr>
-            <a:spLocks noGrp="1"/>
-          </p:cNvSpPr>
-          <p:nvPr>
-            <p:ph type="title"/>
-          </p:nvPr>
-        </p:nvSpPr>
-        <p:spPr/>
-        <p:txBody>
-          <a:bodyPr/>
-          <a:lstStyle/>
-          <a:p>
-            <a:r>
-              <a:rPr lang="en-US" dirty="0"/>
-              <a:t>Impacts and Critiques</a:t>
-            </a:r>
-          </a:p>
-        </p:txBody>
-      </p:sp>
-      <p:sp>
-        <p:nvSpPr>
-          <p:cNvPr id="3" name="Content Placeholder 2">
-            <a:extLst>
-              <a:ext uri="{FF2B5EF4-FFF2-40B4-BE49-F238E27FC236}">
-                <a16:creationId xmlns:a16="http://schemas.microsoft.com/office/drawing/2014/main" id="{F98BE308-4180-0F48-E782-ED47E0DE4B4C}"/>
-              </a:ext>
-            </a:extLst>
-          </p:cNvPr>
-          <p:cNvSpPr>
-            <a:spLocks noGrp="1"/>
-          </p:cNvSpPr>
-          <p:nvPr>
-            <p:ph idx="1"/>
-          </p:nvPr>
-        </p:nvSpPr>
-        <p:spPr/>
-        <p:txBody>
-          <a:bodyPr/>
-          <a:lstStyle/>
-          <a:p>
-            <a:pPr marL="0" marR="0" indent="0">
-              <a:spcBef>
-                <a:spcPts val="200"/>
-              </a:spcBef>
-              <a:spcAft>
-                <a:spcPts val="0"/>
-              </a:spcAft>
-              <a:buNone/>
-            </a:pPr>
-            <a:r>
-              <a:rPr lang="en-US" sz="1800" b="0" i="1" dirty="0">
-                <a:solidFill>
-                  <a:srgbClr val="2F5496"/>
-                </a:solidFill>
-                <a:effectLst/>
-                <a:latin typeface="Segoe UI" panose="020B0502040204020203" pitchFamily="34" charset="0"/>
-                <a:ea typeface="Times New Roman" panose="02020603050405020304" pitchFamily="18" charset="0"/>
-                <a:cs typeface="Times New Roman" panose="02020603050405020304" pitchFamily="18" charset="0"/>
-              </a:rPr>
-              <a:t>Impacts on Early AI Development</a:t>
-            </a:r>
-          </a:p>
-          <a:p>
-            <a:pPr marL="0" marR="0" indent="0">
-              <a:spcBef>
-                <a:spcPts val="200"/>
-              </a:spcBef>
-              <a:spcAft>
-                <a:spcPts val="0"/>
-              </a:spcAft>
-              <a:buNone/>
-            </a:pPr>
-            <a:endParaRPr lang="en-US" sz="1800" b="1" i="1" dirty="0">
-              <a:solidFill>
-                <a:srgbClr val="2F5496"/>
-              </a:solidFill>
-              <a:effectLst/>
-              <a:latin typeface="Calibri Light" panose="020F0302020204030204" pitchFamily="34" charset="0"/>
-              <a:ea typeface="Times New Roman" panose="02020603050405020304" pitchFamily="18" charset="0"/>
-              <a:cs typeface="Times New Roman" panose="02020603050405020304" pitchFamily="18" charset="0"/>
-            </a:endParaRPr>
-          </a:p>
-          <a:p>
-            <a:pPr marL="342900" marR="0" lvl="0" indent="-342900">
-              <a:spcBef>
-                <a:spcPts val="0"/>
-              </a:spcBef>
-              <a:spcAft>
-                <a:spcPts val="0"/>
-              </a:spcAft>
-              <a:buSzPts val="1000"/>
-              <a:buFont typeface="Symbol" pitchFamily="2" charset="2"/>
-              <a:buChar char=""/>
-              <a:tabLst>
-                <a:tab pos="457200" algn="l"/>
-              </a:tabLst>
-            </a:pPr>
-            <a:r>
-              <a:rPr lang="en-US" sz="1800" b="1" dirty="0">
-                <a:effectLst/>
-                <a:latin typeface="Segoe UI" panose="020B0502040204020203" pitchFamily="34" charset="0"/>
-                <a:ea typeface="Times New Roman" panose="02020603050405020304" pitchFamily="18" charset="0"/>
-              </a:rPr>
-              <a:t>Machine Learning:</a:t>
-            </a:r>
-            <a:r>
-              <a:rPr lang="en-US" sz="1800" dirty="0">
-                <a:effectLst/>
-                <a:latin typeface="Segoe UI" panose="020B0502040204020203" pitchFamily="34" charset="0"/>
-                <a:ea typeface="Times New Roman" panose="02020603050405020304" pitchFamily="18" charset="0"/>
-              </a:rPr>
-              <a:t> Turing's speculations about learning machines encouraged developments in machine learning, directing researchers towards </a:t>
-            </a:r>
-            <a:r>
-              <a:rPr lang="en-US" sz="1800" dirty="0">
-                <a:solidFill>
-                  <a:srgbClr val="FF0000"/>
-                </a:solidFill>
-                <a:effectLst/>
-                <a:latin typeface="Segoe UI" panose="020B0502040204020203" pitchFamily="34" charset="0"/>
-                <a:ea typeface="Times New Roman" panose="02020603050405020304" pitchFamily="18" charset="0"/>
-              </a:rPr>
-              <a:t>creating algorithms capable of adapting and improving from experience.</a:t>
-            </a:r>
-          </a:p>
-          <a:p>
-            <a:pPr marL="0" marR="0" lvl="0" indent="0">
-              <a:spcBef>
-                <a:spcPts val="0"/>
-              </a:spcBef>
-              <a:spcAft>
-                <a:spcPts val="0"/>
-              </a:spcAft>
-              <a:buSzPts val="1000"/>
-              <a:buNone/>
-              <a:tabLst>
-                <a:tab pos="457200" algn="l"/>
-              </a:tabLst>
-            </a:pPr>
-            <a:endParaRPr lang="en-US" sz="1800" dirty="0">
-              <a:solidFill>
-                <a:srgbClr val="FF0000"/>
-              </a:solidFill>
-              <a:effectLst/>
-              <a:latin typeface="Times New Roman" panose="02020603050405020304" pitchFamily="18" charset="0"/>
-              <a:ea typeface="Times New Roman" panose="02020603050405020304" pitchFamily="18" charset="0"/>
-            </a:endParaRPr>
-          </a:p>
-          <a:p>
-            <a:pPr marL="342900" marR="0" lvl="0" indent="-342900">
-              <a:spcBef>
-                <a:spcPts val="0"/>
-              </a:spcBef>
-              <a:spcAft>
-                <a:spcPts val="0"/>
-              </a:spcAft>
-              <a:buSzPts val="1000"/>
-              <a:buFont typeface="Symbol" pitchFamily="2" charset="2"/>
-              <a:buChar char=""/>
-              <a:tabLst>
-                <a:tab pos="457200" algn="l"/>
-              </a:tabLst>
-            </a:pPr>
-            <a:r>
-              <a:rPr lang="en-US" sz="1800" b="1" dirty="0">
-                <a:effectLst/>
-                <a:latin typeface="Segoe UI" panose="020B0502040204020203" pitchFamily="34" charset="0"/>
-                <a:ea typeface="Times New Roman" panose="02020603050405020304" pitchFamily="18" charset="0"/>
-              </a:rPr>
-              <a:t>Natural Language Processing (NLP):</a:t>
-            </a:r>
-            <a:r>
-              <a:rPr lang="en-US" sz="1800" dirty="0">
-                <a:effectLst/>
-                <a:latin typeface="Segoe UI" panose="020B0502040204020203" pitchFamily="34" charset="0"/>
-                <a:ea typeface="Times New Roman" panose="02020603050405020304" pitchFamily="18" charset="0"/>
-              </a:rPr>
-              <a:t> The test </a:t>
-            </a:r>
-            <a:r>
-              <a:rPr lang="en-US" sz="1800" dirty="0">
-                <a:solidFill>
-                  <a:srgbClr val="FF0000"/>
-                </a:solidFill>
-                <a:effectLst/>
-                <a:latin typeface="Segoe UI" panose="020B0502040204020203" pitchFamily="34" charset="0"/>
-                <a:ea typeface="Times New Roman" panose="02020603050405020304" pitchFamily="18" charset="0"/>
-              </a:rPr>
-              <a:t>emphasized the importance of language understanding</a:t>
-            </a:r>
-            <a:r>
-              <a:rPr lang="en-US" sz="1800" dirty="0">
-                <a:effectLst/>
-                <a:latin typeface="Segoe UI" panose="020B0502040204020203" pitchFamily="34" charset="0"/>
-                <a:ea typeface="Times New Roman" panose="02020603050405020304" pitchFamily="18" charset="0"/>
-              </a:rPr>
-              <a:t>, stimulating research in NLP to enable machines to comprehend and generate human language effectively.</a:t>
-            </a:r>
-          </a:p>
-          <a:p>
-            <a:pPr marL="0" marR="0" lvl="0" indent="0">
-              <a:spcBef>
-                <a:spcPts val="0"/>
-              </a:spcBef>
-              <a:spcAft>
-                <a:spcPts val="0"/>
-              </a:spcAft>
-              <a:buSzPts val="1000"/>
-              <a:buNone/>
-              <a:tabLst>
-                <a:tab pos="457200" algn="l"/>
-              </a:tabLst>
-            </a:pPr>
-            <a:endParaRPr lang="en-US" sz="1800" dirty="0">
-              <a:effectLst/>
-              <a:latin typeface="Times New Roman" panose="02020603050405020304" pitchFamily="18" charset="0"/>
-              <a:ea typeface="Times New Roman" panose="02020603050405020304" pitchFamily="18" charset="0"/>
-            </a:endParaRPr>
-          </a:p>
-          <a:p>
-            <a:pPr marL="342900" marR="0" lvl="0" indent="-342900">
-              <a:spcBef>
-                <a:spcPts val="0"/>
-              </a:spcBef>
-              <a:spcAft>
-                <a:spcPts val="0"/>
-              </a:spcAft>
-              <a:buSzPts val="1000"/>
-              <a:buFont typeface="Symbol" pitchFamily="2" charset="2"/>
-              <a:buChar char=""/>
-              <a:tabLst>
-                <a:tab pos="457200" algn="l"/>
-              </a:tabLst>
-            </a:pPr>
-            <a:r>
-              <a:rPr lang="en-US" sz="1800" b="1" dirty="0">
-                <a:effectLst/>
-                <a:latin typeface="Segoe UI" panose="020B0502040204020203" pitchFamily="34" charset="0"/>
-                <a:ea typeface="Times New Roman" panose="02020603050405020304" pitchFamily="18" charset="0"/>
-              </a:rPr>
-              <a:t>Cognitive Computing:</a:t>
-            </a:r>
-            <a:r>
-              <a:rPr lang="en-US" sz="1800" dirty="0">
-                <a:effectLst/>
-                <a:latin typeface="Segoe UI" panose="020B0502040204020203" pitchFamily="34" charset="0"/>
-                <a:ea typeface="Times New Roman" panose="02020603050405020304" pitchFamily="18" charset="0"/>
-              </a:rPr>
-              <a:t> Turing's reflections on thinking machines fueled explorations into cognitive computing, intending to </a:t>
-            </a:r>
-            <a:r>
-              <a:rPr lang="en-US" sz="1800" dirty="0">
-                <a:solidFill>
-                  <a:srgbClr val="FF0000"/>
-                </a:solidFill>
-                <a:effectLst/>
-                <a:latin typeface="Segoe UI" panose="020B0502040204020203" pitchFamily="34" charset="0"/>
-                <a:ea typeface="Times New Roman" panose="02020603050405020304" pitchFamily="18" charset="0"/>
-              </a:rPr>
-              <a:t>emulate human cognitive processes within computational models</a:t>
-            </a:r>
-            <a:r>
-              <a:rPr lang="en-US" sz="1800" dirty="0">
-                <a:effectLst/>
-                <a:latin typeface="Segoe UI" panose="020B0502040204020203" pitchFamily="34" charset="0"/>
-                <a:ea typeface="Times New Roman" panose="02020603050405020304" pitchFamily="18" charset="0"/>
-              </a:rPr>
-              <a:t>.</a:t>
-            </a:r>
-            <a:endParaRPr lang="en-US" sz="1800" dirty="0">
-              <a:effectLst/>
-              <a:latin typeface="Times New Roman" panose="02020603050405020304" pitchFamily="18" charset="0"/>
-              <a:ea typeface="Times New Roman" panose="02020603050405020304" pitchFamily="18" charset="0"/>
-            </a:endParaRPr>
-          </a:p>
-          <a:p>
-            <a:endParaRPr lang="en-US" dirty="0"/>
-          </a:p>
-        </p:txBody>
-      </p:sp>
-    </p:spTree>
-    <p:extLst>
-      <p:ext uri="{BB962C8B-B14F-4D97-AF65-F5344CB8AC3E}">
-        <p14:creationId xmlns:p14="http://schemas.microsoft.com/office/powerpoint/2010/main" val="2439346042"/>
-      </p:ext>
-    </p:extLst>
-  </p:cSld>
-  <p:clrMapOvr>
-    <a:masterClrMapping/>
-  </p:clrMapOvr>
-</p:sld>
-</file>
-
-<file path=ppt/slides/slide31.xml><?xml version="1.0" encoding="utf-8"?>
-<p:sld xmlns:a="http://schemas.openxmlformats.org/drawingml/2006/main" xmlns:r="http://schemas.openxmlformats.org/officeDocument/2006/relationships" xmlns:p="http://schemas.openxmlformats.org/presentationml/2006/main">
-  <p:cSld>
-    <p:spTree>
-      <p:nvGrpSpPr>
-        <p:cNvPr id="1" name=""/>
-        <p:cNvGrpSpPr/>
-        <p:nvPr/>
-      </p:nvGrpSpPr>
-      <p:grpSpPr>
-        <a:xfrm>
-          <a:off x="0" y="0"/>
-          <a:ext cx="0" cy="0"/>
-          <a:chOff x="0" y="0"/>
-          <a:chExt cx="0" cy="0"/>
-        </a:xfrm>
-      </p:grpSpPr>
-      <p:sp>
-        <p:nvSpPr>
-          <p:cNvPr id="2" name="Title 1">
-            <a:extLst>
-              <a:ext uri="{FF2B5EF4-FFF2-40B4-BE49-F238E27FC236}">
-                <a16:creationId xmlns:a16="http://schemas.microsoft.com/office/drawing/2014/main" id="{5512C003-AB3B-B9F2-3138-974BFC4662F6}"/>
-              </a:ext>
-            </a:extLst>
-          </p:cNvPr>
-          <p:cNvSpPr>
-            <a:spLocks noGrp="1"/>
-          </p:cNvSpPr>
-          <p:nvPr>
-            <p:ph type="title"/>
-          </p:nvPr>
-        </p:nvSpPr>
-        <p:spPr/>
-        <p:txBody>
-          <a:bodyPr/>
-          <a:lstStyle/>
-          <a:p>
-            <a:r>
-              <a:rPr lang="en-US" dirty="0"/>
-              <a:t>Impacts and Critiques</a:t>
-            </a:r>
-          </a:p>
-        </p:txBody>
-      </p:sp>
-      <p:sp>
-        <p:nvSpPr>
-          <p:cNvPr id="3" name="Content Placeholder 2">
-            <a:extLst>
-              <a:ext uri="{FF2B5EF4-FFF2-40B4-BE49-F238E27FC236}">
-                <a16:creationId xmlns:a16="http://schemas.microsoft.com/office/drawing/2014/main" id="{F98BE308-4180-0F48-E782-ED47E0DE4B4C}"/>
-              </a:ext>
-            </a:extLst>
-          </p:cNvPr>
-          <p:cNvSpPr>
-            <a:spLocks noGrp="1"/>
-          </p:cNvSpPr>
-          <p:nvPr>
-            <p:ph idx="1"/>
-          </p:nvPr>
-        </p:nvSpPr>
-        <p:spPr/>
-        <p:txBody>
-          <a:bodyPr/>
-          <a:lstStyle/>
-          <a:p>
-            <a:pPr marL="0" marR="0" indent="0">
-              <a:spcBef>
-                <a:spcPts val="200"/>
-              </a:spcBef>
-              <a:spcAft>
-                <a:spcPts val="0"/>
-              </a:spcAft>
-              <a:buNone/>
-            </a:pPr>
-            <a:r>
-              <a:rPr lang="en-US" sz="1800" b="0" i="1" dirty="0">
-                <a:solidFill>
-                  <a:srgbClr val="2F5496"/>
-                </a:solidFill>
-                <a:effectLst/>
-                <a:latin typeface="Segoe UI" panose="020B0502040204020203" pitchFamily="34" charset="0"/>
-                <a:ea typeface="Times New Roman" panose="02020603050405020304" pitchFamily="18" charset="0"/>
-                <a:cs typeface="Times New Roman" panose="02020603050405020304" pitchFamily="18" charset="0"/>
-              </a:rPr>
-              <a:t>Critiques and Limitations</a:t>
-            </a:r>
-          </a:p>
-          <a:p>
-            <a:pPr marL="0" marR="0" indent="0">
-              <a:spcBef>
-                <a:spcPts val="200"/>
-              </a:spcBef>
-              <a:spcAft>
-                <a:spcPts val="0"/>
-              </a:spcAft>
-              <a:buNone/>
-            </a:pPr>
-            <a:endParaRPr lang="en-US" sz="1800" b="1" i="1" dirty="0">
-              <a:solidFill>
-                <a:srgbClr val="2F5496"/>
-              </a:solidFill>
-              <a:effectLst/>
-              <a:latin typeface="Calibri Light" panose="020F0302020204030204" pitchFamily="34" charset="0"/>
-              <a:ea typeface="Times New Roman" panose="02020603050405020304" pitchFamily="18" charset="0"/>
-              <a:cs typeface="Times New Roman" panose="02020603050405020304" pitchFamily="18" charset="0"/>
-            </a:endParaRPr>
-          </a:p>
-          <a:p>
-            <a:pPr marL="0" marR="0">
-              <a:spcBef>
-                <a:spcPts val="0"/>
-              </a:spcBef>
-              <a:spcAft>
-                <a:spcPts val="1500"/>
-              </a:spcAft>
-            </a:pPr>
-            <a:r>
-              <a:rPr lang="en-US" sz="1800" dirty="0">
-                <a:effectLst/>
-                <a:latin typeface="Segoe UI" panose="020B0502040204020203" pitchFamily="34" charset="0"/>
-                <a:ea typeface="Times New Roman" panose="02020603050405020304" pitchFamily="18" charset="0"/>
-              </a:rPr>
-              <a:t>While the Turing Test has been immensely influential, it has also been critiqued:</a:t>
-            </a:r>
-            <a:endParaRPr lang="en-US" sz="1800" dirty="0">
-              <a:effectLst/>
-              <a:latin typeface="Times New Roman" panose="02020603050405020304" pitchFamily="18" charset="0"/>
-              <a:ea typeface="Times New Roman" panose="02020603050405020304" pitchFamily="18" charset="0"/>
-            </a:endParaRPr>
-          </a:p>
-          <a:p>
-            <a:pPr marL="342900" marR="0" lvl="0" indent="-342900">
-              <a:spcBef>
-                <a:spcPts val="0"/>
-              </a:spcBef>
-              <a:spcAft>
-                <a:spcPts val="0"/>
-              </a:spcAft>
-              <a:buSzPts val="1000"/>
-              <a:buFont typeface="Symbol" pitchFamily="2" charset="2"/>
-              <a:buChar char=""/>
-              <a:tabLst>
-                <a:tab pos="457200" algn="l"/>
-              </a:tabLst>
-            </a:pPr>
-            <a:r>
-              <a:rPr lang="en-US" sz="1800" b="1" dirty="0">
-                <a:effectLst/>
-                <a:latin typeface="Segoe UI" panose="020B0502040204020203" pitchFamily="34" charset="0"/>
-                <a:ea typeface="Times New Roman" panose="02020603050405020304" pitchFamily="18" charset="0"/>
-              </a:rPr>
-              <a:t>Depth of Understanding:</a:t>
-            </a:r>
-            <a:r>
-              <a:rPr lang="en-US" sz="1800" dirty="0">
-                <a:effectLst/>
-                <a:latin typeface="Segoe UI" panose="020B0502040204020203" pitchFamily="34" charset="0"/>
-                <a:ea typeface="Times New Roman" panose="02020603050405020304" pitchFamily="18" charset="0"/>
-              </a:rPr>
-              <a:t> Critics argue that merely mimicking human-like responses doesn’t equate to understanding or consciousness. </a:t>
-            </a:r>
-            <a:r>
-              <a:rPr lang="en-US" sz="1800" dirty="0">
-                <a:solidFill>
-                  <a:srgbClr val="FF0000"/>
-                </a:solidFill>
-                <a:effectLst/>
-                <a:latin typeface="Segoe UI" panose="020B0502040204020203" pitchFamily="34" charset="0"/>
-                <a:ea typeface="Times New Roman" panose="02020603050405020304" pitchFamily="18" charset="0"/>
-              </a:rPr>
-              <a:t>Searle’s Chinese Room Argument </a:t>
-            </a:r>
-            <a:r>
-              <a:rPr lang="en-US" sz="1800" dirty="0">
-                <a:effectLst/>
-                <a:latin typeface="Segoe UI" panose="020B0502040204020203" pitchFamily="34" charset="0"/>
-                <a:ea typeface="Times New Roman" panose="02020603050405020304" pitchFamily="18" charset="0"/>
-              </a:rPr>
-              <a:t>is a notable critique, suggesting that syntactic manipulation (as in computer programs) doesn’t necessarily imply semantic understanding.</a:t>
-            </a:r>
-          </a:p>
-          <a:p>
-            <a:pPr marL="0" marR="0" lvl="0" indent="0">
-              <a:spcBef>
-                <a:spcPts val="0"/>
-              </a:spcBef>
-              <a:spcAft>
-                <a:spcPts val="0"/>
-              </a:spcAft>
-              <a:buSzPts val="1000"/>
-              <a:buNone/>
-              <a:tabLst>
-                <a:tab pos="457200" algn="l"/>
-              </a:tabLst>
-            </a:pPr>
-            <a:endParaRPr lang="en-US" sz="1800" dirty="0">
-              <a:effectLst/>
-              <a:latin typeface="Times New Roman" panose="02020603050405020304" pitchFamily="18" charset="0"/>
-              <a:ea typeface="Times New Roman" panose="02020603050405020304" pitchFamily="18" charset="0"/>
-            </a:endParaRPr>
-          </a:p>
-          <a:p>
-            <a:pPr marL="342900" marR="0" lvl="0" indent="-342900">
-              <a:spcBef>
-                <a:spcPts val="0"/>
-              </a:spcBef>
-              <a:spcAft>
-                <a:spcPts val="0"/>
-              </a:spcAft>
-              <a:buSzPts val="1000"/>
-              <a:buFont typeface="Symbol" pitchFamily="2" charset="2"/>
-              <a:buChar char=""/>
-              <a:tabLst>
-                <a:tab pos="457200" algn="l"/>
-              </a:tabLst>
-            </a:pPr>
-            <a:r>
-              <a:rPr lang="en-US" sz="1800" b="1" dirty="0">
-                <a:effectLst/>
-                <a:latin typeface="Segoe UI" panose="020B0502040204020203" pitchFamily="34" charset="0"/>
-                <a:ea typeface="Times New Roman" panose="02020603050405020304" pitchFamily="18" charset="0"/>
-              </a:rPr>
-              <a:t>Ethical Implications:</a:t>
-            </a:r>
-            <a:r>
-              <a:rPr lang="en-US" sz="1800" dirty="0">
-                <a:effectLst/>
-                <a:latin typeface="Segoe UI" panose="020B0502040204020203" pitchFamily="34" charset="0"/>
-                <a:ea typeface="Times New Roman" panose="02020603050405020304" pitchFamily="18" charset="0"/>
-              </a:rPr>
-              <a:t> Some critique it from an ethical standpoint, suggesting that a machine mimicking human communication could be </a:t>
-            </a:r>
-            <a:r>
-              <a:rPr lang="en-US" sz="1800" dirty="0">
-                <a:solidFill>
-                  <a:srgbClr val="FF0000"/>
-                </a:solidFill>
-                <a:effectLst/>
-                <a:latin typeface="Segoe UI" panose="020B0502040204020203" pitchFamily="34" charset="0"/>
-                <a:ea typeface="Times New Roman" panose="02020603050405020304" pitchFamily="18" charset="0"/>
-              </a:rPr>
-              <a:t>deceptive and mislead regarding its capabilities and understanding.</a:t>
-            </a:r>
-            <a:endParaRPr lang="en-US" sz="1800" dirty="0">
-              <a:solidFill>
-                <a:srgbClr val="FF0000"/>
-              </a:solidFill>
-              <a:effectLst/>
-              <a:latin typeface="Times New Roman" panose="02020603050405020304" pitchFamily="18" charset="0"/>
-              <a:ea typeface="Times New Roman" panose="02020603050405020304" pitchFamily="18" charset="0"/>
-            </a:endParaRPr>
-          </a:p>
-          <a:p>
-            <a:endParaRPr lang="en-US" dirty="0"/>
-          </a:p>
-        </p:txBody>
-      </p:sp>
-    </p:spTree>
-    <p:extLst>
-      <p:ext uri="{BB962C8B-B14F-4D97-AF65-F5344CB8AC3E}">
-        <p14:creationId xmlns:p14="http://schemas.microsoft.com/office/powerpoint/2010/main" val="1226909467"/>
-      </p:ext>
-    </p:extLst>
-  </p:cSld>
-  <p:clrMapOvr>
-    <a:masterClrMapping/>
-  </p:clrMapOvr>
-</p:sld>
-</file>
-
-<file path=ppt/slides/slide32.xml><?xml version="1.0" encoding="utf-8"?>
-<p:sld xmlns:a="http://schemas.openxmlformats.org/drawingml/2006/main" xmlns:r="http://schemas.openxmlformats.org/officeDocument/2006/relationships" xmlns:p="http://schemas.openxmlformats.org/presentationml/2006/main">
-  <p:cSld>
-    <p:spTree>
-      <p:nvGrpSpPr>
-        <p:cNvPr id="1" name=""/>
-        <p:cNvGrpSpPr/>
-        <p:nvPr/>
-      </p:nvGrpSpPr>
-      <p:grpSpPr>
-        <a:xfrm>
-          <a:off x="0" y="0"/>
-          <a:ext cx="0" cy="0"/>
-          <a:chOff x="0" y="0"/>
-          <a:chExt cx="0" cy="0"/>
-        </a:xfrm>
-      </p:grpSpPr>
-      <p:sp>
-        <p:nvSpPr>
-          <p:cNvPr id="2" name="Title 1">
-            <a:extLst>
-              <a:ext uri="{FF2B5EF4-FFF2-40B4-BE49-F238E27FC236}">
-                <a16:creationId xmlns:a16="http://schemas.microsoft.com/office/drawing/2014/main" id="{C899072C-394E-3B62-EF4E-050353ED6FF6}"/>
-              </a:ext>
-            </a:extLst>
-          </p:cNvPr>
-          <p:cNvSpPr>
-            <a:spLocks noGrp="1"/>
-          </p:cNvSpPr>
-          <p:nvPr>
-            <p:ph type="title"/>
-          </p:nvPr>
-        </p:nvSpPr>
-        <p:spPr/>
-        <p:txBody>
-          <a:bodyPr/>
-          <a:lstStyle/>
-          <a:p>
-            <a:r>
-              <a:rPr lang="en-US" dirty="0"/>
-              <a:t>Searle’s Chinese Room Argument</a:t>
-            </a:r>
-          </a:p>
-        </p:txBody>
-      </p:sp>
-      <p:sp>
-        <p:nvSpPr>
-          <p:cNvPr id="3" name="Content Placeholder 2">
-            <a:extLst>
-              <a:ext uri="{FF2B5EF4-FFF2-40B4-BE49-F238E27FC236}">
-                <a16:creationId xmlns:a16="http://schemas.microsoft.com/office/drawing/2014/main" id="{E44E0D43-9C52-967C-55E8-50B66AF2B1CA}"/>
-              </a:ext>
-            </a:extLst>
-          </p:cNvPr>
-          <p:cNvSpPr>
-            <a:spLocks noGrp="1"/>
-          </p:cNvSpPr>
-          <p:nvPr>
-            <p:ph idx="1"/>
-          </p:nvPr>
-        </p:nvSpPr>
-        <p:spPr/>
-        <p:txBody>
-          <a:bodyPr>
-            <a:normAutofit lnSpcReduction="10000"/>
-          </a:bodyPr>
-          <a:lstStyle/>
-          <a:p>
-            <a:r>
-              <a:rPr lang="en-US" dirty="0"/>
-              <a:t>Imagine that AI research has advanced to a point where there is a computer that can take Chinese characters as input, and produce other Chinese characters as output (in response to the input), with such high reliability that it easily passes the Turing Test.  It convinces a human Chinese speaker that it is, in fact, a human Chinese speaker.</a:t>
-            </a:r>
-          </a:p>
-          <a:p>
-            <a:r>
-              <a:rPr lang="en-US" dirty="0"/>
-              <a:t>Does the machine </a:t>
-            </a:r>
-            <a:r>
-              <a:rPr lang="en-US" dirty="0">
-                <a:solidFill>
-                  <a:srgbClr val="FF0000"/>
-                </a:solidFill>
-              </a:rPr>
-              <a:t>literally “understand” </a:t>
-            </a:r>
-            <a:r>
-              <a:rPr lang="en-US" dirty="0"/>
-              <a:t>Chinese (i.e. strong AI)?  Or, is it merely </a:t>
-            </a:r>
-            <a:r>
-              <a:rPr lang="en-US" dirty="0">
-                <a:solidFill>
-                  <a:srgbClr val="FF0000"/>
-                </a:solidFill>
-              </a:rPr>
-              <a:t>simulating the ability to understand </a:t>
-            </a:r>
-            <a:r>
-              <a:rPr lang="en-US" dirty="0"/>
-              <a:t>Chinese (i.e. weak AI)?  The answer depends upon your philosophical point of view, and thus is unanswerable at this point.</a:t>
-            </a:r>
-          </a:p>
-          <a:p>
-            <a:r>
-              <a:rPr lang="en-US" dirty="0"/>
-              <a:t>Now, imagine that you are an English-speaking HUMAN that has been provided with an English book that explains the entire implementation of the computer program used above, along with as many pencils, erasers, paper, and filing cabinets that you need.  The English book does NOT contain information on the rules/syntax/semantics of the Chinese language – just the rules of the computer program.</a:t>
-            </a:r>
-          </a:p>
-          <a:p>
-            <a:r>
-              <a:rPr lang="en-US" dirty="0"/>
-              <a:t>Searle asserts that </a:t>
-            </a:r>
-            <a:r>
-              <a:rPr lang="en-US" dirty="0">
-                <a:solidFill>
-                  <a:srgbClr val="FF0000"/>
-                </a:solidFill>
-              </a:rPr>
-              <a:t>you will pass the Turing Test as well, simply by following the rules of the book, without understanding Chinese.</a:t>
-            </a:r>
-            <a:r>
-              <a:rPr lang="en-US" dirty="0"/>
-              <a:t>  YOU would not understand the conversation but would still pass the Turing Test!</a:t>
-            </a:r>
-          </a:p>
-        </p:txBody>
-      </p:sp>
-    </p:spTree>
-    <p:extLst>
-      <p:ext uri="{BB962C8B-B14F-4D97-AF65-F5344CB8AC3E}">
-        <p14:creationId xmlns:p14="http://schemas.microsoft.com/office/powerpoint/2010/main" val="968227304"/>
-      </p:ext>
-    </p:extLst>
-  </p:cSld>
-  <p:clrMapOvr>
-    <a:masterClrMapping/>
-  </p:clrMapOvr>
-</p:sld>
-</file>
-
-<file path=ppt/slides/slide33.xml><?xml version="1.0" encoding="utf-8"?>
-<p:sld xmlns:a="http://schemas.openxmlformats.org/drawingml/2006/main" xmlns:r="http://schemas.openxmlformats.org/officeDocument/2006/relationships" xmlns:p="http://schemas.openxmlformats.org/presentationml/2006/main">
-  <p:cSld>
-    <p:spTree>
-      <p:nvGrpSpPr>
-        <p:cNvPr id="1" name=""/>
-        <p:cNvGrpSpPr/>
-        <p:nvPr/>
-      </p:nvGrpSpPr>
-      <p:grpSpPr>
-        <a:xfrm>
-          <a:off x="0" y="0"/>
-          <a:ext cx="0" cy="0"/>
-          <a:chOff x="0" y="0"/>
-          <a:chExt cx="0" cy="0"/>
-        </a:xfrm>
-      </p:grpSpPr>
-      <p:sp>
-        <p:nvSpPr>
-          <p:cNvPr id="2" name="Title 1">
-            <a:extLst>
-              <a:ext uri="{FF2B5EF4-FFF2-40B4-BE49-F238E27FC236}">
-                <a16:creationId xmlns:a16="http://schemas.microsoft.com/office/drawing/2014/main" id="{A0D2EF15-F3F9-DD36-AB3F-7440220EA28C}"/>
-              </a:ext>
-            </a:extLst>
-          </p:cNvPr>
-          <p:cNvSpPr>
-            <a:spLocks noGrp="1"/>
-          </p:cNvSpPr>
-          <p:nvPr>
-            <p:ph type="title"/>
-          </p:nvPr>
-        </p:nvSpPr>
-        <p:spPr/>
-        <p:txBody>
-          <a:bodyPr/>
-          <a:lstStyle/>
-          <a:p>
-            <a:r>
-              <a:rPr lang="en-US" dirty="0"/>
-              <a:t>Turing Test Conclusions</a:t>
-            </a:r>
-          </a:p>
-        </p:txBody>
-      </p:sp>
-      <p:sp>
-        <p:nvSpPr>
-          <p:cNvPr id="3" name="Content Placeholder 2">
-            <a:extLst>
-              <a:ext uri="{FF2B5EF4-FFF2-40B4-BE49-F238E27FC236}">
-                <a16:creationId xmlns:a16="http://schemas.microsoft.com/office/drawing/2014/main" id="{57BEEB35-D544-23E5-1F84-FE7B53F778AF}"/>
-              </a:ext>
-            </a:extLst>
-          </p:cNvPr>
-          <p:cNvSpPr>
-            <a:spLocks noGrp="1"/>
-          </p:cNvSpPr>
-          <p:nvPr>
-            <p:ph idx="1"/>
-          </p:nvPr>
-        </p:nvSpPr>
-        <p:spPr/>
-        <p:txBody>
-          <a:bodyPr/>
-          <a:lstStyle/>
-          <a:p>
-            <a:r>
-              <a:rPr lang="en-US" sz="1800" dirty="0">
-                <a:effectLst/>
-                <a:latin typeface="Segoe UI" panose="020B0502040204020203" pitchFamily="34" charset="0"/>
-                <a:ea typeface="Times New Roman" panose="02020603050405020304" pitchFamily="18" charset="0"/>
-              </a:rPr>
-              <a:t>Alan Turing’s development of the Turing Test has reverberated through the decades, shaping foundational concepts and debates in artificial intelligence, </a:t>
-            </a:r>
-            <a:r>
-              <a:rPr lang="en-US" sz="1800" dirty="0">
-                <a:solidFill>
-                  <a:srgbClr val="FF0000"/>
-                </a:solidFill>
-                <a:effectLst/>
-                <a:latin typeface="Segoe UI" panose="020B0502040204020203" pitchFamily="34" charset="0"/>
-                <a:ea typeface="Times New Roman" panose="02020603050405020304" pitchFamily="18" charset="0"/>
-              </a:rPr>
-              <a:t>stimulating research into machine learning, language processing, and cognitive computing</a:t>
-            </a:r>
-            <a:r>
-              <a:rPr lang="en-US" sz="1800" dirty="0">
-                <a:effectLst/>
-                <a:latin typeface="Segoe UI" panose="020B0502040204020203" pitchFamily="34" charset="0"/>
-                <a:ea typeface="Times New Roman" panose="02020603050405020304" pitchFamily="18" charset="0"/>
-              </a:rPr>
-              <a:t>, and prompting continual reflections on the nature, possibilities, and ethical dimensions of machine intelligence. </a:t>
-            </a:r>
-          </a:p>
-          <a:p>
-            <a:r>
-              <a:rPr lang="en-US" sz="1800" dirty="0">
-                <a:effectLst/>
-                <a:latin typeface="Segoe UI" panose="020B0502040204020203" pitchFamily="34" charset="0"/>
-                <a:ea typeface="Times New Roman" panose="02020603050405020304" pitchFamily="18" charset="0"/>
-              </a:rPr>
-              <a:t>The test has served as a catalyst, provoking explorations into the capacities and limits of machines in </a:t>
-            </a:r>
-            <a:r>
-              <a:rPr lang="en-US" sz="1800" dirty="0">
-                <a:solidFill>
-                  <a:srgbClr val="FF0000"/>
-                </a:solidFill>
-                <a:effectLst/>
-                <a:latin typeface="Segoe UI" panose="020B0502040204020203" pitchFamily="34" charset="0"/>
-                <a:ea typeface="Times New Roman" panose="02020603050405020304" pitchFamily="18" charset="0"/>
-              </a:rPr>
-              <a:t>emulating human intelligence and interaction</a:t>
-            </a:r>
-            <a:r>
-              <a:rPr lang="en-US" sz="1800" dirty="0">
-                <a:effectLst/>
-                <a:latin typeface="Segoe UI" panose="020B0502040204020203" pitchFamily="34" charset="0"/>
-                <a:ea typeface="Times New Roman" panose="02020603050405020304" pitchFamily="18" charset="0"/>
-              </a:rPr>
-              <a:t>, framing an ongoing dialogue that intertwines technological, philosophical, and ethical considerations in the evolutionary journey of AI.</a:t>
-            </a:r>
-          </a:p>
-          <a:p>
-            <a:r>
-              <a:rPr lang="en-US" sz="1800" dirty="0">
-                <a:effectLst/>
-                <a:latin typeface="Segoe UI" panose="020B0502040204020203" pitchFamily="34" charset="0"/>
-                <a:ea typeface="Times New Roman" panose="02020603050405020304" pitchFamily="18" charset="0"/>
-              </a:rPr>
-              <a:t>Despite this, </a:t>
-            </a:r>
-            <a:r>
-              <a:rPr lang="en-US" sz="1800" dirty="0">
-                <a:solidFill>
-                  <a:srgbClr val="FF0000"/>
-                </a:solidFill>
-                <a:effectLst/>
-                <a:latin typeface="Segoe UI" panose="020B0502040204020203" pitchFamily="34" charset="0"/>
-                <a:ea typeface="Times New Roman" panose="02020603050405020304" pitchFamily="18" charset="0"/>
-              </a:rPr>
-              <a:t>the Turing Test may be inadequate </a:t>
-            </a:r>
-            <a:r>
-              <a:rPr lang="en-US" sz="1800" dirty="0">
-                <a:effectLst/>
-                <a:latin typeface="Segoe UI" panose="020B0502040204020203" pitchFamily="34" charset="0"/>
-                <a:ea typeface="Times New Roman" panose="02020603050405020304" pitchFamily="18" charset="0"/>
-              </a:rPr>
-              <a:t>to answer the deeper philosophical questions surrounding AI and consciousness.</a:t>
-            </a:r>
-            <a:endParaRPr lang="en-US" sz="1800" dirty="0">
-              <a:effectLst/>
-              <a:latin typeface="Times New Roman" panose="02020603050405020304" pitchFamily="18" charset="0"/>
-              <a:ea typeface="Times New Roman" panose="02020603050405020304" pitchFamily="18" charset="0"/>
-            </a:endParaRPr>
-          </a:p>
-          <a:p>
-            <a:endParaRPr lang="en-US" dirty="0"/>
-          </a:p>
-        </p:txBody>
-      </p:sp>
-    </p:spTree>
-    <p:extLst>
-      <p:ext uri="{BB962C8B-B14F-4D97-AF65-F5344CB8AC3E}">
-        <p14:creationId xmlns:p14="http://schemas.microsoft.com/office/powerpoint/2010/main" val="3240047658"/>
-      </p:ext>
-    </p:extLst>
-  </p:cSld>
-  <p:clrMapOvr>
-    <a:masterClrMapping/>
-  </p:clrMapOvr>
-</p:sld>
-</file>
-
-<file path=ppt/slides/slide34.xml><?xml version="1.0" encoding="utf-8"?>
-<p:sld xmlns:a="http://schemas.openxmlformats.org/drawingml/2006/main" xmlns:r="http://schemas.openxmlformats.org/officeDocument/2006/relationships" xmlns:p="http://schemas.openxmlformats.org/presentationml/2006/main">
-  <p:cSld>
-    <p:spTree>
-      <p:nvGrpSpPr>
-        <p:cNvPr id="1" name=""/>
-        <p:cNvGrpSpPr/>
-        <p:nvPr/>
-      </p:nvGrpSpPr>
-      <p:grpSpPr>
-        <a:xfrm>
-          <a:off x="0" y="0"/>
-          <a:ext cx="0" cy="0"/>
-          <a:chOff x="0" y="0"/>
-          <a:chExt cx="0" cy="0"/>
-        </a:xfrm>
-      </p:grpSpPr>
-      <p:sp>
-        <p:nvSpPr>
-          <p:cNvPr id="2" name="Title 1">
-            <a:extLst>
-              <a:ext uri="{FF2B5EF4-FFF2-40B4-BE49-F238E27FC236}">
-                <a16:creationId xmlns:a16="http://schemas.microsoft.com/office/drawing/2014/main" id="{06560B5E-E025-E039-08C1-655681F493A9}"/>
-              </a:ext>
-            </a:extLst>
-          </p:cNvPr>
-          <p:cNvSpPr>
-            <a:spLocks noGrp="1"/>
-          </p:cNvSpPr>
-          <p:nvPr>
-            <p:ph type="title"/>
-          </p:nvPr>
-        </p:nvSpPr>
-        <p:spPr/>
-        <p:txBody>
-          <a:bodyPr/>
-          <a:lstStyle/>
-          <a:p>
-            <a:r>
-              <a:rPr lang="en-US" dirty="0"/>
-              <a:t>How Does Machine Learning Work?</a:t>
-            </a:r>
-          </a:p>
-        </p:txBody>
-      </p:sp>
-      <p:sp>
-        <p:nvSpPr>
-          <p:cNvPr id="3" name="Content Placeholder 2">
-            <a:extLst>
-              <a:ext uri="{FF2B5EF4-FFF2-40B4-BE49-F238E27FC236}">
-                <a16:creationId xmlns:a16="http://schemas.microsoft.com/office/drawing/2014/main" id="{4CBCCE73-956F-D63E-F9FF-C84F747511A9}"/>
-              </a:ext>
-            </a:extLst>
-          </p:cNvPr>
-          <p:cNvSpPr>
-            <a:spLocks noGrp="1"/>
-          </p:cNvSpPr>
-          <p:nvPr>
-            <p:ph idx="1"/>
-          </p:nvPr>
-        </p:nvSpPr>
-        <p:spPr>
-          <a:xfrm>
-            <a:off x="1066800" y="2103120"/>
-            <a:ext cx="4367048" cy="3849624"/>
-          </a:xfrm>
-        </p:spPr>
-        <p:txBody>
-          <a:bodyPr>
-            <a:normAutofit lnSpcReduction="10000"/>
-          </a:bodyPr>
-          <a:lstStyle/>
-          <a:p>
-            <a:r>
-              <a:rPr lang="en-US" dirty="0"/>
-              <a:t>Imagine the following data from a newly invented coin-flipping game:</a:t>
-            </a:r>
-          </a:p>
-          <a:p>
-            <a:endParaRPr lang="en-US" dirty="0"/>
-          </a:p>
-          <a:p>
-            <a:r>
-              <a:rPr lang="en-US" dirty="0"/>
-              <a:t>Heads, Heads -&gt; Win</a:t>
-            </a:r>
-          </a:p>
-          <a:p>
-            <a:r>
-              <a:rPr lang="en-US" dirty="0"/>
-              <a:t>Tails, Heads -&gt; Lose</a:t>
-            </a:r>
-          </a:p>
-          <a:p>
-            <a:r>
-              <a:rPr lang="en-US" dirty="0"/>
-              <a:t>Heads, Heads -&gt; Win</a:t>
-            </a:r>
-          </a:p>
-          <a:p>
-            <a:r>
-              <a:rPr lang="en-US" dirty="0"/>
-              <a:t>Heads, Tails -&gt; Lose</a:t>
-            </a:r>
-          </a:p>
-          <a:p>
-            <a:r>
-              <a:rPr lang="en-US" dirty="0"/>
-              <a:t>Tails, Tails, Heads -&gt; Lose</a:t>
-            </a:r>
-          </a:p>
-          <a:p>
-            <a:r>
-              <a:rPr lang="en-US" dirty="0"/>
-              <a:t>Heads, Heads -&gt; Win</a:t>
-            </a:r>
-          </a:p>
-          <a:p>
-            <a:r>
-              <a:rPr lang="en-US" dirty="0"/>
-              <a:t>Heads, Tails -&gt; Lose</a:t>
-            </a:r>
-          </a:p>
-          <a:p>
-            <a:r>
-              <a:rPr lang="en-US" dirty="0"/>
-              <a:t>Tails, Heads -&gt;Lose</a:t>
-            </a:r>
-          </a:p>
-          <a:p>
-            <a:endParaRPr lang="en-US" dirty="0"/>
-          </a:p>
-        </p:txBody>
-      </p:sp>
-      <p:sp>
-        <p:nvSpPr>
-          <p:cNvPr id="4" name="Content Placeholder 2">
-            <a:extLst>
-              <a:ext uri="{FF2B5EF4-FFF2-40B4-BE49-F238E27FC236}">
-                <a16:creationId xmlns:a16="http://schemas.microsoft.com/office/drawing/2014/main" id="{AAEA3A9F-988C-0180-412E-105BA1B4B3D9}"/>
-              </a:ext>
-            </a:extLst>
-          </p:cNvPr>
-          <p:cNvSpPr txBox="1">
-            <a:spLocks/>
-          </p:cNvSpPr>
-          <p:nvPr/>
-        </p:nvSpPr>
-        <p:spPr>
-          <a:xfrm>
-            <a:off x="5244663" y="2093661"/>
-            <a:ext cx="4367048" cy="3849624"/>
-          </a:xfrm>
-          <a:prstGeom prst="rect">
-            <a:avLst/>
-          </a:prstGeom>
-        </p:spPr>
-        <p:txBody>
-          <a:bodyPr vert="horz" lIns="91440" tIns="45720" rIns="91440" bIns="45720" rtlCol="0">
-            <a:normAutofit fontScale="92500" lnSpcReduction="10000"/>
-          </a:bodyPr>
-          <a:lstStyle>
-            <a:lvl1pPr marL="182880" indent="-182880" algn="l" defTabSz="914400" rtl="0" eaLnBrk="1" latinLnBrk="0" hangingPunct="1">
-              <a:lnSpc>
-                <a:spcPct val="100000"/>
-              </a:lnSpc>
-              <a:spcBef>
-                <a:spcPts val="900"/>
-              </a:spcBef>
-              <a:spcAft>
-                <a:spcPts val="0"/>
-              </a:spcAft>
-              <a:buClr>
-                <a:schemeClr val="tx1">
-                  <a:lumMod val="85000"/>
-                  <a:lumOff val="15000"/>
-                </a:schemeClr>
-              </a:buClr>
-              <a:buFont typeface="Garamond" pitchFamily="18" charset="0"/>
-              <a:buChar char="◦"/>
-              <a:defRPr sz="1800" kern="1200">
-                <a:solidFill>
-                  <a:schemeClr val="tx1"/>
-                </a:solidFill>
-                <a:latin typeface="+mn-lt"/>
-                <a:ea typeface="+mn-ea"/>
-                <a:cs typeface="+mn-cs"/>
-              </a:defRPr>
-            </a:lvl1pPr>
-            <a:lvl2pPr marL="457200" indent="-182880" algn="l" defTabSz="914400" rtl="0" eaLnBrk="1" latinLnBrk="0" hangingPunct="1">
-              <a:lnSpc>
-                <a:spcPct val="100000"/>
-              </a:lnSpc>
-              <a:spcBef>
-                <a:spcPts val="500"/>
-              </a:spcBef>
-              <a:buClr>
-                <a:schemeClr val="tx1">
-                  <a:lumMod val="85000"/>
-                  <a:lumOff val="15000"/>
-                </a:schemeClr>
-              </a:buClr>
-              <a:buFont typeface="Garamond" pitchFamily="18" charset="0"/>
-              <a:buChar char="◦"/>
-              <a:defRPr sz="1600" kern="1200">
-                <a:solidFill>
-                  <a:schemeClr val="tx1"/>
-                </a:solidFill>
-                <a:latin typeface="+mn-lt"/>
-                <a:ea typeface="+mn-ea"/>
-                <a:cs typeface="+mn-cs"/>
-              </a:defRPr>
-            </a:lvl2pPr>
-            <a:lvl3pPr marL="731520" indent="-182880" algn="l" defTabSz="914400" rtl="0" eaLnBrk="1" latinLnBrk="0" hangingPunct="1">
-              <a:lnSpc>
-                <a:spcPct val="100000"/>
-              </a:lnSpc>
-              <a:spcBef>
-                <a:spcPts val="500"/>
-              </a:spcBef>
-              <a:buClr>
-                <a:schemeClr val="tx1">
-                  <a:lumMod val="85000"/>
-                  <a:lumOff val="15000"/>
-                </a:schemeClr>
-              </a:buClr>
-              <a:buFont typeface="Garamond" pitchFamily="18" charset="0"/>
-              <a:buChar char="◦"/>
-              <a:defRPr sz="1400" kern="1200">
-                <a:solidFill>
-                  <a:schemeClr val="tx1"/>
-                </a:solidFill>
-                <a:latin typeface="+mn-lt"/>
-                <a:ea typeface="+mn-ea"/>
-                <a:cs typeface="+mn-cs"/>
-              </a:defRPr>
-            </a:lvl3pPr>
-            <a:lvl4pPr marL="1005840" indent="-182880" algn="l" defTabSz="914400" rtl="0" eaLnBrk="1" latinLnBrk="0" hangingPunct="1">
-              <a:lnSpc>
-                <a:spcPct val="100000"/>
-              </a:lnSpc>
-              <a:spcBef>
-                <a:spcPts val="500"/>
-              </a:spcBef>
-              <a:buClr>
-                <a:schemeClr val="tx1">
-                  <a:lumMod val="85000"/>
-                  <a:lumOff val="15000"/>
-                </a:schemeClr>
-              </a:buClr>
-              <a:buFont typeface="Garamond" pitchFamily="18" charset="0"/>
-              <a:buChar char="◦"/>
-              <a:defRPr sz="1400" kern="1200">
-                <a:solidFill>
-                  <a:schemeClr val="tx1"/>
-                </a:solidFill>
-                <a:latin typeface="+mn-lt"/>
-                <a:ea typeface="+mn-ea"/>
-                <a:cs typeface="+mn-cs"/>
-              </a:defRPr>
-            </a:lvl4pPr>
-            <a:lvl5pPr marL="1280160" indent="-182880" algn="l" defTabSz="914400" rtl="0" eaLnBrk="1" latinLnBrk="0" hangingPunct="1">
-              <a:lnSpc>
-                <a:spcPct val="100000"/>
-              </a:lnSpc>
-              <a:spcBef>
-                <a:spcPts val="500"/>
-              </a:spcBef>
-              <a:buClr>
-                <a:schemeClr val="tx1">
-                  <a:lumMod val="85000"/>
-                  <a:lumOff val="15000"/>
-                </a:schemeClr>
-              </a:buClr>
-              <a:buFont typeface="Garamond" pitchFamily="18" charset="0"/>
-              <a:buChar char="◦"/>
-              <a:defRPr sz="1400" kern="1200">
-                <a:solidFill>
-                  <a:schemeClr val="tx1"/>
-                </a:solidFill>
-                <a:latin typeface="+mn-lt"/>
-                <a:ea typeface="+mn-ea"/>
-                <a:cs typeface="+mn-cs"/>
-              </a:defRPr>
-            </a:lvl5pPr>
-            <a:lvl6pPr marL="1600000" indent="-228600" algn="l" defTabSz="914400" rtl="0" eaLnBrk="1" latinLnBrk="0" hangingPunct="1">
-              <a:lnSpc>
-                <a:spcPct val="100000"/>
-              </a:lnSpc>
-              <a:spcBef>
-                <a:spcPts val="500"/>
-              </a:spcBef>
-              <a:buClr>
-                <a:schemeClr val="tx1">
-                  <a:lumMod val="85000"/>
-                  <a:lumOff val="15000"/>
-                </a:schemeClr>
-              </a:buClr>
-              <a:buFont typeface="Garamond" pitchFamily="18" charset="0"/>
-              <a:buChar char="◦"/>
-              <a:defRPr sz="1400" kern="1200">
-                <a:solidFill>
-                  <a:schemeClr val="tx1"/>
-                </a:solidFill>
-                <a:latin typeface="+mn-lt"/>
-                <a:ea typeface="+mn-ea"/>
-                <a:cs typeface="+mn-cs"/>
-              </a:defRPr>
-            </a:lvl6pPr>
-            <a:lvl7pPr marL="1900000" indent="-228600" algn="l" defTabSz="914400" rtl="0" eaLnBrk="1" latinLnBrk="0" hangingPunct="1">
-              <a:lnSpc>
-                <a:spcPct val="100000"/>
-              </a:lnSpc>
-              <a:spcBef>
-                <a:spcPts val="500"/>
-              </a:spcBef>
-              <a:buClr>
-                <a:schemeClr val="tx1">
-                  <a:lumMod val="85000"/>
-                  <a:lumOff val="15000"/>
-                </a:schemeClr>
-              </a:buClr>
-              <a:buFont typeface="Garamond" pitchFamily="18" charset="0"/>
-              <a:buChar char="◦"/>
-              <a:defRPr sz="1400" kern="1200">
-                <a:solidFill>
-                  <a:schemeClr val="tx1"/>
-                </a:solidFill>
-                <a:latin typeface="+mn-lt"/>
-                <a:ea typeface="+mn-ea"/>
-                <a:cs typeface="+mn-cs"/>
-              </a:defRPr>
-            </a:lvl7pPr>
-            <a:lvl8pPr marL="2200000" indent="-228600" algn="l" defTabSz="914400" rtl="0" eaLnBrk="1" latinLnBrk="0" hangingPunct="1">
-              <a:lnSpc>
-                <a:spcPct val="100000"/>
-              </a:lnSpc>
-              <a:spcBef>
-                <a:spcPts val="500"/>
-              </a:spcBef>
-              <a:buClr>
-                <a:schemeClr val="tx1">
-                  <a:lumMod val="85000"/>
-                  <a:lumOff val="15000"/>
-                </a:schemeClr>
-              </a:buClr>
-              <a:buFont typeface="Garamond" pitchFamily="18" charset="0"/>
-              <a:buChar char="◦"/>
-              <a:defRPr sz="1400" kern="1200">
-                <a:solidFill>
-                  <a:schemeClr val="tx1"/>
-                </a:solidFill>
-                <a:latin typeface="+mn-lt"/>
-                <a:ea typeface="+mn-ea"/>
-                <a:cs typeface="+mn-cs"/>
-              </a:defRPr>
-            </a:lvl8pPr>
-            <a:lvl9pPr marL="2500000" indent="-228600" algn="l" defTabSz="914400" rtl="0" eaLnBrk="1" latinLnBrk="0" hangingPunct="1">
-              <a:lnSpc>
-                <a:spcPct val="100000"/>
-              </a:lnSpc>
-              <a:spcBef>
-                <a:spcPts val="500"/>
-              </a:spcBef>
-              <a:buClr>
-                <a:schemeClr val="tx1">
-                  <a:lumMod val="85000"/>
-                  <a:lumOff val="15000"/>
-                </a:schemeClr>
-              </a:buClr>
-              <a:buFont typeface="Garamond" pitchFamily="18" charset="0"/>
-              <a:buChar char="◦"/>
-              <a:defRPr sz="1400" kern="1200">
-                <a:solidFill>
-                  <a:schemeClr val="tx1"/>
-                </a:solidFill>
-                <a:latin typeface="+mn-lt"/>
-                <a:ea typeface="+mn-ea"/>
-                <a:cs typeface="+mn-cs"/>
-              </a:defRPr>
-            </a:lvl9pPr>
-          </a:lstStyle>
-          <a:p>
-            <a:pPr marL="0" indent="0">
-              <a:buNone/>
-            </a:pPr>
-            <a:endParaRPr lang="en-US" dirty="0"/>
-          </a:p>
-          <a:p>
-            <a:pPr marL="0" indent="0">
-              <a:buNone/>
-            </a:pPr>
-            <a:endParaRPr lang="en-US" dirty="0"/>
-          </a:p>
-          <a:p>
-            <a:pPr marL="0" indent="0">
-              <a:buNone/>
-            </a:pPr>
-            <a:endParaRPr lang="en-US" dirty="0"/>
-          </a:p>
-          <a:p>
-            <a:r>
-              <a:rPr lang="en-US" dirty="0"/>
-              <a:t>Heads, Tails -&gt; Lose</a:t>
-            </a:r>
-          </a:p>
-          <a:p>
-            <a:r>
-              <a:rPr lang="en-US" dirty="0"/>
-              <a:t>Tails, Tails, Tails -&gt; Win</a:t>
-            </a:r>
-          </a:p>
-          <a:p>
-            <a:r>
-              <a:rPr lang="en-US" dirty="0"/>
-              <a:t>Heads, Heads -&gt; Win</a:t>
-            </a:r>
-          </a:p>
-          <a:p>
-            <a:r>
-              <a:rPr lang="en-US" dirty="0"/>
-              <a:t>Heads, Tails -&gt; Lose</a:t>
-            </a:r>
-          </a:p>
-          <a:p>
-            <a:r>
-              <a:rPr lang="en-US" dirty="0"/>
-              <a:t>Tails, Heads -&gt; Lose</a:t>
-            </a:r>
-          </a:p>
-          <a:p>
-            <a:r>
-              <a:rPr lang="en-US" dirty="0"/>
-              <a:t>Heads, Heads -&gt; Win</a:t>
-            </a:r>
-          </a:p>
-          <a:p>
-            <a:r>
-              <a:rPr lang="en-US" dirty="0"/>
-              <a:t>Tails, Heads -&gt; Lose</a:t>
-            </a:r>
-          </a:p>
-          <a:p>
-            <a:r>
-              <a:rPr lang="en-US" dirty="0"/>
-              <a:t>Tails, Tails, Heads -&gt;Lose</a:t>
-            </a:r>
-          </a:p>
-          <a:p>
-            <a:endParaRPr lang="en-US" dirty="0"/>
-          </a:p>
-        </p:txBody>
-      </p:sp>
-    </p:spTree>
-    <p:extLst>
-      <p:ext uri="{BB962C8B-B14F-4D97-AF65-F5344CB8AC3E}">
-        <p14:creationId xmlns:p14="http://schemas.microsoft.com/office/powerpoint/2010/main" val="3849388951"/>
-      </p:ext>
-    </p:extLst>
-  </p:cSld>
-  <p:clrMapOvr>
-    <a:masterClrMapping/>
-  </p:clrMapOvr>
-</p:sld>
-</file>
-
-<file path=ppt/slides/slide35.xml><?xml version="1.0" encoding="utf-8"?>
-<p:sld xmlns:a="http://schemas.openxmlformats.org/drawingml/2006/main" xmlns:r="http://schemas.openxmlformats.org/officeDocument/2006/relationships" xmlns:p="http://schemas.openxmlformats.org/presentationml/2006/main">
-  <p:cSld>
-    <p:spTree>
-      <p:nvGrpSpPr>
-        <p:cNvPr id="1" name=""/>
-        <p:cNvGrpSpPr/>
-        <p:nvPr/>
-      </p:nvGrpSpPr>
-      <p:grpSpPr>
-        <a:xfrm>
-          <a:off x="0" y="0"/>
-          <a:ext cx="0" cy="0"/>
-          <a:chOff x="0" y="0"/>
-          <a:chExt cx="0" cy="0"/>
-        </a:xfrm>
-      </p:grpSpPr>
-      <p:sp>
-        <p:nvSpPr>
-          <p:cNvPr id="2" name="Title 1">
-            <a:extLst>
-              <a:ext uri="{FF2B5EF4-FFF2-40B4-BE49-F238E27FC236}">
-                <a16:creationId xmlns:a16="http://schemas.microsoft.com/office/drawing/2014/main" id="{D492CB67-02EC-5377-D191-5FEE874336FE}"/>
-              </a:ext>
-            </a:extLst>
-          </p:cNvPr>
-          <p:cNvSpPr>
-            <a:spLocks noGrp="1"/>
-          </p:cNvSpPr>
-          <p:nvPr>
-            <p:ph type="title"/>
-          </p:nvPr>
-        </p:nvSpPr>
-        <p:spPr/>
-        <p:txBody>
-          <a:bodyPr/>
-          <a:lstStyle/>
-          <a:p>
-            <a:r>
-              <a:rPr lang="en-US" dirty="0"/>
-              <a:t>Rules of the Game</a:t>
-            </a:r>
-          </a:p>
-        </p:txBody>
-      </p:sp>
-      <p:sp>
-        <p:nvSpPr>
-          <p:cNvPr id="3" name="Content Placeholder 2">
-            <a:extLst>
-              <a:ext uri="{FF2B5EF4-FFF2-40B4-BE49-F238E27FC236}">
-                <a16:creationId xmlns:a16="http://schemas.microsoft.com/office/drawing/2014/main" id="{7EBDF758-9BB0-AEF7-F930-B220F8920503}"/>
-              </a:ext>
-            </a:extLst>
-          </p:cNvPr>
-          <p:cNvSpPr>
-            <a:spLocks noGrp="1"/>
-          </p:cNvSpPr>
-          <p:nvPr>
-            <p:ph idx="1"/>
-          </p:nvPr>
-        </p:nvSpPr>
-        <p:spPr/>
-        <p:txBody>
-          <a:bodyPr>
-            <a:normAutofit/>
-          </a:bodyPr>
-          <a:lstStyle/>
-          <a:p>
-            <a:r>
-              <a:rPr lang="en-US" sz="2400" dirty="0"/>
-              <a:t>Flip a coin twice:</a:t>
-            </a:r>
-          </a:p>
-          <a:p>
-            <a:pPr marL="0" indent="0">
-              <a:buNone/>
-            </a:pPr>
-            <a:endParaRPr lang="en-US" sz="2400" dirty="0"/>
-          </a:p>
-          <a:p>
-            <a:pPr lvl="1"/>
-            <a:r>
-              <a:rPr lang="en-US" sz="2400" dirty="0"/>
-              <a:t>If you get two heads, you win</a:t>
-            </a:r>
-          </a:p>
-          <a:p>
-            <a:pPr marL="274320" lvl="1" indent="0">
-              <a:buNone/>
-            </a:pPr>
-            <a:endParaRPr lang="en-US" sz="2400" dirty="0"/>
-          </a:p>
-          <a:p>
-            <a:pPr lvl="1"/>
-            <a:r>
-              <a:rPr lang="en-US" sz="2400" dirty="0"/>
-              <a:t>If you get one head and one tail, in either order, you lose</a:t>
-            </a:r>
-          </a:p>
-          <a:p>
-            <a:pPr marL="274320" lvl="1" indent="0">
-              <a:buNone/>
-            </a:pPr>
-            <a:endParaRPr lang="en-US" sz="2400" dirty="0"/>
-          </a:p>
-          <a:p>
-            <a:pPr lvl="1"/>
-            <a:r>
-              <a:rPr lang="en-US" sz="2400" dirty="0"/>
-              <a:t>If you get two tails, flip the coin a third time:</a:t>
-            </a:r>
-          </a:p>
-          <a:p>
-            <a:pPr lvl="2"/>
-            <a:r>
-              <a:rPr lang="en-US" sz="2400" dirty="0"/>
-              <a:t>If you get tails on the third flip, you win, otherwise you lose.</a:t>
-            </a:r>
-          </a:p>
-        </p:txBody>
-      </p:sp>
-    </p:spTree>
-    <p:extLst>
-      <p:ext uri="{BB962C8B-B14F-4D97-AF65-F5344CB8AC3E}">
-        <p14:creationId xmlns:p14="http://schemas.microsoft.com/office/powerpoint/2010/main" val="2833428555"/>
-      </p:ext>
-    </p:extLst>
-  </p:cSld>
-  <p:clrMapOvr>
-    <a:masterClrMapping/>
-  </p:clrMapOvr>
-</p:sld>
-</file>
-
-<file path=ppt/slides/slide36.xml><?xml version="1.0" encoding="utf-8"?>
-<p:sld xmlns:a="http://schemas.openxmlformats.org/drawingml/2006/main" xmlns:r="http://schemas.openxmlformats.org/officeDocument/2006/relationships" xmlns:p="http://schemas.openxmlformats.org/presentationml/2006/main">
-  <p:cSld>
-    <p:spTree>
-      <p:nvGrpSpPr>
-        <p:cNvPr id="1" name=""/>
-        <p:cNvGrpSpPr/>
-        <p:nvPr/>
-      </p:nvGrpSpPr>
-      <p:grpSpPr>
-        <a:xfrm>
-          <a:off x="0" y="0"/>
-          <a:ext cx="0" cy="0"/>
-          <a:chOff x="0" y="0"/>
-          <a:chExt cx="0" cy="0"/>
-        </a:xfrm>
-      </p:grpSpPr>
-      <p:sp>
-        <p:nvSpPr>
-          <p:cNvPr id="2" name="Title 1">
-            <a:extLst>
-              <a:ext uri="{FF2B5EF4-FFF2-40B4-BE49-F238E27FC236}">
-                <a16:creationId xmlns:a16="http://schemas.microsoft.com/office/drawing/2014/main" id="{3CC141B4-971D-DD38-8078-7A1C2C576D29}"/>
-              </a:ext>
-            </a:extLst>
-          </p:cNvPr>
-          <p:cNvSpPr>
-            <a:spLocks noGrp="1"/>
-          </p:cNvSpPr>
-          <p:nvPr>
-            <p:ph type="title"/>
-          </p:nvPr>
-        </p:nvSpPr>
-        <p:spPr/>
-        <p:txBody>
-          <a:bodyPr/>
-          <a:lstStyle/>
-          <a:p>
-            <a:r>
-              <a:rPr lang="en-US" dirty="0"/>
-              <a:t>Traditional Computer Programming</a:t>
-            </a:r>
-          </a:p>
-        </p:txBody>
-      </p:sp>
-      <p:sp>
-        <p:nvSpPr>
-          <p:cNvPr id="3" name="Content Placeholder 2">
-            <a:extLst>
-              <a:ext uri="{FF2B5EF4-FFF2-40B4-BE49-F238E27FC236}">
-                <a16:creationId xmlns:a16="http://schemas.microsoft.com/office/drawing/2014/main" id="{6B6358AB-CE7D-AB82-57DA-D8F08310E58B}"/>
-              </a:ext>
-            </a:extLst>
-          </p:cNvPr>
-          <p:cNvSpPr>
-            <a:spLocks noGrp="1"/>
-          </p:cNvSpPr>
-          <p:nvPr>
-            <p:ph idx="1"/>
-          </p:nvPr>
-        </p:nvSpPr>
-        <p:spPr>
-          <a:xfrm>
-            <a:off x="1066800" y="2103120"/>
-            <a:ext cx="6111766" cy="3849624"/>
-          </a:xfrm>
-        </p:spPr>
-        <p:txBody>
-          <a:bodyPr>
-            <a:noAutofit/>
-          </a:bodyPr>
-          <a:lstStyle/>
-          <a:p>
-            <a:r>
-              <a:rPr lang="en-US" sz="2400" b="1" dirty="0"/>
-              <a:t>Program the RULES of the game!!!!!!!!!!!!!!!!!!!!!!!!!!!</a:t>
-            </a:r>
-          </a:p>
-          <a:p>
-            <a:pPr marL="0" indent="0">
-              <a:buNone/>
-            </a:pPr>
-            <a:endParaRPr lang="en-US" sz="2000" dirty="0"/>
-          </a:p>
-          <a:p>
-            <a:pPr marL="0" indent="0">
-              <a:buNone/>
-            </a:pPr>
-            <a:r>
-              <a:rPr lang="en-US" sz="2000" dirty="0">
-                <a:solidFill>
-                  <a:srgbClr val="FF0000"/>
-                </a:solidFill>
-              </a:rPr>
-              <a:t>define flip():</a:t>
-            </a:r>
-          </a:p>
-          <a:p>
-            <a:pPr marL="0" indent="0">
-              <a:buNone/>
-            </a:pPr>
-            <a:r>
-              <a:rPr lang="en-US" sz="2000" dirty="0">
-                <a:solidFill>
-                  <a:srgbClr val="FF0000"/>
-                </a:solidFill>
-              </a:rPr>
-              <a:t>	choose a random number (0 = Tails or 1=Heads)</a:t>
-            </a:r>
-          </a:p>
-          <a:p>
-            <a:pPr marL="0" indent="0">
-              <a:buNone/>
-            </a:pPr>
-            <a:endParaRPr lang="en-US" sz="2000" dirty="0">
-              <a:solidFill>
-                <a:srgbClr val="FF0000"/>
-              </a:solidFill>
-            </a:endParaRPr>
-          </a:p>
-          <a:p>
-            <a:pPr marL="0" indent="0">
-              <a:buNone/>
-            </a:pPr>
-            <a:r>
-              <a:rPr lang="en-US" sz="2000" dirty="0">
-                <a:solidFill>
-                  <a:srgbClr val="FF0000"/>
-                </a:solidFill>
-              </a:rPr>
-              <a:t>X = flip()</a:t>
-            </a:r>
-          </a:p>
-          <a:p>
-            <a:pPr marL="0" indent="0">
-              <a:buNone/>
-            </a:pPr>
-            <a:r>
-              <a:rPr lang="en-US" sz="2000" dirty="0">
-                <a:solidFill>
-                  <a:srgbClr val="FF0000"/>
-                </a:solidFill>
-              </a:rPr>
-              <a:t>Y = flip()</a:t>
-            </a:r>
-          </a:p>
-          <a:p>
-            <a:pPr marL="0" indent="0">
-              <a:buNone/>
-            </a:pPr>
-            <a:r>
-              <a:rPr lang="en-US" sz="2000" dirty="0">
-                <a:solidFill>
-                  <a:srgbClr val="FF0000"/>
-                </a:solidFill>
-              </a:rPr>
-              <a:t>Z = X + Y</a:t>
-            </a:r>
-          </a:p>
-        </p:txBody>
-      </p:sp>
-      <p:graphicFrame>
-        <p:nvGraphicFramePr>
-          <p:cNvPr id="6" name="Table 5">
-            <a:extLst>
-              <a:ext uri="{FF2B5EF4-FFF2-40B4-BE49-F238E27FC236}">
-                <a16:creationId xmlns:a16="http://schemas.microsoft.com/office/drawing/2014/main" id="{4B49B475-A768-074F-A815-DC8E9BE73082}"/>
-              </a:ext>
-            </a:extLst>
-          </p:cNvPr>
-          <p:cNvGraphicFramePr>
-            <a:graphicFrameLocks noGrp="1"/>
-          </p:cNvGraphicFramePr>
-          <p:nvPr>
-            <p:extLst>
-              <p:ext uri="{D42A27DB-BD31-4B8C-83A1-F6EECF244321}">
-                <p14:modId xmlns:p14="http://schemas.microsoft.com/office/powerpoint/2010/main" val="3639145476"/>
-              </p:ext>
-            </p:extLst>
-          </p:nvPr>
-        </p:nvGraphicFramePr>
-        <p:xfrm>
-          <a:off x="7374758" y="2711670"/>
-          <a:ext cx="3499944" cy="2427890"/>
-        </p:xfrm>
-        <a:graphic>
-          <a:graphicData uri="http://schemas.openxmlformats.org/drawingml/2006/table">
-            <a:tbl>
-              <a:tblPr firstRow="1" bandRow="1">
-                <a:tableStyleId>{5C22544A-7EE6-4342-B048-85BDC9FD1C3A}</a:tableStyleId>
-              </a:tblPr>
-              <a:tblGrid>
-                <a:gridCol w="1166648">
-                  <a:extLst>
-                    <a:ext uri="{9D8B030D-6E8A-4147-A177-3AD203B41FA5}">
-                      <a16:colId xmlns:a16="http://schemas.microsoft.com/office/drawing/2014/main" val="1531401197"/>
-                    </a:ext>
-                  </a:extLst>
-                </a:gridCol>
-                <a:gridCol w="1166648">
-                  <a:extLst>
-                    <a:ext uri="{9D8B030D-6E8A-4147-A177-3AD203B41FA5}">
-                      <a16:colId xmlns:a16="http://schemas.microsoft.com/office/drawing/2014/main" val="2027323504"/>
-                    </a:ext>
-                  </a:extLst>
-                </a:gridCol>
-                <a:gridCol w="1166648">
-                  <a:extLst>
-                    <a:ext uri="{9D8B030D-6E8A-4147-A177-3AD203B41FA5}">
-                      <a16:colId xmlns:a16="http://schemas.microsoft.com/office/drawing/2014/main" val="3528746271"/>
-                    </a:ext>
-                  </a:extLst>
-                </a:gridCol>
-              </a:tblGrid>
-              <a:tr h="485578">
-                <a:tc>
-                  <a:txBody>
-                    <a:bodyPr/>
-                    <a:lstStyle/>
-                    <a:p>
-                      <a:r>
-                        <a:rPr lang="en-US" dirty="0"/>
-                        <a:t>X</a:t>
-                      </a:r>
-                    </a:p>
-                  </a:txBody>
-                  <a:tcPr/>
-                </a:tc>
-                <a:tc>
-                  <a:txBody>
-                    <a:bodyPr/>
-                    <a:lstStyle/>
-                    <a:p>
-                      <a:r>
-                        <a:rPr lang="en-US" dirty="0"/>
-                        <a:t>Y</a:t>
-                      </a:r>
-                    </a:p>
-                  </a:txBody>
-                  <a:tcPr/>
-                </a:tc>
-                <a:tc>
-                  <a:txBody>
-                    <a:bodyPr/>
-                    <a:lstStyle/>
-                    <a:p>
-                      <a:r>
-                        <a:rPr lang="en-US" dirty="0"/>
-                        <a:t>Z</a:t>
-                      </a:r>
-                    </a:p>
-                  </a:txBody>
-                  <a:tcPr/>
-                </a:tc>
-                <a:extLst>
-                  <a:ext uri="{0D108BD9-81ED-4DB2-BD59-A6C34878D82A}">
-                    <a16:rowId xmlns:a16="http://schemas.microsoft.com/office/drawing/2014/main" val="2638104445"/>
-                  </a:ext>
-                </a:extLst>
-              </a:tr>
-              <a:tr h="485578">
-                <a:tc>
-                  <a:txBody>
-                    <a:bodyPr/>
-                    <a:lstStyle/>
-                    <a:p>
-                      <a:r>
-                        <a:rPr lang="en-US" dirty="0"/>
-                        <a:t>0</a:t>
-                      </a:r>
-                    </a:p>
-                  </a:txBody>
-                  <a:tcPr/>
-                </a:tc>
-                <a:tc>
-                  <a:txBody>
-                    <a:bodyPr/>
-                    <a:lstStyle/>
-                    <a:p>
-                      <a:r>
-                        <a:rPr lang="en-US" dirty="0"/>
-                        <a:t>0</a:t>
-                      </a:r>
-                    </a:p>
-                  </a:txBody>
-                  <a:tcPr/>
-                </a:tc>
-                <a:tc>
-                  <a:txBody>
-                    <a:bodyPr/>
-                    <a:lstStyle/>
-                    <a:p>
-                      <a:r>
-                        <a:rPr lang="en-US" dirty="0"/>
-                        <a:t>0</a:t>
-                      </a:r>
-                    </a:p>
-                  </a:txBody>
-                  <a:tcPr/>
-                </a:tc>
-                <a:extLst>
-                  <a:ext uri="{0D108BD9-81ED-4DB2-BD59-A6C34878D82A}">
-                    <a16:rowId xmlns:a16="http://schemas.microsoft.com/office/drawing/2014/main" val="2668708707"/>
-                  </a:ext>
-                </a:extLst>
-              </a:tr>
-              <a:tr h="485578">
-                <a:tc>
-                  <a:txBody>
-                    <a:bodyPr/>
-                    <a:lstStyle/>
-                    <a:p>
-                      <a:r>
-                        <a:rPr lang="en-US" dirty="0"/>
-                        <a:t>1</a:t>
-                      </a:r>
-                    </a:p>
-                  </a:txBody>
-                  <a:tcPr/>
-                </a:tc>
-                <a:tc>
-                  <a:txBody>
-                    <a:bodyPr/>
-                    <a:lstStyle/>
-                    <a:p>
-                      <a:r>
-                        <a:rPr lang="en-US" dirty="0"/>
-                        <a:t>0</a:t>
-                      </a:r>
-                    </a:p>
-                  </a:txBody>
-                  <a:tcPr/>
-                </a:tc>
-                <a:tc>
-                  <a:txBody>
-                    <a:bodyPr/>
-                    <a:lstStyle/>
-                    <a:p>
-                      <a:r>
-                        <a:rPr lang="en-US" dirty="0"/>
-                        <a:t>1</a:t>
-                      </a:r>
-                    </a:p>
-                  </a:txBody>
-                  <a:tcPr/>
-                </a:tc>
-                <a:extLst>
-                  <a:ext uri="{0D108BD9-81ED-4DB2-BD59-A6C34878D82A}">
-                    <a16:rowId xmlns:a16="http://schemas.microsoft.com/office/drawing/2014/main" val="3103082919"/>
-                  </a:ext>
-                </a:extLst>
-              </a:tr>
-              <a:tr h="485578">
-                <a:tc>
-                  <a:txBody>
-                    <a:bodyPr/>
-                    <a:lstStyle/>
-                    <a:p>
-                      <a:r>
-                        <a:rPr lang="en-US" dirty="0"/>
-                        <a:t>0</a:t>
-                      </a:r>
-                    </a:p>
-                  </a:txBody>
-                  <a:tcPr/>
-                </a:tc>
-                <a:tc>
-                  <a:txBody>
-                    <a:bodyPr/>
-                    <a:lstStyle/>
-                    <a:p>
-                      <a:r>
-                        <a:rPr lang="en-US" dirty="0"/>
-                        <a:t>1</a:t>
-                      </a:r>
-                    </a:p>
-                  </a:txBody>
-                  <a:tcPr/>
-                </a:tc>
-                <a:tc>
-                  <a:txBody>
-                    <a:bodyPr/>
-                    <a:lstStyle/>
-                    <a:p>
-                      <a:r>
-                        <a:rPr lang="en-US" dirty="0"/>
-                        <a:t>1</a:t>
-                      </a:r>
-                    </a:p>
-                  </a:txBody>
-                  <a:tcPr/>
-                </a:tc>
-                <a:extLst>
-                  <a:ext uri="{0D108BD9-81ED-4DB2-BD59-A6C34878D82A}">
-                    <a16:rowId xmlns:a16="http://schemas.microsoft.com/office/drawing/2014/main" val="1032010314"/>
-                  </a:ext>
-                </a:extLst>
-              </a:tr>
-              <a:tr h="485578">
-                <a:tc>
-                  <a:txBody>
-                    <a:bodyPr/>
-                    <a:lstStyle/>
-                    <a:p>
-                      <a:r>
-                        <a:rPr lang="en-US" dirty="0"/>
-                        <a:t>1</a:t>
-                      </a:r>
-                    </a:p>
-                  </a:txBody>
-                  <a:tcPr/>
-                </a:tc>
-                <a:tc>
-                  <a:txBody>
-                    <a:bodyPr/>
-                    <a:lstStyle/>
-                    <a:p>
-                      <a:r>
-                        <a:rPr lang="en-US" dirty="0"/>
-                        <a:t>1</a:t>
-                      </a:r>
-                    </a:p>
-                  </a:txBody>
-                  <a:tcPr/>
-                </a:tc>
-                <a:tc>
-                  <a:txBody>
-                    <a:bodyPr/>
-                    <a:lstStyle/>
-                    <a:p>
-                      <a:r>
-                        <a:rPr lang="en-US" dirty="0"/>
-                        <a:t>2</a:t>
-                      </a:r>
-                    </a:p>
-                  </a:txBody>
-                  <a:tcPr/>
-                </a:tc>
-                <a:extLst>
-                  <a:ext uri="{0D108BD9-81ED-4DB2-BD59-A6C34878D82A}">
-                    <a16:rowId xmlns:a16="http://schemas.microsoft.com/office/drawing/2014/main" val="2360698701"/>
-                  </a:ext>
-                </a:extLst>
-              </a:tr>
-            </a:tbl>
-          </a:graphicData>
-        </a:graphic>
-      </p:graphicFrame>
-    </p:spTree>
-    <p:extLst>
-      <p:ext uri="{BB962C8B-B14F-4D97-AF65-F5344CB8AC3E}">
-        <p14:creationId xmlns:p14="http://schemas.microsoft.com/office/powerpoint/2010/main" val="2733411334"/>
-      </p:ext>
-    </p:extLst>
-  </p:cSld>
-  <p:clrMapOvr>
-    <a:masterClrMapping/>
-  </p:clrMapOvr>
-</p:sld>
-</file>
-
-<file path=ppt/slides/slide37.xml><?xml version="1.0" encoding="utf-8"?>
-<p:sld xmlns:a="http://schemas.openxmlformats.org/drawingml/2006/main" xmlns:r="http://schemas.openxmlformats.org/officeDocument/2006/relationships" xmlns:p="http://schemas.openxmlformats.org/presentationml/2006/main">
-  <p:cSld>
-    <p:spTree>
-      <p:nvGrpSpPr>
-        <p:cNvPr id="1" name=""/>
-        <p:cNvGrpSpPr/>
-        <p:nvPr/>
-      </p:nvGrpSpPr>
-      <p:grpSpPr>
-        <a:xfrm>
-          <a:off x="0" y="0"/>
-          <a:ext cx="0" cy="0"/>
-          <a:chOff x="0" y="0"/>
-          <a:chExt cx="0" cy="0"/>
-        </a:xfrm>
-      </p:grpSpPr>
-      <p:sp>
-        <p:nvSpPr>
-          <p:cNvPr id="2" name="Title 1">
-            <a:extLst>
-              <a:ext uri="{FF2B5EF4-FFF2-40B4-BE49-F238E27FC236}">
-                <a16:creationId xmlns:a16="http://schemas.microsoft.com/office/drawing/2014/main" id="{3CC141B4-971D-DD38-8078-7A1C2C576D29}"/>
-              </a:ext>
-            </a:extLst>
-          </p:cNvPr>
-          <p:cNvSpPr>
-            <a:spLocks noGrp="1"/>
-          </p:cNvSpPr>
-          <p:nvPr>
-            <p:ph type="title"/>
-          </p:nvPr>
-        </p:nvSpPr>
-        <p:spPr/>
-        <p:txBody>
-          <a:bodyPr/>
-          <a:lstStyle/>
-          <a:p>
-            <a:r>
-              <a:rPr lang="en-US" dirty="0"/>
-              <a:t>Traditional Computer Programming</a:t>
-            </a:r>
-          </a:p>
-        </p:txBody>
-      </p:sp>
-      <p:sp>
-        <p:nvSpPr>
-          <p:cNvPr id="3" name="Content Placeholder 2">
-            <a:extLst>
-              <a:ext uri="{FF2B5EF4-FFF2-40B4-BE49-F238E27FC236}">
-                <a16:creationId xmlns:a16="http://schemas.microsoft.com/office/drawing/2014/main" id="{6B6358AB-CE7D-AB82-57DA-D8F08310E58B}"/>
-              </a:ext>
-            </a:extLst>
-          </p:cNvPr>
-          <p:cNvSpPr>
-            <a:spLocks noGrp="1"/>
-          </p:cNvSpPr>
-          <p:nvPr>
-            <p:ph idx="1"/>
-          </p:nvPr>
-        </p:nvSpPr>
-        <p:spPr>
-          <a:xfrm>
-            <a:off x="1066800" y="1902372"/>
-            <a:ext cx="10058400" cy="4313034"/>
-          </a:xfrm>
-        </p:spPr>
-        <p:txBody>
-          <a:bodyPr>
-            <a:noAutofit/>
-          </a:bodyPr>
-          <a:lstStyle/>
-          <a:p>
-            <a:pPr marL="0" indent="0">
-              <a:buNone/>
-            </a:pPr>
-            <a:r>
-              <a:rPr lang="en-US" sz="2000" dirty="0">
-                <a:solidFill>
-                  <a:srgbClr val="FF0000"/>
-                </a:solidFill>
-              </a:rPr>
-              <a:t>If Z = 2:</a:t>
-            </a:r>
-          </a:p>
-          <a:p>
-            <a:pPr marL="0" indent="0">
-              <a:buNone/>
-            </a:pPr>
-            <a:r>
-              <a:rPr lang="en-US" sz="2000" dirty="0">
-                <a:solidFill>
-                  <a:srgbClr val="FF0000"/>
-                </a:solidFill>
-              </a:rPr>
-              <a:t>	print(“You win!”)</a:t>
-            </a:r>
-          </a:p>
-          <a:p>
-            <a:pPr marL="0" indent="0">
-              <a:buNone/>
-            </a:pPr>
-            <a:r>
-              <a:rPr lang="en-US" sz="2000" dirty="0">
-                <a:solidFill>
-                  <a:srgbClr val="FF0000"/>
-                </a:solidFill>
-              </a:rPr>
-              <a:t>If Z = 1:</a:t>
-            </a:r>
-          </a:p>
-          <a:p>
-            <a:pPr marL="0" indent="0">
-              <a:buNone/>
-            </a:pPr>
-            <a:r>
-              <a:rPr lang="en-US" sz="2000" dirty="0">
-                <a:solidFill>
-                  <a:srgbClr val="FF0000"/>
-                </a:solidFill>
-              </a:rPr>
-              <a:t>	print(“You lose!”)</a:t>
-            </a:r>
-          </a:p>
-          <a:p>
-            <a:pPr marL="0" indent="0">
-              <a:buNone/>
-            </a:pPr>
-            <a:r>
-              <a:rPr lang="en-US" sz="2000" dirty="0">
-                <a:solidFill>
-                  <a:srgbClr val="FF0000"/>
-                </a:solidFill>
-              </a:rPr>
-              <a:t>If Z = 2:</a:t>
-            </a:r>
-          </a:p>
-          <a:p>
-            <a:pPr marL="0" indent="0">
-              <a:buNone/>
-            </a:pPr>
-            <a:r>
-              <a:rPr lang="en-US" sz="2000" dirty="0">
-                <a:solidFill>
-                  <a:srgbClr val="FF0000"/>
-                </a:solidFill>
-              </a:rPr>
-              <a:t>	V = flip()</a:t>
-            </a:r>
-          </a:p>
-          <a:p>
-            <a:pPr marL="0" indent="0">
-              <a:buNone/>
-            </a:pPr>
-            <a:r>
-              <a:rPr lang="en-US" sz="2000" dirty="0">
-                <a:solidFill>
-                  <a:srgbClr val="FF0000"/>
-                </a:solidFill>
-              </a:rPr>
-              <a:t>	If V = 0:</a:t>
-            </a:r>
-          </a:p>
-          <a:p>
-            <a:pPr marL="0" indent="0">
-              <a:buNone/>
-            </a:pPr>
-            <a:r>
-              <a:rPr lang="en-US" sz="2000" dirty="0">
-                <a:solidFill>
-                  <a:srgbClr val="FF0000"/>
-                </a:solidFill>
-              </a:rPr>
-              <a:t>		print(“You win!”)</a:t>
-            </a:r>
-          </a:p>
-          <a:p>
-            <a:pPr marL="0" indent="0">
-              <a:buNone/>
-            </a:pPr>
-            <a:r>
-              <a:rPr lang="en-US" sz="2000" dirty="0">
-                <a:solidFill>
-                  <a:srgbClr val="FF0000"/>
-                </a:solidFill>
-              </a:rPr>
-              <a:t>	Else:</a:t>
-            </a:r>
-          </a:p>
-          <a:p>
-            <a:pPr marL="0" indent="0">
-              <a:buNone/>
-            </a:pPr>
-            <a:r>
-              <a:rPr lang="en-US" sz="2000" dirty="0">
-                <a:solidFill>
-                  <a:srgbClr val="FF0000"/>
-                </a:solidFill>
-              </a:rPr>
-              <a:t>		print(“You lose!”)</a:t>
-            </a:r>
-          </a:p>
-        </p:txBody>
-      </p:sp>
-    </p:spTree>
-    <p:extLst>
-      <p:ext uri="{BB962C8B-B14F-4D97-AF65-F5344CB8AC3E}">
-        <p14:creationId xmlns:p14="http://schemas.microsoft.com/office/powerpoint/2010/main" val="110665426"/>
-      </p:ext>
-    </p:extLst>
-  </p:cSld>
-  <p:clrMapOvr>
-    <a:masterClrMapping/>
-  </p:clrMapOvr>
-</p:sld>
-</file>
-
-<file path=ppt/slides/slide38.xml><?xml version="1.0" encoding="utf-8"?>
-<p:sld xmlns:a="http://schemas.openxmlformats.org/drawingml/2006/main" xmlns:r="http://schemas.openxmlformats.org/officeDocument/2006/relationships" xmlns:p="http://schemas.openxmlformats.org/presentationml/2006/main">
-  <p:cSld>
-    <p:spTree>
-      <p:nvGrpSpPr>
-        <p:cNvPr id="1" name=""/>
-        <p:cNvGrpSpPr/>
-        <p:nvPr/>
-      </p:nvGrpSpPr>
-      <p:grpSpPr>
-        <a:xfrm>
-          <a:off x="0" y="0"/>
-          <a:ext cx="0" cy="0"/>
-          <a:chOff x="0" y="0"/>
-          <a:chExt cx="0" cy="0"/>
-        </a:xfrm>
-      </p:grpSpPr>
-      <p:sp>
-        <p:nvSpPr>
-          <p:cNvPr id="2" name="Title 1">
-            <a:extLst>
-              <a:ext uri="{FF2B5EF4-FFF2-40B4-BE49-F238E27FC236}">
-                <a16:creationId xmlns:a16="http://schemas.microsoft.com/office/drawing/2014/main" id="{EF1C6D6A-8E4D-81E9-5E52-16D03F42965D}"/>
-              </a:ext>
-            </a:extLst>
-          </p:cNvPr>
-          <p:cNvSpPr>
-            <a:spLocks noGrp="1"/>
-          </p:cNvSpPr>
-          <p:nvPr>
-            <p:ph type="title"/>
-          </p:nvPr>
-        </p:nvSpPr>
-        <p:spPr/>
-        <p:txBody>
-          <a:bodyPr/>
-          <a:lstStyle/>
-          <a:p>
-            <a:r>
-              <a:rPr lang="en-US" dirty="0"/>
-              <a:t>Machine Learning Approach</a:t>
-            </a:r>
-          </a:p>
-        </p:txBody>
-      </p:sp>
-      <p:sp>
-        <p:nvSpPr>
-          <p:cNvPr id="3" name="Content Placeholder 2">
-            <a:extLst>
-              <a:ext uri="{FF2B5EF4-FFF2-40B4-BE49-F238E27FC236}">
-                <a16:creationId xmlns:a16="http://schemas.microsoft.com/office/drawing/2014/main" id="{02E8307F-CD9A-C9AF-77EE-7AE4AD2B6641}"/>
-              </a:ext>
-            </a:extLst>
-          </p:cNvPr>
-          <p:cNvSpPr>
-            <a:spLocks noGrp="1"/>
-          </p:cNvSpPr>
-          <p:nvPr>
-            <p:ph idx="1"/>
-          </p:nvPr>
-        </p:nvSpPr>
-        <p:spPr>
-          <a:xfrm>
-            <a:off x="1292772" y="2103120"/>
-            <a:ext cx="9832428" cy="587528"/>
-          </a:xfrm>
-        </p:spPr>
-        <p:txBody>
-          <a:bodyPr>
-            <a:normAutofit/>
-          </a:bodyPr>
-          <a:lstStyle/>
-          <a:p>
-            <a:r>
-              <a:rPr lang="en-US" sz="2400" b="1" dirty="0"/>
-              <a:t>Mimic the way that humans learn/think/process/synthesize data!!!!!!!!!!!</a:t>
-            </a:r>
-          </a:p>
-        </p:txBody>
-      </p:sp>
-      <mc:AlternateContent xmlns:mc="http://schemas.openxmlformats.org/markup-compatibility/2006">
-        <mc:Choice xmlns:p14="http://schemas.microsoft.com/office/powerpoint/2010/main" Requires="p14">
-          <p:contentPart p14:bwMode="auto" r:id="rId2">
-            <p14:nvContentPartPr>
-              <p14:cNvPr id="4" name="Ink 3">
-                <a:extLst>
-                  <a:ext uri="{FF2B5EF4-FFF2-40B4-BE49-F238E27FC236}">
-                    <a16:creationId xmlns:a16="http://schemas.microsoft.com/office/drawing/2014/main" id="{EED48989-E30A-8504-5713-F3E14D3FF683}"/>
-                  </a:ext>
-                </a:extLst>
-              </p14:cNvPr>
-              <p14:cNvContentPartPr/>
-              <p14:nvPr/>
-            </p14:nvContentPartPr>
-            <p14:xfrm>
-              <a:off x="4290749" y="3194532"/>
-              <a:ext cx="2750760" cy="2492640"/>
-            </p14:xfrm>
-          </p:contentPart>
-        </mc:Choice>
-        <mc:Fallback>
-          <p:pic>
-            <p:nvPicPr>
-              <p:cNvPr id="4" name="Ink 3">
-                <a:extLst>
-                  <a:ext uri="{FF2B5EF4-FFF2-40B4-BE49-F238E27FC236}">
-                    <a16:creationId xmlns:a16="http://schemas.microsoft.com/office/drawing/2014/main" id="{EED48989-E30A-8504-5713-F3E14D3FF683}"/>
-                  </a:ext>
-                </a:extLst>
-              </p:cNvPr>
-              <p:cNvPicPr/>
-              <p:nvPr/>
-            </p:nvPicPr>
-            <p:blipFill>
-              <a:blip r:embed="rId3"/>
-              <a:stretch>
-                <a:fillRect/>
-              </a:stretch>
-            </p:blipFill>
-            <p:spPr>
-              <a:xfrm>
-                <a:off x="4284629" y="3188412"/>
-                <a:ext cx="2763000" cy="2504880"/>
-              </a:xfrm>
-              <a:prstGeom prst="rect">
-                <a:avLst/>
-              </a:prstGeom>
-            </p:spPr>
-          </p:pic>
-        </mc:Fallback>
-      </mc:AlternateContent>
-      <p:grpSp>
-        <p:nvGrpSpPr>
-          <p:cNvPr id="19" name="Group 18">
-            <a:extLst>
-              <a:ext uri="{FF2B5EF4-FFF2-40B4-BE49-F238E27FC236}">
-                <a16:creationId xmlns:a16="http://schemas.microsoft.com/office/drawing/2014/main" id="{34F18F6A-4FBC-8859-2CC7-F468ACBB580C}"/>
-              </a:ext>
-            </a:extLst>
-          </p:cNvPr>
-          <p:cNvGrpSpPr/>
-          <p:nvPr/>
-        </p:nvGrpSpPr>
-        <p:grpSpPr>
-          <a:xfrm>
-            <a:off x="4932269" y="3684132"/>
-            <a:ext cx="996480" cy="458640"/>
-            <a:chOff x="4932269" y="3684132"/>
-            <a:chExt cx="996480" cy="458640"/>
-          </a:xfrm>
-        </p:grpSpPr>
-        <mc:AlternateContent xmlns:mc="http://schemas.openxmlformats.org/markup-compatibility/2006">
-          <mc:Choice xmlns:p14="http://schemas.microsoft.com/office/powerpoint/2010/main" Requires="p14">
-            <p:contentPart p14:bwMode="auto" r:id="rId4">
-              <p14:nvContentPartPr>
-                <p14:cNvPr id="5" name="Ink 4">
-                  <a:extLst>
-                    <a:ext uri="{FF2B5EF4-FFF2-40B4-BE49-F238E27FC236}">
-                      <a16:creationId xmlns:a16="http://schemas.microsoft.com/office/drawing/2014/main" id="{1A18B346-CFCB-B3D8-AAFE-F1033A684420}"/>
-                    </a:ext>
-                  </a:extLst>
-                </p14:cNvPr>
-                <p14:cNvContentPartPr/>
-                <p14:nvPr/>
-              </p14:nvContentPartPr>
-              <p14:xfrm>
-                <a:off x="4932269" y="3684132"/>
-                <a:ext cx="127440" cy="263880"/>
-              </p14:xfrm>
-            </p:contentPart>
-          </mc:Choice>
-          <mc:Fallback>
-            <p:pic>
-              <p:nvPicPr>
-                <p:cNvPr id="5" name="Ink 4">
-                  <a:extLst>
-                    <a:ext uri="{FF2B5EF4-FFF2-40B4-BE49-F238E27FC236}">
-                      <a16:creationId xmlns:a16="http://schemas.microsoft.com/office/drawing/2014/main" id="{1A18B346-CFCB-B3D8-AAFE-F1033A684420}"/>
-                    </a:ext>
-                  </a:extLst>
-                </p:cNvPr>
-                <p:cNvPicPr/>
-                <p:nvPr/>
-              </p:nvPicPr>
-              <p:blipFill>
-                <a:blip r:embed="rId5"/>
-                <a:stretch>
-                  <a:fillRect/>
-                </a:stretch>
-              </p:blipFill>
-              <p:spPr>
-                <a:xfrm>
-                  <a:off x="4926149" y="3678012"/>
-                  <a:ext cx="139680" cy="276120"/>
-                </a:xfrm>
-                <a:prstGeom prst="rect">
-                  <a:avLst/>
-                </a:prstGeom>
-              </p:spPr>
-            </p:pic>
-          </mc:Fallback>
-        </mc:AlternateContent>
-        <mc:AlternateContent xmlns:mc="http://schemas.openxmlformats.org/markup-compatibility/2006">
-          <mc:Choice xmlns:p14="http://schemas.microsoft.com/office/powerpoint/2010/main" Requires="p14">
-            <p:contentPart p14:bwMode="auto" r:id="rId6">
-              <p14:nvContentPartPr>
-                <p14:cNvPr id="6" name="Ink 5">
-                  <a:extLst>
-                    <a:ext uri="{FF2B5EF4-FFF2-40B4-BE49-F238E27FC236}">
-                      <a16:creationId xmlns:a16="http://schemas.microsoft.com/office/drawing/2014/main" id="{9DC38FBD-455E-3C80-DE74-06E2D5605AF1}"/>
-                    </a:ext>
-                  </a:extLst>
-                </p14:cNvPr>
-                <p14:cNvContentPartPr/>
-                <p14:nvPr/>
-              </p14:nvContentPartPr>
-              <p14:xfrm>
-                <a:off x="4954949" y="3806532"/>
-                <a:ext cx="78840" cy="7200"/>
-              </p14:xfrm>
-            </p:contentPart>
-          </mc:Choice>
-          <mc:Fallback>
-            <p:pic>
-              <p:nvPicPr>
-                <p:cNvPr id="6" name="Ink 5">
-                  <a:extLst>
-                    <a:ext uri="{FF2B5EF4-FFF2-40B4-BE49-F238E27FC236}">
-                      <a16:creationId xmlns:a16="http://schemas.microsoft.com/office/drawing/2014/main" id="{9DC38FBD-455E-3C80-DE74-06E2D5605AF1}"/>
-                    </a:ext>
-                  </a:extLst>
-                </p:cNvPr>
-                <p:cNvPicPr/>
-                <p:nvPr/>
-              </p:nvPicPr>
-              <p:blipFill>
-                <a:blip r:embed="rId7"/>
-                <a:stretch>
-                  <a:fillRect/>
-                </a:stretch>
-              </p:blipFill>
-              <p:spPr>
-                <a:xfrm>
-                  <a:off x="4948829" y="3800412"/>
-                  <a:ext cx="91080" cy="19440"/>
-                </a:xfrm>
-                <a:prstGeom prst="rect">
-                  <a:avLst/>
-                </a:prstGeom>
-              </p:spPr>
-            </p:pic>
-          </mc:Fallback>
-        </mc:AlternateContent>
-        <mc:AlternateContent xmlns:mc="http://schemas.openxmlformats.org/markup-compatibility/2006">
-          <mc:Choice xmlns:p14="http://schemas.microsoft.com/office/powerpoint/2010/main" Requires="p14">
-            <p:contentPart p14:bwMode="auto" r:id="rId8">
-              <p14:nvContentPartPr>
-                <p14:cNvPr id="7" name="Ink 6">
-                  <a:extLst>
-                    <a:ext uri="{FF2B5EF4-FFF2-40B4-BE49-F238E27FC236}">
-                      <a16:creationId xmlns:a16="http://schemas.microsoft.com/office/drawing/2014/main" id="{63EE5105-4082-9402-E059-63B5CA4612B1}"/>
-                    </a:ext>
-                  </a:extLst>
-                </p14:cNvPr>
-                <p14:cNvContentPartPr/>
-                <p14:nvPr/>
-              </p14:nvContentPartPr>
-              <p14:xfrm>
-                <a:off x="4999229" y="3699252"/>
-                <a:ext cx="113040" cy="13320"/>
-              </p14:xfrm>
-            </p:contentPart>
-          </mc:Choice>
-          <mc:Fallback>
-            <p:pic>
-              <p:nvPicPr>
-                <p:cNvPr id="7" name="Ink 6">
-                  <a:extLst>
-                    <a:ext uri="{FF2B5EF4-FFF2-40B4-BE49-F238E27FC236}">
-                      <a16:creationId xmlns:a16="http://schemas.microsoft.com/office/drawing/2014/main" id="{63EE5105-4082-9402-E059-63B5CA4612B1}"/>
-                    </a:ext>
-                  </a:extLst>
-                </p:cNvPr>
-                <p:cNvPicPr/>
-                <p:nvPr/>
-              </p:nvPicPr>
-              <p:blipFill>
-                <a:blip r:embed="rId9"/>
-                <a:stretch>
-                  <a:fillRect/>
-                </a:stretch>
-              </p:blipFill>
-              <p:spPr>
-                <a:xfrm>
-                  <a:off x="4993109" y="3693132"/>
-                  <a:ext cx="125280" cy="25560"/>
-                </a:xfrm>
-                <a:prstGeom prst="rect">
-                  <a:avLst/>
-                </a:prstGeom>
-              </p:spPr>
-            </p:pic>
-          </mc:Fallback>
-        </mc:AlternateContent>
-        <mc:AlternateContent xmlns:mc="http://schemas.openxmlformats.org/markup-compatibility/2006">
-          <mc:Choice xmlns:p14="http://schemas.microsoft.com/office/powerpoint/2010/main" Requires="p14">
-            <p:contentPart p14:bwMode="auto" r:id="rId10">
-              <p14:nvContentPartPr>
-                <p14:cNvPr id="9" name="Ink 8">
-                  <a:extLst>
-                    <a:ext uri="{FF2B5EF4-FFF2-40B4-BE49-F238E27FC236}">
-                      <a16:creationId xmlns:a16="http://schemas.microsoft.com/office/drawing/2014/main" id="{074BDBD8-D61C-728A-627A-1CF786F9AADB}"/>
-                    </a:ext>
-                  </a:extLst>
-                </p14:cNvPr>
-                <p14:cNvContentPartPr/>
-                <p14:nvPr/>
-              </p14:nvContentPartPr>
-              <p14:xfrm>
-                <a:off x="5116229" y="3838932"/>
-                <a:ext cx="99720" cy="127080"/>
-              </p14:xfrm>
-            </p:contentPart>
-          </mc:Choice>
-          <mc:Fallback>
-            <p:pic>
-              <p:nvPicPr>
-                <p:cNvPr id="9" name="Ink 8">
-                  <a:extLst>
-                    <a:ext uri="{FF2B5EF4-FFF2-40B4-BE49-F238E27FC236}">
-                      <a16:creationId xmlns:a16="http://schemas.microsoft.com/office/drawing/2014/main" id="{074BDBD8-D61C-728A-627A-1CF786F9AADB}"/>
-                    </a:ext>
-                  </a:extLst>
-                </p:cNvPr>
-                <p:cNvPicPr/>
-                <p:nvPr/>
-              </p:nvPicPr>
-              <p:blipFill>
-                <a:blip r:embed="rId11"/>
-                <a:stretch>
-                  <a:fillRect/>
-                </a:stretch>
-              </p:blipFill>
-              <p:spPr>
-                <a:xfrm>
-                  <a:off x="5110109" y="3832812"/>
-                  <a:ext cx="111960" cy="139320"/>
-                </a:xfrm>
-                <a:prstGeom prst="rect">
-                  <a:avLst/>
-                </a:prstGeom>
-              </p:spPr>
-            </p:pic>
-          </mc:Fallback>
-        </mc:AlternateContent>
-        <mc:AlternateContent xmlns:mc="http://schemas.openxmlformats.org/markup-compatibility/2006">
-          <mc:Choice xmlns:p14="http://schemas.microsoft.com/office/powerpoint/2010/main" Requires="p14">
-            <p:contentPart p14:bwMode="auto" r:id="rId12">
-              <p14:nvContentPartPr>
-                <p14:cNvPr id="11" name="Ink 10">
-                  <a:extLst>
-                    <a:ext uri="{FF2B5EF4-FFF2-40B4-BE49-F238E27FC236}">
-                      <a16:creationId xmlns:a16="http://schemas.microsoft.com/office/drawing/2014/main" id="{07638AB3-0DA3-BC71-38B1-664D6A6B3D32}"/>
-                    </a:ext>
-                  </a:extLst>
-                </p14:cNvPr>
-                <p14:cNvContentPartPr/>
-                <p14:nvPr/>
-              </p14:nvContentPartPr>
-              <p14:xfrm>
-                <a:off x="5238629" y="3861612"/>
-                <a:ext cx="160920" cy="281160"/>
-              </p14:xfrm>
-            </p:contentPart>
-          </mc:Choice>
-          <mc:Fallback>
-            <p:pic>
-              <p:nvPicPr>
-                <p:cNvPr id="11" name="Ink 10">
-                  <a:extLst>
-                    <a:ext uri="{FF2B5EF4-FFF2-40B4-BE49-F238E27FC236}">
-                      <a16:creationId xmlns:a16="http://schemas.microsoft.com/office/drawing/2014/main" id="{07638AB3-0DA3-BC71-38B1-664D6A6B3D32}"/>
-                    </a:ext>
-                  </a:extLst>
-                </p:cNvPr>
-                <p:cNvPicPr/>
-                <p:nvPr/>
-              </p:nvPicPr>
-              <p:blipFill>
-                <a:blip r:embed="rId13"/>
-                <a:stretch>
-                  <a:fillRect/>
-                </a:stretch>
-              </p:blipFill>
-              <p:spPr>
-                <a:xfrm>
-                  <a:off x="5232509" y="3855492"/>
-                  <a:ext cx="173160" cy="293400"/>
-                </a:xfrm>
-                <a:prstGeom prst="rect">
-                  <a:avLst/>
-                </a:prstGeom>
-              </p:spPr>
-            </p:pic>
-          </mc:Fallback>
-        </mc:AlternateContent>
-        <mc:AlternateContent xmlns:mc="http://schemas.openxmlformats.org/markup-compatibility/2006">
-          <mc:Choice xmlns:p14="http://schemas.microsoft.com/office/powerpoint/2010/main" Requires="p14">
-            <p:contentPart p14:bwMode="auto" r:id="rId14">
-              <p14:nvContentPartPr>
-                <p14:cNvPr id="13" name="Ink 12">
-                  <a:extLst>
-                    <a:ext uri="{FF2B5EF4-FFF2-40B4-BE49-F238E27FC236}">
-                      <a16:creationId xmlns:a16="http://schemas.microsoft.com/office/drawing/2014/main" id="{21CEC0D5-7078-BF68-3DB2-DC2E9D029D62}"/>
-                    </a:ext>
-                  </a:extLst>
-                </p14:cNvPr>
-                <p14:cNvContentPartPr/>
-                <p14:nvPr/>
-              </p14:nvContentPartPr>
-              <p14:xfrm>
-                <a:off x="5500349" y="3926052"/>
-                <a:ext cx="9360" cy="100440"/>
-              </p14:xfrm>
-            </p:contentPart>
-          </mc:Choice>
-          <mc:Fallback>
-            <p:pic>
-              <p:nvPicPr>
-                <p:cNvPr id="13" name="Ink 12">
-                  <a:extLst>
-                    <a:ext uri="{FF2B5EF4-FFF2-40B4-BE49-F238E27FC236}">
-                      <a16:creationId xmlns:a16="http://schemas.microsoft.com/office/drawing/2014/main" id="{21CEC0D5-7078-BF68-3DB2-DC2E9D029D62}"/>
-                    </a:ext>
-                  </a:extLst>
-                </p:cNvPr>
-                <p:cNvPicPr/>
-                <p:nvPr/>
-              </p:nvPicPr>
-              <p:blipFill>
-                <a:blip r:embed="rId15"/>
-                <a:stretch>
-                  <a:fillRect/>
-                </a:stretch>
-              </p:blipFill>
-              <p:spPr>
-                <a:xfrm>
-                  <a:off x="5494229" y="3919932"/>
-                  <a:ext cx="21600" cy="112680"/>
-                </a:xfrm>
-                <a:prstGeom prst="rect">
-                  <a:avLst/>
-                </a:prstGeom>
-              </p:spPr>
-            </p:pic>
-          </mc:Fallback>
-        </mc:AlternateContent>
-        <mc:AlternateContent xmlns:mc="http://schemas.openxmlformats.org/markup-compatibility/2006">
-          <mc:Choice xmlns:p14="http://schemas.microsoft.com/office/powerpoint/2010/main" Requires="p14">
-            <p:contentPart p14:bwMode="auto" r:id="rId16">
-              <p14:nvContentPartPr>
-                <p14:cNvPr id="14" name="Ink 13">
-                  <a:extLst>
-                    <a:ext uri="{FF2B5EF4-FFF2-40B4-BE49-F238E27FC236}">
-                      <a16:creationId xmlns:a16="http://schemas.microsoft.com/office/drawing/2014/main" id="{BE98356B-A696-791B-2FD4-54DDF695FE84}"/>
-                    </a:ext>
-                  </a:extLst>
-                </p14:cNvPr>
-                <p14:cNvContentPartPr/>
-                <p14:nvPr/>
-              </p14:nvContentPartPr>
-              <p14:xfrm>
-                <a:off x="5502869" y="3855492"/>
-                <a:ext cx="360" cy="1800"/>
-              </p14:xfrm>
-            </p:contentPart>
-          </mc:Choice>
-          <mc:Fallback>
-            <p:pic>
-              <p:nvPicPr>
-                <p:cNvPr id="14" name="Ink 13">
-                  <a:extLst>
-                    <a:ext uri="{FF2B5EF4-FFF2-40B4-BE49-F238E27FC236}">
-                      <a16:creationId xmlns:a16="http://schemas.microsoft.com/office/drawing/2014/main" id="{BE98356B-A696-791B-2FD4-54DDF695FE84}"/>
-                    </a:ext>
-                  </a:extLst>
-                </p:cNvPr>
-                <p:cNvPicPr/>
-                <p:nvPr/>
-              </p:nvPicPr>
-              <p:blipFill>
-                <a:blip r:embed="rId17"/>
-                <a:stretch>
-                  <a:fillRect/>
-                </a:stretch>
-              </p:blipFill>
-              <p:spPr>
-                <a:xfrm>
-                  <a:off x="5496749" y="3849372"/>
-                  <a:ext cx="12600" cy="14040"/>
-                </a:xfrm>
-                <a:prstGeom prst="rect">
-                  <a:avLst/>
-                </a:prstGeom>
-              </p:spPr>
-            </p:pic>
-          </mc:Fallback>
-        </mc:AlternateContent>
-        <mc:AlternateContent xmlns:mc="http://schemas.openxmlformats.org/markup-compatibility/2006">
-          <mc:Choice xmlns:p14="http://schemas.microsoft.com/office/powerpoint/2010/main" Requires="p14">
-            <p:contentPart p14:bwMode="auto" r:id="rId18">
-              <p14:nvContentPartPr>
-                <p14:cNvPr id="16" name="Ink 15">
-                  <a:extLst>
-                    <a:ext uri="{FF2B5EF4-FFF2-40B4-BE49-F238E27FC236}">
-                      <a16:creationId xmlns:a16="http://schemas.microsoft.com/office/drawing/2014/main" id="{D49A858E-77B4-E520-9A97-4455804920E1}"/>
-                    </a:ext>
-                  </a:extLst>
-                </p14:cNvPr>
-                <p14:cNvContentPartPr/>
-                <p14:nvPr/>
-              </p14:nvContentPartPr>
-              <p14:xfrm>
-                <a:off x="5614469" y="3887172"/>
-                <a:ext cx="92880" cy="165600"/>
-              </p14:xfrm>
-            </p:contentPart>
-          </mc:Choice>
-          <mc:Fallback>
-            <p:pic>
-              <p:nvPicPr>
-                <p:cNvPr id="16" name="Ink 15">
-                  <a:extLst>
-                    <a:ext uri="{FF2B5EF4-FFF2-40B4-BE49-F238E27FC236}">
-                      <a16:creationId xmlns:a16="http://schemas.microsoft.com/office/drawing/2014/main" id="{D49A858E-77B4-E520-9A97-4455804920E1}"/>
-                    </a:ext>
-                  </a:extLst>
-                </p:cNvPr>
-                <p:cNvPicPr/>
-                <p:nvPr/>
-              </p:nvPicPr>
-              <p:blipFill>
-                <a:blip r:embed="rId19"/>
-                <a:stretch>
-                  <a:fillRect/>
-                </a:stretch>
-              </p:blipFill>
-              <p:spPr>
-                <a:xfrm>
-                  <a:off x="5608349" y="3881052"/>
-                  <a:ext cx="105120" cy="177840"/>
-                </a:xfrm>
-                <a:prstGeom prst="rect">
-                  <a:avLst/>
-                </a:prstGeom>
-              </p:spPr>
-            </p:pic>
-          </mc:Fallback>
-        </mc:AlternateContent>
-        <mc:AlternateContent xmlns:mc="http://schemas.openxmlformats.org/markup-compatibility/2006">
-          <mc:Choice xmlns:p14="http://schemas.microsoft.com/office/powerpoint/2010/main" Requires="p14">
-            <p:contentPart p14:bwMode="auto" r:id="rId20">
-              <p14:nvContentPartPr>
-                <p14:cNvPr id="18" name="Ink 17">
-                  <a:extLst>
-                    <a:ext uri="{FF2B5EF4-FFF2-40B4-BE49-F238E27FC236}">
-                      <a16:creationId xmlns:a16="http://schemas.microsoft.com/office/drawing/2014/main" id="{593A3AC9-0078-BF71-6333-5F79BE224D3D}"/>
-                    </a:ext>
-                  </a:extLst>
-                </p14:cNvPr>
-                <p14:cNvContentPartPr/>
-                <p14:nvPr/>
-              </p14:nvContentPartPr>
-              <p14:xfrm>
-                <a:off x="5776469" y="3858372"/>
-                <a:ext cx="152280" cy="192240"/>
-              </p14:xfrm>
-            </p:contentPart>
-          </mc:Choice>
-          <mc:Fallback>
-            <p:pic>
-              <p:nvPicPr>
-                <p:cNvPr id="18" name="Ink 17">
-                  <a:extLst>
-                    <a:ext uri="{FF2B5EF4-FFF2-40B4-BE49-F238E27FC236}">
-                      <a16:creationId xmlns:a16="http://schemas.microsoft.com/office/drawing/2014/main" id="{593A3AC9-0078-BF71-6333-5F79BE224D3D}"/>
-                    </a:ext>
-                  </a:extLst>
-                </p:cNvPr>
-                <p:cNvPicPr/>
-                <p:nvPr/>
-              </p:nvPicPr>
-              <p:blipFill>
-                <a:blip r:embed="rId21"/>
-                <a:stretch>
-                  <a:fillRect/>
-                </a:stretch>
-              </p:blipFill>
-              <p:spPr>
-                <a:xfrm>
-                  <a:off x="5770349" y="3852252"/>
-                  <a:ext cx="164520" cy="204480"/>
-                </a:xfrm>
-                <a:prstGeom prst="rect">
-                  <a:avLst/>
-                </a:prstGeom>
-              </p:spPr>
-            </p:pic>
-          </mc:Fallback>
-        </mc:AlternateContent>
-      </p:grpSp>
-      <p:grpSp>
-        <p:nvGrpSpPr>
-          <p:cNvPr id="22" name="Group 21">
-            <a:extLst>
-              <a:ext uri="{FF2B5EF4-FFF2-40B4-BE49-F238E27FC236}">
-                <a16:creationId xmlns:a16="http://schemas.microsoft.com/office/drawing/2014/main" id="{B5026B3E-FC49-6864-A3F9-9E8CAB5593F7}"/>
-              </a:ext>
-            </a:extLst>
-          </p:cNvPr>
-          <p:cNvGrpSpPr/>
-          <p:nvPr/>
-        </p:nvGrpSpPr>
-        <p:grpSpPr>
-          <a:xfrm>
-            <a:off x="5392709" y="4508172"/>
-            <a:ext cx="182520" cy="135000"/>
-            <a:chOff x="5392709" y="4508172"/>
-            <a:chExt cx="182520" cy="135000"/>
-          </a:xfrm>
-        </p:grpSpPr>
-        <mc:AlternateContent xmlns:mc="http://schemas.openxmlformats.org/markup-compatibility/2006">
-          <mc:Choice xmlns:p14="http://schemas.microsoft.com/office/powerpoint/2010/main" Requires="p14">
-            <p:contentPart p14:bwMode="auto" r:id="rId22">
-              <p14:nvContentPartPr>
-                <p14:cNvPr id="20" name="Ink 19">
-                  <a:extLst>
-                    <a:ext uri="{FF2B5EF4-FFF2-40B4-BE49-F238E27FC236}">
-                      <a16:creationId xmlns:a16="http://schemas.microsoft.com/office/drawing/2014/main" id="{78A802D0-7304-FC0A-11A9-682B3DA78F23}"/>
-                    </a:ext>
-                  </a:extLst>
-                </p14:cNvPr>
-                <p14:cNvContentPartPr/>
-                <p14:nvPr/>
-              </p14:nvContentPartPr>
-              <p14:xfrm>
-                <a:off x="5392709" y="4535532"/>
-                <a:ext cx="98280" cy="102240"/>
-              </p14:xfrm>
-            </p:contentPart>
-          </mc:Choice>
-          <mc:Fallback>
-            <p:pic>
-              <p:nvPicPr>
-                <p:cNvPr id="20" name="Ink 19">
-                  <a:extLst>
-                    <a:ext uri="{FF2B5EF4-FFF2-40B4-BE49-F238E27FC236}">
-                      <a16:creationId xmlns:a16="http://schemas.microsoft.com/office/drawing/2014/main" id="{78A802D0-7304-FC0A-11A9-682B3DA78F23}"/>
-                    </a:ext>
-                  </a:extLst>
-                </p:cNvPr>
-                <p:cNvPicPr/>
-                <p:nvPr/>
-              </p:nvPicPr>
-              <p:blipFill>
-                <a:blip r:embed="rId23"/>
-                <a:stretch>
-                  <a:fillRect/>
-                </a:stretch>
-              </p:blipFill>
-              <p:spPr>
-                <a:xfrm>
-                  <a:off x="5386589" y="4529412"/>
-                  <a:ext cx="110520" cy="114480"/>
-                </a:xfrm>
-                <a:prstGeom prst="rect">
-                  <a:avLst/>
-                </a:prstGeom>
-              </p:spPr>
-            </p:pic>
-          </mc:Fallback>
-        </mc:AlternateContent>
-        <mc:AlternateContent xmlns:mc="http://schemas.openxmlformats.org/markup-compatibility/2006">
-          <mc:Choice xmlns:p14="http://schemas.microsoft.com/office/powerpoint/2010/main" Requires="p14">
-            <p:contentPart p14:bwMode="auto" r:id="rId24">
-              <p14:nvContentPartPr>
-                <p14:cNvPr id="21" name="Ink 20">
-                  <a:extLst>
-                    <a:ext uri="{FF2B5EF4-FFF2-40B4-BE49-F238E27FC236}">
-                      <a16:creationId xmlns:a16="http://schemas.microsoft.com/office/drawing/2014/main" id="{BD744F7B-7A18-1708-573D-5F8B174E8432}"/>
-                    </a:ext>
-                  </a:extLst>
-                </p14:cNvPr>
-                <p14:cNvContentPartPr/>
-                <p14:nvPr/>
-              </p14:nvContentPartPr>
-              <p14:xfrm>
-                <a:off x="5502509" y="4508172"/>
-                <a:ext cx="72720" cy="135000"/>
-              </p14:xfrm>
-            </p:contentPart>
-          </mc:Choice>
-          <mc:Fallback>
-            <p:pic>
-              <p:nvPicPr>
-                <p:cNvPr id="21" name="Ink 20">
-                  <a:extLst>
-                    <a:ext uri="{FF2B5EF4-FFF2-40B4-BE49-F238E27FC236}">
-                      <a16:creationId xmlns:a16="http://schemas.microsoft.com/office/drawing/2014/main" id="{BD744F7B-7A18-1708-573D-5F8B174E8432}"/>
-                    </a:ext>
-                  </a:extLst>
-                </p:cNvPr>
-                <p:cNvPicPr/>
-                <p:nvPr/>
-              </p:nvPicPr>
-              <p:blipFill>
-                <a:blip r:embed="rId25"/>
-                <a:stretch>
-                  <a:fillRect/>
-                </a:stretch>
-              </p:blipFill>
-              <p:spPr>
-                <a:xfrm>
-                  <a:off x="5496389" y="4502052"/>
-                  <a:ext cx="84960" cy="147240"/>
-                </a:xfrm>
-                <a:prstGeom prst="rect">
-                  <a:avLst/>
-                </a:prstGeom>
-              </p:spPr>
-            </p:pic>
-          </mc:Fallback>
-        </mc:AlternateContent>
-      </p:grpSp>
-      <p:grpSp>
-        <p:nvGrpSpPr>
-          <p:cNvPr id="34" name="Group 33">
-            <a:extLst>
-              <a:ext uri="{FF2B5EF4-FFF2-40B4-BE49-F238E27FC236}">
-                <a16:creationId xmlns:a16="http://schemas.microsoft.com/office/drawing/2014/main" id="{6E930145-B085-9301-90EE-01D80D622FD6}"/>
-              </a:ext>
-            </a:extLst>
-          </p:cNvPr>
-          <p:cNvGrpSpPr/>
-          <p:nvPr/>
-        </p:nvGrpSpPr>
-        <p:grpSpPr>
-          <a:xfrm>
-            <a:off x="4978349" y="4873932"/>
-            <a:ext cx="753120" cy="418680"/>
-            <a:chOff x="4978349" y="4873932"/>
-            <a:chExt cx="753120" cy="418680"/>
-          </a:xfrm>
-        </p:grpSpPr>
-        <mc:AlternateContent xmlns:mc="http://schemas.openxmlformats.org/markup-compatibility/2006">
-          <mc:Choice xmlns:p14="http://schemas.microsoft.com/office/powerpoint/2010/main" Requires="p14">
-            <p:contentPart p14:bwMode="auto" r:id="rId26">
-              <p14:nvContentPartPr>
-                <p14:cNvPr id="23" name="Ink 22">
-                  <a:extLst>
-                    <a:ext uri="{FF2B5EF4-FFF2-40B4-BE49-F238E27FC236}">
-                      <a16:creationId xmlns:a16="http://schemas.microsoft.com/office/drawing/2014/main" id="{0ABEBED1-6359-CAD8-3706-978D7C993382}"/>
-                    </a:ext>
-                  </a:extLst>
-                </p14:cNvPr>
-                <p14:cNvContentPartPr/>
-                <p14:nvPr/>
-              </p14:nvContentPartPr>
-              <p14:xfrm>
-                <a:off x="4991309" y="4939452"/>
-                <a:ext cx="41760" cy="353160"/>
-              </p14:xfrm>
-            </p:contentPart>
-          </mc:Choice>
-          <mc:Fallback>
-            <p:pic>
-              <p:nvPicPr>
-                <p:cNvPr id="23" name="Ink 22">
-                  <a:extLst>
-                    <a:ext uri="{FF2B5EF4-FFF2-40B4-BE49-F238E27FC236}">
-                      <a16:creationId xmlns:a16="http://schemas.microsoft.com/office/drawing/2014/main" id="{0ABEBED1-6359-CAD8-3706-978D7C993382}"/>
-                    </a:ext>
-                  </a:extLst>
-                </p:cNvPr>
-                <p:cNvPicPr/>
-                <p:nvPr/>
-              </p:nvPicPr>
-              <p:blipFill>
-                <a:blip r:embed="rId27"/>
-                <a:stretch>
-                  <a:fillRect/>
-                </a:stretch>
-              </p:blipFill>
-              <p:spPr>
-                <a:xfrm>
-                  <a:off x="4985189" y="4933332"/>
-                  <a:ext cx="54000" cy="365400"/>
-                </a:xfrm>
-                <a:prstGeom prst="rect">
-                  <a:avLst/>
-                </a:prstGeom>
-              </p:spPr>
-            </p:pic>
-          </mc:Fallback>
-        </mc:AlternateContent>
-        <mc:AlternateContent xmlns:mc="http://schemas.openxmlformats.org/markup-compatibility/2006">
-          <mc:Choice xmlns:p14="http://schemas.microsoft.com/office/powerpoint/2010/main" Requires="p14">
-            <p:contentPart p14:bwMode="auto" r:id="rId28">
-              <p14:nvContentPartPr>
-                <p14:cNvPr id="24" name="Ink 23">
-                  <a:extLst>
-                    <a:ext uri="{FF2B5EF4-FFF2-40B4-BE49-F238E27FC236}">
-                      <a16:creationId xmlns:a16="http://schemas.microsoft.com/office/drawing/2014/main" id="{862718FA-A381-7951-E6E1-397E61EFB5E4}"/>
-                    </a:ext>
-                  </a:extLst>
-                </p14:cNvPr>
-                <p14:cNvContentPartPr/>
-                <p14:nvPr/>
-              </p14:nvContentPartPr>
-              <p14:xfrm>
-                <a:off x="4978349" y="4873932"/>
-                <a:ext cx="223200" cy="349560"/>
-              </p14:xfrm>
-            </p:contentPart>
-          </mc:Choice>
-          <mc:Fallback>
-            <p:pic>
-              <p:nvPicPr>
-                <p:cNvPr id="24" name="Ink 23">
-                  <a:extLst>
-                    <a:ext uri="{FF2B5EF4-FFF2-40B4-BE49-F238E27FC236}">
-                      <a16:creationId xmlns:a16="http://schemas.microsoft.com/office/drawing/2014/main" id="{862718FA-A381-7951-E6E1-397E61EFB5E4}"/>
-                    </a:ext>
-                  </a:extLst>
-                </p:cNvPr>
-                <p:cNvPicPr/>
-                <p:nvPr/>
-              </p:nvPicPr>
-              <p:blipFill>
-                <a:blip r:embed="rId29"/>
-                <a:stretch>
-                  <a:fillRect/>
-                </a:stretch>
-              </p:blipFill>
-              <p:spPr>
-                <a:xfrm>
-                  <a:off x="4972229" y="4867812"/>
-                  <a:ext cx="235440" cy="361800"/>
-                </a:xfrm>
-                <a:prstGeom prst="rect">
-                  <a:avLst/>
-                </a:prstGeom>
-              </p:spPr>
-            </p:pic>
-          </mc:Fallback>
-        </mc:AlternateContent>
-        <mc:AlternateContent xmlns:mc="http://schemas.openxmlformats.org/markup-compatibility/2006">
-          <mc:Choice xmlns:p14="http://schemas.microsoft.com/office/powerpoint/2010/main" Requires="p14">
-            <p:contentPart p14:bwMode="auto" r:id="rId30">
-              <p14:nvContentPartPr>
-                <p14:cNvPr id="26" name="Ink 25">
-                  <a:extLst>
-                    <a:ext uri="{FF2B5EF4-FFF2-40B4-BE49-F238E27FC236}">
-                      <a16:creationId xmlns:a16="http://schemas.microsoft.com/office/drawing/2014/main" id="{526BE5C6-714E-68AF-C6E0-4C07299C9159}"/>
-                    </a:ext>
-                  </a:extLst>
-                </p14:cNvPr>
-                <p14:cNvContentPartPr/>
-                <p14:nvPr/>
-              </p14:nvContentPartPr>
-              <p14:xfrm>
-                <a:off x="5237189" y="5067612"/>
-                <a:ext cx="116280" cy="151200"/>
-              </p14:xfrm>
-            </p:contentPart>
-          </mc:Choice>
-          <mc:Fallback>
-            <p:pic>
-              <p:nvPicPr>
-                <p:cNvPr id="26" name="Ink 25">
-                  <a:extLst>
-                    <a:ext uri="{FF2B5EF4-FFF2-40B4-BE49-F238E27FC236}">
-                      <a16:creationId xmlns:a16="http://schemas.microsoft.com/office/drawing/2014/main" id="{526BE5C6-714E-68AF-C6E0-4C07299C9159}"/>
-                    </a:ext>
-                  </a:extLst>
-                </p:cNvPr>
-                <p:cNvPicPr/>
-                <p:nvPr/>
-              </p:nvPicPr>
-              <p:blipFill>
-                <a:blip r:embed="rId31"/>
-                <a:stretch>
-                  <a:fillRect/>
-                </a:stretch>
-              </p:blipFill>
-              <p:spPr>
-                <a:xfrm>
-                  <a:off x="5231069" y="5061492"/>
-                  <a:ext cx="128520" cy="163440"/>
-                </a:xfrm>
-                <a:prstGeom prst="rect">
-                  <a:avLst/>
-                </a:prstGeom>
-              </p:spPr>
-            </p:pic>
-          </mc:Fallback>
-        </mc:AlternateContent>
-        <mc:AlternateContent xmlns:mc="http://schemas.openxmlformats.org/markup-compatibility/2006">
-          <mc:Choice xmlns:p14="http://schemas.microsoft.com/office/powerpoint/2010/main" Requires="p14">
-            <p:contentPart p14:bwMode="auto" r:id="rId32">
-              <p14:nvContentPartPr>
-                <p14:cNvPr id="28" name="Ink 27">
-                  <a:extLst>
-                    <a:ext uri="{FF2B5EF4-FFF2-40B4-BE49-F238E27FC236}">
-                      <a16:creationId xmlns:a16="http://schemas.microsoft.com/office/drawing/2014/main" id="{63CD9712-8B4F-5365-5F58-58FBA19FB2E7}"/>
-                    </a:ext>
-                  </a:extLst>
-                </p14:cNvPr>
-                <p14:cNvContentPartPr/>
-                <p14:nvPr/>
-              </p14:nvContentPartPr>
-              <p14:xfrm>
-                <a:off x="5396669" y="5101452"/>
-                <a:ext cx="110520" cy="109080"/>
-              </p14:xfrm>
-            </p:contentPart>
-          </mc:Choice>
-          <mc:Fallback>
-            <p:pic>
-              <p:nvPicPr>
-                <p:cNvPr id="28" name="Ink 27">
-                  <a:extLst>
-                    <a:ext uri="{FF2B5EF4-FFF2-40B4-BE49-F238E27FC236}">
-                      <a16:creationId xmlns:a16="http://schemas.microsoft.com/office/drawing/2014/main" id="{63CD9712-8B4F-5365-5F58-58FBA19FB2E7}"/>
-                    </a:ext>
-                  </a:extLst>
-                </p:cNvPr>
-                <p:cNvPicPr/>
-                <p:nvPr/>
-              </p:nvPicPr>
-              <p:blipFill>
-                <a:blip r:embed="rId33"/>
-                <a:stretch>
-                  <a:fillRect/>
-                </a:stretch>
-              </p:blipFill>
-              <p:spPr>
-                <a:xfrm>
-                  <a:off x="5390549" y="5095332"/>
-                  <a:ext cx="122760" cy="121320"/>
-                </a:xfrm>
-                <a:prstGeom prst="rect">
-                  <a:avLst/>
-                </a:prstGeom>
-              </p:spPr>
-            </p:pic>
-          </mc:Fallback>
-        </mc:AlternateContent>
-        <mc:AlternateContent xmlns:mc="http://schemas.openxmlformats.org/markup-compatibility/2006">
-          <mc:Choice xmlns:p14="http://schemas.microsoft.com/office/powerpoint/2010/main" Requires="p14">
-            <p:contentPart p14:bwMode="auto" r:id="rId34">
-              <p14:nvContentPartPr>
-                <p14:cNvPr id="30" name="Ink 29">
-                  <a:extLst>
-                    <a:ext uri="{FF2B5EF4-FFF2-40B4-BE49-F238E27FC236}">
-                      <a16:creationId xmlns:a16="http://schemas.microsoft.com/office/drawing/2014/main" id="{A009B18A-1F9B-9EAF-FA77-330595A63DDD}"/>
-                    </a:ext>
-                  </a:extLst>
-                </p14:cNvPr>
-                <p14:cNvContentPartPr/>
-                <p14:nvPr/>
-              </p14:nvContentPartPr>
-              <p14:xfrm>
-                <a:off x="5538509" y="5086332"/>
-                <a:ext cx="11160" cy="131400"/>
-              </p14:xfrm>
-            </p:contentPart>
-          </mc:Choice>
-          <mc:Fallback>
-            <p:pic>
-              <p:nvPicPr>
-                <p:cNvPr id="30" name="Ink 29">
-                  <a:extLst>
-                    <a:ext uri="{FF2B5EF4-FFF2-40B4-BE49-F238E27FC236}">
-                      <a16:creationId xmlns:a16="http://schemas.microsoft.com/office/drawing/2014/main" id="{A009B18A-1F9B-9EAF-FA77-330595A63DDD}"/>
-                    </a:ext>
-                  </a:extLst>
-                </p:cNvPr>
-                <p:cNvPicPr/>
-                <p:nvPr/>
-              </p:nvPicPr>
-              <p:blipFill>
-                <a:blip r:embed="rId35"/>
-                <a:stretch>
-                  <a:fillRect/>
-                </a:stretch>
-              </p:blipFill>
-              <p:spPr>
-                <a:xfrm>
-                  <a:off x="5532389" y="5080212"/>
-                  <a:ext cx="23400" cy="143640"/>
-                </a:xfrm>
-                <a:prstGeom prst="rect">
-                  <a:avLst/>
-                </a:prstGeom>
-              </p:spPr>
-            </p:pic>
-          </mc:Fallback>
-        </mc:AlternateContent>
-        <mc:AlternateContent xmlns:mc="http://schemas.openxmlformats.org/markup-compatibility/2006">
-          <mc:Choice xmlns:p14="http://schemas.microsoft.com/office/powerpoint/2010/main" Requires="p14">
-            <p:contentPart p14:bwMode="auto" r:id="rId36">
-              <p14:nvContentPartPr>
-                <p14:cNvPr id="31" name="Ink 30">
-                  <a:extLst>
-                    <a:ext uri="{FF2B5EF4-FFF2-40B4-BE49-F238E27FC236}">
-                      <a16:creationId xmlns:a16="http://schemas.microsoft.com/office/drawing/2014/main" id="{83EA5A86-4AFE-CF1D-2E73-C54268B26CE2}"/>
-                    </a:ext>
-                  </a:extLst>
-                </p14:cNvPr>
-                <p14:cNvContentPartPr/>
-                <p14:nvPr/>
-              </p14:nvContentPartPr>
-              <p14:xfrm>
-                <a:off x="5493509" y="4977972"/>
-                <a:ext cx="44640" cy="53280"/>
-              </p14:xfrm>
-            </p:contentPart>
-          </mc:Choice>
-          <mc:Fallback>
-            <p:pic>
-              <p:nvPicPr>
-                <p:cNvPr id="31" name="Ink 30">
-                  <a:extLst>
-                    <a:ext uri="{FF2B5EF4-FFF2-40B4-BE49-F238E27FC236}">
-                      <a16:creationId xmlns:a16="http://schemas.microsoft.com/office/drawing/2014/main" id="{83EA5A86-4AFE-CF1D-2E73-C54268B26CE2}"/>
-                    </a:ext>
-                  </a:extLst>
-                </p:cNvPr>
-                <p:cNvPicPr/>
-                <p:nvPr/>
-              </p:nvPicPr>
-              <p:blipFill>
-                <a:blip r:embed="rId37"/>
-                <a:stretch>
-                  <a:fillRect/>
-                </a:stretch>
-              </p:blipFill>
-              <p:spPr>
-                <a:xfrm>
-                  <a:off x="5487389" y="4971852"/>
-                  <a:ext cx="56880" cy="65520"/>
-                </a:xfrm>
-                <a:prstGeom prst="rect">
-                  <a:avLst/>
-                </a:prstGeom>
-              </p:spPr>
-            </p:pic>
-          </mc:Fallback>
-        </mc:AlternateContent>
-        <mc:AlternateContent xmlns:mc="http://schemas.openxmlformats.org/markup-compatibility/2006">
-          <mc:Choice xmlns:p14="http://schemas.microsoft.com/office/powerpoint/2010/main" Requires="p14">
-            <p:contentPart p14:bwMode="auto" r:id="rId38">
-              <p14:nvContentPartPr>
-                <p14:cNvPr id="33" name="Ink 32">
-                  <a:extLst>
-                    <a:ext uri="{FF2B5EF4-FFF2-40B4-BE49-F238E27FC236}">
-                      <a16:creationId xmlns:a16="http://schemas.microsoft.com/office/drawing/2014/main" id="{89DEFB93-E74E-5149-FCBA-B54BCE8A4A38}"/>
-                    </a:ext>
-                  </a:extLst>
-                </p14:cNvPr>
-                <p14:cNvContentPartPr/>
-                <p14:nvPr/>
-              </p14:nvContentPartPr>
-              <p14:xfrm>
-                <a:off x="5642549" y="5069412"/>
-                <a:ext cx="88920" cy="159480"/>
-              </p14:xfrm>
-            </p:contentPart>
-          </mc:Choice>
-          <mc:Fallback>
-            <p:pic>
-              <p:nvPicPr>
-                <p:cNvPr id="33" name="Ink 32">
-                  <a:extLst>
-                    <a:ext uri="{FF2B5EF4-FFF2-40B4-BE49-F238E27FC236}">
-                      <a16:creationId xmlns:a16="http://schemas.microsoft.com/office/drawing/2014/main" id="{89DEFB93-E74E-5149-FCBA-B54BCE8A4A38}"/>
-                    </a:ext>
-                  </a:extLst>
-                </p:cNvPr>
-                <p:cNvPicPr/>
-                <p:nvPr/>
-              </p:nvPicPr>
-              <p:blipFill>
-                <a:blip r:embed="rId39"/>
-                <a:stretch>
-                  <a:fillRect/>
-                </a:stretch>
-              </p:blipFill>
-              <p:spPr>
-                <a:xfrm>
-                  <a:off x="5636429" y="5063292"/>
-                  <a:ext cx="101160" cy="171720"/>
-                </a:xfrm>
-                <a:prstGeom prst="rect">
-                  <a:avLst/>
-                </a:prstGeom>
-              </p:spPr>
-            </p:pic>
-          </mc:Fallback>
-        </mc:AlternateContent>
-      </p:grpSp>
-      <p:grpSp>
-        <p:nvGrpSpPr>
-          <p:cNvPr id="45" name="Group 44">
-            <a:extLst>
-              <a:ext uri="{FF2B5EF4-FFF2-40B4-BE49-F238E27FC236}">
-                <a16:creationId xmlns:a16="http://schemas.microsoft.com/office/drawing/2014/main" id="{C1766FB1-10E6-1286-0C75-CFF637D67204}"/>
-              </a:ext>
-            </a:extLst>
-          </p:cNvPr>
-          <p:cNvGrpSpPr/>
-          <p:nvPr/>
-        </p:nvGrpSpPr>
-        <p:grpSpPr>
-          <a:xfrm>
-            <a:off x="1150469" y="3411612"/>
-            <a:ext cx="1881720" cy="1567080"/>
-            <a:chOff x="1150469" y="3411612"/>
-            <a:chExt cx="1881720" cy="1567080"/>
-          </a:xfrm>
-        </p:grpSpPr>
-        <mc:AlternateContent xmlns:mc="http://schemas.openxmlformats.org/markup-compatibility/2006">
-          <mc:Choice xmlns:p14="http://schemas.microsoft.com/office/powerpoint/2010/main" Requires="p14">
-            <p:contentPart p14:bwMode="auto" r:id="rId40">
-              <p14:nvContentPartPr>
-                <p14:cNvPr id="35" name="Ink 34">
-                  <a:extLst>
-                    <a:ext uri="{FF2B5EF4-FFF2-40B4-BE49-F238E27FC236}">
-                      <a16:creationId xmlns:a16="http://schemas.microsoft.com/office/drawing/2014/main" id="{67B6F34D-0BC4-EABE-59E0-4A935867CDFC}"/>
-                    </a:ext>
-                  </a:extLst>
-                </p14:cNvPr>
-                <p14:cNvContentPartPr/>
-                <p14:nvPr/>
-              </p14:nvContentPartPr>
-              <p14:xfrm>
-                <a:off x="1150469" y="3411612"/>
-                <a:ext cx="1881720" cy="1567080"/>
-              </p14:xfrm>
-            </p:contentPart>
-          </mc:Choice>
-          <mc:Fallback>
-            <p:pic>
-              <p:nvPicPr>
-                <p:cNvPr id="35" name="Ink 34">
-                  <a:extLst>
-                    <a:ext uri="{FF2B5EF4-FFF2-40B4-BE49-F238E27FC236}">
-                      <a16:creationId xmlns:a16="http://schemas.microsoft.com/office/drawing/2014/main" id="{67B6F34D-0BC4-EABE-59E0-4A935867CDFC}"/>
-                    </a:ext>
-                  </a:extLst>
-                </p:cNvPr>
-                <p:cNvPicPr/>
-                <p:nvPr/>
-              </p:nvPicPr>
-              <p:blipFill>
-                <a:blip r:embed="rId41"/>
-                <a:stretch>
-                  <a:fillRect/>
-                </a:stretch>
-              </p:blipFill>
-              <p:spPr>
-                <a:xfrm>
-                  <a:off x="1144349" y="3405492"/>
-                  <a:ext cx="1893960" cy="1579320"/>
-                </a:xfrm>
-                <a:prstGeom prst="rect">
-                  <a:avLst/>
-                </a:prstGeom>
-              </p:spPr>
-            </p:pic>
-          </mc:Fallback>
-        </mc:AlternateContent>
-        <mc:AlternateContent xmlns:mc="http://schemas.openxmlformats.org/markup-compatibility/2006">
-          <mc:Choice xmlns:p14="http://schemas.microsoft.com/office/powerpoint/2010/main" Requires="p14">
-            <p:contentPart p14:bwMode="auto" r:id="rId42">
-              <p14:nvContentPartPr>
-                <p14:cNvPr id="36" name="Ink 35">
-                  <a:extLst>
-                    <a:ext uri="{FF2B5EF4-FFF2-40B4-BE49-F238E27FC236}">
-                      <a16:creationId xmlns:a16="http://schemas.microsoft.com/office/drawing/2014/main" id="{54CB9912-3D28-A966-A44F-DEE540422F69}"/>
-                    </a:ext>
-                  </a:extLst>
-                </p14:cNvPr>
-                <p14:cNvContentPartPr/>
-                <p14:nvPr/>
-              </p14:nvContentPartPr>
-              <p14:xfrm>
-                <a:off x="1641869" y="3799692"/>
-                <a:ext cx="11880" cy="187920"/>
-              </p14:xfrm>
-            </p:contentPart>
-          </mc:Choice>
-          <mc:Fallback>
-            <p:pic>
-              <p:nvPicPr>
-                <p:cNvPr id="36" name="Ink 35">
-                  <a:extLst>
-                    <a:ext uri="{FF2B5EF4-FFF2-40B4-BE49-F238E27FC236}">
-                      <a16:creationId xmlns:a16="http://schemas.microsoft.com/office/drawing/2014/main" id="{54CB9912-3D28-A966-A44F-DEE540422F69}"/>
-                    </a:ext>
-                  </a:extLst>
-                </p:cNvPr>
-                <p:cNvPicPr/>
-                <p:nvPr/>
-              </p:nvPicPr>
-              <p:blipFill>
-                <a:blip r:embed="rId43"/>
-                <a:stretch>
-                  <a:fillRect/>
-                </a:stretch>
-              </p:blipFill>
-              <p:spPr>
-                <a:xfrm>
-                  <a:off x="1635749" y="3793572"/>
-                  <a:ext cx="24120" cy="200160"/>
-                </a:xfrm>
-                <a:prstGeom prst="rect">
-                  <a:avLst/>
-                </a:prstGeom>
-              </p:spPr>
-            </p:pic>
-          </mc:Fallback>
-        </mc:AlternateContent>
-        <mc:AlternateContent xmlns:mc="http://schemas.openxmlformats.org/markup-compatibility/2006">
-          <mc:Choice xmlns:p14="http://schemas.microsoft.com/office/powerpoint/2010/main" Requires="p14">
-            <p:contentPart p14:bwMode="auto" r:id="rId44">
-              <p14:nvContentPartPr>
-                <p14:cNvPr id="37" name="Ink 36">
-                  <a:extLst>
-                    <a:ext uri="{FF2B5EF4-FFF2-40B4-BE49-F238E27FC236}">
-                      <a16:creationId xmlns:a16="http://schemas.microsoft.com/office/drawing/2014/main" id="{4521FE2D-F337-B451-F0CC-9C77A5EF071D}"/>
-                    </a:ext>
-                  </a:extLst>
-                </p14:cNvPr>
-                <p14:cNvContentPartPr/>
-                <p14:nvPr/>
-              </p14:nvContentPartPr>
-              <p14:xfrm>
-                <a:off x="1571309" y="3973212"/>
-                <a:ext cx="146520" cy="9720"/>
-              </p14:xfrm>
-            </p:contentPart>
-          </mc:Choice>
-          <mc:Fallback>
-            <p:pic>
-              <p:nvPicPr>
-                <p:cNvPr id="37" name="Ink 36">
-                  <a:extLst>
-                    <a:ext uri="{FF2B5EF4-FFF2-40B4-BE49-F238E27FC236}">
-                      <a16:creationId xmlns:a16="http://schemas.microsoft.com/office/drawing/2014/main" id="{4521FE2D-F337-B451-F0CC-9C77A5EF071D}"/>
-                    </a:ext>
-                  </a:extLst>
-                </p:cNvPr>
-                <p:cNvPicPr/>
-                <p:nvPr/>
-              </p:nvPicPr>
-              <p:blipFill>
-                <a:blip r:embed="rId45"/>
-                <a:stretch>
-                  <a:fillRect/>
-                </a:stretch>
-              </p:blipFill>
-              <p:spPr>
-                <a:xfrm>
-                  <a:off x="1565189" y="3967092"/>
-                  <a:ext cx="158760" cy="21960"/>
-                </a:xfrm>
-                <a:prstGeom prst="rect">
-                  <a:avLst/>
-                </a:prstGeom>
-              </p:spPr>
-            </p:pic>
-          </mc:Fallback>
-        </mc:AlternateContent>
-        <mc:AlternateContent xmlns:mc="http://schemas.openxmlformats.org/markup-compatibility/2006">
-          <mc:Choice xmlns:p14="http://schemas.microsoft.com/office/powerpoint/2010/main" Requires="p14">
-            <p:contentPart p14:bwMode="auto" r:id="rId46">
-              <p14:nvContentPartPr>
-                <p14:cNvPr id="38" name="Ink 37">
-                  <a:extLst>
-                    <a:ext uri="{FF2B5EF4-FFF2-40B4-BE49-F238E27FC236}">
-                      <a16:creationId xmlns:a16="http://schemas.microsoft.com/office/drawing/2014/main" id="{F838E3A7-5E43-B5E6-AFF6-F121D9DF29D5}"/>
-                    </a:ext>
-                  </a:extLst>
-                </p14:cNvPr>
-                <p14:cNvContentPartPr/>
-                <p14:nvPr/>
-              </p14:nvContentPartPr>
-              <p14:xfrm>
-                <a:off x="1558349" y="3787092"/>
-                <a:ext cx="159840" cy="7560"/>
-              </p14:xfrm>
-            </p:contentPart>
-          </mc:Choice>
-          <mc:Fallback>
-            <p:pic>
-              <p:nvPicPr>
-                <p:cNvPr id="38" name="Ink 37">
-                  <a:extLst>
-                    <a:ext uri="{FF2B5EF4-FFF2-40B4-BE49-F238E27FC236}">
-                      <a16:creationId xmlns:a16="http://schemas.microsoft.com/office/drawing/2014/main" id="{F838E3A7-5E43-B5E6-AFF6-F121D9DF29D5}"/>
-                    </a:ext>
-                  </a:extLst>
-                </p:cNvPr>
-                <p:cNvPicPr/>
-                <p:nvPr/>
-              </p:nvPicPr>
-              <p:blipFill>
-                <a:blip r:embed="rId47"/>
-                <a:stretch>
-                  <a:fillRect/>
-                </a:stretch>
-              </p:blipFill>
-              <p:spPr>
-                <a:xfrm>
-                  <a:off x="1552229" y="3780972"/>
-                  <a:ext cx="172080" cy="19800"/>
-                </a:xfrm>
-                <a:prstGeom prst="rect">
-                  <a:avLst/>
-                </a:prstGeom>
-              </p:spPr>
-            </p:pic>
-          </mc:Fallback>
-        </mc:AlternateContent>
-        <mc:AlternateContent xmlns:mc="http://schemas.openxmlformats.org/markup-compatibility/2006">
-          <mc:Choice xmlns:p14="http://schemas.microsoft.com/office/powerpoint/2010/main" Requires="p14">
-            <p:contentPart p14:bwMode="auto" r:id="rId48">
-              <p14:nvContentPartPr>
-                <p14:cNvPr id="40" name="Ink 39">
-                  <a:extLst>
-                    <a:ext uri="{FF2B5EF4-FFF2-40B4-BE49-F238E27FC236}">
-                      <a16:creationId xmlns:a16="http://schemas.microsoft.com/office/drawing/2014/main" id="{B18C38F9-6358-CA91-ECAA-76B4873A4899}"/>
-                    </a:ext>
-                  </a:extLst>
-                </p14:cNvPr>
-                <p14:cNvContentPartPr/>
-                <p14:nvPr/>
-              </p14:nvContentPartPr>
-              <p14:xfrm>
-                <a:off x="1727909" y="3903372"/>
-                <a:ext cx="72720" cy="100440"/>
-              </p14:xfrm>
-            </p:contentPart>
-          </mc:Choice>
-          <mc:Fallback>
-            <p:pic>
-              <p:nvPicPr>
-                <p:cNvPr id="40" name="Ink 39">
-                  <a:extLst>
-                    <a:ext uri="{FF2B5EF4-FFF2-40B4-BE49-F238E27FC236}">
-                      <a16:creationId xmlns:a16="http://schemas.microsoft.com/office/drawing/2014/main" id="{B18C38F9-6358-CA91-ECAA-76B4873A4899}"/>
-                    </a:ext>
-                  </a:extLst>
-                </p:cNvPr>
-                <p:cNvPicPr/>
-                <p:nvPr/>
-              </p:nvPicPr>
-              <p:blipFill>
-                <a:blip r:embed="rId49"/>
-                <a:stretch>
-                  <a:fillRect/>
-                </a:stretch>
-              </p:blipFill>
-              <p:spPr>
-                <a:xfrm>
-                  <a:off x="1721789" y="3897252"/>
-                  <a:ext cx="84960" cy="112680"/>
-                </a:xfrm>
-                <a:prstGeom prst="rect">
-                  <a:avLst/>
-                </a:prstGeom>
-              </p:spPr>
-            </p:pic>
-          </mc:Fallback>
-        </mc:AlternateContent>
-        <mc:AlternateContent xmlns:mc="http://schemas.openxmlformats.org/markup-compatibility/2006">
-          <mc:Choice xmlns:p14="http://schemas.microsoft.com/office/powerpoint/2010/main" Requires="p14">
-            <p:contentPart p14:bwMode="auto" r:id="rId50">
-              <p14:nvContentPartPr>
-                <p14:cNvPr id="41" name="Ink 40">
-                  <a:extLst>
-                    <a:ext uri="{FF2B5EF4-FFF2-40B4-BE49-F238E27FC236}">
-                      <a16:creationId xmlns:a16="http://schemas.microsoft.com/office/drawing/2014/main" id="{25827DAE-C19D-3D4F-F71F-F490FA86F43E}"/>
-                    </a:ext>
-                  </a:extLst>
-                </p14:cNvPr>
-                <p14:cNvContentPartPr/>
-                <p14:nvPr/>
-              </p14:nvContentPartPr>
-              <p14:xfrm>
-                <a:off x="1866869" y="3913092"/>
-                <a:ext cx="102960" cy="302400"/>
-              </p14:xfrm>
-            </p:contentPart>
-          </mc:Choice>
-          <mc:Fallback>
-            <p:pic>
-              <p:nvPicPr>
-                <p:cNvPr id="41" name="Ink 40">
-                  <a:extLst>
-                    <a:ext uri="{FF2B5EF4-FFF2-40B4-BE49-F238E27FC236}">
-                      <a16:creationId xmlns:a16="http://schemas.microsoft.com/office/drawing/2014/main" id="{25827DAE-C19D-3D4F-F71F-F490FA86F43E}"/>
-                    </a:ext>
-                  </a:extLst>
-                </p:cNvPr>
-                <p:cNvPicPr/>
-                <p:nvPr/>
-              </p:nvPicPr>
-              <p:blipFill>
-                <a:blip r:embed="rId51"/>
-                <a:stretch>
-                  <a:fillRect/>
-                </a:stretch>
-              </p:blipFill>
-              <p:spPr>
-                <a:xfrm>
-                  <a:off x="1860749" y="3906972"/>
-                  <a:ext cx="115200" cy="314640"/>
-                </a:xfrm>
-                <a:prstGeom prst="rect">
-                  <a:avLst/>
-                </a:prstGeom>
-              </p:spPr>
-            </p:pic>
-          </mc:Fallback>
-        </mc:AlternateContent>
-        <mc:AlternateContent xmlns:mc="http://schemas.openxmlformats.org/markup-compatibility/2006">
-          <mc:Choice xmlns:p14="http://schemas.microsoft.com/office/powerpoint/2010/main" Requires="p14">
-            <p:contentPart p14:bwMode="auto" r:id="rId52">
-              <p14:nvContentPartPr>
-                <p14:cNvPr id="42" name="Ink 41">
-                  <a:extLst>
-                    <a:ext uri="{FF2B5EF4-FFF2-40B4-BE49-F238E27FC236}">
-                      <a16:creationId xmlns:a16="http://schemas.microsoft.com/office/drawing/2014/main" id="{3341A8D0-DFFA-0657-2F8C-AFC5ADD797A0}"/>
-                    </a:ext>
-                  </a:extLst>
-                </p14:cNvPr>
-                <p14:cNvContentPartPr/>
-                <p14:nvPr/>
-              </p14:nvContentPartPr>
-              <p14:xfrm>
-                <a:off x="1966949" y="3916692"/>
-                <a:ext cx="94680" cy="73080"/>
-              </p14:xfrm>
-            </p:contentPart>
-          </mc:Choice>
-          <mc:Fallback>
-            <p:pic>
-              <p:nvPicPr>
-                <p:cNvPr id="42" name="Ink 41">
-                  <a:extLst>
-                    <a:ext uri="{FF2B5EF4-FFF2-40B4-BE49-F238E27FC236}">
-                      <a16:creationId xmlns:a16="http://schemas.microsoft.com/office/drawing/2014/main" id="{3341A8D0-DFFA-0657-2F8C-AFC5ADD797A0}"/>
-                    </a:ext>
-                  </a:extLst>
-                </p:cNvPr>
-                <p:cNvPicPr/>
-                <p:nvPr/>
-              </p:nvPicPr>
-              <p:blipFill>
-                <a:blip r:embed="rId53"/>
-                <a:stretch>
-                  <a:fillRect/>
-                </a:stretch>
-              </p:blipFill>
-              <p:spPr>
-                <a:xfrm>
-                  <a:off x="1960829" y="3910572"/>
-                  <a:ext cx="106920" cy="85320"/>
-                </a:xfrm>
-                <a:prstGeom prst="rect">
-                  <a:avLst/>
-                </a:prstGeom>
-              </p:spPr>
-            </p:pic>
-          </mc:Fallback>
-        </mc:AlternateContent>
-        <mc:AlternateContent xmlns:mc="http://schemas.openxmlformats.org/markup-compatibility/2006">
-          <mc:Choice xmlns:p14="http://schemas.microsoft.com/office/powerpoint/2010/main" Requires="p14">
-            <p:contentPart p14:bwMode="auto" r:id="rId54">
-              <p14:nvContentPartPr>
-                <p14:cNvPr id="43" name="Ink 42">
-                  <a:extLst>
-                    <a:ext uri="{FF2B5EF4-FFF2-40B4-BE49-F238E27FC236}">
-                      <a16:creationId xmlns:a16="http://schemas.microsoft.com/office/drawing/2014/main" id="{3867DC40-1F60-1373-DA2D-EB5F47320325}"/>
-                    </a:ext>
-                  </a:extLst>
-                </p14:cNvPr>
-                <p14:cNvContentPartPr/>
-                <p14:nvPr/>
-              </p14:nvContentPartPr>
-              <p14:xfrm>
-                <a:off x="2158829" y="3738132"/>
-                <a:ext cx="5040" cy="272880"/>
-              </p14:xfrm>
-            </p:contentPart>
-          </mc:Choice>
-          <mc:Fallback>
-            <p:pic>
-              <p:nvPicPr>
-                <p:cNvPr id="43" name="Ink 42">
-                  <a:extLst>
-                    <a:ext uri="{FF2B5EF4-FFF2-40B4-BE49-F238E27FC236}">
-                      <a16:creationId xmlns:a16="http://schemas.microsoft.com/office/drawing/2014/main" id="{3867DC40-1F60-1373-DA2D-EB5F47320325}"/>
-                    </a:ext>
-                  </a:extLst>
-                </p:cNvPr>
-                <p:cNvPicPr/>
-                <p:nvPr/>
-              </p:nvPicPr>
-              <p:blipFill>
-                <a:blip r:embed="rId55"/>
-                <a:stretch>
-                  <a:fillRect/>
-                </a:stretch>
-              </p:blipFill>
-              <p:spPr>
-                <a:xfrm>
-                  <a:off x="2152709" y="3732012"/>
-                  <a:ext cx="17280" cy="285120"/>
-                </a:xfrm>
-                <a:prstGeom prst="rect">
-                  <a:avLst/>
-                </a:prstGeom>
-              </p:spPr>
-            </p:pic>
-          </mc:Fallback>
-        </mc:AlternateContent>
-        <mc:AlternateContent xmlns:mc="http://schemas.openxmlformats.org/markup-compatibility/2006">
-          <mc:Choice xmlns:p14="http://schemas.microsoft.com/office/powerpoint/2010/main" Requires="p14">
-            <p:contentPart p14:bwMode="auto" r:id="rId56">
-              <p14:nvContentPartPr>
-                <p14:cNvPr id="44" name="Ink 43">
-                  <a:extLst>
-                    <a:ext uri="{FF2B5EF4-FFF2-40B4-BE49-F238E27FC236}">
-                      <a16:creationId xmlns:a16="http://schemas.microsoft.com/office/drawing/2014/main" id="{17CB942E-258A-38C7-F783-0AD9537ACD58}"/>
-                    </a:ext>
-                  </a:extLst>
-                </p14:cNvPr>
-                <p14:cNvContentPartPr/>
-                <p14:nvPr/>
-              </p14:nvContentPartPr>
-              <p14:xfrm>
-                <a:off x="2094749" y="3893292"/>
-                <a:ext cx="127800" cy="9720"/>
-              </p14:xfrm>
-            </p:contentPart>
-          </mc:Choice>
-          <mc:Fallback>
-            <p:pic>
-              <p:nvPicPr>
-                <p:cNvPr id="44" name="Ink 43">
-                  <a:extLst>
-                    <a:ext uri="{FF2B5EF4-FFF2-40B4-BE49-F238E27FC236}">
-                      <a16:creationId xmlns:a16="http://schemas.microsoft.com/office/drawing/2014/main" id="{17CB942E-258A-38C7-F783-0AD9537ACD58}"/>
-                    </a:ext>
-                  </a:extLst>
-                </p:cNvPr>
-                <p:cNvPicPr/>
-                <p:nvPr/>
-              </p:nvPicPr>
-              <p:blipFill>
-                <a:blip r:embed="rId57"/>
-                <a:stretch>
-                  <a:fillRect/>
-                </a:stretch>
-              </p:blipFill>
-              <p:spPr>
-                <a:xfrm>
-                  <a:off x="2088629" y="3887172"/>
-                  <a:ext cx="140040" cy="21960"/>
-                </a:xfrm>
-                <a:prstGeom prst="rect">
-                  <a:avLst/>
-                </a:prstGeom>
-              </p:spPr>
-            </p:pic>
-          </mc:Fallback>
-        </mc:AlternateContent>
-      </p:grpSp>
-      <p:grpSp>
-        <p:nvGrpSpPr>
-          <p:cNvPr id="52" name="Group 51">
-            <a:extLst>
-              <a:ext uri="{FF2B5EF4-FFF2-40B4-BE49-F238E27FC236}">
-                <a16:creationId xmlns:a16="http://schemas.microsoft.com/office/drawing/2014/main" id="{6270380C-7BCD-96A7-A2CE-D1F3742B70BA}"/>
-              </a:ext>
-            </a:extLst>
-          </p:cNvPr>
-          <p:cNvGrpSpPr/>
-          <p:nvPr/>
-        </p:nvGrpSpPr>
-        <p:grpSpPr>
-          <a:xfrm>
-            <a:off x="1928429" y="4154652"/>
-            <a:ext cx="457560" cy="333360"/>
-            <a:chOff x="1928429" y="4154652"/>
-            <a:chExt cx="457560" cy="333360"/>
-          </a:xfrm>
-        </p:grpSpPr>
-        <mc:AlternateContent xmlns:mc="http://schemas.openxmlformats.org/markup-compatibility/2006">
-          <mc:Choice xmlns:p14="http://schemas.microsoft.com/office/powerpoint/2010/main" Requires="p14">
-            <p:contentPart p14:bwMode="auto" r:id="rId58">
-              <p14:nvContentPartPr>
-                <p14:cNvPr id="46" name="Ink 45">
-                  <a:extLst>
-                    <a:ext uri="{FF2B5EF4-FFF2-40B4-BE49-F238E27FC236}">
-                      <a16:creationId xmlns:a16="http://schemas.microsoft.com/office/drawing/2014/main" id="{07455055-29E3-086B-46DC-622DD7357E6A}"/>
-                    </a:ext>
-                  </a:extLst>
-                </p14:cNvPr>
-                <p14:cNvContentPartPr/>
-                <p14:nvPr/>
-              </p14:nvContentPartPr>
-              <p14:xfrm>
-                <a:off x="1969109" y="4234572"/>
-                <a:ext cx="15120" cy="253440"/>
-              </p14:xfrm>
-            </p:contentPart>
-          </mc:Choice>
-          <mc:Fallback>
-            <p:pic>
-              <p:nvPicPr>
-                <p:cNvPr id="46" name="Ink 45">
-                  <a:extLst>
-                    <a:ext uri="{FF2B5EF4-FFF2-40B4-BE49-F238E27FC236}">
-                      <a16:creationId xmlns:a16="http://schemas.microsoft.com/office/drawing/2014/main" id="{07455055-29E3-086B-46DC-622DD7357E6A}"/>
-                    </a:ext>
-                  </a:extLst>
-                </p:cNvPr>
-                <p:cNvPicPr/>
-                <p:nvPr/>
-              </p:nvPicPr>
-              <p:blipFill>
-                <a:blip r:embed="rId59"/>
-                <a:stretch>
-                  <a:fillRect/>
-                </a:stretch>
-              </p:blipFill>
-              <p:spPr>
-                <a:xfrm>
-                  <a:off x="1962989" y="4228452"/>
-                  <a:ext cx="27360" cy="265680"/>
-                </a:xfrm>
-                <a:prstGeom prst="rect">
-                  <a:avLst/>
-                </a:prstGeom>
-              </p:spPr>
-            </p:pic>
-          </mc:Fallback>
-        </mc:AlternateContent>
-        <mc:AlternateContent xmlns:mc="http://schemas.openxmlformats.org/markup-compatibility/2006">
-          <mc:Choice xmlns:p14="http://schemas.microsoft.com/office/powerpoint/2010/main" Requires="p14">
-            <p:contentPart p14:bwMode="auto" r:id="rId60">
-              <p14:nvContentPartPr>
-                <p14:cNvPr id="47" name="Ink 46">
-                  <a:extLst>
-                    <a:ext uri="{FF2B5EF4-FFF2-40B4-BE49-F238E27FC236}">
-                      <a16:creationId xmlns:a16="http://schemas.microsoft.com/office/drawing/2014/main" id="{2843B95F-5FB5-9FEA-E307-9357F6997140}"/>
-                    </a:ext>
-                  </a:extLst>
-                </p14:cNvPr>
-                <p14:cNvContentPartPr/>
-                <p14:nvPr/>
-              </p14:nvContentPartPr>
-              <p14:xfrm>
-                <a:off x="1928429" y="4281732"/>
-                <a:ext cx="130320" cy="144000"/>
-              </p14:xfrm>
-            </p:contentPart>
-          </mc:Choice>
-          <mc:Fallback>
-            <p:pic>
-              <p:nvPicPr>
-                <p:cNvPr id="47" name="Ink 46">
-                  <a:extLst>
-                    <a:ext uri="{FF2B5EF4-FFF2-40B4-BE49-F238E27FC236}">
-                      <a16:creationId xmlns:a16="http://schemas.microsoft.com/office/drawing/2014/main" id="{2843B95F-5FB5-9FEA-E307-9357F6997140}"/>
-                    </a:ext>
-                  </a:extLst>
-                </p:cNvPr>
-                <p:cNvPicPr/>
-                <p:nvPr/>
-              </p:nvPicPr>
-              <p:blipFill>
-                <a:blip r:embed="rId61"/>
-                <a:stretch>
-                  <a:fillRect/>
-                </a:stretch>
-              </p:blipFill>
-              <p:spPr>
-                <a:xfrm>
-                  <a:off x="1922309" y="4275612"/>
-                  <a:ext cx="142560" cy="156240"/>
-                </a:xfrm>
-                <a:prstGeom prst="rect">
-                  <a:avLst/>
-                </a:prstGeom>
-              </p:spPr>
-            </p:pic>
-          </mc:Fallback>
-        </mc:AlternateContent>
-        <mc:AlternateContent xmlns:mc="http://schemas.openxmlformats.org/markup-compatibility/2006">
-          <mc:Choice xmlns:p14="http://schemas.microsoft.com/office/powerpoint/2010/main" Requires="p14">
-            <p:contentPart p14:bwMode="auto" r:id="rId62">
-              <p14:nvContentPartPr>
-                <p14:cNvPr id="48" name="Ink 47">
-                  <a:extLst>
-                    <a:ext uri="{FF2B5EF4-FFF2-40B4-BE49-F238E27FC236}">
-                      <a16:creationId xmlns:a16="http://schemas.microsoft.com/office/drawing/2014/main" id="{8CBB60B2-A1FF-97CF-36D4-57A9BEA2B55E}"/>
-                    </a:ext>
-                  </a:extLst>
-                </p14:cNvPr>
-                <p14:cNvContentPartPr/>
-                <p14:nvPr/>
-              </p14:nvContentPartPr>
-              <p14:xfrm>
-                <a:off x="2056589" y="4340412"/>
-                <a:ext cx="57240" cy="62280"/>
-              </p14:xfrm>
-            </p:contentPart>
-          </mc:Choice>
-          <mc:Fallback>
-            <p:pic>
-              <p:nvPicPr>
-                <p:cNvPr id="48" name="Ink 47">
-                  <a:extLst>
-                    <a:ext uri="{FF2B5EF4-FFF2-40B4-BE49-F238E27FC236}">
-                      <a16:creationId xmlns:a16="http://schemas.microsoft.com/office/drawing/2014/main" id="{8CBB60B2-A1FF-97CF-36D4-57A9BEA2B55E}"/>
-                    </a:ext>
-                  </a:extLst>
-                </p:cNvPr>
-                <p:cNvPicPr/>
-                <p:nvPr/>
-              </p:nvPicPr>
-              <p:blipFill>
-                <a:blip r:embed="rId63"/>
-                <a:stretch>
-                  <a:fillRect/>
-                </a:stretch>
-              </p:blipFill>
-              <p:spPr>
-                <a:xfrm>
-                  <a:off x="2050469" y="4334292"/>
-                  <a:ext cx="69480" cy="74520"/>
-                </a:xfrm>
-                <a:prstGeom prst="rect">
-                  <a:avLst/>
-                </a:prstGeom>
-              </p:spPr>
-            </p:pic>
-          </mc:Fallback>
-        </mc:AlternateContent>
-        <mc:AlternateContent xmlns:mc="http://schemas.openxmlformats.org/markup-compatibility/2006">
-          <mc:Choice xmlns:p14="http://schemas.microsoft.com/office/powerpoint/2010/main" Requires="p14">
-            <p:contentPart p14:bwMode="auto" r:id="rId64">
-              <p14:nvContentPartPr>
-                <p14:cNvPr id="49" name="Ink 48">
-                  <a:extLst>
-                    <a:ext uri="{FF2B5EF4-FFF2-40B4-BE49-F238E27FC236}">
-                      <a16:creationId xmlns:a16="http://schemas.microsoft.com/office/drawing/2014/main" id="{7593EEEC-E34A-E831-F665-0DD9726ECD49}"/>
-                    </a:ext>
-                  </a:extLst>
-                </p14:cNvPr>
-                <p14:cNvContentPartPr/>
-                <p14:nvPr/>
-              </p14:nvContentPartPr>
-              <p14:xfrm>
-                <a:off x="2181509" y="4154652"/>
-                <a:ext cx="7560" cy="269640"/>
-              </p14:xfrm>
-            </p:contentPart>
-          </mc:Choice>
-          <mc:Fallback>
-            <p:pic>
-              <p:nvPicPr>
-                <p:cNvPr id="49" name="Ink 48">
-                  <a:extLst>
-                    <a:ext uri="{FF2B5EF4-FFF2-40B4-BE49-F238E27FC236}">
-                      <a16:creationId xmlns:a16="http://schemas.microsoft.com/office/drawing/2014/main" id="{7593EEEC-E34A-E831-F665-0DD9726ECD49}"/>
-                    </a:ext>
-                  </a:extLst>
-                </p:cNvPr>
-                <p:cNvPicPr/>
-                <p:nvPr/>
-              </p:nvPicPr>
-              <p:blipFill>
-                <a:blip r:embed="rId65"/>
-                <a:stretch>
-                  <a:fillRect/>
-                </a:stretch>
-              </p:blipFill>
-              <p:spPr>
-                <a:xfrm>
-                  <a:off x="2175389" y="4148532"/>
-                  <a:ext cx="19800" cy="281880"/>
-                </a:xfrm>
-                <a:prstGeom prst="rect">
-                  <a:avLst/>
-                </a:prstGeom>
-              </p:spPr>
-            </p:pic>
-          </mc:Fallback>
-        </mc:AlternateContent>
-        <mc:AlternateContent xmlns:mc="http://schemas.openxmlformats.org/markup-compatibility/2006">
-          <mc:Choice xmlns:p14="http://schemas.microsoft.com/office/powerpoint/2010/main" Requires="p14">
-            <p:contentPart p14:bwMode="auto" r:id="rId66">
-              <p14:nvContentPartPr>
-                <p14:cNvPr id="50" name="Ink 49">
-                  <a:extLst>
-                    <a:ext uri="{FF2B5EF4-FFF2-40B4-BE49-F238E27FC236}">
-                      <a16:creationId xmlns:a16="http://schemas.microsoft.com/office/drawing/2014/main" id="{B48AEF69-2FB8-91BA-CBC4-60E2ACCD6BF6}"/>
-                    </a:ext>
-                  </a:extLst>
-                </p14:cNvPr>
-                <p14:cNvContentPartPr/>
-                <p14:nvPr/>
-              </p14:nvContentPartPr>
-              <p14:xfrm>
-                <a:off x="2114909" y="4289292"/>
-                <a:ext cx="118440" cy="4320"/>
-              </p14:xfrm>
-            </p:contentPart>
-          </mc:Choice>
-          <mc:Fallback>
-            <p:pic>
-              <p:nvPicPr>
-                <p:cNvPr id="50" name="Ink 49">
-                  <a:extLst>
-                    <a:ext uri="{FF2B5EF4-FFF2-40B4-BE49-F238E27FC236}">
-                      <a16:creationId xmlns:a16="http://schemas.microsoft.com/office/drawing/2014/main" id="{B48AEF69-2FB8-91BA-CBC4-60E2ACCD6BF6}"/>
-                    </a:ext>
-                  </a:extLst>
-                </p:cNvPr>
-                <p:cNvPicPr/>
-                <p:nvPr/>
-              </p:nvPicPr>
-              <p:blipFill>
-                <a:blip r:embed="rId67"/>
-                <a:stretch>
-                  <a:fillRect/>
-                </a:stretch>
-              </p:blipFill>
-              <p:spPr>
-                <a:xfrm>
-                  <a:off x="2108789" y="4283172"/>
-                  <a:ext cx="130680" cy="16560"/>
-                </a:xfrm>
-                <a:prstGeom prst="rect">
-                  <a:avLst/>
-                </a:prstGeom>
-              </p:spPr>
-            </p:pic>
-          </mc:Fallback>
-        </mc:AlternateContent>
-        <mc:AlternateContent xmlns:mc="http://schemas.openxmlformats.org/markup-compatibility/2006">
-          <mc:Choice xmlns:p14="http://schemas.microsoft.com/office/powerpoint/2010/main" Requires="p14">
-            <p:contentPart p14:bwMode="auto" r:id="rId68">
-              <p14:nvContentPartPr>
-                <p14:cNvPr id="51" name="Ink 50">
-                  <a:extLst>
-                    <a:ext uri="{FF2B5EF4-FFF2-40B4-BE49-F238E27FC236}">
-                      <a16:creationId xmlns:a16="http://schemas.microsoft.com/office/drawing/2014/main" id="{19BDDE6A-094D-716C-C662-D10B9D440CB5}"/>
-                    </a:ext>
-                  </a:extLst>
-                </p14:cNvPr>
-                <p14:cNvContentPartPr/>
-                <p14:nvPr/>
-              </p14:nvContentPartPr>
-              <p14:xfrm>
-                <a:off x="2239829" y="4330692"/>
-                <a:ext cx="146160" cy="106560"/>
-              </p14:xfrm>
-            </p:contentPart>
-          </mc:Choice>
-          <mc:Fallback>
-            <p:pic>
-              <p:nvPicPr>
-                <p:cNvPr id="51" name="Ink 50">
-                  <a:extLst>
-                    <a:ext uri="{FF2B5EF4-FFF2-40B4-BE49-F238E27FC236}">
-                      <a16:creationId xmlns:a16="http://schemas.microsoft.com/office/drawing/2014/main" id="{19BDDE6A-094D-716C-C662-D10B9D440CB5}"/>
-                    </a:ext>
-                  </a:extLst>
-                </p:cNvPr>
-                <p:cNvPicPr/>
-                <p:nvPr/>
-              </p:nvPicPr>
-              <p:blipFill>
-                <a:blip r:embed="rId69"/>
-                <a:stretch>
-                  <a:fillRect/>
-                </a:stretch>
-              </p:blipFill>
-              <p:spPr>
-                <a:xfrm>
-                  <a:off x="2233709" y="4324572"/>
-                  <a:ext cx="158400" cy="118800"/>
-                </a:xfrm>
-                <a:prstGeom prst="rect">
-                  <a:avLst/>
-                </a:prstGeom>
-              </p:spPr>
-            </p:pic>
-          </mc:Fallback>
-        </mc:AlternateContent>
-      </p:grpSp>
-      <p:grpSp>
-        <p:nvGrpSpPr>
-          <p:cNvPr id="58" name="Group 57">
-            <a:extLst>
-              <a:ext uri="{FF2B5EF4-FFF2-40B4-BE49-F238E27FC236}">
-                <a16:creationId xmlns:a16="http://schemas.microsoft.com/office/drawing/2014/main" id="{37CFBD17-AFB0-8B25-D957-421D615F660B}"/>
-              </a:ext>
-            </a:extLst>
-          </p:cNvPr>
-          <p:cNvGrpSpPr/>
-          <p:nvPr/>
-        </p:nvGrpSpPr>
-        <p:grpSpPr>
-          <a:xfrm>
-            <a:off x="3186269" y="3943692"/>
-            <a:ext cx="622080" cy="534240"/>
-            <a:chOff x="3186269" y="3943692"/>
-            <a:chExt cx="622080" cy="534240"/>
-          </a:xfrm>
-        </p:grpSpPr>
-        <mc:AlternateContent xmlns:mc="http://schemas.openxmlformats.org/markup-compatibility/2006">
-          <mc:Choice xmlns:p14="http://schemas.microsoft.com/office/powerpoint/2010/main" Requires="p14">
-            <p:contentPart p14:bwMode="auto" r:id="rId70">
-              <p14:nvContentPartPr>
-                <p14:cNvPr id="53" name="Ink 52">
-                  <a:extLst>
-                    <a:ext uri="{FF2B5EF4-FFF2-40B4-BE49-F238E27FC236}">
-                      <a16:creationId xmlns:a16="http://schemas.microsoft.com/office/drawing/2014/main" id="{005BE9A3-7738-51FB-0A6C-C41FAF9CC015}"/>
-                    </a:ext>
-                  </a:extLst>
-                </p14:cNvPr>
-                <p14:cNvContentPartPr/>
-                <p14:nvPr/>
-              </p14:nvContentPartPr>
-              <p14:xfrm>
-                <a:off x="3188069" y="4312692"/>
-                <a:ext cx="327240" cy="10440"/>
-              </p14:xfrm>
-            </p:contentPart>
-          </mc:Choice>
-          <mc:Fallback>
-            <p:pic>
-              <p:nvPicPr>
-                <p:cNvPr id="53" name="Ink 52">
-                  <a:extLst>
-                    <a:ext uri="{FF2B5EF4-FFF2-40B4-BE49-F238E27FC236}">
-                      <a16:creationId xmlns:a16="http://schemas.microsoft.com/office/drawing/2014/main" id="{005BE9A3-7738-51FB-0A6C-C41FAF9CC015}"/>
-                    </a:ext>
-                  </a:extLst>
-                </p:cNvPr>
-                <p:cNvPicPr/>
-                <p:nvPr/>
-              </p:nvPicPr>
-              <p:blipFill>
-                <a:blip r:embed="rId71"/>
-                <a:stretch>
-                  <a:fillRect/>
-                </a:stretch>
-              </p:blipFill>
-              <p:spPr>
-                <a:xfrm>
-                  <a:off x="3181949" y="4306572"/>
-                  <a:ext cx="339480" cy="22680"/>
-                </a:xfrm>
-                <a:prstGeom prst="rect">
-                  <a:avLst/>
-                </a:prstGeom>
-              </p:spPr>
-            </p:pic>
-          </mc:Fallback>
-        </mc:AlternateContent>
-        <mc:AlternateContent xmlns:mc="http://schemas.openxmlformats.org/markup-compatibility/2006">
-          <mc:Choice xmlns:p14="http://schemas.microsoft.com/office/powerpoint/2010/main" Requires="p14">
-            <p:contentPart p14:bwMode="auto" r:id="rId72">
-              <p14:nvContentPartPr>
-                <p14:cNvPr id="54" name="Ink 53">
-                  <a:extLst>
-                    <a:ext uri="{FF2B5EF4-FFF2-40B4-BE49-F238E27FC236}">
-                      <a16:creationId xmlns:a16="http://schemas.microsoft.com/office/drawing/2014/main" id="{6FF6691D-E256-47FC-A384-1A8E31BD24AC}"/>
-                    </a:ext>
-                  </a:extLst>
-                </p14:cNvPr>
-                <p14:cNvContentPartPr/>
-                <p14:nvPr/>
-              </p14:nvContentPartPr>
-              <p14:xfrm>
-                <a:off x="3226589" y="4086252"/>
-                <a:ext cx="324720" cy="15480"/>
-              </p14:xfrm>
-            </p:contentPart>
-          </mc:Choice>
-          <mc:Fallback>
-            <p:pic>
-              <p:nvPicPr>
-                <p:cNvPr id="54" name="Ink 53">
-                  <a:extLst>
-                    <a:ext uri="{FF2B5EF4-FFF2-40B4-BE49-F238E27FC236}">
-                      <a16:creationId xmlns:a16="http://schemas.microsoft.com/office/drawing/2014/main" id="{6FF6691D-E256-47FC-A384-1A8E31BD24AC}"/>
-                    </a:ext>
-                  </a:extLst>
-                </p:cNvPr>
-                <p:cNvPicPr/>
-                <p:nvPr/>
-              </p:nvPicPr>
-              <p:blipFill>
-                <a:blip r:embed="rId73"/>
-                <a:stretch>
-                  <a:fillRect/>
-                </a:stretch>
-              </p:blipFill>
-              <p:spPr>
-                <a:xfrm>
-                  <a:off x="3220469" y="4080132"/>
-                  <a:ext cx="336960" cy="27720"/>
-                </a:xfrm>
-                <a:prstGeom prst="rect">
-                  <a:avLst/>
-                </a:prstGeom>
-              </p:spPr>
-            </p:pic>
-          </mc:Fallback>
-        </mc:AlternateContent>
-        <mc:AlternateContent xmlns:mc="http://schemas.openxmlformats.org/markup-compatibility/2006">
-          <mc:Choice xmlns:p14="http://schemas.microsoft.com/office/powerpoint/2010/main" Requires="p14">
-            <p:contentPart p14:bwMode="auto" r:id="rId74">
-              <p14:nvContentPartPr>
-                <p14:cNvPr id="55" name="Ink 54">
-                  <a:extLst>
-                    <a:ext uri="{FF2B5EF4-FFF2-40B4-BE49-F238E27FC236}">
-                      <a16:creationId xmlns:a16="http://schemas.microsoft.com/office/drawing/2014/main" id="{B68D09F7-98A5-75F2-9D11-99DB6D1048ED}"/>
-                    </a:ext>
-                  </a:extLst>
-                </p14:cNvPr>
-                <p14:cNvContentPartPr/>
-                <p14:nvPr/>
-              </p14:nvContentPartPr>
-              <p14:xfrm>
-                <a:off x="3508469" y="3943692"/>
-                <a:ext cx="299880" cy="534240"/>
-              </p14:xfrm>
-            </p:contentPart>
-          </mc:Choice>
-          <mc:Fallback>
-            <p:pic>
-              <p:nvPicPr>
-                <p:cNvPr id="55" name="Ink 54">
-                  <a:extLst>
-                    <a:ext uri="{FF2B5EF4-FFF2-40B4-BE49-F238E27FC236}">
-                      <a16:creationId xmlns:a16="http://schemas.microsoft.com/office/drawing/2014/main" id="{B68D09F7-98A5-75F2-9D11-99DB6D1048ED}"/>
-                    </a:ext>
-                  </a:extLst>
-                </p:cNvPr>
-                <p:cNvPicPr/>
-                <p:nvPr/>
-              </p:nvPicPr>
-              <p:blipFill>
-                <a:blip r:embed="rId75"/>
-                <a:stretch>
-                  <a:fillRect/>
-                </a:stretch>
-              </p:blipFill>
-              <p:spPr>
-                <a:xfrm>
-                  <a:off x="3502349" y="3937572"/>
-                  <a:ext cx="312120" cy="546480"/>
-                </a:xfrm>
-                <a:prstGeom prst="rect">
-                  <a:avLst/>
-                </a:prstGeom>
-              </p:spPr>
-            </p:pic>
-          </mc:Fallback>
-        </mc:AlternateContent>
-        <mc:AlternateContent xmlns:mc="http://schemas.openxmlformats.org/markup-compatibility/2006">
-          <mc:Choice xmlns:p14="http://schemas.microsoft.com/office/powerpoint/2010/main" Requires="p14">
-            <p:contentPart p14:bwMode="auto" r:id="rId76">
-              <p14:nvContentPartPr>
-                <p14:cNvPr id="57" name="Ink 56">
-                  <a:extLst>
-                    <a:ext uri="{FF2B5EF4-FFF2-40B4-BE49-F238E27FC236}">
-                      <a16:creationId xmlns:a16="http://schemas.microsoft.com/office/drawing/2014/main" id="{1AEE89EE-CC49-FC6D-9CE8-AE728F4AA2B4}"/>
-                    </a:ext>
-                  </a:extLst>
-                </p14:cNvPr>
-                <p14:cNvContentPartPr/>
-                <p14:nvPr/>
-              </p14:nvContentPartPr>
-              <p14:xfrm>
-                <a:off x="3186269" y="4119012"/>
-                <a:ext cx="10800" cy="198720"/>
-              </p14:xfrm>
-            </p:contentPart>
-          </mc:Choice>
-          <mc:Fallback>
-            <p:pic>
-              <p:nvPicPr>
-                <p:cNvPr id="57" name="Ink 56">
-                  <a:extLst>
-                    <a:ext uri="{FF2B5EF4-FFF2-40B4-BE49-F238E27FC236}">
-                      <a16:creationId xmlns:a16="http://schemas.microsoft.com/office/drawing/2014/main" id="{1AEE89EE-CC49-FC6D-9CE8-AE728F4AA2B4}"/>
-                    </a:ext>
-                  </a:extLst>
-                </p:cNvPr>
-                <p:cNvPicPr/>
-                <p:nvPr/>
-              </p:nvPicPr>
-              <p:blipFill>
-                <a:blip r:embed="rId77"/>
-                <a:stretch>
-                  <a:fillRect/>
-                </a:stretch>
-              </p:blipFill>
-              <p:spPr>
-                <a:xfrm>
-                  <a:off x="3180149" y="4112892"/>
-                  <a:ext cx="23040" cy="210960"/>
-                </a:xfrm>
-                <a:prstGeom prst="rect">
-                  <a:avLst/>
-                </a:prstGeom>
-              </p:spPr>
-            </p:pic>
-          </mc:Fallback>
-        </mc:AlternateContent>
-      </p:grpSp>
-      <p:grpSp>
-        <p:nvGrpSpPr>
-          <p:cNvPr id="64" name="Group 63">
-            <a:extLst>
-              <a:ext uri="{FF2B5EF4-FFF2-40B4-BE49-F238E27FC236}">
-                <a16:creationId xmlns:a16="http://schemas.microsoft.com/office/drawing/2014/main" id="{3CAA380C-7386-CBD5-7970-B7C97ADF496F}"/>
-              </a:ext>
-            </a:extLst>
-          </p:cNvPr>
-          <p:cNvGrpSpPr/>
-          <p:nvPr/>
-        </p:nvGrpSpPr>
-        <p:grpSpPr>
-          <a:xfrm>
-            <a:off x="7253909" y="3928932"/>
-            <a:ext cx="587880" cy="538560"/>
-            <a:chOff x="7253909" y="3928932"/>
-            <a:chExt cx="587880" cy="538560"/>
-          </a:xfrm>
-        </p:grpSpPr>
-        <mc:AlternateContent xmlns:mc="http://schemas.openxmlformats.org/markup-compatibility/2006">
-          <mc:Choice xmlns:p14="http://schemas.microsoft.com/office/powerpoint/2010/main" Requires="p14">
-            <p:contentPart p14:bwMode="auto" r:id="rId78">
-              <p14:nvContentPartPr>
-                <p14:cNvPr id="59" name="Ink 58">
-                  <a:extLst>
-                    <a:ext uri="{FF2B5EF4-FFF2-40B4-BE49-F238E27FC236}">
-                      <a16:creationId xmlns:a16="http://schemas.microsoft.com/office/drawing/2014/main" id="{30C15131-A405-9B0C-0DCF-895A4B608381}"/>
-                    </a:ext>
-                  </a:extLst>
-                </p14:cNvPr>
-                <p14:cNvContentPartPr/>
-                <p14:nvPr/>
-              </p14:nvContentPartPr>
-              <p14:xfrm>
-                <a:off x="7256069" y="4111092"/>
-                <a:ext cx="254880" cy="10080"/>
-              </p14:xfrm>
-            </p:contentPart>
-          </mc:Choice>
-          <mc:Fallback>
-            <p:pic>
-              <p:nvPicPr>
-                <p:cNvPr id="59" name="Ink 58">
-                  <a:extLst>
-                    <a:ext uri="{FF2B5EF4-FFF2-40B4-BE49-F238E27FC236}">
-                      <a16:creationId xmlns:a16="http://schemas.microsoft.com/office/drawing/2014/main" id="{30C15131-A405-9B0C-0DCF-895A4B608381}"/>
-                    </a:ext>
-                  </a:extLst>
-                </p:cNvPr>
-                <p:cNvPicPr/>
-                <p:nvPr/>
-              </p:nvPicPr>
-              <p:blipFill>
-                <a:blip r:embed="rId79"/>
-                <a:stretch>
-                  <a:fillRect/>
-                </a:stretch>
-              </p:blipFill>
-              <p:spPr>
-                <a:xfrm>
-                  <a:off x="7249949" y="4104972"/>
-                  <a:ext cx="267120" cy="22320"/>
-                </a:xfrm>
-                <a:prstGeom prst="rect">
-                  <a:avLst/>
-                </a:prstGeom>
-              </p:spPr>
-            </p:pic>
-          </mc:Fallback>
-        </mc:AlternateContent>
-        <mc:AlternateContent xmlns:mc="http://schemas.openxmlformats.org/markup-compatibility/2006">
-          <mc:Choice xmlns:p14="http://schemas.microsoft.com/office/powerpoint/2010/main" Requires="p14">
-            <p:contentPart p14:bwMode="auto" r:id="rId80">
-              <p14:nvContentPartPr>
-                <p14:cNvPr id="60" name="Ink 59">
-                  <a:extLst>
-                    <a:ext uri="{FF2B5EF4-FFF2-40B4-BE49-F238E27FC236}">
-                      <a16:creationId xmlns:a16="http://schemas.microsoft.com/office/drawing/2014/main" id="{8B6884AD-3725-B835-4CA8-ED6CFBFA3EB3}"/>
-                    </a:ext>
-                  </a:extLst>
-                </p14:cNvPr>
-                <p14:cNvContentPartPr/>
-                <p14:nvPr/>
-              </p14:nvContentPartPr>
-              <p14:xfrm>
-                <a:off x="7291349" y="4347612"/>
-                <a:ext cx="288720" cy="22320"/>
-              </p14:xfrm>
-            </p:contentPart>
-          </mc:Choice>
-          <mc:Fallback>
-            <p:pic>
-              <p:nvPicPr>
-                <p:cNvPr id="60" name="Ink 59">
-                  <a:extLst>
-                    <a:ext uri="{FF2B5EF4-FFF2-40B4-BE49-F238E27FC236}">
-                      <a16:creationId xmlns:a16="http://schemas.microsoft.com/office/drawing/2014/main" id="{8B6884AD-3725-B835-4CA8-ED6CFBFA3EB3}"/>
-                    </a:ext>
-                  </a:extLst>
-                </p:cNvPr>
-                <p:cNvPicPr/>
-                <p:nvPr/>
-              </p:nvPicPr>
-              <p:blipFill>
-                <a:blip r:embed="rId81"/>
-                <a:stretch>
-                  <a:fillRect/>
-                </a:stretch>
-              </p:blipFill>
-              <p:spPr>
-                <a:xfrm>
-                  <a:off x="7285229" y="4341492"/>
-                  <a:ext cx="300960" cy="34560"/>
-                </a:xfrm>
-                <a:prstGeom prst="rect">
-                  <a:avLst/>
-                </a:prstGeom>
-              </p:spPr>
-            </p:pic>
-          </mc:Fallback>
-        </mc:AlternateContent>
-        <mc:AlternateContent xmlns:mc="http://schemas.openxmlformats.org/markup-compatibility/2006">
-          <mc:Choice xmlns:p14="http://schemas.microsoft.com/office/powerpoint/2010/main" Requires="p14">
-            <p:contentPart p14:bwMode="auto" r:id="rId82">
-              <p14:nvContentPartPr>
-                <p14:cNvPr id="61" name="Ink 60">
-                  <a:extLst>
-                    <a:ext uri="{FF2B5EF4-FFF2-40B4-BE49-F238E27FC236}">
-                      <a16:creationId xmlns:a16="http://schemas.microsoft.com/office/drawing/2014/main" id="{634C887C-DBC1-D077-494F-92CFF0B14A92}"/>
-                    </a:ext>
-                  </a:extLst>
-                </p14:cNvPr>
-                <p14:cNvContentPartPr/>
-                <p14:nvPr/>
-              </p14:nvContentPartPr>
-              <p14:xfrm>
-                <a:off x="7253909" y="4137372"/>
-                <a:ext cx="12960" cy="231120"/>
-              </p14:xfrm>
-            </p:contentPart>
-          </mc:Choice>
-          <mc:Fallback>
-            <p:pic>
-              <p:nvPicPr>
-                <p:cNvPr id="61" name="Ink 60">
-                  <a:extLst>
-                    <a:ext uri="{FF2B5EF4-FFF2-40B4-BE49-F238E27FC236}">
-                      <a16:creationId xmlns:a16="http://schemas.microsoft.com/office/drawing/2014/main" id="{634C887C-DBC1-D077-494F-92CFF0B14A92}"/>
-                    </a:ext>
-                  </a:extLst>
-                </p:cNvPr>
-                <p:cNvPicPr/>
-                <p:nvPr/>
-              </p:nvPicPr>
-              <p:blipFill>
-                <a:blip r:embed="rId83"/>
-                <a:stretch>
-                  <a:fillRect/>
-                </a:stretch>
-              </p:blipFill>
-              <p:spPr>
-                <a:xfrm>
-                  <a:off x="7247789" y="4131252"/>
-                  <a:ext cx="25200" cy="243360"/>
-                </a:xfrm>
-                <a:prstGeom prst="rect">
-                  <a:avLst/>
-                </a:prstGeom>
-              </p:spPr>
-            </p:pic>
-          </mc:Fallback>
-        </mc:AlternateContent>
-        <mc:AlternateContent xmlns:mc="http://schemas.openxmlformats.org/markup-compatibility/2006">
-          <mc:Choice xmlns:p14="http://schemas.microsoft.com/office/powerpoint/2010/main" Requires="p14">
-            <p:contentPart p14:bwMode="auto" r:id="rId84">
-              <p14:nvContentPartPr>
-                <p14:cNvPr id="63" name="Ink 62">
-                  <a:extLst>
-                    <a:ext uri="{FF2B5EF4-FFF2-40B4-BE49-F238E27FC236}">
-                      <a16:creationId xmlns:a16="http://schemas.microsoft.com/office/drawing/2014/main" id="{BD516039-865B-7BF6-F72A-6F74372A9FC5}"/>
-                    </a:ext>
-                  </a:extLst>
-                </p14:cNvPr>
-                <p14:cNvContentPartPr/>
-                <p14:nvPr/>
-              </p14:nvContentPartPr>
-              <p14:xfrm>
-                <a:off x="7468469" y="3928932"/>
-                <a:ext cx="373320" cy="538560"/>
-              </p14:xfrm>
-            </p:contentPart>
-          </mc:Choice>
-          <mc:Fallback>
-            <p:pic>
-              <p:nvPicPr>
-                <p:cNvPr id="63" name="Ink 62">
-                  <a:extLst>
-                    <a:ext uri="{FF2B5EF4-FFF2-40B4-BE49-F238E27FC236}">
-                      <a16:creationId xmlns:a16="http://schemas.microsoft.com/office/drawing/2014/main" id="{BD516039-865B-7BF6-F72A-6F74372A9FC5}"/>
-                    </a:ext>
-                  </a:extLst>
-                </p:cNvPr>
-                <p:cNvPicPr/>
-                <p:nvPr/>
-              </p:nvPicPr>
-              <p:blipFill>
-                <a:blip r:embed="rId85"/>
-                <a:stretch>
-                  <a:fillRect/>
-                </a:stretch>
-              </p:blipFill>
-              <p:spPr>
-                <a:xfrm>
-                  <a:off x="7462349" y="3922812"/>
-                  <a:ext cx="385560" cy="550800"/>
-                </a:xfrm>
-                <a:prstGeom prst="rect">
-                  <a:avLst/>
-                </a:prstGeom>
-              </p:spPr>
-            </p:pic>
-          </mc:Fallback>
-        </mc:AlternateContent>
-      </p:grpSp>
-      <mc:AlternateContent xmlns:mc="http://schemas.openxmlformats.org/markup-compatibility/2006">
-        <mc:Choice xmlns:p14="http://schemas.microsoft.com/office/powerpoint/2010/main" Requires="p14">
-          <p:contentPart p14:bwMode="auto" r:id="rId86">
-            <p14:nvContentPartPr>
-              <p14:cNvPr id="65" name="Ink 64">
-                <a:extLst>
-                  <a:ext uri="{FF2B5EF4-FFF2-40B4-BE49-F238E27FC236}">
-                    <a16:creationId xmlns:a16="http://schemas.microsoft.com/office/drawing/2014/main" id="{8E9C1D50-34AF-C631-0421-963ED5175D8A}"/>
-                  </a:ext>
-                </a:extLst>
-              </p14:cNvPr>
-              <p14:cNvContentPartPr/>
-              <p14:nvPr/>
-            </p14:nvContentPartPr>
-            <p14:xfrm>
-              <a:off x="8598869" y="3778812"/>
-              <a:ext cx="1576080" cy="1261080"/>
-            </p14:xfrm>
-          </p:contentPart>
-        </mc:Choice>
-        <mc:Fallback>
-          <p:pic>
-            <p:nvPicPr>
-              <p:cNvPr id="65" name="Ink 64">
-                <a:extLst>
-                  <a:ext uri="{FF2B5EF4-FFF2-40B4-BE49-F238E27FC236}">
-                    <a16:creationId xmlns:a16="http://schemas.microsoft.com/office/drawing/2014/main" id="{8E9C1D50-34AF-C631-0421-963ED5175D8A}"/>
-                  </a:ext>
-                </a:extLst>
-              </p:cNvPr>
-              <p:cNvPicPr/>
-              <p:nvPr/>
-            </p:nvPicPr>
-            <p:blipFill>
-              <a:blip r:embed="rId87"/>
-              <a:stretch>
-                <a:fillRect/>
-              </a:stretch>
-            </p:blipFill>
-            <p:spPr>
-              <a:xfrm>
-                <a:off x="8545229" y="3671172"/>
-                <a:ext cx="1683720" cy="1476720"/>
-              </a:xfrm>
-              <a:prstGeom prst="rect">
-                <a:avLst/>
-              </a:prstGeom>
-            </p:spPr>
-          </p:pic>
-        </mc:Fallback>
-      </mc:AlternateContent>
-      <p:grpSp>
-        <p:nvGrpSpPr>
-          <p:cNvPr id="78" name="Group 77">
-            <a:extLst>
-              <a:ext uri="{FF2B5EF4-FFF2-40B4-BE49-F238E27FC236}">
-                <a16:creationId xmlns:a16="http://schemas.microsoft.com/office/drawing/2014/main" id="{718897FB-9D7F-4F56-9213-DD8423016971}"/>
-              </a:ext>
-            </a:extLst>
-          </p:cNvPr>
-          <p:cNvGrpSpPr/>
-          <p:nvPr/>
-        </p:nvGrpSpPr>
-        <p:grpSpPr>
-          <a:xfrm>
-            <a:off x="8896949" y="4166532"/>
-            <a:ext cx="728280" cy="352440"/>
-            <a:chOff x="8896949" y="4166532"/>
-            <a:chExt cx="728280" cy="352440"/>
-          </a:xfrm>
-        </p:grpSpPr>
-        <mc:AlternateContent xmlns:mc="http://schemas.openxmlformats.org/markup-compatibility/2006">
-          <mc:Choice xmlns:p14="http://schemas.microsoft.com/office/powerpoint/2010/main" Requires="p14">
-            <p:contentPart p14:bwMode="auto" r:id="rId88">
-              <p14:nvContentPartPr>
-                <p14:cNvPr id="66" name="Ink 65">
-                  <a:extLst>
-                    <a:ext uri="{FF2B5EF4-FFF2-40B4-BE49-F238E27FC236}">
-                      <a16:creationId xmlns:a16="http://schemas.microsoft.com/office/drawing/2014/main" id="{D1E0F80B-966F-1D8C-985C-F7DB0E4EAE2C}"/>
-                    </a:ext>
-                  </a:extLst>
-                </p14:cNvPr>
-                <p14:cNvContentPartPr/>
-                <p14:nvPr/>
-              </p14:nvContentPartPr>
-              <p14:xfrm>
-                <a:off x="8926109" y="4237092"/>
-                <a:ext cx="10440" cy="254520"/>
-              </p14:xfrm>
-            </p:contentPart>
-          </mc:Choice>
-          <mc:Fallback>
-            <p:pic>
-              <p:nvPicPr>
-                <p:cNvPr id="66" name="Ink 65">
-                  <a:extLst>
-                    <a:ext uri="{FF2B5EF4-FFF2-40B4-BE49-F238E27FC236}">
-                      <a16:creationId xmlns:a16="http://schemas.microsoft.com/office/drawing/2014/main" id="{D1E0F80B-966F-1D8C-985C-F7DB0E4EAE2C}"/>
-                    </a:ext>
-                  </a:extLst>
-                </p:cNvPr>
-                <p:cNvPicPr/>
-                <p:nvPr/>
-              </p:nvPicPr>
-              <p:blipFill>
-                <a:blip r:embed="rId89"/>
-                <a:stretch>
-                  <a:fillRect/>
-                </a:stretch>
-              </p:blipFill>
-              <p:spPr>
-                <a:xfrm>
-                  <a:off x="8919989" y="4230972"/>
-                  <a:ext cx="22680" cy="266760"/>
-                </a:xfrm>
-                <a:prstGeom prst="rect">
-                  <a:avLst/>
-                </a:prstGeom>
-              </p:spPr>
-            </p:pic>
-          </mc:Fallback>
-        </mc:AlternateContent>
-        <mc:AlternateContent xmlns:mc="http://schemas.openxmlformats.org/markup-compatibility/2006">
-          <mc:Choice xmlns:p14="http://schemas.microsoft.com/office/powerpoint/2010/main" Requires="p14">
-            <p:contentPart p14:bwMode="auto" r:id="rId90">
-              <p14:nvContentPartPr>
-                <p14:cNvPr id="67" name="Ink 66">
-                  <a:extLst>
-                    <a:ext uri="{FF2B5EF4-FFF2-40B4-BE49-F238E27FC236}">
-                      <a16:creationId xmlns:a16="http://schemas.microsoft.com/office/drawing/2014/main" id="{C1593DA3-B4DC-76D0-703D-9AF83EF24638}"/>
-                    </a:ext>
-                  </a:extLst>
-                </p14:cNvPr>
-                <p14:cNvContentPartPr/>
-                <p14:nvPr/>
-              </p14:nvContentPartPr>
-              <p14:xfrm>
-                <a:off x="8896949" y="4168692"/>
-                <a:ext cx="129240" cy="289440"/>
-              </p14:xfrm>
-            </p:contentPart>
-          </mc:Choice>
-          <mc:Fallback>
-            <p:pic>
-              <p:nvPicPr>
-                <p:cNvPr id="67" name="Ink 66">
-                  <a:extLst>
-                    <a:ext uri="{FF2B5EF4-FFF2-40B4-BE49-F238E27FC236}">
-                      <a16:creationId xmlns:a16="http://schemas.microsoft.com/office/drawing/2014/main" id="{C1593DA3-B4DC-76D0-703D-9AF83EF24638}"/>
-                    </a:ext>
-                  </a:extLst>
-                </p:cNvPr>
-                <p:cNvPicPr/>
-                <p:nvPr/>
-              </p:nvPicPr>
-              <p:blipFill>
-                <a:blip r:embed="rId91"/>
-                <a:stretch>
-                  <a:fillRect/>
-                </a:stretch>
-              </p:blipFill>
-              <p:spPr>
-                <a:xfrm>
-                  <a:off x="8890829" y="4162572"/>
-                  <a:ext cx="141480" cy="301680"/>
-                </a:xfrm>
-                <a:prstGeom prst="rect">
-                  <a:avLst/>
-                </a:prstGeom>
-              </p:spPr>
-            </p:pic>
-          </mc:Fallback>
-        </mc:AlternateContent>
-        <mc:AlternateContent xmlns:mc="http://schemas.openxmlformats.org/markup-compatibility/2006">
-          <mc:Choice xmlns:p14="http://schemas.microsoft.com/office/powerpoint/2010/main" Requires="p14">
-            <p:contentPart p14:bwMode="auto" r:id="rId92">
-              <p14:nvContentPartPr>
-                <p14:cNvPr id="68" name="Ink 67">
-                  <a:extLst>
-                    <a:ext uri="{FF2B5EF4-FFF2-40B4-BE49-F238E27FC236}">
-                      <a16:creationId xmlns:a16="http://schemas.microsoft.com/office/drawing/2014/main" id="{6AFF56B1-9F56-F6B0-690C-0CD4A62E1ABF}"/>
-                    </a:ext>
-                  </a:extLst>
-                </p14:cNvPr>
-                <p14:cNvContentPartPr/>
-                <p14:nvPr/>
-              </p14:nvContentPartPr>
-              <p14:xfrm>
-                <a:off x="9048869" y="4310172"/>
-                <a:ext cx="97560" cy="130680"/>
-              </p14:xfrm>
-            </p:contentPart>
-          </mc:Choice>
-          <mc:Fallback>
-            <p:pic>
-              <p:nvPicPr>
-                <p:cNvPr id="68" name="Ink 67">
-                  <a:extLst>
-                    <a:ext uri="{FF2B5EF4-FFF2-40B4-BE49-F238E27FC236}">
-                      <a16:creationId xmlns:a16="http://schemas.microsoft.com/office/drawing/2014/main" id="{6AFF56B1-9F56-F6B0-690C-0CD4A62E1ABF}"/>
-                    </a:ext>
-                  </a:extLst>
-                </p:cNvPr>
-                <p:cNvPicPr/>
-                <p:nvPr/>
-              </p:nvPicPr>
-              <p:blipFill>
-                <a:blip r:embed="rId93"/>
-                <a:stretch>
-                  <a:fillRect/>
-                </a:stretch>
-              </p:blipFill>
-              <p:spPr>
-                <a:xfrm>
-                  <a:off x="9042749" y="4304052"/>
-                  <a:ext cx="109800" cy="142920"/>
-                </a:xfrm>
-                <a:prstGeom prst="rect">
-                  <a:avLst/>
-                </a:prstGeom>
-              </p:spPr>
-            </p:pic>
-          </mc:Fallback>
-        </mc:AlternateContent>
-        <mc:AlternateContent xmlns:mc="http://schemas.openxmlformats.org/markup-compatibility/2006">
-          <mc:Choice xmlns:p14="http://schemas.microsoft.com/office/powerpoint/2010/main" Requires="p14">
-            <p:contentPart p14:bwMode="auto" r:id="rId94">
-              <p14:nvContentPartPr>
-                <p14:cNvPr id="70" name="Ink 69">
-                  <a:extLst>
-                    <a:ext uri="{FF2B5EF4-FFF2-40B4-BE49-F238E27FC236}">
-                      <a16:creationId xmlns:a16="http://schemas.microsoft.com/office/drawing/2014/main" id="{29C1994C-F963-A98D-F942-F3CB01FCF8CF}"/>
-                    </a:ext>
-                  </a:extLst>
-                </p14:cNvPr>
-                <p14:cNvContentPartPr/>
-                <p14:nvPr/>
-              </p14:nvContentPartPr>
-              <p14:xfrm>
-                <a:off x="9144269" y="4298292"/>
-                <a:ext cx="98280" cy="158040"/>
-              </p14:xfrm>
-            </p:contentPart>
-          </mc:Choice>
-          <mc:Fallback>
-            <p:pic>
-              <p:nvPicPr>
-                <p:cNvPr id="70" name="Ink 69">
-                  <a:extLst>
-                    <a:ext uri="{FF2B5EF4-FFF2-40B4-BE49-F238E27FC236}">
-                      <a16:creationId xmlns:a16="http://schemas.microsoft.com/office/drawing/2014/main" id="{29C1994C-F963-A98D-F942-F3CB01FCF8CF}"/>
-                    </a:ext>
-                  </a:extLst>
-                </p:cNvPr>
-                <p:cNvPicPr/>
-                <p:nvPr/>
-              </p:nvPicPr>
-              <p:blipFill>
-                <a:blip r:embed="rId95"/>
-                <a:stretch>
-                  <a:fillRect/>
-                </a:stretch>
-              </p:blipFill>
-              <p:spPr>
-                <a:xfrm>
-                  <a:off x="9138149" y="4292172"/>
-                  <a:ext cx="110520" cy="170280"/>
-                </a:xfrm>
-                <a:prstGeom prst="rect">
-                  <a:avLst/>
-                </a:prstGeom>
-              </p:spPr>
-            </p:pic>
-          </mc:Fallback>
-        </mc:AlternateContent>
-        <mc:AlternateContent xmlns:mc="http://schemas.openxmlformats.org/markup-compatibility/2006">
-          <mc:Choice xmlns:p14="http://schemas.microsoft.com/office/powerpoint/2010/main" Requires="p14">
-            <p:contentPart p14:bwMode="auto" r:id="rId96">
-              <p14:nvContentPartPr>
-                <p14:cNvPr id="72" name="Ink 71">
-                  <a:extLst>
-                    <a:ext uri="{FF2B5EF4-FFF2-40B4-BE49-F238E27FC236}">
-                      <a16:creationId xmlns:a16="http://schemas.microsoft.com/office/drawing/2014/main" id="{079D8B03-A256-63A4-E415-E6E155CE4C24}"/>
-                    </a:ext>
-                  </a:extLst>
-                </p14:cNvPr>
-                <p14:cNvContentPartPr/>
-                <p14:nvPr/>
-              </p14:nvContentPartPr>
-              <p14:xfrm>
-                <a:off x="9300869" y="4304052"/>
-                <a:ext cx="90000" cy="135000"/>
-              </p14:xfrm>
-            </p:contentPart>
-          </mc:Choice>
-          <mc:Fallback>
-            <p:pic>
-              <p:nvPicPr>
-                <p:cNvPr id="72" name="Ink 71">
-                  <a:extLst>
-                    <a:ext uri="{FF2B5EF4-FFF2-40B4-BE49-F238E27FC236}">
-                      <a16:creationId xmlns:a16="http://schemas.microsoft.com/office/drawing/2014/main" id="{079D8B03-A256-63A4-E415-E6E155CE4C24}"/>
-                    </a:ext>
-                  </a:extLst>
-                </p:cNvPr>
-                <p:cNvPicPr/>
-                <p:nvPr/>
-              </p:nvPicPr>
-              <p:blipFill>
-                <a:blip r:embed="rId97"/>
-                <a:stretch>
-                  <a:fillRect/>
-                </a:stretch>
-              </p:blipFill>
-              <p:spPr>
-                <a:xfrm>
-                  <a:off x="9294749" y="4297932"/>
-                  <a:ext cx="102240" cy="147240"/>
-                </a:xfrm>
-                <a:prstGeom prst="rect">
-                  <a:avLst/>
-                </a:prstGeom>
-              </p:spPr>
-            </p:pic>
-          </mc:Fallback>
-        </mc:AlternateContent>
-        <mc:AlternateContent xmlns:mc="http://schemas.openxmlformats.org/markup-compatibility/2006">
-          <mc:Choice xmlns:p14="http://schemas.microsoft.com/office/powerpoint/2010/main" Requires="p14">
-            <p:contentPart p14:bwMode="auto" r:id="rId98">
-              <p14:nvContentPartPr>
-                <p14:cNvPr id="74" name="Ink 73">
-                  <a:extLst>
-                    <a:ext uri="{FF2B5EF4-FFF2-40B4-BE49-F238E27FC236}">
-                      <a16:creationId xmlns:a16="http://schemas.microsoft.com/office/drawing/2014/main" id="{9F30A87F-9B79-AB72-0BDE-0775EEB31130}"/>
-                    </a:ext>
-                  </a:extLst>
-                </p14:cNvPr>
-                <p14:cNvContentPartPr/>
-                <p14:nvPr/>
-              </p14:nvContentPartPr>
-              <p14:xfrm>
-                <a:off x="9456029" y="4166532"/>
-                <a:ext cx="11520" cy="318960"/>
-              </p14:xfrm>
-            </p:contentPart>
-          </mc:Choice>
-          <mc:Fallback>
-            <p:pic>
-              <p:nvPicPr>
-                <p:cNvPr id="74" name="Ink 73">
-                  <a:extLst>
-                    <a:ext uri="{FF2B5EF4-FFF2-40B4-BE49-F238E27FC236}">
-                      <a16:creationId xmlns:a16="http://schemas.microsoft.com/office/drawing/2014/main" id="{9F30A87F-9B79-AB72-0BDE-0775EEB31130}"/>
-                    </a:ext>
-                  </a:extLst>
-                </p:cNvPr>
-                <p:cNvPicPr/>
-                <p:nvPr/>
-              </p:nvPicPr>
-              <p:blipFill>
-                <a:blip r:embed="rId99"/>
-                <a:stretch>
-                  <a:fillRect/>
-                </a:stretch>
-              </p:blipFill>
-              <p:spPr>
-                <a:xfrm>
-                  <a:off x="9449909" y="4160412"/>
-                  <a:ext cx="23760" cy="331200"/>
-                </a:xfrm>
-                <a:prstGeom prst="rect">
-                  <a:avLst/>
-                </a:prstGeom>
-              </p:spPr>
-            </p:pic>
-          </mc:Fallback>
-        </mc:AlternateContent>
-        <mc:AlternateContent xmlns:mc="http://schemas.openxmlformats.org/markup-compatibility/2006">
-          <mc:Choice xmlns:p14="http://schemas.microsoft.com/office/powerpoint/2010/main" Requires="p14">
-            <p:contentPart p14:bwMode="auto" r:id="rId100">
-              <p14:nvContentPartPr>
-                <p14:cNvPr id="76" name="Ink 75">
-                  <a:extLst>
-                    <a:ext uri="{FF2B5EF4-FFF2-40B4-BE49-F238E27FC236}">
-                      <a16:creationId xmlns:a16="http://schemas.microsoft.com/office/drawing/2014/main" id="{D9443C67-A761-6AFA-B7B3-1B823344D28C}"/>
-                    </a:ext>
-                  </a:extLst>
-                </p14:cNvPr>
-                <p14:cNvContentPartPr/>
-                <p14:nvPr/>
-              </p14:nvContentPartPr>
-              <p14:xfrm>
-                <a:off x="9561149" y="4188132"/>
-                <a:ext cx="14400" cy="330840"/>
-              </p14:xfrm>
-            </p:contentPart>
-          </mc:Choice>
-          <mc:Fallback>
-            <p:pic>
-              <p:nvPicPr>
-                <p:cNvPr id="76" name="Ink 75">
-                  <a:extLst>
-                    <a:ext uri="{FF2B5EF4-FFF2-40B4-BE49-F238E27FC236}">
-                      <a16:creationId xmlns:a16="http://schemas.microsoft.com/office/drawing/2014/main" id="{D9443C67-A761-6AFA-B7B3-1B823344D28C}"/>
-                    </a:ext>
-                  </a:extLst>
-                </p:cNvPr>
-                <p:cNvPicPr/>
-                <p:nvPr/>
-              </p:nvPicPr>
-              <p:blipFill>
-                <a:blip r:embed="rId101"/>
-                <a:stretch>
-                  <a:fillRect/>
-                </a:stretch>
-              </p:blipFill>
-              <p:spPr>
-                <a:xfrm>
-                  <a:off x="9555029" y="4182012"/>
-                  <a:ext cx="26640" cy="343080"/>
-                </a:xfrm>
-                <a:prstGeom prst="rect">
-                  <a:avLst/>
-                </a:prstGeom>
-              </p:spPr>
-            </p:pic>
-          </mc:Fallback>
-        </mc:AlternateContent>
-        <mc:AlternateContent xmlns:mc="http://schemas.openxmlformats.org/markup-compatibility/2006">
-          <mc:Choice xmlns:p14="http://schemas.microsoft.com/office/powerpoint/2010/main" Requires="p14">
-            <p:contentPart p14:bwMode="auto" r:id="rId102">
-              <p14:nvContentPartPr>
-                <p14:cNvPr id="77" name="Ink 76">
-                  <a:extLst>
-                    <a:ext uri="{FF2B5EF4-FFF2-40B4-BE49-F238E27FC236}">
-                      <a16:creationId xmlns:a16="http://schemas.microsoft.com/office/drawing/2014/main" id="{49E16D8E-A3B2-DF66-F8A9-0851C741EBC1}"/>
-                    </a:ext>
-                  </a:extLst>
-                </p14:cNvPr>
-                <p14:cNvContentPartPr/>
-                <p14:nvPr/>
-              </p14:nvContentPartPr>
-              <p14:xfrm>
-                <a:off x="9504989" y="4295052"/>
-                <a:ext cx="120240" cy="11160"/>
-              </p14:xfrm>
-            </p:contentPart>
-          </mc:Choice>
-          <mc:Fallback>
-            <p:pic>
-              <p:nvPicPr>
-                <p:cNvPr id="77" name="Ink 76">
-                  <a:extLst>
-                    <a:ext uri="{FF2B5EF4-FFF2-40B4-BE49-F238E27FC236}">
-                      <a16:creationId xmlns:a16="http://schemas.microsoft.com/office/drawing/2014/main" id="{49E16D8E-A3B2-DF66-F8A9-0851C741EBC1}"/>
-                    </a:ext>
-                  </a:extLst>
-                </p:cNvPr>
-                <p:cNvPicPr/>
-                <p:nvPr/>
-              </p:nvPicPr>
-              <p:blipFill>
-                <a:blip r:embed="rId103"/>
-                <a:stretch>
-                  <a:fillRect/>
-                </a:stretch>
-              </p:blipFill>
-              <p:spPr>
-                <a:xfrm>
-                  <a:off x="9498869" y="4288932"/>
-                  <a:ext cx="132480" cy="23400"/>
-                </a:xfrm>
-                <a:prstGeom prst="rect">
-                  <a:avLst/>
-                </a:prstGeom>
-              </p:spPr>
-            </p:pic>
-          </mc:Fallback>
-        </mc:AlternateContent>
-      </p:grpSp>
-    </p:spTree>
-    <p:extLst>
-      <p:ext uri="{BB962C8B-B14F-4D97-AF65-F5344CB8AC3E}">
-        <p14:creationId xmlns:p14="http://schemas.microsoft.com/office/powerpoint/2010/main" val="2037085778"/>
-      </p:ext>
-    </p:extLst>
-  </p:cSld>
-  <p:clrMapOvr>
-    <a:masterClrMapping/>
-  </p:clrMapOvr>
-</p:sld>
-</file>
-
-<file path=ppt/slides/slide39.xml><?xml version="1.0" encoding="utf-8"?>
-<p:sld xmlns:a="http://schemas.openxmlformats.org/drawingml/2006/main" xmlns:r="http://schemas.openxmlformats.org/officeDocument/2006/relationships" xmlns:p="http://schemas.openxmlformats.org/presentationml/2006/main">
-  <p:cSld>
-    <p:spTree>
-      <p:nvGrpSpPr>
-        <p:cNvPr id="1" name=""/>
-        <p:cNvGrpSpPr/>
-        <p:nvPr/>
-      </p:nvGrpSpPr>
-      <p:grpSpPr>
-        <a:xfrm>
-          <a:off x="0" y="0"/>
-          <a:ext cx="0" cy="0"/>
-          <a:chOff x="0" y="0"/>
-          <a:chExt cx="0" cy="0"/>
-        </a:xfrm>
-      </p:grpSpPr>
-      <p:sp>
-        <p:nvSpPr>
-          <p:cNvPr id="2" name="Title 1">
-            <a:extLst>
-              <a:ext uri="{FF2B5EF4-FFF2-40B4-BE49-F238E27FC236}">
-                <a16:creationId xmlns:a16="http://schemas.microsoft.com/office/drawing/2014/main" id="{2484BF1E-D056-D365-F52A-345C3230A289}"/>
-              </a:ext>
-            </a:extLst>
-          </p:cNvPr>
-          <p:cNvSpPr>
-            <a:spLocks noGrp="1"/>
-          </p:cNvSpPr>
-          <p:nvPr>
-            <p:ph type="title"/>
-          </p:nvPr>
-        </p:nvSpPr>
-        <p:spPr/>
-        <p:txBody>
-          <a:bodyPr/>
-          <a:lstStyle/>
-          <a:p>
-            <a:r>
-              <a:rPr lang="en-US" dirty="0"/>
-              <a:t>What does the AI “Engine” Look Like?</a:t>
-            </a:r>
-          </a:p>
-        </p:txBody>
-      </p:sp>
-      <p:sp>
-        <p:nvSpPr>
-          <p:cNvPr id="3" name="Content Placeholder 2">
-            <a:extLst>
-              <a:ext uri="{FF2B5EF4-FFF2-40B4-BE49-F238E27FC236}">
-                <a16:creationId xmlns:a16="http://schemas.microsoft.com/office/drawing/2014/main" id="{7652BC8E-72DB-4919-3CFB-8A37876E48B2}"/>
-              </a:ext>
-            </a:extLst>
-          </p:cNvPr>
-          <p:cNvSpPr>
-            <a:spLocks noGrp="1"/>
-          </p:cNvSpPr>
-          <p:nvPr>
-            <p:ph idx="1"/>
-          </p:nvPr>
-        </p:nvSpPr>
-        <p:spPr/>
-        <p:txBody>
-          <a:bodyPr>
-            <a:normAutofit/>
-          </a:bodyPr>
-          <a:lstStyle/>
-          <a:p>
-            <a:r>
-              <a:rPr lang="en-US" sz="2400" dirty="0"/>
-              <a:t>It’s complicated … unless you have taken linear algebra, some calculus, matrix manipulation … that is, second-year university mathematics.</a:t>
-            </a:r>
-          </a:p>
-          <a:p>
-            <a:pPr marL="0" indent="0">
-              <a:buNone/>
-            </a:pPr>
-            <a:endParaRPr lang="en-US" sz="2400" dirty="0"/>
-          </a:p>
-          <a:p>
-            <a:r>
-              <a:rPr lang="en-US" sz="2400" dirty="0"/>
-              <a:t>Next day, I will develop some “cartoons” to help us understand this, without having to teach all of this mathematics.</a:t>
-            </a:r>
-          </a:p>
-          <a:p>
-            <a:endParaRPr lang="en-US" sz="2400" dirty="0"/>
-          </a:p>
-          <a:p>
-            <a:r>
-              <a:rPr lang="en-US" sz="2400" dirty="0"/>
-              <a:t>But, please understand, it IS just well-known, well-establish mathematics that can easily solve this problem!</a:t>
-            </a:r>
-          </a:p>
-        </p:txBody>
-      </p:sp>
-      <mc:AlternateContent xmlns:mc="http://schemas.openxmlformats.org/markup-compatibility/2006">
-        <mc:Choice xmlns:p14="http://schemas.microsoft.com/office/powerpoint/2010/main" Requires="p14">
-          <p:contentPart p14:bwMode="auto" r:id="rId2">
-            <p14:nvContentPartPr>
-              <p14:cNvPr id="4" name="Ink 3">
-                <a:extLst>
-                  <a:ext uri="{FF2B5EF4-FFF2-40B4-BE49-F238E27FC236}">
-                    <a16:creationId xmlns:a16="http://schemas.microsoft.com/office/drawing/2014/main" id="{EB18F257-125A-8C27-841C-571BFD64A593}"/>
-                  </a:ext>
-                </a:extLst>
-              </p14:cNvPr>
-              <p14:cNvContentPartPr/>
-              <p14:nvPr/>
-            </p14:nvContentPartPr>
-            <p14:xfrm>
-              <a:off x="3246389" y="1352052"/>
-              <a:ext cx="360" cy="360"/>
-            </p14:xfrm>
-          </p:contentPart>
-        </mc:Choice>
-        <mc:Fallback>
-          <p:pic>
-            <p:nvPicPr>
-              <p:cNvPr id="4" name="Ink 3">
-                <a:extLst>
-                  <a:ext uri="{FF2B5EF4-FFF2-40B4-BE49-F238E27FC236}">
-                    <a16:creationId xmlns:a16="http://schemas.microsoft.com/office/drawing/2014/main" id="{EB18F257-125A-8C27-841C-571BFD64A593}"/>
-                  </a:ext>
-                </a:extLst>
-              </p:cNvPr>
-              <p:cNvPicPr/>
-              <p:nvPr/>
-            </p:nvPicPr>
-            <p:blipFill>
-              <a:blip r:embed="rId3"/>
-              <a:stretch>
-                <a:fillRect/>
-              </a:stretch>
-            </p:blipFill>
-            <p:spPr>
-              <a:xfrm>
-                <a:off x="3240269" y="1345932"/>
-                <a:ext cx="12600" cy="12600"/>
-              </a:xfrm>
-              <a:prstGeom prst="rect">
-                <a:avLst/>
-              </a:prstGeom>
-            </p:spPr>
-          </p:pic>
-        </mc:Fallback>
-      </mc:AlternateContent>
-    </p:spTree>
-    <p:extLst>
-      <p:ext uri="{BB962C8B-B14F-4D97-AF65-F5344CB8AC3E}">
-        <p14:creationId xmlns:p14="http://schemas.microsoft.com/office/powerpoint/2010/main" val="88983851"/>
       </p:ext>
     </p:extLst>
   </p:cSld>
